--- a/업무보고0108.pptx
+++ b/업무보고0108.pptx
@@ -10,12 +10,13 @@
     <p:sldId id="328" r:id="rId4"/>
     <p:sldId id="326" r:id="rId5"/>
     <p:sldId id="320" r:id="rId6"/>
-    <p:sldId id="321" r:id="rId7"/>
-    <p:sldId id="324" r:id="rId8"/>
-    <p:sldId id="323" r:id="rId9"/>
-    <p:sldId id="322" r:id="rId10"/>
-    <p:sldId id="325" r:id="rId11"/>
-    <p:sldId id="315" r:id="rId12"/>
+    <p:sldId id="329" r:id="rId7"/>
+    <p:sldId id="321" r:id="rId8"/>
+    <p:sldId id="324" r:id="rId9"/>
+    <p:sldId id="323" r:id="rId10"/>
+    <p:sldId id="322" r:id="rId11"/>
+    <p:sldId id="325" r:id="rId12"/>
+    <p:sldId id="315" r:id="rId13"/>
   </p:sldIdLst>
   <p:sldSz cx="9144000" cy="6858000" type="screen4x3"/>
   <p:notesSz cx="6858000" cy="9144000"/>
@@ -253,7 +254,7 @@
           <a:p>
             <a:fld id="{9F12D92A-1099-47F9-BA91-F3EF59B10499}" type="datetimeFigureOut">
               <a:rPr lang="ko-KR" altLang="en-US" smtClean="0"/>
-              <a:t>2021-01-03</a:t>
+              <a:t>2021-01-04</a:t>
             </a:fld>
             <a:endParaRPr lang="ko-KR" altLang="en-US"/>
           </a:p>
@@ -423,7 +424,7 @@
           <a:p>
             <a:fld id="{9F12D92A-1099-47F9-BA91-F3EF59B10499}" type="datetimeFigureOut">
               <a:rPr lang="ko-KR" altLang="en-US" smtClean="0"/>
-              <a:t>2021-01-03</a:t>
+              <a:t>2021-01-04</a:t>
             </a:fld>
             <a:endParaRPr lang="ko-KR" altLang="en-US"/>
           </a:p>
@@ -603,7 +604,7 @@
           <a:p>
             <a:fld id="{9F12D92A-1099-47F9-BA91-F3EF59B10499}" type="datetimeFigureOut">
               <a:rPr lang="ko-KR" altLang="en-US" smtClean="0"/>
-              <a:t>2021-01-03</a:t>
+              <a:t>2021-01-04</a:t>
             </a:fld>
             <a:endParaRPr lang="ko-KR" altLang="en-US"/>
           </a:p>
@@ -773,7 +774,7 @@
           <a:p>
             <a:fld id="{9F12D92A-1099-47F9-BA91-F3EF59B10499}" type="datetimeFigureOut">
               <a:rPr lang="ko-KR" altLang="en-US" smtClean="0"/>
-              <a:t>2021-01-03</a:t>
+              <a:t>2021-01-04</a:t>
             </a:fld>
             <a:endParaRPr lang="ko-KR" altLang="en-US"/>
           </a:p>
@@ -1017,7 +1018,7 @@
           <a:p>
             <a:fld id="{9F12D92A-1099-47F9-BA91-F3EF59B10499}" type="datetimeFigureOut">
               <a:rPr lang="ko-KR" altLang="en-US" smtClean="0"/>
-              <a:t>2021-01-03</a:t>
+              <a:t>2021-01-04</a:t>
             </a:fld>
             <a:endParaRPr lang="ko-KR" altLang="en-US"/>
           </a:p>
@@ -1249,7 +1250,7 @@
           <a:p>
             <a:fld id="{9F12D92A-1099-47F9-BA91-F3EF59B10499}" type="datetimeFigureOut">
               <a:rPr lang="ko-KR" altLang="en-US" smtClean="0"/>
-              <a:t>2021-01-03</a:t>
+              <a:t>2021-01-04</a:t>
             </a:fld>
             <a:endParaRPr lang="ko-KR" altLang="en-US"/>
           </a:p>
@@ -1616,7 +1617,7 @@
           <a:p>
             <a:fld id="{9F12D92A-1099-47F9-BA91-F3EF59B10499}" type="datetimeFigureOut">
               <a:rPr lang="ko-KR" altLang="en-US" smtClean="0"/>
-              <a:t>2021-01-03</a:t>
+              <a:t>2021-01-04</a:t>
             </a:fld>
             <a:endParaRPr lang="ko-KR" altLang="en-US"/>
           </a:p>
@@ -1734,7 +1735,7 @@
           <a:p>
             <a:fld id="{9F12D92A-1099-47F9-BA91-F3EF59B10499}" type="datetimeFigureOut">
               <a:rPr lang="ko-KR" altLang="en-US" smtClean="0"/>
-              <a:t>2021-01-03</a:t>
+              <a:t>2021-01-04</a:t>
             </a:fld>
             <a:endParaRPr lang="ko-KR" altLang="en-US"/>
           </a:p>
@@ -1829,7 +1830,7 @@
           <a:p>
             <a:fld id="{9F12D92A-1099-47F9-BA91-F3EF59B10499}" type="datetimeFigureOut">
               <a:rPr lang="ko-KR" altLang="en-US" smtClean="0"/>
-              <a:t>2021-01-03</a:t>
+              <a:t>2021-01-04</a:t>
             </a:fld>
             <a:endParaRPr lang="ko-KR" altLang="en-US"/>
           </a:p>
@@ -2106,7 +2107,7 @@
           <a:p>
             <a:fld id="{9F12D92A-1099-47F9-BA91-F3EF59B10499}" type="datetimeFigureOut">
               <a:rPr lang="ko-KR" altLang="en-US" smtClean="0"/>
-              <a:t>2021-01-03</a:t>
+              <a:t>2021-01-04</a:t>
             </a:fld>
             <a:endParaRPr lang="ko-KR" altLang="en-US"/>
           </a:p>
@@ -2363,7 +2364,7 @@
           <a:p>
             <a:fld id="{9F12D92A-1099-47F9-BA91-F3EF59B10499}" type="datetimeFigureOut">
               <a:rPr lang="ko-KR" altLang="en-US" smtClean="0"/>
-              <a:t>2021-01-03</a:t>
+              <a:t>2021-01-04</a:t>
             </a:fld>
             <a:endParaRPr lang="ko-KR" altLang="en-US"/>
           </a:p>
@@ -2576,7 +2577,7 @@
           <a:p>
             <a:fld id="{9F12D92A-1099-47F9-BA91-F3EF59B10499}" type="datetimeFigureOut">
               <a:rPr lang="ko-KR" altLang="en-US" smtClean="0"/>
-              <a:t>2021-01-03</a:t>
+              <a:t>2021-01-04</a:t>
             </a:fld>
             <a:endParaRPr lang="ko-KR" altLang="en-US"/>
           </a:p>
@@ -3132,6 +3133,924 @@
           <a:chExt cx="0" cy="0"/>
         </a:xfrm>
       </p:grpSpPr>
+      <p:pic>
+        <p:nvPicPr>
+          <p:cNvPr id="2" name="그림 1"/>
+          <p:cNvPicPr>
+            <a:picLocks noChangeAspect="1"/>
+          </p:cNvPicPr>
+          <p:nvPr/>
+        </p:nvPicPr>
+        <p:blipFill>
+          <a:blip r:embed="rId2"/>
+          <a:stretch>
+            <a:fillRect/>
+          </a:stretch>
+        </p:blipFill>
+        <p:spPr>
+          <a:xfrm>
+            <a:off x="584850" y="1396413"/>
+            <a:ext cx="2499698" cy="2529368"/>
+          </a:xfrm>
+          <a:prstGeom prst="rect">
+            <a:avLst/>
+          </a:prstGeom>
+        </p:spPr>
+      </p:pic>
+      <p:sp>
+        <p:nvSpPr>
+          <p:cNvPr id="3" name="직사각형 2"/>
+          <p:cNvSpPr/>
+          <p:nvPr/>
+        </p:nvSpPr>
+        <p:spPr>
+          <a:xfrm>
+            <a:off x="136868" y="98606"/>
+            <a:ext cx="4572000" cy="253916"/>
+          </a:xfrm>
+          <a:prstGeom prst="rect">
+            <a:avLst/>
+          </a:prstGeom>
+        </p:spPr>
+        <p:txBody>
+          <a:bodyPr>
+            <a:spAutoFit/>
+          </a:bodyPr>
+          <a:lstStyle/>
+          <a:p>
+            <a:r>
+              <a:rPr lang="ko-KR" altLang="en-US" sz="1050" b="1" dirty="0" smtClean="0">
+                <a:ln>
+                  <a:solidFill>
+                    <a:schemeClr val="tx1">
+                      <a:alpha val="0"/>
+                    </a:schemeClr>
+                  </a:solidFill>
+                </a:ln>
+                <a:solidFill>
+                  <a:srgbClr val="C00000"/>
+                </a:solidFill>
+                <a:latin typeface="나눔바른고딕" panose="020B0603020101020101" pitchFamily="50" charset="-127"/>
+                <a:ea typeface="나눔바른고딕" panose="020B0603020101020101" pitchFamily="50" charset="-127"/>
+              </a:rPr>
+              <a:t>추가 예정</a:t>
+            </a:r>
+            <a:r>
+              <a:rPr lang="en-US" altLang="ko-KR" sz="1050" b="1" dirty="0" smtClean="0">
+                <a:ln>
+                  <a:solidFill>
+                    <a:schemeClr val="tx1">
+                      <a:alpha val="0"/>
+                    </a:schemeClr>
+                  </a:solidFill>
+                </a:ln>
+                <a:solidFill>
+                  <a:srgbClr val="C00000"/>
+                </a:solidFill>
+                <a:latin typeface="나눔바른고딕" panose="020B0603020101020101" pitchFamily="50" charset="-127"/>
+                <a:ea typeface="나눔바른고딕" panose="020B0603020101020101" pitchFamily="50" charset="-127"/>
+              </a:rPr>
+              <a:t>) </a:t>
+            </a:r>
+            <a:r>
+              <a:rPr lang="ko-KR" altLang="en-US" sz="1050" b="1" dirty="0" smtClean="0">
+                <a:ln>
+                  <a:solidFill>
+                    <a:schemeClr val="tx1">
+                      <a:alpha val="0"/>
+                    </a:schemeClr>
+                  </a:solidFill>
+                </a:ln>
+                <a:solidFill>
+                  <a:srgbClr val="C00000"/>
+                </a:solidFill>
+                <a:latin typeface="나눔바른고딕" panose="020B0603020101020101" pitchFamily="50" charset="-127"/>
+                <a:ea typeface="나눔바른고딕" panose="020B0603020101020101" pitchFamily="50" charset="-127"/>
+              </a:rPr>
+              <a:t> </a:t>
+            </a:r>
+            <a:r>
+              <a:rPr lang="ko-KR" altLang="en-US" sz="1050" b="1" dirty="0" err="1" smtClean="0">
+                <a:ln>
+                  <a:solidFill>
+                    <a:schemeClr val="tx1">
+                      <a:alpha val="0"/>
+                    </a:schemeClr>
+                  </a:solidFill>
+                </a:ln>
+                <a:latin typeface="나눔바른고딕" panose="020B0603020101020101" pitchFamily="50" charset="-127"/>
+                <a:ea typeface="나눔바른고딕" panose="020B0603020101020101" pitchFamily="50" charset="-127"/>
+              </a:rPr>
+              <a:t>채널톡</a:t>
+            </a:r>
+            <a:r>
+              <a:rPr lang="ko-KR" altLang="en-US" sz="1050" b="1" dirty="0" smtClean="0">
+                <a:ln>
+                  <a:solidFill>
+                    <a:schemeClr val="tx1">
+                      <a:alpha val="0"/>
+                    </a:schemeClr>
+                  </a:solidFill>
+                </a:ln>
+                <a:latin typeface="나눔바른고딕" panose="020B0603020101020101" pitchFamily="50" charset="-127"/>
+                <a:ea typeface="나눔바른고딕" panose="020B0603020101020101" pitchFamily="50" charset="-127"/>
+              </a:rPr>
+              <a:t> 마케팅 </a:t>
+            </a:r>
+            <a:r>
+              <a:rPr lang="en-US" altLang="ko-KR" sz="1050" b="1" dirty="0" smtClean="0">
+                <a:ln>
+                  <a:solidFill>
+                    <a:schemeClr val="tx1">
+                      <a:alpha val="0"/>
+                    </a:schemeClr>
+                  </a:solidFill>
+                </a:ln>
+                <a:latin typeface="나눔바른고딕" panose="020B0603020101020101" pitchFamily="50" charset="-127"/>
+                <a:ea typeface="나눔바른고딕" panose="020B0603020101020101" pitchFamily="50" charset="-127"/>
+              </a:rPr>
+              <a:t>: </a:t>
+            </a:r>
+            <a:r>
+              <a:rPr lang="ko-KR" altLang="en-US" sz="1050" b="1" dirty="0" err="1" smtClean="0">
+                <a:ln>
+                  <a:solidFill>
+                    <a:schemeClr val="tx1">
+                      <a:alpha val="0"/>
+                    </a:schemeClr>
+                  </a:solidFill>
+                </a:ln>
+                <a:latin typeface="나눔바른고딕" panose="020B0603020101020101" pitchFamily="50" charset="-127"/>
+                <a:ea typeface="나눔바른고딕" panose="020B0603020101020101" pitchFamily="50" charset="-127"/>
+              </a:rPr>
+              <a:t>비수강생</a:t>
+            </a:r>
+            <a:r>
+              <a:rPr lang="ko-KR" altLang="en-US" sz="1050" b="1" dirty="0" smtClean="0">
+                <a:ln>
+                  <a:solidFill>
+                    <a:schemeClr val="tx1">
+                      <a:alpha val="0"/>
+                    </a:schemeClr>
+                  </a:solidFill>
+                </a:ln>
+                <a:latin typeface="나눔바른고딕" panose="020B0603020101020101" pitchFamily="50" charset="-127"/>
+                <a:ea typeface="나눔바른고딕" panose="020B0603020101020101" pitchFamily="50" charset="-127"/>
+              </a:rPr>
+              <a:t> 대상 </a:t>
+            </a:r>
+            <a:r>
+              <a:rPr lang="ko-KR" altLang="en-US" sz="1050" b="1" dirty="0" err="1" smtClean="0">
+                <a:ln>
+                  <a:solidFill>
+                    <a:schemeClr val="tx1">
+                      <a:alpha val="0"/>
+                    </a:schemeClr>
+                  </a:solidFill>
+                </a:ln>
+                <a:latin typeface="나눔바른고딕" panose="020B0603020101020101" pitchFamily="50" charset="-127"/>
+                <a:ea typeface="나눔바른고딕" panose="020B0603020101020101" pitchFamily="50" charset="-127"/>
+              </a:rPr>
+              <a:t>푸시알림</a:t>
+            </a:r>
+            <a:endParaRPr lang="ko-KR" altLang="en-US" sz="1050" b="1" dirty="0">
+              <a:ln>
+                <a:solidFill>
+                  <a:schemeClr val="tx1">
+                    <a:alpha val="0"/>
+                  </a:schemeClr>
+                </a:solidFill>
+              </a:ln>
+              <a:latin typeface="나눔바른고딕" panose="020B0603020101020101" pitchFamily="50" charset="-127"/>
+              <a:ea typeface="나눔바른고딕" panose="020B0603020101020101" pitchFamily="50" charset="-127"/>
+            </a:endParaRPr>
+          </a:p>
+        </p:txBody>
+      </p:sp>
+      <p:cxnSp>
+        <p:nvCxnSpPr>
+          <p:cNvPr id="4" name="직선 연결선 3"/>
+          <p:cNvCxnSpPr/>
+          <p:nvPr/>
+        </p:nvCxnSpPr>
+        <p:spPr>
+          <a:xfrm>
+            <a:off x="136868" y="401870"/>
+            <a:ext cx="8867351" cy="0"/>
+          </a:xfrm>
+          <a:prstGeom prst="line">
+            <a:avLst/>
+          </a:prstGeom>
+          <a:ln>
+            <a:solidFill>
+              <a:schemeClr val="tx1"/>
+            </a:solidFill>
+          </a:ln>
+        </p:spPr>
+        <p:style>
+          <a:lnRef idx="1">
+            <a:schemeClr val="accent1"/>
+          </a:lnRef>
+          <a:fillRef idx="0">
+            <a:schemeClr val="accent1"/>
+          </a:fillRef>
+          <a:effectRef idx="0">
+            <a:schemeClr val="accent1"/>
+          </a:effectRef>
+          <a:fontRef idx="minor">
+            <a:schemeClr val="tx1"/>
+          </a:fontRef>
+        </p:style>
+      </p:cxnSp>
+      <p:sp>
+        <p:nvSpPr>
+          <p:cNvPr id="5" name="직사각형 4"/>
+          <p:cNvSpPr/>
+          <p:nvPr/>
+        </p:nvSpPr>
+        <p:spPr>
+          <a:xfrm>
+            <a:off x="551845" y="5073332"/>
+            <a:ext cx="1871023" cy="261610"/>
+          </a:xfrm>
+          <a:prstGeom prst="rect">
+            <a:avLst/>
+          </a:prstGeom>
+          <a:solidFill>
+            <a:schemeClr val="bg2"/>
+          </a:solidFill>
+          <a:ln>
+            <a:solidFill>
+              <a:srgbClr val="0070C0"/>
+            </a:solidFill>
+          </a:ln>
+        </p:spPr>
+        <p:txBody>
+          <a:bodyPr wrap="square">
+            <a:spAutoFit/>
+          </a:bodyPr>
+          <a:lstStyle/>
+          <a:p>
+            <a:pPr algn="ctr"/>
+            <a:r>
+              <a:rPr lang="ko-KR" altLang="en-US" sz="1100" dirty="0">
+                <a:ln>
+                  <a:solidFill>
+                    <a:schemeClr val="tx1">
+                      <a:alpha val="0"/>
+                    </a:schemeClr>
+                  </a:solidFill>
+                </a:ln>
+                <a:latin typeface="나눔바른고딕" panose="020B0603020101020101" pitchFamily="50" charset="-127"/>
+                <a:ea typeface="나눔바른고딕" panose="020B0603020101020101" pitchFamily="50" charset="-127"/>
+              </a:rPr>
+              <a:t>목표 </a:t>
+            </a:r>
+            <a:r>
+              <a:rPr lang="en-US" altLang="ko-KR" sz="1100" dirty="0">
+                <a:ln>
+                  <a:solidFill>
+                    <a:schemeClr val="tx1">
+                      <a:alpha val="0"/>
+                    </a:schemeClr>
+                  </a:solidFill>
+                </a:ln>
+                <a:latin typeface="나눔바른고딕" panose="020B0603020101020101" pitchFamily="50" charset="-127"/>
+                <a:ea typeface="나눔바른고딕" panose="020B0603020101020101" pitchFamily="50" charset="-127"/>
+              </a:rPr>
+              <a:t>: </a:t>
+            </a:r>
+            <a:r>
+              <a:rPr lang="ko-KR" altLang="en-US" sz="1100" dirty="0" err="1">
+                <a:ln>
+                  <a:solidFill>
+                    <a:schemeClr val="tx1">
+                      <a:alpha val="0"/>
+                    </a:schemeClr>
+                  </a:solidFill>
+                </a:ln>
+                <a:latin typeface="나눔바른고딕" panose="020B0603020101020101" pitchFamily="50" charset="-127"/>
+                <a:ea typeface="나눔바른고딕" panose="020B0603020101020101" pitchFamily="50" charset="-127"/>
+              </a:rPr>
+              <a:t>체험신청</a:t>
+            </a:r>
+            <a:r>
+              <a:rPr lang="en-US" altLang="ko-KR" sz="1100" dirty="0">
+                <a:ln>
+                  <a:solidFill>
+                    <a:schemeClr val="tx1">
+                      <a:alpha val="0"/>
+                    </a:schemeClr>
+                  </a:solidFill>
+                </a:ln>
+                <a:latin typeface="나눔바른고딕" panose="020B0603020101020101" pitchFamily="50" charset="-127"/>
+                <a:ea typeface="나눔바른고딕" panose="020B0603020101020101" pitchFamily="50" charset="-127"/>
+              </a:rPr>
+              <a:t>(</a:t>
+            </a:r>
+            <a:r>
+              <a:rPr lang="ko-KR" altLang="en-US" sz="1100" dirty="0">
+                <a:ln>
+                  <a:solidFill>
+                    <a:schemeClr val="tx1">
+                      <a:alpha val="0"/>
+                    </a:schemeClr>
+                  </a:solidFill>
+                </a:ln>
+                <a:latin typeface="나눔바른고딕" panose="020B0603020101020101" pitchFamily="50" charset="-127"/>
+                <a:ea typeface="나눔바른고딕" panose="020B0603020101020101" pitchFamily="50" charset="-127"/>
+              </a:rPr>
+              <a:t>완료</a:t>
+            </a:r>
+            <a:r>
+              <a:rPr lang="en-US" altLang="ko-KR" sz="1100" dirty="0">
+                <a:ln>
+                  <a:solidFill>
+                    <a:schemeClr val="tx1">
+                      <a:alpha val="0"/>
+                    </a:schemeClr>
+                  </a:solidFill>
+                </a:ln>
+                <a:latin typeface="나눔바른고딕" panose="020B0603020101020101" pitchFamily="50" charset="-127"/>
+                <a:ea typeface="나눔바른고딕" panose="020B0603020101020101" pitchFamily="50" charset="-127"/>
+              </a:rPr>
+              <a:t>) </a:t>
+            </a:r>
+          </a:p>
+        </p:txBody>
+      </p:sp>
+      <p:sp>
+        <p:nvSpPr>
+          <p:cNvPr id="6" name="직사각형 5"/>
+          <p:cNvSpPr/>
+          <p:nvPr/>
+        </p:nvSpPr>
+        <p:spPr>
+          <a:xfrm>
+            <a:off x="551845" y="4066559"/>
+            <a:ext cx="5809626" cy="430887"/>
+          </a:xfrm>
+          <a:prstGeom prst="rect">
+            <a:avLst/>
+          </a:prstGeom>
+          <a:noFill/>
+          <a:ln>
+            <a:noFill/>
+          </a:ln>
+        </p:spPr>
+        <p:txBody>
+          <a:bodyPr wrap="square">
+            <a:spAutoFit/>
+          </a:bodyPr>
+          <a:lstStyle/>
+          <a:p>
+            <a:r>
+              <a:rPr lang="ko-KR" altLang="en-US" sz="1100" b="1" dirty="0" smtClean="0">
+                <a:ln>
+                  <a:solidFill>
+                    <a:schemeClr val="tx1">
+                      <a:alpha val="0"/>
+                    </a:schemeClr>
+                  </a:solidFill>
+                </a:ln>
+                <a:latin typeface="나눔바른고딕" panose="020B0603020101020101" pitchFamily="50" charset="-127"/>
+                <a:ea typeface="나눔바른고딕" panose="020B0603020101020101" pitchFamily="50" charset="-127"/>
+              </a:rPr>
+              <a:t>수강생</a:t>
+            </a:r>
+            <a:r>
+              <a:rPr lang="en-US" altLang="ko-KR" sz="1100" b="1" dirty="0" err="1">
+                <a:ln>
+                  <a:solidFill>
+                    <a:schemeClr val="tx1">
+                      <a:alpha val="0"/>
+                    </a:schemeClr>
+                  </a:solidFill>
+                </a:ln>
+                <a:latin typeface="나눔바른고딕" panose="020B0603020101020101" pitchFamily="50" charset="-127"/>
+                <a:ea typeface="나눔바른고딕" panose="020B0603020101020101" pitchFamily="50" charset="-127"/>
+              </a:rPr>
+              <a:t>url</a:t>
+            </a:r>
+            <a:r>
+              <a:rPr lang="ko-KR" altLang="en-US" sz="1100" b="1" dirty="0">
+                <a:ln>
+                  <a:solidFill>
+                    <a:schemeClr val="tx1">
+                      <a:alpha val="0"/>
+                    </a:schemeClr>
+                  </a:solidFill>
+                </a:ln>
+                <a:latin typeface="나눔바른고딕" panose="020B0603020101020101" pitchFamily="50" charset="-127"/>
+                <a:ea typeface="나눔바른고딕" panose="020B0603020101020101" pitchFamily="50" charset="-127"/>
+              </a:rPr>
+              <a:t>인 </a:t>
+            </a:r>
+            <a:r>
+              <a:rPr lang="en-US" altLang="ko-KR" sz="1100" b="1" dirty="0">
+                <a:ln>
+                  <a:solidFill>
+                    <a:schemeClr val="tx1">
+                      <a:alpha val="0"/>
+                    </a:schemeClr>
+                  </a:solidFill>
+                </a:ln>
+                <a:latin typeface="나눔바른고딕" panose="020B0603020101020101" pitchFamily="50" charset="-127"/>
+                <a:ea typeface="나눔바른고딕" panose="020B0603020101020101" pitchFamily="50" charset="-127"/>
+              </a:rPr>
+              <a:t>/</a:t>
+            </a:r>
+            <a:r>
+              <a:rPr lang="en-US" altLang="ko-KR" sz="1100" b="1" dirty="0" err="1">
+                <a:ln>
+                  <a:solidFill>
+                    <a:schemeClr val="tx1">
+                      <a:alpha val="0"/>
+                    </a:schemeClr>
+                  </a:solidFill>
+                </a:ln>
+                <a:latin typeface="나눔바른고딕" panose="020B0603020101020101" pitchFamily="50" charset="-127"/>
+                <a:ea typeface="나눔바른고딕" panose="020B0603020101020101" pitchFamily="50" charset="-127"/>
+              </a:rPr>
+              <a:t>main_studying</a:t>
+            </a:r>
+            <a:r>
+              <a:rPr lang="en-US" altLang="ko-KR" sz="1100" b="1" dirty="0">
+                <a:ln>
+                  <a:solidFill>
+                    <a:schemeClr val="tx1">
+                      <a:alpha val="0"/>
+                    </a:schemeClr>
+                  </a:solidFill>
+                </a:ln>
+                <a:latin typeface="나눔바른고딕" panose="020B0603020101020101" pitchFamily="50" charset="-127"/>
+                <a:ea typeface="나눔바른고딕" panose="020B0603020101020101" pitchFamily="50" charset="-127"/>
+              </a:rPr>
+              <a:t>  </a:t>
+            </a:r>
+            <a:r>
+              <a:rPr lang="ko-KR" altLang="en-US" sz="1100" b="1" dirty="0">
+                <a:ln>
+                  <a:solidFill>
+                    <a:schemeClr val="tx1">
+                      <a:alpha val="0"/>
+                    </a:schemeClr>
+                  </a:solidFill>
+                </a:ln>
+                <a:latin typeface="나눔바른고딕" panose="020B0603020101020101" pitchFamily="50" charset="-127"/>
+                <a:ea typeface="나눔바른고딕" panose="020B0603020101020101" pitchFamily="50" charset="-127"/>
+              </a:rPr>
+              <a:t>페이지를 방문하지 않은 대상</a:t>
+            </a:r>
+            <a:r>
+              <a:rPr lang="en-US" altLang="ko-KR" sz="1100" b="1" dirty="0">
+                <a:ln>
+                  <a:solidFill>
+                    <a:schemeClr val="tx1">
+                      <a:alpha val="0"/>
+                    </a:schemeClr>
+                  </a:solidFill>
+                </a:ln>
+                <a:latin typeface="나눔바른고딕" panose="020B0603020101020101" pitchFamily="50" charset="-127"/>
+                <a:ea typeface="나눔바른고딕" panose="020B0603020101020101" pitchFamily="50" charset="-127"/>
+              </a:rPr>
+              <a:t>(</a:t>
+            </a:r>
+            <a:r>
+              <a:rPr lang="ko-KR" altLang="en-US" sz="1100" b="1" dirty="0" err="1">
+                <a:ln>
+                  <a:solidFill>
+                    <a:schemeClr val="tx1">
+                      <a:alpha val="0"/>
+                    </a:schemeClr>
+                  </a:solidFill>
+                </a:ln>
+                <a:latin typeface="나눔바른고딕" panose="020B0603020101020101" pitchFamily="50" charset="-127"/>
+                <a:ea typeface="나눔바른고딕" panose="020B0603020101020101" pitchFamily="50" charset="-127"/>
+              </a:rPr>
+              <a:t>비수강생</a:t>
+            </a:r>
+            <a:r>
+              <a:rPr lang="en-US" altLang="ko-KR" sz="1100" b="1" dirty="0" smtClean="0">
+                <a:ln>
+                  <a:solidFill>
+                    <a:schemeClr val="tx1">
+                      <a:alpha val="0"/>
+                    </a:schemeClr>
+                  </a:solidFill>
+                </a:ln>
+                <a:latin typeface="나눔바른고딕" panose="020B0603020101020101" pitchFamily="50" charset="-127"/>
+                <a:ea typeface="나눔바른고딕" panose="020B0603020101020101" pitchFamily="50" charset="-127"/>
+              </a:rPr>
+              <a:t>),</a:t>
+            </a:r>
+          </a:p>
+          <a:p>
+            <a:r>
+              <a:rPr lang="en-US" altLang="ko-KR" sz="1100" b="1" dirty="0" smtClean="0">
+                <a:ln>
+                  <a:solidFill>
+                    <a:schemeClr val="tx1">
+                      <a:alpha val="0"/>
+                    </a:schemeClr>
+                  </a:solidFill>
+                </a:ln>
+                <a:latin typeface="나눔바른고딕" panose="020B0603020101020101" pitchFamily="50" charset="-127"/>
+                <a:ea typeface="나눔바른고딕" panose="020B0603020101020101" pitchFamily="50" charset="-127"/>
+              </a:rPr>
+              <a:t>2</a:t>
+            </a:r>
+            <a:r>
+              <a:rPr lang="ko-KR" altLang="en-US" sz="1100" b="1" dirty="0">
+                <a:ln>
+                  <a:solidFill>
+                    <a:schemeClr val="tx1">
+                      <a:alpha val="0"/>
+                    </a:schemeClr>
+                  </a:solidFill>
+                </a:ln>
+                <a:latin typeface="나눔바른고딕" panose="020B0603020101020101" pitchFamily="50" charset="-127"/>
+                <a:ea typeface="나눔바른고딕" panose="020B0603020101020101" pitchFamily="50" charset="-127"/>
+              </a:rPr>
+              <a:t>분 동안 대기 후 발송</a:t>
+            </a:r>
+            <a:endParaRPr lang="en-US" altLang="ko-KR" sz="1100" b="1" dirty="0">
+              <a:ln>
+                <a:solidFill>
+                  <a:schemeClr val="tx1">
+                    <a:alpha val="0"/>
+                  </a:schemeClr>
+                </a:solidFill>
+              </a:ln>
+              <a:latin typeface="나눔바른고딕" panose="020B0603020101020101" pitchFamily="50" charset="-127"/>
+              <a:ea typeface="나눔바른고딕" panose="020B0603020101020101" pitchFamily="50" charset="-127"/>
+            </a:endParaRPr>
+          </a:p>
+        </p:txBody>
+      </p:sp>
+      <p:sp>
+        <p:nvSpPr>
+          <p:cNvPr id="7" name="직사각형 6"/>
+          <p:cNvSpPr/>
+          <p:nvPr/>
+        </p:nvSpPr>
+        <p:spPr>
+          <a:xfrm>
+            <a:off x="209921" y="563138"/>
+            <a:ext cx="5809626" cy="430887"/>
+          </a:xfrm>
+          <a:prstGeom prst="rect">
+            <a:avLst/>
+          </a:prstGeom>
+          <a:noFill/>
+          <a:ln>
+            <a:noFill/>
+          </a:ln>
+        </p:spPr>
+        <p:txBody>
+          <a:bodyPr wrap="square">
+            <a:spAutoFit/>
+          </a:bodyPr>
+          <a:lstStyle/>
+          <a:p>
+            <a:r>
+              <a:rPr lang="ko-KR" altLang="en-US" sz="1100" b="1" dirty="0" smtClean="0">
+                <a:ln>
+                  <a:solidFill>
+                    <a:schemeClr val="tx1">
+                      <a:alpha val="0"/>
+                    </a:schemeClr>
+                  </a:solidFill>
+                </a:ln>
+                <a:latin typeface="나눔바른고딕" panose="020B0603020101020101" pitchFamily="50" charset="-127"/>
+                <a:ea typeface="나눔바른고딕" panose="020B0603020101020101" pitchFamily="50" charset="-127"/>
+              </a:rPr>
+              <a:t>수강생과 </a:t>
+            </a:r>
+            <a:r>
+              <a:rPr lang="ko-KR" altLang="en-US" sz="1100" b="1" dirty="0" err="1" smtClean="0">
+                <a:ln>
+                  <a:solidFill>
+                    <a:schemeClr val="tx1">
+                      <a:alpha val="0"/>
+                    </a:schemeClr>
+                  </a:solidFill>
+                </a:ln>
+                <a:latin typeface="나눔바른고딕" panose="020B0603020101020101" pitchFamily="50" charset="-127"/>
+                <a:ea typeface="나눔바른고딕" panose="020B0603020101020101" pitchFamily="50" charset="-127"/>
+              </a:rPr>
+              <a:t>비수강생을</a:t>
+            </a:r>
+            <a:r>
+              <a:rPr lang="ko-KR" altLang="en-US" sz="1100" b="1" dirty="0" smtClean="0">
+                <a:ln>
+                  <a:solidFill>
+                    <a:schemeClr val="tx1">
+                      <a:alpha val="0"/>
+                    </a:schemeClr>
+                  </a:solidFill>
+                </a:ln>
+                <a:latin typeface="나눔바른고딕" panose="020B0603020101020101" pitchFamily="50" charset="-127"/>
+                <a:ea typeface="나눔바른고딕" panose="020B0603020101020101" pitchFamily="50" charset="-127"/>
+              </a:rPr>
+              <a:t> </a:t>
+            </a:r>
+            <a:r>
+              <a:rPr lang="en-US" altLang="ko-KR" sz="1100" b="1" dirty="0" smtClean="0">
+                <a:ln>
+                  <a:solidFill>
+                    <a:schemeClr val="tx1">
+                      <a:alpha val="0"/>
+                    </a:schemeClr>
+                  </a:solidFill>
+                </a:ln>
+                <a:latin typeface="나눔바른고딕" panose="020B0603020101020101" pitchFamily="50" charset="-127"/>
+                <a:ea typeface="나눔바른고딕" panose="020B0603020101020101" pitchFamily="50" charset="-127"/>
+              </a:rPr>
+              <a:t>/main </a:t>
+            </a:r>
+            <a:r>
+              <a:rPr lang="ko-KR" altLang="en-US" sz="1100" b="1" dirty="0" smtClean="0">
+                <a:ln>
+                  <a:solidFill>
+                    <a:schemeClr val="tx1">
+                      <a:alpha val="0"/>
+                    </a:schemeClr>
+                  </a:solidFill>
+                </a:ln>
+                <a:latin typeface="나눔바른고딕" panose="020B0603020101020101" pitchFamily="50" charset="-127"/>
+                <a:ea typeface="나눔바른고딕" panose="020B0603020101020101" pitchFamily="50" charset="-127"/>
+              </a:rPr>
+              <a:t>과 </a:t>
+            </a:r>
+            <a:r>
+              <a:rPr lang="en-US" altLang="ko-KR" sz="1100" b="1" dirty="0" smtClean="0">
+                <a:ln>
+                  <a:solidFill>
+                    <a:schemeClr val="tx1">
+                      <a:alpha val="0"/>
+                    </a:schemeClr>
+                  </a:solidFill>
+                </a:ln>
+                <a:latin typeface="나눔바른고딕" panose="020B0603020101020101" pitchFamily="50" charset="-127"/>
+                <a:ea typeface="나눔바른고딕" panose="020B0603020101020101" pitchFamily="50" charset="-127"/>
+              </a:rPr>
+              <a:t>/</a:t>
+            </a:r>
+            <a:r>
+              <a:rPr lang="en-US" altLang="ko-KR" sz="1100" b="1" dirty="0" err="1" smtClean="0">
+                <a:ln>
+                  <a:solidFill>
+                    <a:schemeClr val="tx1">
+                      <a:alpha val="0"/>
+                    </a:schemeClr>
+                  </a:solidFill>
+                </a:ln>
+                <a:latin typeface="나눔바른고딕" panose="020B0603020101020101" pitchFamily="50" charset="-127"/>
+                <a:ea typeface="나눔바른고딕" panose="020B0603020101020101" pitchFamily="50" charset="-127"/>
+              </a:rPr>
+              <a:t>main_studying</a:t>
+            </a:r>
+            <a:r>
+              <a:rPr lang="ko-KR" altLang="en-US" sz="1100" b="1" dirty="0" smtClean="0">
+                <a:ln>
+                  <a:solidFill>
+                    <a:schemeClr val="tx1">
+                      <a:alpha val="0"/>
+                    </a:schemeClr>
+                  </a:solidFill>
+                </a:ln>
+                <a:latin typeface="나눔바른고딕" panose="020B0603020101020101" pitchFamily="50" charset="-127"/>
+                <a:ea typeface="나눔바른고딕" panose="020B0603020101020101" pitchFamily="50" charset="-127"/>
+              </a:rPr>
+              <a:t>으로 분리</a:t>
+            </a:r>
+            <a:r>
+              <a:rPr lang="ko-KR" altLang="en-US" sz="1100" dirty="0" smtClean="0">
+                <a:ln>
+                  <a:solidFill>
+                    <a:schemeClr val="tx1">
+                      <a:alpha val="0"/>
+                    </a:schemeClr>
+                  </a:solidFill>
+                </a:ln>
+                <a:latin typeface="나눔바른고딕" panose="020B0603020101020101" pitchFamily="50" charset="-127"/>
+                <a:ea typeface="나눔바른고딕" panose="020B0603020101020101" pitchFamily="50" charset="-127"/>
+              </a:rPr>
+              <a:t>할 수 있게 되었습니다</a:t>
+            </a:r>
+            <a:r>
+              <a:rPr lang="en-US" altLang="ko-KR" sz="1100" dirty="0" smtClean="0">
+                <a:ln>
+                  <a:solidFill>
+                    <a:schemeClr val="tx1">
+                      <a:alpha val="0"/>
+                    </a:schemeClr>
+                  </a:solidFill>
+                </a:ln>
+                <a:latin typeface="나눔바른고딕" panose="020B0603020101020101" pitchFamily="50" charset="-127"/>
+                <a:ea typeface="나눔바른고딕" panose="020B0603020101020101" pitchFamily="50" charset="-127"/>
+              </a:rPr>
+              <a:t>.</a:t>
+            </a:r>
+          </a:p>
+          <a:p>
+            <a:r>
+              <a:rPr lang="ko-KR" altLang="en-US" sz="1100" dirty="0" smtClean="0">
+                <a:ln>
+                  <a:solidFill>
+                    <a:schemeClr val="tx1">
+                      <a:alpha val="0"/>
+                    </a:schemeClr>
+                  </a:solidFill>
+                </a:ln>
+                <a:latin typeface="나눔바른고딕" panose="020B0603020101020101" pitchFamily="50" charset="-127"/>
+                <a:ea typeface="나눔바른고딕" panose="020B0603020101020101" pitchFamily="50" charset="-127"/>
+              </a:rPr>
+              <a:t>이에 따라 </a:t>
+            </a:r>
+            <a:r>
+              <a:rPr lang="ko-KR" altLang="en-US" sz="1100" dirty="0" err="1" smtClean="0">
+                <a:ln>
+                  <a:solidFill>
+                    <a:schemeClr val="tx1">
+                      <a:alpha val="0"/>
+                    </a:schemeClr>
+                  </a:solidFill>
+                </a:ln>
+                <a:latin typeface="나눔바른고딕" panose="020B0603020101020101" pitchFamily="50" charset="-127"/>
+                <a:ea typeface="나눔바른고딕" panose="020B0603020101020101" pitchFamily="50" charset="-127"/>
+              </a:rPr>
+              <a:t>비수강생을</a:t>
+            </a:r>
+            <a:r>
+              <a:rPr lang="ko-KR" altLang="en-US" sz="1100" dirty="0" smtClean="0">
+                <a:ln>
+                  <a:solidFill>
+                    <a:schemeClr val="tx1">
+                      <a:alpha val="0"/>
+                    </a:schemeClr>
+                  </a:solidFill>
+                </a:ln>
+                <a:latin typeface="나눔바른고딕" panose="020B0603020101020101" pitchFamily="50" charset="-127"/>
+                <a:ea typeface="나눔바른고딕" panose="020B0603020101020101" pitchFamily="50" charset="-127"/>
+              </a:rPr>
+              <a:t> 대상으로 </a:t>
+            </a:r>
+            <a:r>
+              <a:rPr lang="ko-KR" altLang="en-US" sz="1100" dirty="0" err="1" smtClean="0">
+                <a:ln>
+                  <a:solidFill>
+                    <a:schemeClr val="tx1">
+                      <a:alpha val="0"/>
+                    </a:schemeClr>
+                  </a:solidFill>
+                </a:ln>
+                <a:latin typeface="나눔바른고딕" panose="020B0603020101020101" pitchFamily="50" charset="-127"/>
+                <a:ea typeface="나눔바른고딕" panose="020B0603020101020101" pitchFamily="50" charset="-127"/>
+              </a:rPr>
+              <a:t>무료체험에</a:t>
+            </a:r>
+            <a:r>
+              <a:rPr lang="ko-KR" altLang="en-US" sz="1100" dirty="0" smtClean="0">
+                <a:ln>
+                  <a:solidFill>
+                    <a:schemeClr val="tx1">
+                      <a:alpha val="0"/>
+                    </a:schemeClr>
+                  </a:solidFill>
+                </a:ln>
+                <a:latin typeface="나눔바른고딕" panose="020B0603020101020101" pitchFamily="50" charset="-127"/>
+                <a:ea typeface="나눔바른고딕" panose="020B0603020101020101" pitchFamily="50" charset="-127"/>
+              </a:rPr>
+              <a:t> 대한 노티를 보내는 것이 가능해졌습니다</a:t>
+            </a:r>
+            <a:r>
+              <a:rPr lang="en-US" altLang="ko-KR" sz="1100" dirty="0" smtClean="0">
+                <a:ln>
+                  <a:solidFill>
+                    <a:schemeClr val="tx1">
+                      <a:alpha val="0"/>
+                    </a:schemeClr>
+                  </a:solidFill>
+                </a:ln>
+                <a:latin typeface="나눔바른고딕" panose="020B0603020101020101" pitchFamily="50" charset="-127"/>
+                <a:ea typeface="나눔바른고딕" panose="020B0603020101020101" pitchFamily="50" charset="-127"/>
+              </a:rPr>
+              <a:t>. </a:t>
+            </a:r>
+            <a:endParaRPr lang="en-US" altLang="ko-KR" sz="1100" dirty="0">
+              <a:ln>
+                <a:solidFill>
+                  <a:schemeClr val="tx1">
+                    <a:alpha val="0"/>
+                  </a:schemeClr>
+                </a:solidFill>
+              </a:ln>
+              <a:latin typeface="나눔바른고딕" panose="020B0603020101020101" pitchFamily="50" charset="-127"/>
+              <a:ea typeface="나눔바른고딕" panose="020B0603020101020101" pitchFamily="50" charset="-127"/>
+            </a:endParaRPr>
+          </a:p>
+        </p:txBody>
+      </p:sp>
+      <p:sp>
+        <p:nvSpPr>
+          <p:cNvPr id="8" name="직사각형 7"/>
+          <p:cNvSpPr/>
+          <p:nvPr/>
+        </p:nvSpPr>
+        <p:spPr>
+          <a:xfrm>
+            <a:off x="7622849" y="5930167"/>
+            <a:ext cx="1242196" cy="276999"/>
+          </a:xfrm>
+          <a:prstGeom prst="rect">
+            <a:avLst/>
+          </a:prstGeom>
+          <a:solidFill>
+            <a:schemeClr val="accent4">
+              <a:lumMod val="20000"/>
+              <a:lumOff val="80000"/>
+            </a:schemeClr>
+          </a:solidFill>
+          <a:ln w="25400">
+            <a:solidFill>
+              <a:srgbClr val="C00000"/>
+            </a:solidFill>
+          </a:ln>
+        </p:spPr>
+        <p:txBody>
+          <a:bodyPr wrap="square">
+            <a:spAutoFit/>
+          </a:bodyPr>
+          <a:lstStyle/>
+          <a:p>
+            <a:pPr algn="r"/>
+            <a:r>
+              <a:rPr lang="ko-KR" altLang="en-US" sz="1200" dirty="0" smtClean="0">
+                <a:ln>
+                  <a:solidFill>
+                    <a:schemeClr val="tx1">
+                      <a:alpha val="0"/>
+                    </a:schemeClr>
+                  </a:solidFill>
+                </a:ln>
+                <a:latin typeface="나눔바른고딕" panose="020B0603020101020101" pitchFamily="50" charset="-127"/>
+                <a:ea typeface="나눔바른고딕" panose="020B0603020101020101" pitchFamily="50" charset="-127"/>
+              </a:rPr>
+              <a:t>내주 진행 예정</a:t>
+            </a:r>
+            <a:endParaRPr lang="en-US" altLang="ko-KR" sz="1200" dirty="0">
+              <a:ln>
+                <a:solidFill>
+                  <a:schemeClr val="tx1">
+                    <a:alpha val="0"/>
+                  </a:schemeClr>
+                </a:solidFill>
+              </a:ln>
+              <a:latin typeface="나눔바른고딕" panose="020B0603020101020101" pitchFamily="50" charset="-127"/>
+              <a:ea typeface="나눔바른고딕" panose="020B0603020101020101" pitchFamily="50" charset="-127"/>
+            </a:endParaRPr>
+          </a:p>
+        </p:txBody>
+      </p:sp>
+    </p:spTree>
+    <p:extLst>
+      <p:ext uri="{BB962C8B-B14F-4D97-AF65-F5344CB8AC3E}">
+        <p14:creationId xmlns:p14="http://schemas.microsoft.com/office/powerpoint/2010/main" val="3760749587"/>
+      </p:ext>
+    </p:extLst>
+  </p:cSld>
+  <p:clrMapOvr>
+    <a:masterClrMapping/>
+  </p:clrMapOvr>
+  <p:timing>
+    <p:tnLst>
+      <p:par>
+        <p:cTn id="1" dur="indefinite" restart="never" nodeType="tmRoot"/>
+      </p:par>
+    </p:tnLst>
+  </p:timing>
+</p:sld>
+</file>
+
+<file path=ppt/slides/slide11.xml><?xml version="1.0" encoding="utf-8"?>
+<p:sld xmlns:a="http://schemas.openxmlformats.org/drawingml/2006/main" xmlns:r="http://schemas.openxmlformats.org/officeDocument/2006/relationships" xmlns:p="http://schemas.openxmlformats.org/presentationml/2006/main">
+  <p:cSld>
+    <p:spTree>
+      <p:nvGrpSpPr>
+        <p:cNvPr id="1" name=""/>
+        <p:cNvGrpSpPr/>
+        <p:nvPr/>
+      </p:nvGrpSpPr>
+      <p:grpSpPr>
+        <a:xfrm>
+          <a:off x="0" y="0"/>
+          <a:ext cx="0" cy="0"/>
+          <a:chOff x="0" y="0"/>
+          <a:chExt cx="0" cy="0"/>
+        </a:xfrm>
+      </p:grpSpPr>
       <p:sp>
         <p:nvSpPr>
           <p:cNvPr id="2" name="직사각형 1"/>
@@ -3398,7 +4317,7 @@
 </p:sld>
 </file>
 
-<file path=ppt/slides/slide11.xml><?xml version="1.0" encoding="utf-8"?>
+<file path=ppt/slides/slide12.xml><?xml version="1.0" encoding="utf-8"?>
 <p:sld xmlns:a="http://schemas.openxmlformats.org/drawingml/2006/main" xmlns:r="http://schemas.openxmlformats.org/officeDocument/2006/relationships" xmlns:p="http://schemas.openxmlformats.org/presentationml/2006/main">
   <p:cSld>
     <p:spTree>
@@ -4359,30 +5278,6 @@
           <a:chExt cx="0" cy="0"/>
         </a:xfrm>
       </p:grpSpPr>
-      <p:pic>
-        <p:nvPicPr>
-          <p:cNvPr id="2" name="그림 1"/>
-          <p:cNvPicPr>
-            <a:picLocks noChangeAspect="1"/>
-          </p:cNvPicPr>
-          <p:nvPr/>
-        </p:nvPicPr>
-        <p:blipFill>
-          <a:blip r:embed="rId2"/>
-          <a:stretch>
-            <a:fillRect/>
-          </a:stretch>
-        </p:blipFill>
-        <p:spPr>
-          <a:xfrm>
-            <a:off x="429070" y="1155292"/>
-            <a:ext cx="5219700" cy="5095072"/>
-          </a:xfrm>
-          <a:prstGeom prst="rect">
-            <a:avLst/>
-          </a:prstGeom>
-        </p:spPr>
-      </p:pic>
       <p:sp>
         <p:nvSpPr>
           <p:cNvPr id="3" name="직사각형 2"/>
@@ -4565,193 +5460,6 @@
               <a:t>…</a:t>
             </a:r>
             <a:endParaRPr lang="en-US" altLang="ko-KR" sz="1100" dirty="0">
-              <a:ln>
-                <a:solidFill>
-                  <a:schemeClr val="tx1">
-                    <a:alpha val="0"/>
-                  </a:schemeClr>
-                </a:solidFill>
-              </a:ln>
-              <a:latin typeface="나눔바른고딕" panose="020B0603020101020101" pitchFamily="50" charset="-127"/>
-              <a:ea typeface="나눔바른고딕" panose="020B0603020101020101" pitchFamily="50" charset="-127"/>
-            </a:endParaRPr>
-          </a:p>
-        </p:txBody>
-      </p:sp>
-      <p:sp>
-        <p:nvSpPr>
-          <p:cNvPr id="6" name="직사각형 5"/>
-          <p:cNvSpPr/>
-          <p:nvPr/>
-        </p:nvSpPr>
-        <p:spPr>
-          <a:xfrm>
-            <a:off x="6349525" y="5492187"/>
-            <a:ext cx="2654694" cy="1015663"/>
-          </a:xfrm>
-          <a:prstGeom prst="rect">
-            <a:avLst/>
-          </a:prstGeom>
-          <a:solidFill>
-            <a:schemeClr val="accent4">
-              <a:lumMod val="20000"/>
-              <a:lumOff val="80000"/>
-            </a:schemeClr>
-          </a:solidFill>
-          <a:ln w="25400">
-            <a:solidFill>
-              <a:srgbClr val="C00000"/>
-            </a:solidFill>
-          </a:ln>
-        </p:spPr>
-        <p:txBody>
-          <a:bodyPr wrap="square">
-            <a:spAutoFit/>
-          </a:bodyPr>
-          <a:lstStyle/>
-          <a:p>
-            <a:pPr algn="r"/>
-            <a:r>
-              <a:rPr lang="ko-KR" altLang="en-US" sz="1200" dirty="0" err="1" smtClean="0">
-                <a:ln>
-                  <a:solidFill>
-                    <a:schemeClr val="tx1">
-                      <a:alpha val="0"/>
-                    </a:schemeClr>
-                  </a:solidFill>
-                </a:ln>
-                <a:latin typeface="나눔바른고딕" panose="020B0603020101020101" pitchFamily="50" charset="-127"/>
-                <a:ea typeface="나눔바른고딕" panose="020B0603020101020101" pitchFamily="50" charset="-127"/>
-              </a:rPr>
-              <a:t>워딩</a:t>
-            </a:r>
-            <a:r>
-              <a:rPr lang="ko-KR" altLang="en-US" sz="1200" dirty="0" smtClean="0">
-                <a:ln>
-                  <a:solidFill>
-                    <a:schemeClr val="tx1">
-                      <a:alpha val="0"/>
-                    </a:schemeClr>
-                  </a:solidFill>
-                </a:ln>
-                <a:latin typeface="나눔바른고딕" panose="020B0603020101020101" pitchFamily="50" charset="-127"/>
-                <a:ea typeface="나눔바른고딕" panose="020B0603020101020101" pitchFamily="50" charset="-127"/>
-              </a:rPr>
-              <a:t> 논의 필요</a:t>
-            </a:r>
-            <a:endParaRPr lang="en-US" altLang="ko-KR" sz="1200" dirty="0" smtClean="0">
-              <a:ln>
-                <a:solidFill>
-                  <a:schemeClr val="tx1">
-                    <a:alpha val="0"/>
-                  </a:schemeClr>
-                </a:solidFill>
-              </a:ln>
-              <a:latin typeface="나눔바른고딕" panose="020B0603020101020101" pitchFamily="50" charset="-127"/>
-              <a:ea typeface="나눔바른고딕" panose="020B0603020101020101" pitchFamily="50" charset="-127"/>
-            </a:endParaRPr>
-          </a:p>
-          <a:p>
-            <a:pPr algn="r"/>
-            <a:r>
-              <a:rPr lang="ko-KR" altLang="en-US" sz="1200" dirty="0" err="1" smtClean="0">
-                <a:ln>
-                  <a:solidFill>
-                    <a:schemeClr val="tx1">
-                      <a:alpha val="0"/>
-                    </a:schemeClr>
-                  </a:solidFill>
-                </a:ln>
-                <a:latin typeface="나눔바른고딕" panose="020B0603020101020101" pitchFamily="50" charset="-127"/>
-                <a:ea typeface="나눔바른고딕" panose="020B0603020101020101" pitchFamily="50" charset="-127"/>
-              </a:rPr>
-              <a:t>디자인무드</a:t>
-            </a:r>
-            <a:r>
-              <a:rPr lang="ko-KR" altLang="en-US" sz="1200" dirty="0" smtClean="0">
-                <a:ln>
-                  <a:solidFill>
-                    <a:schemeClr val="tx1">
-                      <a:alpha val="0"/>
-                    </a:schemeClr>
-                  </a:solidFill>
-                </a:ln>
-                <a:latin typeface="나눔바른고딕" panose="020B0603020101020101" pitchFamily="50" charset="-127"/>
-                <a:ea typeface="나눔바른고딕" panose="020B0603020101020101" pitchFamily="50" charset="-127"/>
-              </a:rPr>
-              <a:t> 고민 중 </a:t>
-            </a:r>
-            <a:endParaRPr lang="en-US" altLang="ko-KR" sz="1200" dirty="0" smtClean="0">
-              <a:ln>
-                <a:solidFill>
-                  <a:schemeClr val="tx1">
-                    <a:alpha val="0"/>
-                  </a:schemeClr>
-                </a:solidFill>
-              </a:ln>
-              <a:latin typeface="나눔바른고딕" panose="020B0603020101020101" pitchFamily="50" charset="-127"/>
-              <a:ea typeface="나눔바른고딕" panose="020B0603020101020101" pitchFamily="50" charset="-127"/>
-            </a:endParaRPr>
-          </a:p>
-          <a:p>
-            <a:pPr algn="r"/>
-            <a:endParaRPr lang="en-US" altLang="ko-KR" sz="1200" dirty="0">
-              <a:ln>
-                <a:solidFill>
-                  <a:schemeClr val="tx1">
-                    <a:alpha val="0"/>
-                  </a:schemeClr>
-                </a:solidFill>
-              </a:ln>
-              <a:latin typeface="나눔바른고딕" panose="020B0603020101020101" pitchFamily="50" charset="-127"/>
-              <a:ea typeface="나눔바른고딕" panose="020B0603020101020101" pitchFamily="50" charset="-127"/>
-            </a:endParaRPr>
-          </a:p>
-          <a:p>
-            <a:pPr algn="r"/>
-            <a:r>
-              <a:rPr lang="ko-KR" altLang="en-US" sz="1200" dirty="0" smtClean="0">
-                <a:ln>
-                  <a:solidFill>
-                    <a:schemeClr val="tx1">
-                      <a:alpha val="0"/>
-                    </a:schemeClr>
-                  </a:solidFill>
-                </a:ln>
-                <a:latin typeface="나눔바른고딕" panose="020B0603020101020101" pitchFamily="50" charset="-127"/>
-                <a:ea typeface="나눔바른고딕" panose="020B0603020101020101" pitchFamily="50" charset="-127"/>
-              </a:rPr>
-              <a:t>상시 진행</a:t>
-            </a:r>
-            <a:endParaRPr lang="en-US" altLang="ko-KR" sz="1200" dirty="0" smtClean="0">
-              <a:ln>
-                <a:solidFill>
-                  <a:schemeClr val="tx1">
-                    <a:alpha val="0"/>
-                  </a:schemeClr>
-                </a:solidFill>
-              </a:ln>
-              <a:latin typeface="나눔바른고딕" panose="020B0603020101020101" pitchFamily="50" charset="-127"/>
-              <a:ea typeface="나눔바른고딕" panose="020B0603020101020101" pitchFamily="50" charset="-127"/>
-            </a:endParaRPr>
-          </a:p>
-          <a:p>
-            <a:pPr algn="r"/>
-            <a:r>
-              <a:rPr lang="ko-KR" altLang="en-US" sz="1200" dirty="0" smtClean="0">
-                <a:ln>
-                  <a:solidFill>
-                    <a:schemeClr val="tx1">
-                      <a:alpha val="0"/>
-                    </a:schemeClr>
-                  </a:solidFill>
-                </a:ln>
-                <a:latin typeface="나눔바른고딕" panose="020B0603020101020101" pitchFamily="50" charset="-127"/>
-                <a:ea typeface="나눔바른고딕" panose="020B0603020101020101" pitchFamily="50" charset="-127"/>
-              </a:rPr>
-              <a:t>후기를 활용한 페이지 제작 중</a:t>
-            </a:r>
-            <a:endParaRPr lang="en-US" altLang="ko-KR" sz="1200" dirty="0">
               <a:ln>
                 <a:solidFill>
                   <a:schemeClr val="tx1">
@@ -6309,6 +7017,66 @@
 </file>
 
 <file path=ppt/slides/slide6.xml><?xml version="1.0" encoding="utf-8"?>
+<p:sld xmlns:a="http://schemas.openxmlformats.org/drawingml/2006/main" xmlns:r="http://schemas.openxmlformats.org/officeDocument/2006/relationships" xmlns:p="http://schemas.openxmlformats.org/presentationml/2006/main">
+  <p:cSld>
+    <p:spTree>
+      <p:nvGrpSpPr>
+        <p:cNvPr id="1" name=""/>
+        <p:cNvGrpSpPr/>
+        <p:nvPr/>
+      </p:nvGrpSpPr>
+      <p:grpSpPr>
+        <a:xfrm>
+          <a:off x="0" y="0"/>
+          <a:ext cx="0" cy="0"/>
+          <a:chOff x="0" y="0"/>
+          <a:chExt cx="0" cy="0"/>
+        </a:xfrm>
+      </p:grpSpPr>
+      <p:pic>
+        <p:nvPicPr>
+          <p:cNvPr id="3" name="그림 2"/>
+          <p:cNvPicPr>
+            <a:picLocks noChangeAspect="1"/>
+          </p:cNvPicPr>
+          <p:nvPr/>
+        </p:nvPicPr>
+        <p:blipFill>
+          <a:blip r:embed="rId2">
+            <a:extLst>
+              <a:ext uri="{28A0092B-C50C-407E-A947-70E740481C1C}">
+                <a14:useLocalDpi xmlns:a14="http://schemas.microsoft.com/office/drawing/2010/main" val="0"/>
+              </a:ext>
+            </a:extLst>
+          </a:blip>
+          <a:stretch>
+            <a:fillRect/>
+          </a:stretch>
+        </p:blipFill>
+        <p:spPr>
+          <a:xfrm>
+            <a:off x="1714624" y="1004048"/>
+            <a:ext cx="5437618" cy="5501340"/>
+          </a:xfrm>
+          <a:prstGeom prst="rect">
+            <a:avLst/>
+          </a:prstGeom>
+        </p:spPr>
+      </p:pic>
+    </p:spTree>
+    <p:extLst>
+      <p:ext uri="{BB962C8B-B14F-4D97-AF65-F5344CB8AC3E}">
+        <p14:creationId xmlns:p14="http://schemas.microsoft.com/office/powerpoint/2010/main" val="759925444"/>
+      </p:ext>
+    </p:extLst>
+  </p:cSld>
+  <p:clrMapOvr>
+    <a:masterClrMapping/>
+  </p:clrMapOvr>
+</p:sld>
+</file>
+
+<file path=ppt/slides/slide7.xml><?xml version="1.0" encoding="utf-8"?>
 <p:sld xmlns:a="http://schemas.openxmlformats.org/drawingml/2006/main" xmlns:r="http://schemas.openxmlformats.org/officeDocument/2006/relationships" xmlns:p="http://schemas.openxmlformats.org/presentationml/2006/main">
   <p:cSld>
     <p:spTree>
@@ -6970,7 +7738,7 @@
 </p:sld>
 </file>
 
-<file path=ppt/slides/slide7.xml><?xml version="1.0" encoding="utf-8"?>
+<file path=ppt/slides/slide8.xml><?xml version="1.0" encoding="utf-8"?>
 <p:sld xmlns:a="http://schemas.openxmlformats.org/drawingml/2006/main" xmlns:r="http://schemas.openxmlformats.org/officeDocument/2006/relationships" xmlns:p="http://schemas.openxmlformats.org/presentationml/2006/main">
   <p:cSld>
     <p:spTree>
@@ -7815,7 +8583,7 @@
 </p:sld>
 </file>
 
-<file path=ppt/slides/slide8.xml><?xml version="1.0" encoding="utf-8"?>
+<file path=ppt/slides/slide9.xml><?xml version="1.0" encoding="utf-8"?>
 <p:sld xmlns:a="http://schemas.openxmlformats.org/drawingml/2006/main" xmlns:r="http://schemas.openxmlformats.org/officeDocument/2006/relationships" xmlns:p="http://schemas.openxmlformats.org/presentationml/2006/main">
   <p:cSld>
     <p:spTree>
@@ -9758,924 +10526,6 @@
   <p:clrMapOvr>
     <a:masterClrMapping/>
   </p:clrMapOvr>
-</p:sld>
-</file>
-
-<file path=ppt/slides/slide9.xml><?xml version="1.0" encoding="utf-8"?>
-<p:sld xmlns:a="http://schemas.openxmlformats.org/drawingml/2006/main" xmlns:r="http://schemas.openxmlformats.org/officeDocument/2006/relationships" xmlns:p="http://schemas.openxmlformats.org/presentationml/2006/main">
-  <p:cSld>
-    <p:spTree>
-      <p:nvGrpSpPr>
-        <p:cNvPr id="1" name=""/>
-        <p:cNvGrpSpPr/>
-        <p:nvPr/>
-      </p:nvGrpSpPr>
-      <p:grpSpPr>
-        <a:xfrm>
-          <a:off x="0" y="0"/>
-          <a:ext cx="0" cy="0"/>
-          <a:chOff x="0" y="0"/>
-          <a:chExt cx="0" cy="0"/>
-        </a:xfrm>
-      </p:grpSpPr>
-      <p:pic>
-        <p:nvPicPr>
-          <p:cNvPr id="2" name="그림 1"/>
-          <p:cNvPicPr>
-            <a:picLocks noChangeAspect="1"/>
-          </p:cNvPicPr>
-          <p:nvPr/>
-        </p:nvPicPr>
-        <p:blipFill>
-          <a:blip r:embed="rId2"/>
-          <a:stretch>
-            <a:fillRect/>
-          </a:stretch>
-        </p:blipFill>
-        <p:spPr>
-          <a:xfrm>
-            <a:off x="584850" y="1396413"/>
-            <a:ext cx="2499698" cy="2529368"/>
-          </a:xfrm>
-          <a:prstGeom prst="rect">
-            <a:avLst/>
-          </a:prstGeom>
-        </p:spPr>
-      </p:pic>
-      <p:sp>
-        <p:nvSpPr>
-          <p:cNvPr id="3" name="직사각형 2"/>
-          <p:cNvSpPr/>
-          <p:nvPr/>
-        </p:nvSpPr>
-        <p:spPr>
-          <a:xfrm>
-            <a:off x="136868" y="98606"/>
-            <a:ext cx="4572000" cy="253916"/>
-          </a:xfrm>
-          <a:prstGeom prst="rect">
-            <a:avLst/>
-          </a:prstGeom>
-        </p:spPr>
-        <p:txBody>
-          <a:bodyPr>
-            <a:spAutoFit/>
-          </a:bodyPr>
-          <a:lstStyle/>
-          <a:p>
-            <a:r>
-              <a:rPr lang="ko-KR" altLang="en-US" sz="1050" b="1" dirty="0" smtClean="0">
-                <a:ln>
-                  <a:solidFill>
-                    <a:schemeClr val="tx1">
-                      <a:alpha val="0"/>
-                    </a:schemeClr>
-                  </a:solidFill>
-                </a:ln>
-                <a:solidFill>
-                  <a:srgbClr val="C00000"/>
-                </a:solidFill>
-                <a:latin typeface="나눔바른고딕" panose="020B0603020101020101" pitchFamily="50" charset="-127"/>
-                <a:ea typeface="나눔바른고딕" panose="020B0603020101020101" pitchFamily="50" charset="-127"/>
-              </a:rPr>
-              <a:t>추가 예정</a:t>
-            </a:r>
-            <a:r>
-              <a:rPr lang="en-US" altLang="ko-KR" sz="1050" b="1" dirty="0" smtClean="0">
-                <a:ln>
-                  <a:solidFill>
-                    <a:schemeClr val="tx1">
-                      <a:alpha val="0"/>
-                    </a:schemeClr>
-                  </a:solidFill>
-                </a:ln>
-                <a:solidFill>
-                  <a:srgbClr val="C00000"/>
-                </a:solidFill>
-                <a:latin typeface="나눔바른고딕" panose="020B0603020101020101" pitchFamily="50" charset="-127"/>
-                <a:ea typeface="나눔바른고딕" panose="020B0603020101020101" pitchFamily="50" charset="-127"/>
-              </a:rPr>
-              <a:t>) </a:t>
-            </a:r>
-            <a:r>
-              <a:rPr lang="ko-KR" altLang="en-US" sz="1050" b="1" dirty="0" smtClean="0">
-                <a:ln>
-                  <a:solidFill>
-                    <a:schemeClr val="tx1">
-                      <a:alpha val="0"/>
-                    </a:schemeClr>
-                  </a:solidFill>
-                </a:ln>
-                <a:solidFill>
-                  <a:srgbClr val="C00000"/>
-                </a:solidFill>
-                <a:latin typeface="나눔바른고딕" panose="020B0603020101020101" pitchFamily="50" charset="-127"/>
-                <a:ea typeface="나눔바른고딕" panose="020B0603020101020101" pitchFamily="50" charset="-127"/>
-              </a:rPr>
-              <a:t> </a:t>
-            </a:r>
-            <a:r>
-              <a:rPr lang="ko-KR" altLang="en-US" sz="1050" b="1" dirty="0" err="1" smtClean="0">
-                <a:ln>
-                  <a:solidFill>
-                    <a:schemeClr val="tx1">
-                      <a:alpha val="0"/>
-                    </a:schemeClr>
-                  </a:solidFill>
-                </a:ln>
-                <a:latin typeface="나눔바른고딕" panose="020B0603020101020101" pitchFamily="50" charset="-127"/>
-                <a:ea typeface="나눔바른고딕" panose="020B0603020101020101" pitchFamily="50" charset="-127"/>
-              </a:rPr>
-              <a:t>채널톡</a:t>
-            </a:r>
-            <a:r>
-              <a:rPr lang="ko-KR" altLang="en-US" sz="1050" b="1" dirty="0" smtClean="0">
-                <a:ln>
-                  <a:solidFill>
-                    <a:schemeClr val="tx1">
-                      <a:alpha val="0"/>
-                    </a:schemeClr>
-                  </a:solidFill>
-                </a:ln>
-                <a:latin typeface="나눔바른고딕" panose="020B0603020101020101" pitchFamily="50" charset="-127"/>
-                <a:ea typeface="나눔바른고딕" panose="020B0603020101020101" pitchFamily="50" charset="-127"/>
-              </a:rPr>
-              <a:t> 마케팅 </a:t>
-            </a:r>
-            <a:r>
-              <a:rPr lang="en-US" altLang="ko-KR" sz="1050" b="1" dirty="0" smtClean="0">
-                <a:ln>
-                  <a:solidFill>
-                    <a:schemeClr val="tx1">
-                      <a:alpha val="0"/>
-                    </a:schemeClr>
-                  </a:solidFill>
-                </a:ln>
-                <a:latin typeface="나눔바른고딕" panose="020B0603020101020101" pitchFamily="50" charset="-127"/>
-                <a:ea typeface="나눔바른고딕" panose="020B0603020101020101" pitchFamily="50" charset="-127"/>
-              </a:rPr>
-              <a:t>: </a:t>
-            </a:r>
-            <a:r>
-              <a:rPr lang="ko-KR" altLang="en-US" sz="1050" b="1" dirty="0" err="1" smtClean="0">
-                <a:ln>
-                  <a:solidFill>
-                    <a:schemeClr val="tx1">
-                      <a:alpha val="0"/>
-                    </a:schemeClr>
-                  </a:solidFill>
-                </a:ln>
-                <a:latin typeface="나눔바른고딕" panose="020B0603020101020101" pitchFamily="50" charset="-127"/>
-                <a:ea typeface="나눔바른고딕" panose="020B0603020101020101" pitchFamily="50" charset="-127"/>
-              </a:rPr>
-              <a:t>비수강생</a:t>
-            </a:r>
-            <a:r>
-              <a:rPr lang="ko-KR" altLang="en-US" sz="1050" b="1" dirty="0" smtClean="0">
-                <a:ln>
-                  <a:solidFill>
-                    <a:schemeClr val="tx1">
-                      <a:alpha val="0"/>
-                    </a:schemeClr>
-                  </a:solidFill>
-                </a:ln>
-                <a:latin typeface="나눔바른고딕" panose="020B0603020101020101" pitchFamily="50" charset="-127"/>
-                <a:ea typeface="나눔바른고딕" panose="020B0603020101020101" pitchFamily="50" charset="-127"/>
-              </a:rPr>
-              <a:t> 대상 </a:t>
-            </a:r>
-            <a:r>
-              <a:rPr lang="ko-KR" altLang="en-US" sz="1050" b="1" dirty="0" err="1" smtClean="0">
-                <a:ln>
-                  <a:solidFill>
-                    <a:schemeClr val="tx1">
-                      <a:alpha val="0"/>
-                    </a:schemeClr>
-                  </a:solidFill>
-                </a:ln>
-                <a:latin typeface="나눔바른고딕" panose="020B0603020101020101" pitchFamily="50" charset="-127"/>
-                <a:ea typeface="나눔바른고딕" panose="020B0603020101020101" pitchFamily="50" charset="-127"/>
-              </a:rPr>
-              <a:t>푸시알림</a:t>
-            </a:r>
-            <a:endParaRPr lang="ko-KR" altLang="en-US" sz="1050" b="1" dirty="0">
-              <a:ln>
-                <a:solidFill>
-                  <a:schemeClr val="tx1">
-                    <a:alpha val="0"/>
-                  </a:schemeClr>
-                </a:solidFill>
-              </a:ln>
-              <a:latin typeface="나눔바른고딕" panose="020B0603020101020101" pitchFamily="50" charset="-127"/>
-              <a:ea typeface="나눔바른고딕" panose="020B0603020101020101" pitchFamily="50" charset="-127"/>
-            </a:endParaRPr>
-          </a:p>
-        </p:txBody>
-      </p:sp>
-      <p:cxnSp>
-        <p:nvCxnSpPr>
-          <p:cNvPr id="4" name="직선 연결선 3"/>
-          <p:cNvCxnSpPr/>
-          <p:nvPr/>
-        </p:nvCxnSpPr>
-        <p:spPr>
-          <a:xfrm>
-            <a:off x="136868" y="401870"/>
-            <a:ext cx="8867351" cy="0"/>
-          </a:xfrm>
-          <a:prstGeom prst="line">
-            <a:avLst/>
-          </a:prstGeom>
-          <a:ln>
-            <a:solidFill>
-              <a:schemeClr val="tx1"/>
-            </a:solidFill>
-          </a:ln>
-        </p:spPr>
-        <p:style>
-          <a:lnRef idx="1">
-            <a:schemeClr val="accent1"/>
-          </a:lnRef>
-          <a:fillRef idx="0">
-            <a:schemeClr val="accent1"/>
-          </a:fillRef>
-          <a:effectRef idx="0">
-            <a:schemeClr val="accent1"/>
-          </a:effectRef>
-          <a:fontRef idx="minor">
-            <a:schemeClr val="tx1"/>
-          </a:fontRef>
-        </p:style>
-      </p:cxnSp>
-      <p:sp>
-        <p:nvSpPr>
-          <p:cNvPr id="5" name="직사각형 4"/>
-          <p:cNvSpPr/>
-          <p:nvPr/>
-        </p:nvSpPr>
-        <p:spPr>
-          <a:xfrm>
-            <a:off x="551845" y="5073332"/>
-            <a:ext cx="1871023" cy="261610"/>
-          </a:xfrm>
-          <a:prstGeom prst="rect">
-            <a:avLst/>
-          </a:prstGeom>
-          <a:solidFill>
-            <a:schemeClr val="bg2"/>
-          </a:solidFill>
-          <a:ln>
-            <a:solidFill>
-              <a:srgbClr val="0070C0"/>
-            </a:solidFill>
-          </a:ln>
-        </p:spPr>
-        <p:txBody>
-          <a:bodyPr wrap="square">
-            <a:spAutoFit/>
-          </a:bodyPr>
-          <a:lstStyle/>
-          <a:p>
-            <a:pPr algn="ctr"/>
-            <a:r>
-              <a:rPr lang="ko-KR" altLang="en-US" sz="1100" dirty="0">
-                <a:ln>
-                  <a:solidFill>
-                    <a:schemeClr val="tx1">
-                      <a:alpha val="0"/>
-                    </a:schemeClr>
-                  </a:solidFill>
-                </a:ln>
-                <a:latin typeface="나눔바른고딕" panose="020B0603020101020101" pitchFamily="50" charset="-127"/>
-                <a:ea typeface="나눔바른고딕" panose="020B0603020101020101" pitchFamily="50" charset="-127"/>
-              </a:rPr>
-              <a:t>목표 </a:t>
-            </a:r>
-            <a:r>
-              <a:rPr lang="en-US" altLang="ko-KR" sz="1100" dirty="0">
-                <a:ln>
-                  <a:solidFill>
-                    <a:schemeClr val="tx1">
-                      <a:alpha val="0"/>
-                    </a:schemeClr>
-                  </a:solidFill>
-                </a:ln>
-                <a:latin typeface="나눔바른고딕" panose="020B0603020101020101" pitchFamily="50" charset="-127"/>
-                <a:ea typeface="나눔바른고딕" panose="020B0603020101020101" pitchFamily="50" charset="-127"/>
-              </a:rPr>
-              <a:t>: </a:t>
-            </a:r>
-            <a:r>
-              <a:rPr lang="ko-KR" altLang="en-US" sz="1100" dirty="0" err="1">
-                <a:ln>
-                  <a:solidFill>
-                    <a:schemeClr val="tx1">
-                      <a:alpha val="0"/>
-                    </a:schemeClr>
-                  </a:solidFill>
-                </a:ln>
-                <a:latin typeface="나눔바른고딕" panose="020B0603020101020101" pitchFamily="50" charset="-127"/>
-                <a:ea typeface="나눔바른고딕" panose="020B0603020101020101" pitchFamily="50" charset="-127"/>
-              </a:rPr>
-              <a:t>체험신청</a:t>
-            </a:r>
-            <a:r>
-              <a:rPr lang="en-US" altLang="ko-KR" sz="1100" dirty="0">
-                <a:ln>
-                  <a:solidFill>
-                    <a:schemeClr val="tx1">
-                      <a:alpha val="0"/>
-                    </a:schemeClr>
-                  </a:solidFill>
-                </a:ln>
-                <a:latin typeface="나눔바른고딕" panose="020B0603020101020101" pitchFamily="50" charset="-127"/>
-                <a:ea typeface="나눔바른고딕" panose="020B0603020101020101" pitchFamily="50" charset="-127"/>
-              </a:rPr>
-              <a:t>(</a:t>
-            </a:r>
-            <a:r>
-              <a:rPr lang="ko-KR" altLang="en-US" sz="1100" dirty="0">
-                <a:ln>
-                  <a:solidFill>
-                    <a:schemeClr val="tx1">
-                      <a:alpha val="0"/>
-                    </a:schemeClr>
-                  </a:solidFill>
-                </a:ln>
-                <a:latin typeface="나눔바른고딕" panose="020B0603020101020101" pitchFamily="50" charset="-127"/>
-                <a:ea typeface="나눔바른고딕" panose="020B0603020101020101" pitchFamily="50" charset="-127"/>
-              </a:rPr>
-              <a:t>완료</a:t>
-            </a:r>
-            <a:r>
-              <a:rPr lang="en-US" altLang="ko-KR" sz="1100" dirty="0">
-                <a:ln>
-                  <a:solidFill>
-                    <a:schemeClr val="tx1">
-                      <a:alpha val="0"/>
-                    </a:schemeClr>
-                  </a:solidFill>
-                </a:ln>
-                <a:latin typeface="나눔바른고딕" panose="020B0603020101020101" pitchFamily="50" charset="-127"/>
-                <a:ea typeface="나눔바른고딕" panose="020B0603020101020101" pitchFamily="50" charset="-127"/>
-              </a:rPr>
-              <a:t>) </a:t>
-            </a:r>
-          </a:p>
-        </p:txBody>
-      </p:sp>
-      <p:sp>
-        <p:nvSpPr>
-          <p:cNvPr id="6" name="직사각형 5"/>
-          <p:cNvSpPr/>
-          <p:nvPr/>
-        </p:nvSpPr>
-        <p:spPr>
-          <a:xfrm>
-            <a:off x="551845" y="4066559"/>
-            <a:ext cx="5809626" cy="430887"/>
-          </a:xfrm>
-          <a:prstGeom prst="rect">
-            <a:avLst/>
-          </a:prstGeom>
-          <a:noFill/>
-          <a:ln>
-            <a:noFill/>
-          </a:ln>
-        </p:spPr>
-        <p:txBody>
-          <a:bodyPr wrap="square">
-            <a:spAutoFit/>
-          </a:bodyPr>
-          <a:lstStyle/>
-          <a:p>
-            <a:r>
-              <a:rPr lang="ko-KR" altLang="en-US" sz="1100" b="1" dirty="0" smtClean="0">
-                <a:ln>
-                  <a:solidFill>
-                    <a:schemeClr val="tx1">
-                      <a:alpha val="0"/>
-                    </a:schemeClr>
-                  </a:solidFill>
-                </a:ln>
-                <a:latin typeface="나눔바른고딕" panose="020B0603020101020101" pitchFamily="50" charset="-127"/>
-                <a:ea typeface="나눔바른고딕" panose="020B0603020101020101" pitchFamily="50" charset="-127"/>
-              </a:rPr>
-              <a:t>수강생</a:t>
-            </a:r>
-            <a:r>
-              <a:rPr lang="en-US" altLang="ko-KR" sz="1100" b="1" dirty="0" err="1">
-                <a:ln>
-                  <a:solidFill>
-                    <a:schemeClr val="tx1">
-                      <a:alpha val="0"/>
-                    </a:schemeClr>
-                  </a:solidFill>
-                </a:ln>
-                <a:latin typeface="나눔바른고딕" panose="020B0603020101020101" pitchFamily="50" charset="-127"/>
-                <a:ea typeface="나눔바른고딕" panose="020B0603020101020101" pitchFamily="50" charset="-127"/>
-              </a:rPr>
-              <a:t>url</a:t>
-            </a:r>
-            <a:r>
-              <a:rPr lang="ko-KR" altLang="en-US" sz="1100" b="1" dirty="0">
-                <a:ln>
-                  <a:solidFill>
-                    <a:schemeClr val="tx1">
-                      <a:alpha val="0"/>
-                    </a:schemeClr>
-                  </a:solidFill>
-                </a:ln>
-                <a:latin typeface="나눔바른고딕" panose="020B0603020101020101" pitchFamily="50" charset="-127"/>
-                <a:ea typeface="나눔바른고딕" panose="020B0603020101020101" pitchFamily="50" charset="-127"/>
-              </a:rPr>
-              <a:t>인 </a:t>
-            </a:r>
-            <a:r>
-              <a:rPr lang="en-US" altLang="ko-KR" sz="1100" b="1" dirty="0">
-                <a:ln>
-                  <a:solidFill>
-                    <a:schemeClr val="tx1">
-                      <a:alpha val="0"/>
-                    </a:schemeClr>
-                  </a:solidFill>
-                </a:ln>
-                <a:latin typeface="나눔바른고딕" panose="020B0603020101020101" pitchFamily="50" charset="-127"/>
-                <a:ea typeface="나눔바른고딕" panose="020B0603020101020101" pitchFamily="50" charset="-127"/>
-              </a:rPr>
-              <a:t>/</a:t>
-            </a:r>
-            <a:r>
-              <a:rPr lang="en-US" altLang="ko-KR" sz="1100" b="1" dirty="0" err="1">
-                <a:ln>
-                  <a:solidFill>
-                    <a:schemeClr val="tx1">
-                      <a:alpha val="0"/>
-                    </a:schemeClr>
-                  </a:solidFill>
-                </a:ln>
-                <a:latin typeface="나눔바른고딕" panose="020B0603020101020101" pitchFamily="50" charset="-127"/>
-                <a:ea typeface="나눔바른고딕" panose="020B0603020101020101" pitchFamily="50" charset="-127"/>
-              </a:rPr>
-              <a:t>main_studying</a:t>
-            </a:r>
-            <a:r>
-              <a:rPr lang="en-US" altLang="ko-KR" sz="1100" b="1" dirty="0">
-                <a:ln>
-                  <a:solidFill>
-                    <a:schemeClr val="tx1">
-                      <a:alpha val="0"/>
-                    </a:schemeClr>
-                  </a:solidFill>
-                </a:ln>
-                <a:latin typeface="나눔바른고딕" panose="020B0603020101020101" pitchFamily="50" charset="-127"/>
-                <a:ea typeface="나눔바른고딕" panose="020B0603020101020101" pitchFamily="50" charset="-127"/>
-              </a:rPr>
-              <a:t>  </a:t>
-            </a:r>
-            <a:r>
-              <a:rPr lang="ko-KR" altLang="en-US" sz="1100" b="1" dirty="0">
-                <a:ln>
-                  <a:solidFill>
-                    <a:schemeClr val="tx1">
-                      <a:alpha val="0"/>
-                    </a:schemeClr>
-                  </a:solidFill>
-                </a:ln>
-                <a:latin typeface="나눔바른고딕" panose="020B0603020101020101" pitchFamily="50" charset="-127"/>
-                <a:ea typeface="나눔바른고딕" panose="020B0603020101020101" pitchFamily="50" charset="-127"/>
-              </a:rPr>
-              <a:t>페이지를 방문하지 않은 대상</a:t>
-            </a:r>
-            <a:r>
-              <a:rPr lang="en-US" altLang="ko-KR" sz="1100" b="1" dirty="0">
-                <a:ln>
-                  <a:solidFill>
-                    <a:schemeClr val="tx1">
-                      <a:alpha val="0"/>
-                    </a:schemeClr>
-                  </a:solidFill>
-                </a:ln>
-                <a:latin typeface="나눔바른고딕" panose="020B0603020101020101" pitchFamily="50" charset="-127"/>
-                <a:ea typeface="나눔바른고딕" panose="020B0603020101020101" pitchFamily="50" charset="-127"/>
-              </a:rPr>
-              <a:t>(</a:t>
-            </a:r>
-            <a:r>
-              <a:rPr lang="ko-KR" altLang="en-US" sz="1100" b="1" dirty="0" err="1">
-                <a:ln>
-                  <a:solidFill>
-                    <a:schemeClr val="tx1">
-                      <a:alpha val="0"/>
-                    </a:schemeClr>
-                  </a:solidFill>
-                </a:ln>
-                <a:latin typeface="나눔바른고딕" panose="020B0603020101020101" pitchFamily="50" charset="-127"/>
-                <a:ea typeface="나눔바른고딕" panose="020B0603020101020101" pitchFamily="50" charset="-127"/>
-              </a:rPr>
-              <a:t>비수강생</a:t>
-            </a:r>
-            <a:r>
-              <a:rPr lang="en-US" altLang="ko-KR" sz="1100" b="1" dirty="0" smtClean="0">
-                <a:ln>
-                  <a:solidFill>
-                    <a:schemeClr val="tx1">
-                      <a:alpha val="0"/>
-                    </a:schemeClr>
-                  </a:solidFill>
-                </a:ln>
-                <a:latin typeface="나눔바른고딕" panose="020B0603020101020101" pitchFamily="50" charset="-127"/>
-                <a:ea typeface="나눔바른고딕" panose="020B0603020101020101" pitchFamily="50" charset="-127"/>
-              </a:rPr>
-              <a:t>),</a:t>
-            </a:r>
-          </a:p>
-          <a:p>
-            <a:r>
-              <a:rPr lang="en-US" altLang="ko-KR" sz="1100" b="1" dirty="0" smtClean="0">
-                <a:ln>
-                  <a:solidFill>
-                    <a:schemeClr val="tx1">
-                      <a:alpha val="0"/>
-                    </a:schemeClr>
-                  </a:solidFill>
-                </a:ln>
-                <a:latin typeface="나눔바른고딕" panose="020B0603020101020101" pitchFamily="50" charset="-127"/>
-                <a:ea typeface="나눔바른고딕" panose="020B0603020101020101" pitchFamily="50" charset="-127"/>
-              </a:rPr>
-              <a:t>2</a:t>
-            </a:r>
-            <a:r>
-              <a:rPr lang="ko-KR" altLang="en-US" sz="1100" b="1" dirty="0">
-                <a:ln>
-                  <a:solidFill>
-                    <a:schemeClr val="tx1">
-                      <a:alpha val="0"/>
-                    </a:schemeClr>
-                  </a:solidFill>
-                </a:ln>
-                <a:latin typeface="나눔바른고딕" panose="020B0603020101020101" pitchFamily="50" charset="-127"/>
-                <a:ea typeface="나눔바른고딕" panose="020B0603020101020101" pitchFamily="50" charset="-127"/>
-              </a:rPr>
-              <a:t>분 동안 대기 후 발송</a:t>
-            </a:r>
-            <a:endParaRPr lang="en-US" altLang="ko-KR" sz="1100" b="1" dirty="0">
-              <a:ln>
-                <a:solidFill>
-                  <a:schemeClr val="tx1">
-                    <a:alpha val="0"/>
-                  </a:schemeClr>
-                </a:solidFill>
-              </a:ln>
-              <a:latin typeface="나눔바른고딕" panose="020B0603020101020101" pitchFamily="50" charset="-127"/>
-              <a:ea typeface="나눔바른고딕" panose="020B0603020101020101" pitchFamily="50" charset="-127"/>
-            </a:endParaRPr>
-          </a:p>
-        </p:txBody>
-      </p:sp>
-      <p:sp>
-        <p:nvSpPr>
-          <p:cNvPr id="7" name="직사각형 6"/>
-          <p:cNvSpPr/>
-          <p:nvPr/>
-        </p:nvSpPr>
-        <p:spPr>
-          <a:xfrm>
-            <a:off x="209921" y="563138"/>
-            <a:ext cx="5809626" cy="430887"/>
-          </a:xfrm>
-          <a:prstGeom prst="rect">
-            <a:avLst/>
-          </a:prstGeom>
-          <a:noFill/>
-          <a:ln>
-            <a:noFill/>
-          </a:ln>
-        </p:spPr>
-        <p:txBody>
-          <a:bodyPr wrap="square">
-            <a:spAutoFit/>
-          </a:bodyPr>
-          <a:lstStyle/>
-          <a:p>
-            <a:r>
-              <a:rPr lang="ko-KR" altLang="en-US" sz="1100" b="1" dirty="0" smtClean="0">
-                <a:ln>
-                  <a:solidFill>
-                    <a:schemeClr val="tx1">
-                      <a:alpha val="0"/>
-                    </a:schemeClr>
-                  </a:solidFill>
-                </a:ln>
-                <a:latin typeface="나눔바른고딕" panose="020B0603020101020101" pitchFamily="50" charset="-127"/>
-                <a:ea typeface="나눔바른고딕" panose="020B0603020101020101" pitchFamily="50" charset="-127"/>
-              </a:rPr>
-              <a:t>수강생과 </a:t>
-            </a:r>
-            <a:r>
-              <a:rPr lang="ko-KR" altLang="en-US" sz="1100" b="1" dirty="0" err="1" smtClean="0">
-                <a:ln>
-                  <a:solidFill>
-                    <a:schemeClr val="tx1">
-                      <a:alpha val="0"/>
-                    </a:schemeClr>
-                  </a:solidFill>
-                </a:ln>
-                <a:latin typeface="나눔바른고딕" panose="020B0603020101020101" pitchFamily="50" charset="-127"/>
-                <a:ea typeface="나눔바른고딕" panose="020B0603020101020101" pitchFamily="50" charset="-127"/>
-              </a:rPr>
-              <a:t>비수강생을</a:t>
-            </a:r>
-            <a:r>
-              <a:rPr lang="ko-KR" altLang="en-US" sz="1100" b="1" dirty="0" smtClean="0">
-                <a:ln>
-                  <a:solidFill>
-                    <a:schemeClr val="tx1">
-                      <a:alpha val="0"/>
-                    </a:schemeClr>
-                  </a:solidFill>
-                </a:ln>
-                <a:latin typeface="나눔바른고딕" panose="020B0603020101020101" pitchFamily="50" charset="-127"/>
-                <a:ea typeface="나눔바른고딕" panose="020B0603020101020101" pitchFamily="50" charset="-127"/>
-              </a:rPr>
-              <a:t> </a:t>
-            </a:r>
-            <a:r>
-              <a:rPr lang="en-US" altLang="ko-KR" sz="1100" b="1" dirty="0" smtClean="0">
-                <a:ln>
-                  <a:solidFill>
-                    <a:schemeClr val="tx1">
-                      <a:alpha val="0"/>
-                    </a:schemeClr>
-                  </a:solidFill>
-                </a:ln>
-                <a:latin typeface="나눔바른고딕" panose="020B0603020101020101" pitchFamily="50" charset="-127"/>
-                <a:ea typeface="나눔바른고딕" panose="020B0603020101020101" pitchFamily="50" charset="-127"/>
-              </a:rPr>
-              <a:t>/main </a:t>
-            </a:r>
-            <a:r>
-              <a:rPr lang="ko-KR" altLang="en-US" sz="1100" b="1" dirty="0" smtClean="0">
-                <a:ln>
-                  <a:solidFill>
-                    <a:schemeClr val="tx1">
-                      <a:alpha val="0"/>
-                    </a:schemeClr>
-                  </a:solidFill>
-                </a:ln>
-                <a:latin typeface="나눔바른고딕" panose="020B0603020101020101" pitchFamily="50" charset="-127"/>
-                <a:ea typeface="나눔바른고딕" panose="020B0603020101020101" pitchFamily="50" charset="-127"/>
-              </a:rPr>
-              <a:t>과 </a:t>
-            </a:r>
-            <a:r>
-              <a:rPr lang="en-US" altLang="ko-KR" sz="1100" b="1" dirty="0" smtClean="0">
-                <a:ln>
-                  <a:solidFill>
-                    <a:schemeClr val="tx1">
-                      <a:alpha val="0"/>
-                    </a:schemeClr>
-                  </a:solidFill>
-                </a:ln>
-                <a:latin typeface="나눔바른고딕" panose="020B0603020101020101" pitchFamily="50" charset="-127"/>
-                <a:ea typeface="나눔바른고딕" panose="020B0603020101020101" pitchFamily="50" charset="-127"/>
-              </a:rPr>
-              <a:t>/</a:t>
-            </a:r>
-            <a:r>
-              <a:rPr lang="en-US" altLang="ko-KR" sz="1100" b="1" dirty="0" err="1" smtClean="0">
-                <a:ln>
-                  <a:solidFill>
-                    <a:schemeClr val="tx1">
-                      <a:alpha val="0"/>
-                    </a:schemeClr>
-                  </a:solidFill>
-                </a:ln>
-                <a:latin typeface="나눔바른고딕" panose="020B0603020101020101" pitchFamily="50" charset="-127"/>
-                <a:ea typeface="나눔바른고딕" panose="020B0603020101020101" pitchFamily="50" charset="-127"/>
-              </a:rPr>
-              <a:t>main_studying</a:t>
-            </a:r>
-            <a:r>
-              <a:rPr lang="ko-KR" altLang="en-US" sz="1100" b="1" dirty="0" smtClean="0">
-                <a:ln>
-                  <a:solidFill>
-                    <a:schemeClr val="tx1">
-                      <a:alpha val="0"/>
-                    </a:schemeClr>
-                  </a:solidFill>
-                </a:ln>
-                <a:latin typeface="나눔바른고딕" panose="020B0603020101020101" pitchFamily="50" charset="-127"/>
-                <a:ea typeface="나눔바른고딕" panose="020B0603020101020101" pitchFamily="50" charset="-127"/>
-              </a:rPr>
-              <a:t>으로 분리</a:t>
-            </a:r>
-            <a:r>
-              <a:rPr lang="ko-KR" altLang="en-US" sz="1100" dirty="0" smtClean="0">
-                <a:ln>
-                  <a:solidFill>
-                    <a:schemeClr val="tx1">
-                      <a:alpha val="0"/>
-                    </a:schemeClr>
-                  </a:solidFill>
-                </a:ln>
-                <a:latin typeface="나눔바른고딕" panose="020B0603020101020101" pitchFamily="50" charset="-127"/>
-                <a:ea typeface="나눔바른고딕" panose="020B0603020101020101" pitchFamily="50" charset="-127"/>
-              </a:rPr>
-              <a:t>할 수 있게 되었습니다</a:t>
-            </a:r>
-            <a:r>
-              <a:rPr lang="en-US" altLang="ko-KR" sz="1100" dirty="0" smtClean="0">
-                <a:ln>
-                  <a:solidFill>
-                    <a:schemeClr val="tx1">
-                      <a:alpha val="0"/>
-                    </a:schemeClr>
-                  </a:solidFill>
-                </a:ln>
-                <a:latin typeface="나눔바른고딕" panose="020B0603020101020101" pitchFamily="50" charset="-127"/>
-                <a:ea typeface="나눔바른고딕" panose="020B0603020101020101" pitchFamily="50" charset="-127"/>
-              </a:rPr>
-              <a:t>.</a:t>
-            </a:r>
-          </a:p>
-          <a:p>
-            <a:r>
-              <a:rPr lang="ko-KR" altLang="en-US" sz="1100" dirty="0" smtClean="0">
-                <a:ln>
-                  <a:solidFill>
-                    <a:schemeClr val="tx1">
-                      <a:alpha val="0"/>
-                    </a:schemeClr>
-                  </a:solidFill>
-                </a:ln>
-                <a:latin typeface="나눔바른고딕" panose="020B0603020101020101" pitchFamily="50" charset="-127"/>
-                <a:ea typeface="나눔바른고딕" panose="020B0603020101020101" pitchFamily="50" charset="-127"/>
-              </a:rPr>
-              <a:t>이에 따라 </a:t>
-            </a:r>
-            <a:r>
-              <a:rPr lang="ko-KR" altLang="en-US" sz="1100" dirty="0" err="1" smtClean="0">
-                <a:ln>
-                  <a:solidFill>
-                    <a:schemeClr val="tx1">
-                      <a:alpha val="0"/>
-                    </a:schemeClr>
-                  </a:solidFill>
-                </a:ln>
-                <a:latin typeface="나눔바른고딕" panose="020B0603020101020101" pitchFamily="50" charset="-127"/>
-                <a:ea typeface="나눔바른고딕" panose="020B0603020101020101" pitchFamily="50" charset="-127"/>
-              </a:rPr>
-              <a:t>비수강생을</a:t>
-            </a:r>
-            <a:r>
-              <a:rPr lang="ko-KR" altLang="en-US" sz="1100" dirty="0" smtClean="0">
-                <a:ln>
-                  <a:solidFill>
-                    <a:schemeClr val="tx1">
-                      <a:alpha val="0"/>
-                    </a:schemeClr>
-                  </a:solidFill>
-                </a:ln>
-                <a:latin typeface="나눔바른고딕" panose="020B0603020101020101" pitchFamily="50" charset="-127"/>
-                <a:ea typeface="나눔바른고딕" panose="020B0603020101020101" pitchFamily="50" charset="-127"/>
-              </a:rPr>
-              <a:t> 대상으로 </a:t>
-            </a:r>
-            <a:r>
-              <a:rPr lang="ko-KR" altLang="en-US" sz="1100" dirty="0" err="1" smtClean="0">
-                <a:ln>
-                  <a:solidFill>
-                    <a:schemeClr val="tx1">
-                      <a:alpha val="0"/>
-                    </a:schemeClr>
-                  </a:solidFill>
-                </a:ln>
-                <a:latin typeface="나눔바른고딕" panose="020B0603020101020101" pitchFamily="50" charset="-127"/>
-                <a:ea typeface="나눔바른고딕" panose="020B0603020101020101" pitchFamily="50" charset="-127"/>
-              </a:rPr>
-              <a:t>무료체험에</a:t>
-            </a:r>
-            <a:r>
-              <a:rPr lang="ko-KR" altLang="en-US" sz="1100" dirty="0" smtClean="0">
-                <a:ln>
-                  <a:solidFill>
-                    <a:schemeClr val="tx1">
-                      <a:alpha val="0"/>
-                    </a:schemeClr>
-                  </a:solidFill>
-                </a:ln>
-                <a:latin typeface="나눔바른고딕" panose="020B0603020101020101" pitchFamily="50" charset="-127"/>
-                <a:ea typeface="나눔바른고딕" panose="020B0603020101020101" pitchFamily="50" charset="-127"/>
-              </a:rPr>
-              <a:t> 대한 노티를 보내는 것이 가능해졌습니다</a:t>
-            </a:r>
-            <a:r>
-              <a:rPr lang="en-US" altLang="ko-KR" sz="1100" dirty="0" smtClean="0">
-                <a:ln>
-                  <a:solidFill>
-                    <a:schemeClr val="tx1">
-                      <a:alpha val="0"/>
-                    </a:schemeClr>
-                  </a:solidFill>
-                </a:ln>
-                <a:latin typeface="나눔바른고딕" panose="020B0603020101020101" pitchFamily="50" charset="-127"/>
-                <a:ea typeface="나눔바른고딕" panose="020B0603020101020101" pitchFamily="50" charset="-127"/>
-              </a:rPr>
-              <a:t>. </a:t>
-            </a:r>
-            <a:endParaRPr lang="en-US" altLang="ko-KR" sz="1100" dirty="0">
-              <a:ln>
-                <a:solidFill>
-                  <a:schemeClr val="tx1">
-                    <a:alpha val="0"/>
-                  </a:schemeClr>
-                </a:solidFill>
-              </a:ln>
-              <a:latin typeface="나눔바른고딕" panose="020B0603020101020101" pitchFamily="50" charset="-127"/>
-              <a:ea typeface="나눔바른고딕" panose="020B0603020101020101" pitchFamily="50" charset="-127"/>
-            </a:endParaRPr>
-          </a:p>
-        </p:txBody>
-      </p:sp>
-      <p:sp>
-        <p:nvSpPr>
-          <p:cNvPr id="8" name="직사각형 7"/>
-          <p:cNvSpPr/>
-          <p:nvPr/>
-        </p:nvSpPr>
-        <p:spPr>
-          <a:xfrm>
-            <a:off x="7622849" y="5930167"/>
-            <a:ext cx="1242196" cy="276999"/>
-          </a:xfrm>
-          <a:prstGeom prst="rect">
-            <a:avLst/>
-          </a:prstGeom>
-          <a:solidFill>
-            <a:schemeClr val="accent4">
-              <a:lumMod val="20000"/>
-              <a:lumOff val="80000"/>
-            </a:schemeClr>
-          </a:solidFill>
-          <a:ln w="25400">
-            <a:solidFill>
-              <a:srgbClr val="C00000"/>
-            </a:solidFill>
-          </a:ln>
-        </p:spPr>
-        <p:txBody>
-          <a:bodyPr wrap="square">
-            <a:spAutoFit/>
-          </a:bodyPr>
-          <a:lstStyle/>
-          <a:p>
-            <a:pPr algn="r"/>
-            <a:r>
-              <a:rPr lang="ko-KR" altLang="en-US" sz="1200" dirty="0" smtClean="0">
-                <a:ln>
-                  <a:solidFill>
-                    <a:schemeClr val="tx1">
-                      <a:alpha val="0"/>
-                    </a:schemeClr>
-                  </a:solidFill>
-                </a:ln>
-                <a:latin typeface="나눔바른고딕" panose="020B0603020101020101" pitchFamily="50" charset="-127"/>
-                <a:ea typeface="나눔바른고딕" panose="020B0603020101020101" pitchFamily="50" charset="-127"/>
-              </a:rPr>
-              <a:t>내주 진행 예정</a:t>
-            </a:r>
-            <a:endParaRPr lang="en-US" altLang="ko-KR" sz="1200" dirty="0">
-              <a:ln>
-                <a:solidFill>
-                  <a:schemeClr val="tx1">
-                    <a:alpha val="0"/>
-                  </a:schemeClr>
-                </a:solidFill>
-              </a:ln>
-              <a:latin typeface="나눔바른고딕" panose="020B0603020101020101" pitchFamily="50" charset="-127"/>
-              <a:ea typeface="나눔바른고딕" panose="020B0603020101020101" pitchFamily="50" charset="-127"/>
-            </a:endParaRPr>
-          </a:p>
-        </p:txBody>
-      </p:sp>
-    </p:spTree>
-    <p:extLst>
-      <p:ext uri="{BB962C8B-B14F-4D97-AF65-F5344CB8AC3E}">
-        <p14:creationId xmlns:p14="http://schemas.microsoft.com/office/powerpoint/2010/main" val="3760749587"/>
-      </p:ext>
-    </p:extLst>
-  </p:cSld>
-  <p:clrMapOvr>
-    <a:masterClrMapping/>
-  </p:clrMapOvr>
-  <p:timing>
-    <p:tnLst>
-      <p:par>
-        <p:cTn id="1" dur="indefinite" restart="never" nodeType="tmRoot"/>
-      </p:par>
-    </p:tnLst>
-  </p:timing>
 </p:sld>
 </file>
 

--- a/업무보고0108.pptx
+++ b/업무보고0108.pptx
@@ -5894,175 +5894,6 @@
       </p:sp>
       <p:sp>
         <p:nvSpPr>
-          <p:cNvPr id="7" name="직사각형 6"/>
-          <p:cNvSpPr/>
-          <p:nvPr/>
-        </p:nvSpPr>
-        <p:spPr>
-          <a:xfrm>
-            <a:off x="209921" y="563138"/>
-            <a:ext cx="5809626" cy="600164"/>
-          </a:xfrm>
-          <a:prstGeom prst="rect">
-            <a:avLst/>
-          </a:prstGeom>
-          <a:noFill/>
-          <a:ln>
-            <a:noFill/>
-          </a:ln>
-        </p:spPr>
-        <p:txBody>
-          <a:bodyPr wrap="square">
-            <a:spAutoFit/>
-          </a:bodyPr>
-          <a:lstStyle/>
-          <a:p>
-            <a:r>
-              <a:rPr lang="ko-KR" altLang="en-US" sz="1100" dirty="0" smtClean="0">
-                <a:ln>
-                  <a:solidFill>
-                    <a:schemeClr val="tx1">
-                      <a:alpha val="0"/>
-                    </a:schemeClr>
-                  </a:solidFill>
-                </a:ln>
-                <a:latin typeface="나눔바른고딕" panose="020B0603020101020101" pitchFamily="50" charset="-127"/>
-                <a:ea typeface="나눔바른고딕" panose="020B0603020101020101" pitchFamily="50" charset="-127"/>
-              </a:rPr>
-              <a:t>동기부여 이벤트의 일부가 될 것 같네요</a:t>
-            </a:r>
-            <a:r>
-              <a:rPr lang="en-US" altLang="ko-KR" sz="1100" dirty="0" smtClean="0">
-                <a:ln>
-                  <a:solidFill>
-                    <a:schemeClr val="tx1">
-                      <a:alpha val="0"/>
-                    </a:schemeClr>
-                  </a:solidFill>
-                </a:ln>
-                <a:latin typeface="나눔바른고딕" panose="020B0603020101020101" pitchFamily="50" charset="-127"/>
-                <a:ea typeface="나눔바른고딕" panose="020B0603020101020101" pitchFamily="50" charset="-127"/>
-              </a:rPr>
-              <a:t>. </a:t>
-            </a:r>
-          </a:p>
-          <a:p>
-            <a:r>
-              <a:rPr lang="ko-KR" altLang="en-US" sz="1100" dirty="0" smtClean="0">
-                <a:ln>
-                  <a:solidFill>
-                    <a:schemeClr val="tx1">
-                      <a:alpha val="0"/>
-                    </a:schemeClr>
-                  </a:solidFill>
-                </a:ln>
-                <a:latin typeface="나눔바른고딕" panose="020B0603020101020101" pitchFamily="50" charset="-127"/>
-                <a:ea typeface="나눔바른고딕" panose="020B0603020101020101" pitchFamily="50" charset="-127"/>
-              </a:rPr>
-              <a:t>이전에 노션에서 말씀주신 비공개미션 자동화 진행 중입니다</a:t>
-            </a:r>
-            <a:r>
-              <a:rPr lang="en-US" altLang="ko-KR" sz="1100" dirty="0" smtClean="0">
-                <a:ln>
-                  <a:solidFill>
-                    <a:schemeClr val="tx1">
-                      <a:alpha val="0"/>
-                    </a:schemeClr>
-                  </a:solidFill>
-                </a:ln>
-                <a:latin typeface="나눔바른고딕" panose="020B0603020101020101" pitchFamily="50" charset="-127"/>
-                <a:ea typeface="나눔바른고딕" panose="020B0603020101020101" pitchFamily="50" charset="-127"/>
-              </a:rPr>
-              <a:t>. </a:t>
-            </a:r>
-          </a:p>
-          <a:p>
-            <a:r>
-              <a:rPr lang="ko-KR" altLang="en-US" sz="1100" dirty="0" smtClean="0">
-                <a:ln>
-                  <a:solidFill>
-                    <a:schemeClr val="tx1">
-                      <a:alpha val="0"/>
-                    </a:schemeClr>
-                  </a:solidFill>
-                </a:ln>
-                <a:latin typeface="나눔바른고딕" panose="020B0603020101020101" pitchFamily="50" charset="-127"/>
-                <a:ea typeface="나눔바른고딕" panose="020B0603020101020101" pitchFamily="50" charset="-127"/>
-              </a:rPr>
-              <a:t>앞에서 언급한 필요 </a:t>
-            </a:r>
-            <a:r>
-              <a:rPr lang="ko-KR" altLang="en-US" sz="1100" dirty="0" err="1" smtClean="0">
-                <a:ln>
-                  <a:solidFill>
-                    <a:schemeClr val="tx1">
-                      <a:alpha val="0"/>
-                    </a:schemeClr>
-                  </a:solidFill>
-                </a:ln>
-                <a:latin typeface="나눔바른고딕" panose="020B0603020101020101" pitchFamily="50" charset="-127"/>
-                <a:ea typeface="나눔바른고딕" panose="020B0603020101020101" pitchFamily="50" charset="-127"/>
-              </a:rPr>
-              <a:t>파라미터가</a:t>
-            </a:r>
-            <a:r>
-              <a:rPr lang="ko-KR" altLang="en-US" sz="1100" dirty="0" smtClean="0">
-                <a:ln>
-                  <a:solidFill>
-                    <a:schemeClr val="tx1">
-                      <a:alpha val="0"/>
-                    </a:schemeClr>
-                  </a:solidFill>
-                </a:ln>
-                <a:latin typeface="나눔바른고딕" panose="020B0603020101020101" pitchFamily="50" charset="-127"/>
-                <a:ea typeface="나눔바른고딕" panose="020B0603020101020101" pitchFamily="50" charset="-127"/>
-              </a:rPr>
-              <a:t> 추가 되면 </a:t>
-            </a:r>
-            <a:r>
-              <a:rPr lang="ko-KR" altLang="en-US" sz="1100" dirty="0" err="1" smtClean="0">
-                <a:ln>
-                  <a:solidFill>
-                    <a:schemeClr val="tx1">
-                      <a:alpha val="0"/>
-                    </a:schemeClr>
-                  </a:solidFill>
-                </a:ln>
-                <a:latin typeface="나눔바른고딕" panose="020B0603020101020101" pitchFamily="50" charset="-127"/>
-                <a:ea typeface="나눔바른고딕" panose="020B0603020101020101" pitchFamily="50" charset="-127"/>
-              </a:rPr>
-              <a:t>진행가능합니다</a:t>
-            </a:r>
-            <a:r>
-              <a:rPr lang="en-US" altLang="ko-KR" sz="1100" dirty="0" smtClean="0">
-                <a:ln>
-                  <a:solidFill>
-                    <a:schemeClr val="tx1">
-                      <a:alpha val="0"/>
-                    </a:schemeClr>
-                  </a:solidFill>
-                </a:ln>
-                <a:latin typeface="나눔바른고딕" panose="020B0603020101020101" pitchFamily="50" charset="-127"/>
-                <a:ea typeface="나눔바른고딕" panose="020B0603020101020101" pitchFamily="50" charset="-127"/>
-              </a:rPr>
-              <a:t>. </a:t>
-            </a:r>
-            <a:endParaRPr lang="en-US" altLang="ko-KR" sz="1100" dirty="0">
-              <a:ln>
-                <a:solidFill>
-                  <a:schemeClr val="tx1">
-                    <a:alpha val="0"/>
-                  </a:schemeClr>
-                </a:solidFill>
-              </a:ln>
-              <a:latin typeface="나눔바른고딕" panose="020B0603020101020101" pitchFamily="50" charset="-127"/>
-              <a:ea typeface="나눔바른고딕" panose="020B0603020101020101" pitchFamily="50" charset="-127"/>
-            </a:endParaRPr>
-          </a:p>
-        </p:txBody>
-      </p:sp>
-      <p:sp>
-        <p:nvSpPr>
           <p:cNvPr id="8" name="직사각형 7"/>
           <p:cNvSpPr/>
           <p:nvPr/>
@@ -6180,7 +6011,7 @@
       </p:sp>
       <p:pic>
         <p:nvPicPr>
-          <p:cNvPr id="10" name="그림 9"/>
+          <p:cNvPr id="2" name="그림 1"/>
           <p:cNvPicPr>
             <a:picLocks noChangeAspect="1"/>
           </p:cNvPicPr>
@@ -6194,214 +6025,14 @@
         </p:blipFill>
         <p:spPr>
           <a:xfrm>
-            <a:off x="354257" y="1646253"/>
-            <a:ext cx="2773607" cy="2185768"/>
+            <a:off x="136868" y="451219"/>
+            <a:ext cx="6910014" cy="3986765"/>
           </a:xfrm>
           <a:prstGeom prst="rect">
             <a:avLst/>
           </a:prstGeom>
         </p:spPr>
       </p:pic>
-      <p:pic>
-        <p:nvPicPr>
-          <p:cNvPr id="11" name="그림 10"/>
-          <p:cNvPicPr>
-            <a:picLocks noChangeAspect="1"/>
-          </p:cNvPicPr>
-          <p:nvPr/>
-        </p:nvPicPr>
-        <p:blipFill>
-          <a:blip r:embed="rId3"/>
-          <a:stretch>
-            <a:fillRect/>
-          </a:stretch>
-        </p:blipFill>
-        <p:spPr>
-          <a:xfrm>
-            <a:off x="3607411" y="1675231"/>
-            <a:ext cx="2773607" cy="2127812"/>
-          </a:xfrm>
-          <a:prstGeom prst="rect">
-            <a:avLst/>
-          </a:prstGeom>
-        </p:spPr>
-      </p:pic>
-      <p:sp>
-        <p:nvSpPr>
-          <p:cNvPr id="12" name="직사각형 11"/>
-          <p:cNvSpPr/>
-          <p:nvPr/>
-        </p:nvSpPr>
-        <p:spPr>
-          <a:xfrm>
-            <a:off x="571392" y="4297783"/>
-            <a:ext cx="5809626" cy="261610"/>
-          </a:xfrm>
-          <a:prstGeom prst="rect">
-            <a:avLst/>
-          </a:prstGeom>
-          <a:noFill/>
-          <a:ln>
-            <a:noFill/>
-          </a:ln>
-        </p:spPr>
-        <p:txBody>
-          <a:bodyPr wrap="square">
-            <a:spAutoFit/>
-          </a:bodyPr>
-          <a:lstStyle/>
-          <a:p>
-            <a:r>
-              <a:rPr lang="ko-KR" altLang="en-US" sz="1100" dirty="0" smtClean="0">
-                <a:ln>
-                  <a:solidFill>
-                    <a:schemeClr val="tx1">
-                      <a:alpha val="0"/>
-                    </a:schemeClr>
-                  </a:solidFill>
-                </a:ln>
-                <a:latin typeface="나눔바른고딕" panose="020B0603020101020101" pitchFamily="50" charset="-127"/>
-                <a:ea typeface="나눔바른고딕" panose="020B0603020101020101" pitchFamily="50" charset="-127"/>
-              </a:rPr>
-              <a:t>제공상품으로 베스킨라빈스 아이스크림정도로도 괜찮을 것 같다는 의견을 받았습니다</a:t>
-            </a:r>
-            <a:r>
-              <a:rPr lang="en-US" altLang="ko-KR" sz="1100" dirty="0" smtClean="0">
-                <a:ln>
-                  <a:solidFill>
-                    <a:schemeClr val="tx1">
-                      <a:alpha val="0"/>
-                    </a:schemeClr>
-                  </a:solidFill>
-                </a:ln>
-                <a:latin typeface="나눔바른고딕" panose="020B0603020101020101" pitchFamily="50" charset="-127"/>
-                <a:ea typeface="나눔바른고딕" panose="020B0603020101020101" pitchFamily="50" charset="-127"/>
-              </a:rPr>
-              <a:t>. </a:t>
-            </a:r>
-            <a:r>
-              <a:rPr lang="ko-KR" altLang="en-US" sz="1100" dirty="0" smtClean="0">
-                <a:ln>
-                  <a:solidFill>
-                    <a:schemeClr val="tx1">
-                      <a:alpha val="0"/>
-                    </a:schemeClr>
-                  </a:solidFill>
-                </a:ln>
-                <a:latin typeface="나눔바른고딕" panose="020B0603020101020101" pitchFamily="50" charset="-127"/>
-                <a:ea typeface="나눔바른고딕" panose="020B0603020101020101" pitchFamily="50" charset="-127"/>
-              </a:rPr>
-              <a:t> </a:t>
-            </a:r>
-            <a:endParaRPr lang="en-US" altLang="ko-KR" sz="1100" dirty="0">
-              <a:ln>
-                <a:solidFill>
-                  <a:schemeClr val="tx1">
-                    <a:alpha val="0"/>
-                  </a:schemeClr>
-                </a:solidFill>
-              </a:ln>
-              <a:latin typeface="나눔바른고딕" panose="020B0603020101020101" pitchFamily="50" charset="-127"/>
-              <a:ea typeface="나눔바른고딕" panose="020B0603020101020101" pitchFamily="50" charset="-127"/>
-            </a:endParaRPr>
-          </a:p>
-        </p:txBody>
-      </p:sp>
-      <p:sp>
-        <p:nvSpPr>
-          <p:cNvPr id="13" name="직사각형 12"/>
-          <p:cNvSpPr/>
-          <p:nvPr/>
-        </p:nvSpPr>
-        <p:spPr>
-          <a:xfrm>
-            <a:off x="571392" y="4007195"/>
-            <a:ext cx="5809626" cy="261610"/>
-          </a:xfrm>
-          <a:prstGeom prst="rect">
-            <a:avLst/>
-          </a:prstGeom>
-          <a:noFill/>
-          <a:ln>
-            <a:noFill/>
-          </a:ln>
-        </p:spPr>
-        <p:txBody>
-          <a:bodyPr wrap="square">
-            <a:spAutoFit/>
-          </a:bodyPr>
-          <a:lstStyle/>
-          <a:p>
-            <a:r>
-              <a:rPr lang="en-US" altLang="ko-KR" sz="1100" dirty="0" smtClean="0">
-                <a:ln>
-                  <a:solidFill>
-                    <a:schemeClr val="tx1">
-                      <a:alpha val="0"/>
-                    </a:schemeClr>
-                  </a:solidFill>
-                </a:ln>
-                <a:latin typeface="나눔바른고딕" panose="020B0603020101020101" pitchFamily="50" charset="-127"/>
-                <a:ea typeface="나눔바른고딕" panose="020B0603020101020101" pitchFamily="50" charset="-127"/>
-              </a:rPr>
-              <a:t>30</a:t>
-            </a:r>
-            <a:r>
-              <a:rPr lang="ko-KR" altLang="en-US" sz="1100" dirty="0" smtClean="0">
-                <a:ln>
-                  <a:solidFill>
-                    <a:schemeClr val="tx1">
-                      <a:alpha val="0"/>
-                    </a:schemeClr>
-                  </a:solidFill>
-                </a:ln>
-                <a:latin typeface="나눔바른고딕" panose="020B0603020101020101" pitchFamily="50" charset="-127"/>
-                <a:ea typeface="나눔바른고딕" panose="020B0603020101020101" pitchFamily="50" charset="-127"/>
-              </a:rPr>
-              <a:t>문제 맞추면 치킨 </a:t>
-            </a:r>
-            <a:r>
-              <a:rPr lang="ko-KR" altLang="en-US" sz="1100" dirty="0" err="1" smtClean="0">
-                <a:ln>
-                  <a:solidFill>
-                    <a:schemeClr val="tx1">
-                      <a:alpha val="0"/>
-                    </a:schemeClr>
-                  </a:solidFill>
-                </a:ln>
-                <a:latin typeface="나눔바른고딕" panose="020B0603020101020101" pitchFamily="50" charset="-127"/>
-                <a:ea typeface="나눔바른고딕" panose="020B0603020101020101" pitchFamily="50" charset="-127"/>
-              </a:rPr>
-              <a:t>기프티콘</a:t>
-            </a:r>
-            <a:r>
-              <a:rPr lang="ko-KR" altLang="en-US" sz="1100" dirty="0" smtClean="0">
-                <a:ln>
-                  <a:solidFill>
-                    <a:schemeClr val="tx1">
-                      <a:alpha val="0"/>
-                    </a:schemeClr>
-                  </a:solidFill>
-                </a:ln>
-                <a:latin typeface="나눔바른고딕" panose="020B0603020101020101" pitchFamily="50" charset="-127"/>
-                <a:ea typeface="나눔바른고딕" panose="020B0603020101020101" pitchFamily="50" charset="-127"/>
-              </a:rPr>
-              <a:t> 줄게 </a:t>
-            </a:r>
-            <a:endParaRPr lang="en-US" altLang="ko-KR" sz="1100" dirty="0">
-              <a:ln>
-                <a:solidFill>
-                  <a:schemeClr val="tx1">
-                    <a:alpha val="0"/>
-                  </a:schemeClr>
-                </a:solidFill>
-              </a:ln>
-              <a:latin typeface="나눔바른고딕" panose="020B0603020101020101" pitchFamily="50" charset="-127"/>
-              <a:ea typeface="나눔바른고딕" panose="020B0603020101020101" pitchFamily="50" charset="-127"/>
-            </a:endParaRPr>
-          </a:p>
-        </p:txBody>
-      </p:sp>
     </p:spTree>
     <p:extLst>
       <p:ext uri="{BB962C8B-B14F-4D97-AF65-F5344CB8AC3E}">

--- a/업무보고0108.pptx
+++ b/업무보고0108.pptx
@@ -9,14 +9,16 @@
     <p:sldId id="327" r:id="rId3"/>
     <p:sldId id="328" r:id="rId4"/>
     <p:sldId id="326" r:id="rId5"/>
-    <p:sldId id="320" r:id="rId6"/>
-    <p:sldId id="329" r:id="rId7"/>
-    <p:sldId id="321" r:id="rId8"/>
-    <p:sldId id="324" r:id="rId9"/>
-    <p:sldId id="323" r:id="rId10"/>
-    <p:sldId id="322" r:id="rId11"/>
-    <p:sldId id="325" r:id="rId12"/>
-    <p:sldId id="315" r:id="rId13"/>
+    <p:sldId id="330" r:id="rId6"/>
+    <p:sldId id="331" r:id="rId7"/>
+    <p:sldId id="320" r:id="rId8"/>
+    <p:sldId id="329" r:id="rId9"/>
+    <p:sldId id="321" r:id="rId10"/>
+    <p:sldId id="324" r:id="rId11"/>
+    <p:sldId id="323" r:id="rId12"/>
+    <p:sldId id="322" r:id="rId13"/>
+    <p:sldId id="325" r:id="rId14"/>
+    <p:sldId id="315" r:id="rId15"/>
   </p:sldIdLst>
   <p:sldSz cx="9144000" cy="6858000" type="screen4x3"/>
   <p:notesSz cx="6858000" cy="9144000"/>
@@ -254,7 +256,7 @@
           <a:p>
             <a:fld id="{9F12D92A-1099-47F9-BA91-F3EF59B10499}" type="datetimeFigureOut">
               <a:rPr lang="ko-KR" altLang="en-US" smtClean="0"/>
-              <a:t>2021-01-04</a:t>
+              <a:t>2021-01-06</a:t>
             </a:fld>
             <a:endParaRPr lang="ko-KR" altLang="en-US"/>
           </a:p>
@@ -424,7 +426,7 @@
           <a:p>
             <a:fld id="{9F12D92A-1099-47F9-BA91-F3EF59B10499}" type="datetimeFigureOut">
               <a:rPr lang="ko-KR" altLang="en-US" smtClean="0"/>
-              <a:t>2021-01-04</a:t>
+              <a:t>2021-01-06</a:t>
             </a:fld>
             <a:endParaRPr lang="ko-KR" altLang="en-US"/>
           </a:p>
@@ -604,7 +606,7 @@
           <a:p>
             <a:fld id="{9F12D92A-1099-47F9-BA91-F3EF59B10499}" type="datetimeFigureOut">
               <a:rPr lang="ko-KR" altLang="en-US" smtClean="0"/>
-              <a:t>2021-01-04</a:t>
+              <a:t>2021-01-06</a:t>
             </a:fld>
             <a:endParaRPr lang="ko-KR" altLang="en-US"/>
           </a:p>
@@ -774,7 +776,7 @@
           <a:p>
             <a:fld id="{9F12D92A-1099-47F9-BA91-F3EF59B10499}" type="datetimeFigureOut">
               <a:rPr lang="ko-KR" altLang="en-US" smtClean="0"/>
-              <a:t>2021-01-04</a:t>
+              <a:t>2021-01-06</a:t>
             </a:fld>
             <a:endParaRPr lang="ko-KR" altLang="en-US"/>
           </a:p>
@@ -1018,7 +1020,7 @@
           <a:p>
             <a:fld id="{9F12D92A-1099-47F9-BA91-F3EF59B10499}" type="datetimeFigureOut">
               <a:rPr lang="ko-KR" altLang="en-US" smtClean="0"/>
-              <a:t>2021-01-04</a:t>
+              <a:t>2021-01-06</a:t>
             </a:fld>
             <a:endParaRPr lang="ko-KR" altLang="en-US"/>
           </a:p>
@@ -1250,7 +1252,7 @@
           <a:p>
             <a:fld id="{9F12D92A-1099-47F9-BA91-F3EF59B10499}" type="datetimeFigureOut">
               <a:rPr lang="ko-KR" altLang="en-US" smtClean="0"/>
-              <a:t>2021-01-04</a:t>
+              <a:t>2021-01-06</a:t>
             </a:fld>
             <a:endParaRPr lang="ko-KR" altLang="en-US"/>
           </a:p>
@@ -1617,7 +1619,7 @@
           <a:p>
             <a:fld id="{9F12D92A-1099-47F9-BA91-F3EF59B10499}" type="datetimeFigureOut">
               <a:rPr lang="ko-KR" altLang="en-US" smtClean="0"/>
-              <a:t>2021-01-04</a:t>
+              <a:t>2021-01-06</a:t>
             </a:fld>
             <a:endParaRPr lang="ko-KR" altLang="en-US"/>
           </a:p>
@@ -1735,7 +1737,7 @@
           <a:p>
             <a:fld id="{9F12D92A-1099-47F9-BA91-F3EF59B10499}" type="datetimeFigureOut">
               <a:rPr lang="ko-KR" altLang="en-US" smtClean="0"/>
-              <a:t>2021-01-04</a:t>
+              <a:t>2021-01-06</a:t>
             </a:fld>
             <a:endParaRPr lang="ko-KR" altLang="en-US"/>
           </a:p>
@@ -1830,7 +1832,7 @@
           <a:p>
             <a:fld id="{9F12D92A-1099-47F9-BA91-F3EF59B10499}" type="datetimeFigureOut">
               <a:rPr lang="ko-KR" altLang="en-US" smtClean="0"/>
-              <a:t>2021-01-04</a:t>
+              <a:t>2021-01-06</a:t>
             </a:fld>
             <a:endParaRPr lang="ko-KR" altLang="en-US"/>
           </a:p>
@@ -2107,7 +2109,7 @@
           <a:p>
             <a:fld id="{9F12D92A-1099-47F9-BA91-F3EF59B10499}" type="datetimeFigureOut">
               <a:rPr lang="ko-KR" altLang="en-US" smtClean="0"/>
-              <a:t>2021-01-04</a:t>
+              <a:t>2021-01-06</a:t>
             </a:fld>
             <a:endParaRPr lang="ko-KR" altLang="en-US"/>
           </a:p>
@@ -2364,7 +2366,7 @@
           <a:p>
             <a:fld id="{9F12D92A-1099-47F9-BA91-F3EF59B10499}" type="datetimeFigureOut">
               <a:rPr lang="ko-KR" altLang="en-US" smtClean="0"/>
-              <a:t>2021-01-04</a:t>
+              <a:t>2021-01-06</a:t>
             </a:fld>
             <a:endParaRPr lang="ko-KR" altLang="en-US"/>
           </a:p>
@@ -2577,7 +2579,7 @@
           <a:p>
             <a:fld id="{9F12D92A-1099-47F9-BA91-F3EF59B10499}" type="datetimeFigureOut">
               <a:rPr lang="ko-KR" altLang="en-US" smtClean="0"/>
-              <a:t>2021-01-04</a:t>
+              <a:t>2021-01-06</a:t>
             </a:fld>
             <a:endParaRPr lang="ko-KR" altLang="en-US"/>
           </a:p>
@@ -3149,17 +3151,41 @@
         </p:blipFill>
         <p:spPr>
           <a:xfrm>
-            <a:off x="584850" y="1396413"/>
-            <a:ext cx="2499698" cy="2529368"/>
+            <a:off x="477479" y="1370263"/>
+            <a:ext cx="3534703" cy="1884201"/>
           </a:xfrm>
           <a:prstGeom prst="rect">
             <a:avLst/>
           </a:prstGeom>
         </p:spPr>
       </p:pic>
-      <p:sp>
-        <p:nvSpPr>
-          <p:cNvPr id="3" name="직사각형 2"/>
+      <p:pic>
+        <p:nvPicPr>
+          <p:cNvPr id="3" name="그림 2"/>
+          <p:cNvPicPr>
+            <a:picLocks noChangeAspect="1"/>
+          </p:cNvPicPr>
+          <p:nvPr/>
+        </p:nvPicPr>
+        <p:blipFill>
+          <a:blip r:embed="rId3"/>
+          <a:stretch>
+            <a:fillRect/>
+          </a:stretch>
+        </p:blipFill>
+        <p:spPr>
+          <a:xfrm>
+            <a:off x="4280911" y="2063745"/>
+            <a:ext cx="1453318" cy="1197709"/>
+          </a:xfrm>
+          <a:prstGeom prst="rect">
+            <a:avLst/>
+          </a:prstGeom>
+        </p:spPr>
+      </p:pic>
+      <p:sp>
+        <p:nvSpPr>
+          <p:cNvPr id="4" name="직사각형 3"/>
           <p:cNvSpPr/>
           <p:nvPr/>
         </p:nvSpPr>
@@ -3283,7 +3309,7 @@
                 <a:latin typeface="나눔바른고딕" panose="020B0603020101020101" pitchFamily="50" charset="-127"/>
                 <a:ea typeface="나눔바른고딕" panose="020B0603020101020101" pitchFamily="50" charset="-127"/>
               </a:rPr>
-              <a:t>비수강생</a:t>
+              <a:t>체험권</a:t>
             </a:r>
             <a:r>
               <a:rPr lang="ko-KR" altLang="en-US" sz="1050" b="1" dirty="0" smtClean="0">
@@ -3297,7 +3323,7 @@
                 <a:latin typeface="나눔바른고딕" panose="020B0603020101020101" pitchFamily="50" charset="-127"/>
                 <a:ea typeface="나눔바른고딕" panose="020B0603020101020101" pitchFamily="50" charset="-127"/>
               </a:rPr>
-              <a:t> 대상 </a:t>
+              <a:t> 신청 학생 대상 </a:t>
             </a:r>
             <a:r>
               <a:rPr lang="ko-KR" altLang="en-US" sz="1050" b="1" dirty="0" err="1" smtClean="0">
@@ -3312,1174 +3338,6 @@
                 <a:ea typeface="나눔바른고딕" panose="020B0603020101020101" pitchFamily="50" charset="-127"/>
               </a:rPr>
               <a:t>푸시알림</a:t>
-            </a:r>
-            <a:endParaRPr lang="ko-KR" altLang="en-US" sz="1050" b="1" dirty="0">
-              <a:ln>
-                <a:solidFill>
-                  <a:schemeClr val="tx1">
-                    <a:alpha val="0"/>
-                  </a:schemeClr>
-                </a:solidFill>
-              </a:ln>
-              <a:latin typeface="나눔바른고딕" panose="020B0603020101020101" pitchFamily="50" charset="-127"/>
-              <a:ea typeface="나눔바른고딕" panose="020B0603020101020101" pitchFamily="50" charset="-127"/>
-            </a:endParaRPr>
-          </a:p>
-        </p:txBody>
-      </p:sp>
-      <p:cxnSp>
-        <p:nvCxnSpPr>
-          <p:cNvPr id="4" name="직선 연결선 3"/>
-          <p:cNvCxnSpPr/>
-          <p:nvPr/>
-        </p:nvCxnSpPr>
-        <p:spPr>
-          <a:xfrm>
-            <a:off x="136868" y="401870"/>
-            <a:ext cx="8867351" cy="0"/>
-          </a:xfrm>
-          <a:prstGeom prst="line">
-            <a:avLst/>
-          </a:prstGeom>
-          <a:ln>
-            <a:solidFill>
-              <a:schemeClr val="tx1"/>
-            </a:solidFill>
-          </a:ln>
-        </p:spPr>
-        <p:style>
-          <a:lnRef idx="1">
-            <a:schemeClr val="accent1"/>
-          </a:lnRef>
-          <a:fillRef idx="0">
-            <a:schemeClr val="accent1"/>
-          </a:fillRef>
-          <a:effectRef idx="0">
-            <a:schemeClr val="accent1"/>
-          </a:effectRef>
-          <a:fontRef idx="minor">
-            <a:schemeClr val="tx1"/>
-          </a:fontRef>
-        </p:style>
-      </p:cxnSp>
-      <p:sp>
-        <p:nvSpPr>
-          <p:cNvPr id="5" name="직사각형 4"/>
-          <p:cNvSpPr/>
-          <p:nvPr/>
-        </p:nvSpPr>
-        <p:spPr>
-          <a:xfrm>
-            <a:off x="551845" y="5073332"/>
-            <a:ext cx="1871023" cy="261610"/>
-          </a:xfrm>
-          <a:prstGeom prst="rect">
-            <a:avLst/>
-          </a:prstGeom>
-          <a:solidFill>
-            <a:schemeClr val="bg2"/>
-          </a:solidFill>
-          <a:ln>
-            <a:solidFill>
-              <a:srgbClr val="0070C0"/>
-            </a:solidFill>
-          </a:ln>
-        </p:spPr>
-        <p:txBody>
-          <a:bodyPr wrap="square">
-            <a:spAutoFit/>
-          </a:bodyPr>
-          <a:lstStyle/>
-          <a:p>
-            <a:pPr algn="ctr"/>
-            <a:r>
-              <a:rPr lang="ko-KR" altLang="en-US" sz="1100" dirty="0">
-                <a:ln>
-                  <a:solidFill>
-                    <a:schemeClr val="tx1">
-                      <a:alpha val="0"/>
-                    </a:schemeClr>
-                  </a:solidFill>
-                </a:ln>
-                <a:latin typeface="나눔바른고딕" panose="020B0603020101020101" pitchFamily="50" charset="-127"/>
-                <a:ea typeface="나눔바른고딕" panose="020B0603020101020101" pitchFamily="50" charset="-127"/>
-              </a:rPr>
-              <a:t>목표 </a:t>
-            </a:r>
-            <a:r>
-              <a:rPr lang="en-US" altLang="ko-KR" sz="1100" dirty="0">
-                <a:ln>
-                  <a:solidFill>
-                    <a:schemeClr val="tx1">
-                      <a:alpha val="0"/>
-                    </a:schemeClr>
-                  </a:solidFill>
-                </a:ln>
-                <a:latin typeface="나눔바른고딕" panose="020B0603020101020101" pitchFamily="50" charset="-127"/>
-                <a:ea typeface="나눔바른고딕" panose="020B0603020101020101" pitchFamily="50" charset="-127"/>
-              </a:rPr>
-              <a:t>: </a:t>
-            </a:r>
-            <a:r>
-              <a:rPr lang="ko-KR" altLang="en-US" sz="1100" dirty="0" err="1">
-                <a:ln>
-                  <a:solidFill>
-                    <a:schemeClr val="tx1">
-                      <a:alpha val="0"/>
-                    </a:schemeClr>
-                  </a:solidFill>
-                </a:ln>
-                <a:latin typeface="나눔바른고딕" panose="020B0603020101020101" pitchFamily="50" charset="-127"/>
-                <a:ea typeface="나눔바른고딕" panose="020B0603020101020101" pitchFamily="50" charset="-127"/>
-              </a:rPr>
-              <a:t>체험신청</a:t>
-            </a:r>
-            <a:r>
-              <a:rPr lang="en-US" altLang="ko-KR" sz="1100" dirty="0">
-                <a:ln>
-                  <a:solidFill>
-                    <a:schemeClr val="tx1">
-                      <a:alpha val="0"/>
-                    </a:schemeClr>
-                  </a:solidFill>
-                </a:ln>
-                <a:latin typeface="나눔바른고딕" panose="020B0603020101020101" pitchFamily="50" charset="-127"/>
-                <a:ea typeface="나눔바른고딕" panose="020B0603020101020101" pitchFamily="50" charset="-127"/>
-              </a:rPr>
-              <a:t>(</a:t>
-            </a:r>
-            <a:r>
-              <a:rPr lang="ko-KR" altLang="en-US" sz="1100" dirty="0">
-                <a:ln>
-                  <a:solidFill>
-                    <a:schemeClr val="tx1">
-                      <a:alpha val="0"/>
-                    </a:schemeClr>
-                  </a:solidFill>
-                </a:ln>
-                <a:latin typeface="나눔바른고딕" panose="020B0603020101020101" pitchFamily="50" charset="-127"/>
-                <a:ea typeface="나눔바른고딕" panose="020B0603020101020101" pitchFamily="50" charset="-127"/>
-              </a:rPr>
-              <a:t>완료</a:t>
-            </a:r>
-            <a:r>
-              <a:rPr lang="en-US" altLang="ko-KR" sz="1100" dirty="0">
-                <a:ln>
-                  <a:solidFill>
-                    <a:schemeClr val="tx1">
-                      <a:alpha val="0"/>
-                    </a:schemeClr>
-                  </a:solidFill>
-                </a:ln>
-                <a:latin typeface="나눔바른고딕" panose="020B0603020101020101" pitchFamily="50" charset="-127"/>
-                <a:ea typeface="나눔바른고딕" panose="020B0603020101020101" pitchFamily="50" charset="-127"/>
-              </a:rPr>
-              <a:t>) </a:t>
-            </a:r>
-          </a:p>
-        </p:txBody>
-      </p:sp>
-      <p:sp>
-        <p:nvSpPr>
-          <p:cNvPr id="6" name="직사각형 5"/>
-          <p:cNvSpPr/>
-          <p:nvPr/>
-        </p:nvSpPr>
-        <p:spPr>
-          <a:xfrm>
-            <a:off x="551845" y="4066559"/>
-            <a:ext cx="5809626" cy="430887"/>
-          </a:xfrm>
-          <a:prstGeom prst="rect">
-            <a:avLst/>
-          </a:prstGeom>
-          <a:noFill/>
-          <a:ln>
-            <a:noFill/>
-          </a:ln>
-        </p:spPr>
-        <p:txBody>
-          <a:bodyPr wrap="square">
-            <a:spAutoFit/>
-          </a:bodyPr>
-          <a:lstStyle/>
-          <a:p>
-            <a:r>
-              <a:rPr lang="ko-KR" altLang="en-US" sz="1100" b="1" dirty="0" smtClean="0">
-                <a:ln>
-                  <a:solidFill>
-                    <a:schemeClr val="tx1">
-                      <a:alpha val="0"/>
-                    </a:schemeClr>
-                  </a:solidFill>
-                </a:ln>
-                <a:latin typeface="나눔바른고딕" panose="020B0603020101020101" pitchFamily="50" charset="-127"/>
-                <a:ea typeface="나눔바른고딕" panose="020B0603020101020101" pitchFamily="50" charset="-127"/>
-              </a:rPr>
-              <a:t>수강생</a:t>
-            </a:r>
-            <a:r>
-              <a:rPr lang="en-US" altLang="ko-KR" sz="1100" b="1" dirty="0" err="1">
-                <a:ln>
-                  <a:solidFill>
-                    <a:schemeClr val="tx1">
-                      <a:alpha val="0"/>
-                    </a:schemeClr>
-                  </a:solidFill>
-                </a:ln>
-                <a:latin typeface="나눔바른고딕" panose="020B0603020101020101" pitchFamily="50" charset="-127"/>
-                <a:ea typeface="나눔바른고딕" panose="020B0603020101020101" pitchFamily="50" charset="-127"/>
-              </a:rPr>
-              <a:t>url</a:t>
-            </a:r>
-            <a:r>
-              <a:rPr lang="ko-KR" altLang="en-US" sz="1100" b="1" dirty="0">
-                <a:ln>
-                  <a:solidFill>
-                    <a:schemeClr val="tx1">
-                      <a:alpha val="0"/>
-                    </a:schemeClr>
-                  </a:solidFill>
-                </a:ln>
-                <a:latin typeface="나눔바른고딕" panose="020B0603020101020101" pitchFamily="50" charset="-127"/>
-                <a:ea typeface="나눔바른고딕" panose="020B0603020101020101" pitchFamily="50" charset="-127"/>
-              </a:rPr>
-              <a:t>인 </a:t>
-            </a:r>
-            <a:r>
-              <a:rPr lang="en-US" altLang="ko-KR" sz="1100" b="1" dirty="0">
-                <a:ln>
-                  <a:solidFill>
-                    <a:schemeClr val="tx1">
-                      <a:alpha val="0"/>
-                    </a:schemeClr>
-                  </a:solidFill>
-                </a:ln>
-                <a:latin typeface="나눔바른고딕" panose="020B0603020101020101" pitchFamily="50" charset="-127"/>
-                <a:ea typeface="나눔바른고딕" panose="020B0603020101020101" pitchFamily="50" charset="-127"/>
-              </a:rPr>
-              <a:t>/</a:t>
-            </a:r>
-            <a:r>
-              <a:rPr lang="en-US" altLang="ko-KR" sz="1100" b="1" dirty="0" err="1">
-                <a:ln>
-                  <a:solidFill>
-                    <a:schemeClr val="tx1">
-                      <a:alpha val="0"/>
-                    </a:schemeClr>
-                  </a:solidFill>
-                </a:ln>
-                <a:latin typeface="나눔바른고딕" panose="020B0603020101020101" pitchFamily="50" charset="-127"/>
-                <a:ea typeface="나눔바른고딕" panose="020B0603020101020101" pitchFamily="50" charset="-127"/>
-              </a:rPr>
-              <a:t>main_studying</a:t>
-            </a:r>
-            <a:r>
-              <a:rPr lang="en-US" altLang="ko-KR" sz="1100" b="1" dirty="0">
-                <a:ln>
-                  <a:solidFill>
-                    <a:schemeClr val="tx1">
-                      <a:alpha val="0"/>
-                    </a:schemeClr>
-                  </a:solidFill>
-                </a:ln>
-                <a:latin typeface="나눔바른고딕" panose="020B0603020101020101" pitchFamily="50" charset="-127"/>
-                <a:ea typeface="나눔바른고딕" panose="020B0603020101020101" pitchFamily="50" charset="-127"/>
-              </a:rPr>
-              <a:t>  </a:t>
-            </a:r>
-            <a:r>
-              <a:rPr lang="ko-KR" altLang="en-US" sz="1100" b="1" dirty="0">
-                <a:ln>
-                  <a:solidFill>
-                    <a:schemeClr val="tx1">
-                      <a:alpha val="0"/>
-                    </a:schemeClr>
-                  </a:solidFill>
-                </a:ln>
-                <a:latin typeface="나눔바른고딕" panose="020B0603020101020101" pitchFamily="50" charset="-127"/>
-                <a:ea typeface="나눔바른고딕" panose="020B0603020101020101" pitchFamily="50" charset="-127"/>
-              </a:rPr>
-              <a:t>페이지를 방문하지 않은 대상</a:t>
-            </a:r>
-            <a:r>
-              <a:rPr lang="en-US" altLang="ko-KR" sz="1100" b="1" dirty="0">
-                <a:ln>
-                  <a:solidFill>
-                    <a:schemeClr val="tx1">
-                      <a:alpha val="0"/>
-                    </a:schemeClr>
-                  </a:solidFill>
-                </a:ln>
-                <a:latin typeface="나눔바른고딕" panose="020B0603020101020101" pitchFamily="50" charset="-127"/>
-                <a:ea typeface="나눔바른고딕" panose="020B0603020101020101" pitchFamily="50" charset="-127"/>
-              </a:rPr>
-              <a:t>(</a:t>
-            </a:r>
-            <a:r>
-              <a:rPr lang="ko-KR" altLang="en-US" sz="1100" b="1" dirty="0" err="1">
-                <a:ln>
-                  <a:solidFill>
-                    <a:schemeClr val="tx1">
-                      <a:alpha val="0"/>
-                    </a:schemeClr>
-                  </a:solidFill>
-                </a:ln>
-                <a:latin typeface="나눔바른고딕" panose="020B0603020101020101" pitchFamily="50" charset="-127"/>
-                <a:ea typeface="나눔바른고딕" panose="020B0603020101020101" pitchFamily="50" charset="-127"/>
-              </a:rPr>
-              <a:t>비수강생</a:t>
-            </a:r>
-            <a:r>
-              <a:rPr lang="en-US" altLang="ko-KR" sz="1100" b="1" dirty="0" smtClean="0">
-                <a:ln>
-                  <a:solidFill>
-                    <a:schemeClr val="tx1">
-                      <a:alpha val="0"/>
-                    </a:schemeClr>
-                  </a:solidFill>
-                </a:ln>
-                <a:latin typeface="나눔바른고딕" panose="020B0603020101020101" pitchFamily="50" charset="-127"/>
-                <a:ea typeface="나눔바른고딕" panose="020B0603020101020101" pitchFamily="50" charset="-127"/>
-              </a:rPr>
-              <a:t>),</a:t>
-            </a:r>
-          </a:p>
-          <a:p>
-            <a:r>
-              <a:rPr lang="en-US" altLang="ko-KR" sz="1100" b="1" dirty="0" smtClean="0">
-                <a:ln>
-                  <a:solidFill>
-                    <a:schemeClr val="tx1">
-                      <a:alpha val="0"/>
-                    </a:schemeClr>
-                  </a:solidFill>
-                </a:ln>
-                <a:latin typeface="나눔바른고딕" panose="020B0603020101020101" pitchFamily="50" charset="-127"/>
-                <a:ea typeface="나눔바른고딕" panose="020B0603020101020101" pitchFamily="50" charset="-127"/>
-              </a:rPr>
-              <a:t>2</a:t>
-            </a:r>
-            <a:r>
-              <a:rPr lang="ko-KR" altLang="en-US" sz="1100" b="1" dirty="0">
-                <a:ln>
-                  <a:solidFill>
-                    <a:schemeClr val="tx1">
-                      <a:alpha val="0"/>
-                    </a:schemeClr>
-                  </a:solidFill>
-                </a:ln>
-                <a:latin typeface="나눔바른고딕" panose="020B0603020101020101" pitchFamily="50" charset="-127"/>
-                <a:ea typeface="나눔바른고딕" panose="020B0603020101020101" pitchFamily="50" charset="-127"/>
-              </a:rPr>
-              <a:t>분 동안 대기 후 발송</a:t>
-            </a:r>
-            <a:endParaRPr lang="en-US" altLang="ko-KR" sz="1100" b="1" dirty="0">
-              <a:ln>
-                <a:solidFill>
-                  <a:schemeClr val="tx1">
-                    <a:alpha val="0"/>
-                  </a:schemeClr>
-                </a:solidFill>
-              </a:ln>
-              <a:latin typeface="나눔바른고딕" panose="020B0603020101020101" pitchFamily="50" charset="-127"/>
-              <a:ea typeface="나눔바른고딕" panose="020B0603020101020101" pitchFamily="50" charset="-127"/>
-            </a:endParaRPr>
-          </a:p>
-        </p:txBody>
-      </p:sp>
-      <p:sp>
-        <p:nvSpPr>
-          <p:cNvPr id="7" name="직사각형 6"/>
-          <p:cNvSpPr/>
-          <p:nvPr/>
-        </p:nvSpPr>
-        <p:spPr>
-          <a:xfrm>
-            <a:off x="209921" y="563138"/>
-            <a:ext cx="5809626" cy="430887"/>
-          </a:xfrm>
-          <a:prstGeom prst="rect">
-            <a:avLst/>
-          </a:prstGeom>
-          <a:noFill/>
-          <a:ln>
-            <a:noFill/>
-          </a:ln>
-        </p:spPr>
-        <p:txBody>
-          <a:bodyPr wrap="square">
-            <a:spAutoFit/>
-          </a:bodyPr>
-          <a:lstStyle/>
-          <a:p>
-            <a:r>
-              <a:rPr lang="ko-KR" altLang="en-US" sz="1100" b="1" dirty="0" smtClean="0">
-                <a:ln>
-                  <a:solidFill>
-                    <a:schemeClr val="tx1">
-                      <a:alpha val="0"/>
-                    </a:schemeClr>
-                  </a:solidFill>
-                </a:ln>
-                <a:latin typeface="나눔바른고딕" panose="020B0603020101020101" pitchFamily="50" charset="-127"/>
-                <a:ea typeface="나눔바른고딕" panose="020B0603020101020101" pitchFamily="50" charset="-127"/>
-              </a:rPr>
-              <a:t>수강생과 </a:t>
-            </a:r>
-            <a:r>
-              <a:rPr lang="ko-KR" altLang="en-US" sz="1100" b="1" dirty="0" err="1" smtClean="0">
-                <a:ln>
-                  <a:solidFill>
-                    <a:schemeClr val="tx1">
-                      <a:alpha val="0"/>
-                    </a:schemeClr>
-                  </a:solidFill>
-                </a:ln>
-                <a:latin typeface="나눔바른고딕" panose="020B0603020101020101" pitchFamily="50" charset="-127"/>
-                <a:ea typeface="나눔바른고딕" panose="020B0603020101020101" pitchFamily="50" charset="-127"/>
-              </a:rPr>
-              <a:t>비수강생을</a:t>
-            </a:r>
-            <a:r>
-              <a:rPr lang="ko-KR" altLang="en-US" sz="1100" b="1" dirty="0" smtClean="0">
-                <a:ln>
-                  <a:solidFill>
-                    <a:schemeClr val="tx1">
-                      <a:alpha val="0"/>
-                    </a:schemeClr>
-                  </a:solidFill>
-                </a:ln>
-                <a:latin typeface="나눔바른고딕" panose="020B0603020101020101" pitchFamily="50" charset="-127"/>
-                <a:ea typeface="나눔바른고딕" panose="020B0603020101020101" pitchFamily="50" charset="-127"/>
-              </a:rPr>
-              <a:t> </a:t>
-            </a:r>
-            <a:r>
-              <a:rPr lang="en-US" altLang="ko-KR" sz="1100" b="1" dirty="0" smtClean="0">
-                <a:ln>
-                  <a:solidFill>
-                    <a:schemeClr val="tx1">
-                      <a:alpha val="0"/>
-                    </a:schemeClr>
-                  </a:solidFill>
-                </a:ln>
-                <a:latin typeface="나눔바른고딕" panose="020B0603020101020101" pitchFamily="50" charset="-127"/>
-                <a:ea typeface="나눔바른고딕" panose="020B0603020101020101" pitchFamily="50" charset="-127"/>
-              </a:rPr>
-              <a:t>/main </a:t>
-            </a:r>
-            <a:r>
-              <a:rPr lang="ko-KR" altLang="en-US" sz="1100" b="1" dirty="0" smtClean="0">
-                <a:ln>
-                  <a:solidFill>
-                    <a:schemeClr val="tx1">
-                      <a:alpha val="0"/>
-                    </a:schemeClr>
-                  </a:solidFill>
-                </a:ln>
-                <a:latin typeface="나눔바른고딕" panose="020B0603020101020101" pitchFamily="50" charset="-127"/>
-                <a:ea typeface="나눔바른고딕" panose="020B0603020101020101" pitchFamily="50" charset="-127"/>
-              </a:rPr>
-              <a:t>과 </a:t>
-            </a:r>
-            <a:r>
-              <a:rPr lang="en-US" altLang="ko-KR" sz="1100" b="1" dirty="0" smtClean="0">
-                <a:ln>
-                  <a:solidFill>
-                    <a:schemeClr val="tx1">
-                      <a:alpha val="0"/>
-                    </a:schemeClr>
-                  </a:solidFill>
-                </a:ln>
-                <a:latin typeface="나눔바른고딕" panose="020B0603020101020101" pitchFamily="50" charset="-127"/>
-                <a:ea typeface="나눔바른고딕" panose="020B0603020101020101" pitchFamily="50" charset="-127"/>
-              </a:rPr>
-              <a:t>/</a:t>
-            </a:r>
-            <a:r>
-              <a:rPr lang="en-US" altLang="ko-KR" sz="1100" b="1" dirty="0" err="1" smtClean="0">
-                <a:ln>
-                  <a:solidFill>
-                    <a:schemeClr val="tx1">
-                      <a:alpha val="0"/>
-                    </a:schemeClr>
-                  </a:solidFill>
-                </a:ln>
-                <a:latin typeface="나눔바른고딕" panose="020B0603020101020101" pitchFamily="50" charset="-127"/>
-                <a:ea typeface="나눔바른고딕" panose="020B0603020101020101" pitchFamily="50" charset="-127"/>
-              </a:rPr>
-              <a:t>main_studying</a:t>
-            </a:r>
-            <a:r>
-              <a:rPr lang="ko-KR" altLang="en-US" sz="1100" b="1" dirty="0" smtClean="0">
-                <a:ln>
-                  <a:solidFill>
-                    <a:schemeClr val="tx1">
-                      <a:alpha val="0"/>
-                    </a:schemeClr>
-                  </a:solidFill>
-                </a:ln>
-                <a:latin typeface="나눔바른고딕" panose="020B0603020101020101" pitchFamily="50" charset="-127"/>
-                <a:ea typeface="나눔바른고딕" panose="020B0603020101020101" pitchFamily="50" charset="-127"/>
-              </a:rPr>
-              <a:t>으로 분리</a:t>
-            </a:r>
-            <a:r>
-              <a:rPr lang="ko-KR" altLang="en-US" sz="1100" dirty="0" smtClean="0">
-                <a:ln>
-                  <a:solidFill>
-                    <a:schemeClr val="tx1">
-                      <a:alpha val="0"/>
-                    </a:schemeClr>
-                  </a:solidFill>
-                </a:ln>
-                <a:latin typeface="나눔바른고딕" panose="020B0603020101020101" pitchFamily="50" charset="-127"/>
-                <a:ea typeface="나눔바른고딕" panose="020B0603020101020101" pitchFamily="50" charset="-127"/>
-              </a:rPr>
-              <a:t>할 수 있게 되었습니다</a:t>
-            </a:r>
-            <a:r>
-              <a:rPr lang="en-US" altLang="ko-KR" sz="1100" dirty="0" smtClean="0">
-                <a:ln>
-                  <a:solidFill>
-                    <a:schemeClr val="tx1">
-                      <a:alpha val="0"/>
-                    </a:schemeClr>
-                  </a:solidFill>
-                </a:ln>
-                <a:latin typeface="나눔바른고딕" panose="020B0603020101020101" pitchFamily="50" charset="-127"/>
-                <a:ea typeface="나눔바른고딕" panose="020B0603020101020101" pitchFamily="50" charset="-127"/>
-              </a:rPr>
-              <a:t>.</a:t>
-            </a:r>
-          </a:p>
-          <a:p>
-            <a:r>
-              <a:rPr lang="ko-KR" altLang="en-US" sz="1100" dirty="0" smtClean="0">
-                <a:ln>
-                  <a:solidFill>
-                    <a:schemeClr val="tx1">
-                      <a:alpha val="0"/>
-                    </a:schemeClr>
-                  </a:solidFill>
-                </a:ln>
-                <a:latin typeface="나눔바른고딕" panose="020B0603020101020101" pitchFamily="50" charset="-127"/>
-                <a:ea typeface="나눔바른고딕" panose="020B0603020101020101" pitchFamily="50" charset="-127"/>
-              </a:rPr>
-              <a:t>이에 따라 </a:t>
-            </a:r>
-            <a:r>
-              <a:rPr lang="ko-KR" altLang="en-US" sz="1100" dirty="0" err="1" smtClean="0">
-                <a:ln>
-                  <a:solidFill>
-                    <a:schemeClr val="tx1">
-                      <a:alpha val="0"/>
-                    </a:schemeClr>
-                  </a:solidFill>
-                </a:ln>
-                <a:latin typeface="나눔바른고딕" panose="020B0603020101020101" pitchFamily="50" charset="-127"/>
-                <a:ea typeface="나눔바른고딕" panose="020B0603020101020101" pitchFamily="50" charset="-127"/>
-              </a:rPr>
-              <a:t>비수강생을</a:t>
-            </a:r>
-            <a:r>
-              <a:rPr lang="ko-KR" altLang="en-US" sz="1100" dirty="0" smtClean="0">
-                <a:ln>
-                  <a:solidFill>
-                    <a:schemeClr val="tx1">
-                      <a:alpha val="0"/>
-                    </a:schemeClr>
-                  </a:solidFill>
-                </a:ln>
-                <a:latin typeface="나눔바른고딕" panose="020B0603020101020101" pitchFamily="50" charset="-127"/>
-                <a:ea typeface="나눔바른고딕" panose="020B0603020101020101" pitchFamily="50" charset="-127"/>
-              </a:rPr>
-              <a:t> 대상으로 </a:t>
-            </a:r>
-            <a:r>
-              <a:rPr lang="ko-KR" altLang="en-US" sz="1100" dirty="0" err="1" smtClean="0">
-                <a:ln>
-                  <a:solidFill>
-                    <a:schemeClr val="tx1">
-                      <a:alpha val="0"/>
-                    </a:schemeClr>
-                  </a:solidFill>
-                </a:ln>
-                <a:latin typeface="나눔바른고딕" panose="020B0603020101020101" pitchFamily="50" charset="-127"/>
-                <a:ea typeface="나눔바른고딕" panose="020B0603020101020101" pitchFamily="50" charset="-127"/>
-              </a:rPr>
-              <a:t>무료체험에</a:t>
-            </a:r>
-            <a:r>
-              <a:rPr lang="ko-KR" altLang="en-US" sz="1100" dirty="0" smtClean="0">
-                <a:ln>
-                  <a:solidFill>
-                    <a:schemeClr val="tx1">
-                      <a:alpha val="0"/>
-                    </a:schemeClr>
-                  </a:solidFill>
-                </a:ln>
-                <a:latin typeface="나눔바른고딕" panose="020B0603020101020101" pitchFamily="50" charset="-127"/>
-                <a:ea typeface="나눔바른고딕" panose="020B0603020101020101" pitchFamily="50" charset="-127"/>
-              </a:rPr>
-              <a:t> 대한 노티를 보내는 것이 가능해졌습니다</a:t>
-            </a:r>
-            <a:r>
-              <a:rPr lang="en-US" altLang="ko-KR" sz="1100" dirty="0" smtClean="0">
-                <a:ln>
-                  <a:solidFill>
-                    <a:schemeClr val="tx1">
-                      <a:alpha val="0"/>
-                    </a:schemeClr>
-                  </a:solidFill>
-                </a:ln>
-                <a:latin typeface="나눔바른고딕" panose="020B0603020101020101" pitchFamily="50" charset="-127"/>
-                <a:ea typeface="나눔바른고딕" panose="020B0603020101020101" pitchFamily="50" charset="-127"/>
-              </a:rPr>
-              <a:t>. </a:t>
-            </a:r>
-            <a:endParaRPr lang="en-US" altLang="ko-KR" sz="1100" dirty="0">
-              <a:ln>
-                <a:solidFill>
-                  <a:schemeClr val="tx1">
-                    <a:alpha val="0"/>
-                  </a:schemeClr>
-                </a:solidFill>
-              </a:ln>
-              <a:latin typeface="나눔바른고딕" panose="020B0603020101020101" pitchFamily="50" charset="-127"/>
-              <a:ea typeface="나눔바른고딕" panose="020B0603020101020101" pitchFamily="50" charset="-127"/>
-            </a:endParaRPr>
-          </a:p>
-        </p:txBody>
-      </p:sp>
-      <p:sp>
-        <p:nvSpPr>
-          <p:cNvPr id="8" name="직사각형 7"/>
-          <p:cNvSpPr/>
-          <p:nvPr/>
-        </p:nvSpPr>
-        <p:spPr>
-          <a:xfrm>
-            <a:off x="7622849" y="5930167"/>
-            <a:ext cx="1242196" cy="276999"/>
-          </a:xfrm>
-          <a:prstGeom prst="rect">
-            <a:avLst/>
-          </a:prstGeom>
-          <a:solidFill>
-            <a:schemeClr val="accent4">
-              <a:lumMod val="20000"/>
-              <a:lumOff val="80000"/>
-            </a:schemeClr>
-          </a:solidFill>
-          <a:ln w="25400">
-            <a:solidFill>
-              <a:srgbClr val="C00000"/>
-            </a:solidFill>
-          </a:ln>
-        </p:spPr>
-        <p:txBody>
-          <a:bodyPr wrap="square">
-            <a:spAutoFit/>
-          </a:bodyPr>
-          <a:lstStyle/>
-          <a:p>
-            <a:pPr algn="r"/>
-            <a:r>
-              <a:rPr lang="ko-KR" altLang="en-US" sz="1200" dirty="0" smtClean="0">
-                <a:ln>
-                  <a:solidFill>
-                    <a:schemeClr val="tx1">
-                      <a:alpha val="0"/>
-                    </a:schemeClr>
-                  </a:solidFill>
-                </a:ln>
-                <a:latin typeface="나눔바른고딕" panose="020B0603020101020101" pitchFamily="50" charset="-127"/>
-                <a:ea typeface="나눔바른고딕" panose="020B0603020101020101" pitchFamily="50" charset="-127"/>
-              </a:rPr>
-              <a:t>내주 진행 예정</a:t>
-            </a:r>
-            <a:endParaRPr lang="en-US" altLang="ko-KR" sz="1200" dirty="0">
-              <a:ln>
-                <a:solidFill>
-                  <a:schemeClr val="tx1">
-                    <a:alpha val="0"/>
-                  </a:schemeClr>
-                </a:solidFill>
-              </a:ln>
-              <a:latin typeface="나눔바른고딕" panose="020B0603020101020101" pitchFamily="50" charset="-127"/>
-              <a:ea typeface="나눔바른고딕" panose="020B0603020101020101" pitchFamily="50" charset="-127"/>
-            </a:endParaRPr>
-          </a:p>
-        </p:txBody>
-      </p:sp>
-    </p:spTree>
-    <p:extLst>
-      <p:ext uri="{BB962C8B-B14F-4D97-AF65-F5344CB8AC3E}">
-        <p14:creationId xmlns:p14="http://schemas.microsoft.com/office/powerpoint/2010/main" val="3760749587"/>
-      </p:ext>
-    </p:extLst>
-  </p:cSld>
-  <p:clrMapOvr>
-    <a:masterClrMapping/>
-  </p:clrMapOvr>
-  <p:timing>
-    <p:tnLst>
-      <p:par>
-        <p:cTn id="1" dur="indefinite" restart="never" nodeType="tmRoot"/>
-      </p:par>
-    </p:tnLst>
-  </p:timing>
-</p:sld>
-</file>
-
-<file path=ppt/slides/slide11.xml><?xml version="1.0" encoding="utf-8"?>
-<p:sld xmlns:a="http://schemas.openxmlformats.org/drawingml/2006/main" xmlns:r="http://schemas.openxmlformats.org/officeDocument/2006/relationships" xmlns:p="http://schemas.openxmlformats.org/presentationml/2006/main">
-  <p:cSld>
-    <p:spTree>
-      <p:nvGrpSpPr>
-        <p:cNvPr id="1" name=""/>
-        <p:cNvGrpSpPr/>
-        <p:nvPr/>
-      </p:nvGrpSpPr>
-      <p:grpSpPr>
-        <a:xfrm>
-          <a:off x="0" y="0"/>
-          <a:ext cx="0" cy="0"/>
-          <a:chOff x="0" y="0"/>
-          <a:chExt cx="0" cy="0"/>
-        </a:xfrm>
-      </p:grpSpPr>
-      <p:sp>
-        <p:nvSpPr>
-          <p:cNvPr id="2" name="직사각형 1"/>
-          <p:cNvSpPr/>
-          <p:nvPr/>
-        </p:nvSpPr>
-        <p:spPr>
-          <a:xfrm>
-            <a:off x="136868" y="98606"/>
-            <a:ext cx="4572000" cy="253916"/>
-          </a:xfrm>
-          <a:prstGeom prst="rect">
-            <a:avLst/>
-          </a:prstGeom>
-        </p:spPr>
-        <p:txBody>
-          <a:bodyPr>
-            <a:spAutoFit/>
-          </a:bodyPr>
-          <a:lstStyle/>
-          <a:p>
-            <a:r>
-              <a:rPr lang="en-US" altLang="ko-KR" sz="1050" b="1" dirty="0" smtClean="0">
-                <a:ln>
-                  <a:solidFill>
-                    <a:schemeClr val="tx1">
-                      <a:alpha val="0"/>
-                    </a:schemeClr>
-                  </a:solidFill>
-                </a:ln>
-                <a:latin typeface="나눔바른고딕" panose="020B0603020101020101" pitchFamily="50" charset="-127"/>
-                <a:ea typeface="나눔바른고딕" panose="020B0603020101020101" pitchFamily="50" charset="-127"/>
-              </a:rPr>
-              <a:t>1</a:t>
-            </a:r>
-            <a:r>
-              <a:rPr lang="ko-KR" altLang="en-US" sz="1050" b="1" dirty="0" smtClean="0">
-                <a:ln>
-                  <a:solidFill>
-                    <a:schemeClr val="tx1">
-                      <a:alpha val="0"/>
-                    </a:schemeClr>
-                  </a:solidFill>
-                </a:ln>
-                <a:latin typeface="나눔바른고딕" panose="020B0603020101020101" pitchFamily="50" charset="-127"/>
-                <a:ea typeface="나눔바른고딕" panose="020B0603020101020101" pitchFamily="50" charset="-127"/>
-              </a:rPr>
-              <a:t>월 </a:t>
-            </a:r>
-            <a:r>
-              <a:rPr lang="en-US" altLang="ko-KR" sz="1050" b="1" dirty="0" smtClean="0">
-                <a:ln>
-                  <a:solidFill>
-                    <a:schemeClr val="tx1">
-                      <a:alpha val="0"/>
-                    </a:schemeClr>
-                  </a:solidFill>
-                </a:ln>
-                <a:latin typeface="나눔바른고딕" panose="020B0603020101020101" pitchFamily="50" charset="-127"/>
-                <a:ea typeface="나눔바른고딕" panose="020B0603020101020101" pitchFamily="50" charset="-127"/>
-              </a:rPr>
-              <a:t>1</a:t>
-            </a:r>
-            <a:r>
-              <a:rPr lang="ko-KR" altLang="en-US" sz="1050" b="1" dirty="0" smtClean="0">
-                <a:ln>
-                  <a:solidFill>
-                    <a:schemeClr val="tx1">
-                      <a:alpha val="0"/>
-                    </a:schemeClr>
-                  </a:solidFill>
-                </a:ln>
-                <a:latin typeface="나눔바른고딕" panose="020B0603020101020101" pitchFamily="50" charset="-127"/>
-                <a:ea typeface="나눔바른고딕" panose="020B0603020101020101" pitchFamily="50" charset="-127"/>
-              </a:rPr>
-              <a:t>일 추가 체험 이벤트 진행</a:t>
-            </a:r>
-            <a:endParaRPr lang="ko-KR" altLang="en-US" sz="1050" b="1" dirty="0">
-              <a:ln>
-                <a:solidFill>
-                  <a:schemeClr val="tx1">
-                    <a:alpha val="0"/>
-                  </a:schemeClr>
-                </a:solidFill>
-              </a:ln>
-              <a:latin typeface="나눔바른고딕" panose="020B0603020101020101" pitchFamily="50" charset="-127"/>
-              <a:ea typeface="나눔바른고딕" panose="020B0603020101020101" pitchFamily="50" charset="-127"/>
-            </a:endParaRPr>
-          </a:p>
-        </p:txBody>
-      </p:sp>
-      <p:cxnSp>
-        <p:nvCxnSpPr>
-          <p:cNvPr id="3" name="직선 연결선 2"/>
-          <p:cNvCxnSpPr/>
-          <p:nvPr/>
-        </p:nvCxnSpPr>
-        <p:spPr>
-          <a:xfrm>
-            <a:off x="136868" y="401870"/>
-            <a:ext cx="8867351" cy="0"/>
-          </a:xfrm>
-          <a:prstGeom prst="line">
-            <a:avLst/>
-          </a:prstGeom>
-          <a:ln>
-            <a:solidFill>
-              <a:schemeClr val="tx1"/>
-            </a:solidFill>
-          </a:ln>
-        </p:spPr>
-        <p:style>
-          <a:lnRef idx="1">
-            <a:schemeClr val="accent1"/>
-          </a:lnRef>
-          <a:fillRef idx="0">
-            <a:schemeClr val="accent1"/>
-          </a:fillRef>
-          <a:effectRef idx="0">
-            <a:schemeClr val="accent1"/>
-          </a:effectRef>
-          <a:fontRef idx="minor">
-            <a:schemeClr val="tx1"/>
-          </a:fontRef>
-        </p:style>
-      </p:cxnSp>
-      <p:sp>
-        <p:nvSpPr>
-          <p:cNvPr id="7" name="직사각형 6"/>
-          <p:cNvSpPr/>
-          <p:nvPr/>
-        </p:nvSpPr>
-        <p:spPr>
-          <a:xfrm>
-            <a:off x="6648627" y="5859656"/>
-            <a:ext cx="2355591" cy="276999"/>
-          </a:xfrm>
-          <a:prstGeom prst="rect">
-            <a:avLst/>
-          </a:prstGeom>
-          <a:solidFill>
-            <a:schemeClr val="accent4">
-              <a:lumMod val="20000"/>
-              <a:lumOff val="80000"/>
-            </a:schemeClr>
-          </a:solidFill>
-          <a:ln w="25400">
-            <a:solidFill>
-              <a:srgbClr val="C00000"/>
-            </a:solidFill>
-          </a:ln>
-        </p:spPr>
-        <p:txBody>
-          <a:bodyPr wrap="square">
-            <a:spAutoFit/>
-          </a:bodyPr>
-          <a:lstStyle/>
-          <a:p>
-            <a:pPr algn="r"/>
-            <a:r>
-              <a:rPr lang="en-US" altLang="ko-KR" sz="1200" dirty="0" smtClean="0">
-                <a:ln>
-                  <a:solidFill>
-                    <a:schemeClr val="tx1">
-                      <a:alpha val="0"/>
-                    </a:schemeClr>
-                  </a:solidFill>
-                </a:ln>
-                <a:latin typeface="나눔바른고딕" panose="020B0603020101020101" pitchFamily="50" charset="-127"/>
-                <a:ea typeface="나눔바른고딕" panose="020B0603020101020101" pitchFamily="50" charset="-127"/>
-              </a:rPr>
-              <a:t>1</a:t>
-            </a:r>
-            <a:r>
-              <a:rPr lang="ko-KR" altLang="en-US" sz="1200" dirty="0" smtClean="0">
-                <a:ln>
-                  <a:solidFill>
-                    <a:schemeClr val="tx1">
-                      <a:alpha val="0"/>
-                    </a:schemeClr>
-                  </a:solidFill>
-                </a:ln>
-                <a:latin typeface="나눔바른고딕" panose="020B0603020101020101" pitchFamily="50" charset="-127"/>
-                <a:ea typeface="나눔바른고딕" panose="020B0603020101020101" pitchFamily="50" charset="-127"/>
-              </a:rPr>
-              <a:t>월 </a:t>
-            </a:r>
-            <a:r>
-              <a:rPr lang="en-US" altLang="ko-KR" sz="1200" dirty="0" smtClean="0">
-                <a:ln>
-                  <a:solidFill>
-                    <a:schemeClr val="tx1">
-                      <a:alpha val="0"/>
-                    </a:schemeClr>
-                  </a:solidFill>
-                </a:ln>
-                <a:latin typeface="나눔바른고딕" panose="020B0603020101020101" pitchFamily="50" charset="-127"/>
-                <a:ea typeface="나눔바른고딕" panose="020B0603020101020101" pitchFamily="50" charset="-127"/>
-              </a:rPr>
-              <a:t>1</a:t>
-            </a:r>
-            <a:r>
-              <a:rPr lang="ko-KR" altLang="en-US" sz="1200" dirty="0" smtClean="0">
-                <a:ln>
-                  <a:solidFill>
-                    <a:schemeClr val="tx1">
-                      <a:alpha val="0"/>
-                    </a:schemeClr>
-                  </a:solidFill>
-                </a:ln>
-                <a:latin typeface="나눔바른고딕" panose="020B0603020101020101" pitchFamily="50" charset="-127"/>
-                <a:ea typeface="나눔바른고딕" panose="020B0603020101020101" pitchFamily="50" charset="-127"/>
-              </a:rPr>
-              <a:t>일부로 이벤트 진행 중 </a:t>
-            </a:r>
-            <a:endParaRPr lang="en-US" altLang="ko-KR" sz="1200" dirty="0">
-              <a:ln>
-                <a:solidFill>
-                  <a:schemeClr val="tx1">
-                    <a:alpha val="0"/>
-                  </a:schemeClr>
-                </a:solidFill>
-              </a:ln>
-              <a:latin typeface="나눔바른고딕" panose="020B0603020101020101" pitchFamily="50" charset="-127"/>
-              <a:ea typeface="나눔바른고딕" panose="020B0603020101020101" pitchFamily="50" charset="-127"/>
-            </a:endParaRPr>
-          </a:p>
-        </p:txBody>
-      </p:sp>
-      <p:pic>
-        <p:nvPicPr>
-          <p:cNvPr id="8" name="그림 7"/>
-          <p:cNvPicPr>
-            <a:picLocks noChangeAspect="1"/>
-          </p:cNvPicPr>
-          <p:nvPr/>
-        </p:nvPicPr>
-        <p:blipFill>
-          <a:blip r:embed="rId2"/>
-          <a:stretch>
-            <a:fillRect/>
-          </a:stretch>
-        </p:blipFill>
-        <p:spPr>
-          <a:xfrm>
-            <a:off x="355321" y="726391"/>
-            <a:ext cx="6174156" cy="1927879"/>
-          </a:xfrm>
-          <a:prstGeom prst="rect">
-            <a:avLst/>
-          </a:prstGeom>
-        </p:spPr>
-      </p:pic>
-    </p:spTree>
-    <p:extLst>
-      <p:ext uri="{BB962C8B-B14F-4D97-AF65-F5344CB8AC3E}">
-        <p14:creationId xmlns:p14="http://schemas.microsoft.com/office/powerpoint/2010/main" val="1659231763"/>
-      </p:ext>
-    </p:extLst>
-  </p:cSld>
-  <p:clrMapOvr>
-    <a:masterClrMapping/>
-  </p:clrMapOvr>
-</p:sld>
-</file>
-
-<file path=ppt/slides/slide12.xml><?xml version="1.0" encoding="utf-8"?>
-<p:sld xmlns:a="http://schemas.openxmlformats.org/drawingml/2006/main" xmlns:r="http://schemas.openxmlformats.org/officeDocument/2006/relationships" xmlns:p="http://schemas.openxmlformats.org/presentationml/2006/main">
-  <p:cSld>
-    <p:spTree>
-      <p:nvGrpSpPr>
-        <p:cNvPr id="1" name=""/>
-        <p:cNvGrpSpPr/>
-        <p:nvPr/>
-      </p:nvGrpSpPr>
-      <p:grpSpPr>
-        <a:xfrm>
-          <a:off x="0" y="0"/>
-          <a:ext cx="0" cy="0"/>
-          <a:chOff x="0" y="0"/>
-          <a:chExt cx="0" cy="0"/>
-        </a:xfrm>
-      </p:grpSpPr>
-      <p:sp>
-        <p:nvSpPr>
-          <p:cNvPr id="4" name="직사각형 3"/>
-          <p:cNvSpPr/>
-          <p:nvPr/>
-        </p:nvSpPr>
-        <p:spPr>
-          <a:xfrm>
-            <a:off x="136868" y="98606"/>
-            <a:ext cx="4572000" cy="253916"/>
-          </a:xfrm>
-          <a:prstGeom prst="rect">
-            <a:avLst/>
-          </a:prstGeom>
-        </p:spPr>
-        <p:txBody>
-          <a:bodyPr>
-            <a:spAutoFit/>
-          </a:bodyPr>
-          <a:lstStyle/>
-          <a:p>
-            <a:r>
-              <a:rPr lang="ko-KR" altLang="en-US" sz="1050" b="1" dirty="0" smtClean="0">
-                <a:ln>
-                  <a:solidFill>
-                    <a:schemeClr val="tx1">
-                      <a:alpha val="0"/>
-                    </a:schemeClr>
-                  </a:solidFill>
-                </a:ln>
-                <a:latin typeface="나눔바른고딕" panose="020B0603020101020101" pitchFamily="50" charset="-127"/>
-                <a:ea typeface="나눔바른고딕" panose="020B0603020101020101" pitchFamily="50" charset="-127"/>
-              </a:rPr>
-              <a:t>기타</a:t>
-            </a:r>
-            <a:r>
-              <a:rPr lang="en-US" altLang="ko-KR" sz="1050" b="1" dirty="0" smtClean="0">
-                <a:ln>
-                  <a:solidFill>
-                    <a:schemeClr val="tx1">
-                      <a:alpha val="0"/>
-                    </a:schemeClr>
-                  </a:solidFill>
-                </a:ln>
-                <a:latin typeface="나눔바른고딕" panose="020B0603020101020101" pitchFamily="50" charset="-127"/>
-                <a:ea typeface="나눔바른고딕" panose="020B0603020101020101" pitchFamily="50" charset="-127"/>
-              </a:rPr>
-              <a:t>) </a:t>
-            </a:r>
-            <a:r>
-              <a:rPr lang="en-US" altLang="ko-KR" sz="1050" b="1" dirty="0" err="1" smtClean="0">
-                <a:ln>
-                  <a:solidFill>
-                    <a:schemeClr val="tx1">
-                      <a:alpha val="0"/>
-                    </a:schemeClr>
-                  </a:solidFill>
-                </a:ln>
-                <a:latin typeface="나눔바른고딕" panose="020B0603020101020101" pitchFamily="50" charset="-127"/>
-                <a:ea typeface="나눔바른고딕" panose="020B0603020101020101" pitchFamily="50" charset="-127"/>
-              </a:rPr>
-              <a:t>Hotjar</a:t>
-            </a:r>
-            <a:r>
-              <a:rPr lang="en-US" altLang="ko-KR" sz="1050" b="1" dirty="0" smtClean="0">
-                <a:ln>
-                  <a:solidFill>
-                    <a:schemeClr val="tx1">
-                      <a:alpha val="0"/>
-                    </a:schemeClr>
-                  </a:solidFill>
-                </a:ln>
-                <a:latin typeface="나눔바른고딕" panose="020B0603020101020101" pitchFamily="50" charset="-127"/>
-                <a:ea typeface="나눔바른고딕" panose="020B0603020101020101" pitchFamily="50" charset="-127"/>
-              </a:rPr>
-              <a:t> – </a:t>
-            </a:r>
-            <a:r>
-              <a:rPr lang="ko-KR" altLang="en-US" sz="1050" b="1" dirty="0" smtClean="0">
-                <a:ln>
-                  <a:solidFill>
-                    <a:schemeClr val="tx1">
-                      <a:alpha val="0"/>
-                    </a:schemeClr>
-                  </a:solidFill>
-                </a:ln>
-                <a:latin typeface="나눔바른고딕" panose="020B0603020101020101" pitchFamily="50" charset="-127"/>
-                <a:ea typeface="나눔바른고딕" panose="020B0603020101020101" pitchFamily="50" charset="-127"/>
-              </a:rPr>
-              <a:t>파워링크 </a:t>
-            </a:r>
-            <a:r>
-              <a:rPr lang="ko-KR" altLang="en-US" sz="1050" b="1" dirty="0" err="1" smtClean="0">
-                <a:ln>
-                  <a:solidFill>
-                    <a:schemeClr val="tx1">
-                      <a:alpha val="0"/>
-                    </a:schemeClr>
-                  </a:solidFill>
-                </a:ln>
-                <a:latin typeface="나눔바른고딕" panose="020B0603020101020101" pitchFamily="50" charset="-127"/>
-                <a:ea typeface="나눔바른고딕" panose="020B0603020101020101" pitchFamily="50" charset="-127"/>
-              </a:rPr>
-              <a:t>리퍼러</a:t>
-            </a:r>
-            <a:r>
-              <a:rPr lang="ko-KR" altLang="en-US" sz="1050" b="1" dirty="0" smtClean="0">
-                <a:ln>
-                  <a:solidFill>
-                    <a:schemeClr val="tx1">
-                      <a:alpha val="0"/>
-                    </a:schemeClr>
-                  </a:solidFill>
-                </a:ln>
-                <a:latin typeface="나눔바른고딕" panose="020B0603020101020101" pitchFamily="50" charset="-127"/>
-                <a:ea typeface="나눔바른고딕" panose="020B0603020101020101" pitchFamily="50" charset="-127"/>
-              </a:rPr>
-              <a:t> </a:t>
-            </a:r>
-            <a:r>
-              <a:rPr lang="ko-KR" altLang="en-US" sz="1050" b="1" dirty="0" err="1" smtClean="0">
-                <a:ln>
-                  <a:solidFill>
-                    <a:schemeClr val="tx1">
-                      <a:alpha val="0"/>
-                    </a:schemeClr>
-                  </a:solidFill>
-                </a:ln>
-                <a:latin typeface="나눔바른고딕" panose="020B0603020101020101" pitchFamily="50" charset="-127"/>
-                <a:ea typeface="나눔바른고딕" panose="020B0603020101020101" pitchFamily="50" charset="-127"/>
-              </a:rPr>
-              <a:t>인사이트</a:t>
-            </a:r>
-            <a:r>
-              <a:rPr lang="ko-KR" altLang="en-US" sz="1050" b="1" dirty="0" smtClean="0">
-                <a:ln>
-                  <a:solidFill>
-                    <a:schemeClr val="tx1">
-                      <a:alpha val="0"/>
-                    </a:schemeClr>
-                  </a:solidFill>
-                </a:ln>
-                <a:latin typeface="나눔바른고딕" panose="020B0603020101020101" pitchFamily="50" charset="-127"/>
-                <a:ea typeface="나눔바른고딕" panose="020B0603020101020101" pitchFamily="50" charset="-127"/>
-              </a:rPr>
-              <a:t> </a:t>
             </a:r>
             <a:endParaRPr lang="ko-KR" altLang="en-US" sz="1050" b="1" dirty="0">
               <a:ln>
@@ -4532,3115 +3390,6 @@
       </p:cxnSp>
       <p:sp>
         <p:nvSpPr>
-          <p:cNvPr id="14" name="직사각형 13"/>
-          <p:cNvSpPr/>
-          <p:nvPr/>
-        </p:nvSpPr>
-        <p:spPr>
-          <a:xfrm>
-            <a:off x="4281443" y="5859656"/>
-            <a:ext cx="4722776" cy="830997"/>
-          </a:xfrm>
-          <a:prstGeom prst="rect">
-            <a:avLst/>
-          </a:prstGeom>
-          <a:solidFill>
-            <a:schemeClr val="accent4">
-              <a:lumMod val="20000"/>
-              <a:lumOff val="80000"/>
-            </a:schemeClr>
-          </a:solidFill>
-          <a:ln w="25400">
-            <a:solidFill>
-              <a:srgbClr val="C00000"/>
-            </a:solidFill>
-          </a:ln>
-        </p:spPr>
-        <p:txBody>
-          <a:bodyPr wrap="square">
-            <a:spAutoFit/>
-          </a:bodyPr>
-          <a:lstStyle/>
-          <a:p>
-            <a:pPr algn="r"/>
-            <a:r>
-              <a:rPr lang="ko-KR" altLang="en-US" sz="1200" dirty="0" smtClean="0">
-                <a:ln>
-                  <a:solidFill>
-                    <a:schemeClr val="tx1">
-                      <a:alpha val="0"/>
-                    </a:schemeClr>
-                  </a:solidFill>
-                </a:ln>
-                <a:latin typeface="나눔바른고딕" panose="020B0603020101020101" pitchFamily="50" charset="-127"/>
-                <a:ea typeface="나눔바른고딕" panose="020B0603020101020101" pitchFamily="50" charset="-127"/>
-              </a:rPr>
-              <a:t>파워링크를 </a:t>
-            </a:r>
-            <a:r>
-              <a:rPr lang="ko-KR" altLang="en-US" sz="1200" dirty="0">
-                <a:ln>
-                  <a:solidFill>
-                    <a:schemeClr val="tx1">
-                      <a:alpha val="0"/>
-                    </a:schemeClr>
-                  </a:solidFill>
-                </a:ln>
-                <a:latin typeface="나눔바른고딕" panose="020B0603020101020101" pitchFamily="50" charset="-127"/>
-                <a:ea typeface="나눔바른고딕" panose="020B0603020101020101" pitchFamily="50" charset="-127"/>
-              </a:rPr>
-              <a:t>통해 사이트에 </a:t>
-            </a:r>
-            <a:r>
-              <a:rPr lang="ko-KR" altLang="en-US" sz="1200" dirty="0" smtClean="0">
-                <a:ln>
-                  <a:solidFill>
-                    <a:schemeClr val="tx1">
-                      <a:alpha val="0"/>
-                    </a:schemeClr>
-                  </a:solidFill>
-                </a:ln>
-                <a:latin typeface="나눔바른고딕" panose="020B0603020101020101" pitchFamily="50" charset="-127"/>
-                <a:ea typeface="나눔바른고딕" panose="020B0603020101020101" pitchFamily="50" charset="-127"/>
-              </a:rPr>
-              <a:t>유입되기 </a:t>
-            </a:r>
-            <a:r>
-              <a:rPr lang="ko-KR" altLang="en-US" sz="1200" dirty="0">
-                <a:ln>
-                  <a:solidFill>
-                    <a:schemeClr val="tx1">
-                      <a:alpha val="0"/>
-                    </a:schemeClr>
-                  </a:solidFill>
-                </a:ln>
-                <a:latin typeface="나눔바른고딕" panose="020B0603020101020101" pitchFamily="50" charset="-127"/>
-                <a:ea typeface="나눔바른고딕" panose="020B0603020101020101" pitchFamily="50" charset="-127"/>
-              </a:rPr>
-              <a:t>전 블로그와 카페 경로입니다</a:t>
-            </a:r>
-            <a:r>
-              <a:rPr lang="en-US" altLang="ko-KR" sz="1200" dirty="0">
-                <a:ln>
-                  <a:solidFill>
-                    <a:schemeClr val="tx1">
-                      <a:alpha val="0"/>
-                    </a:schemeClr>
-                  </a:solidFill>
-                </a:ln>
-                <a:latin typeface="나눔바른고딕" panose="020B0603020101020101" pitchFamily="50" charset="-127"/>
-                <a:ea typeface="나눔바른고딕" panose="020B0603020101020101" pitchFamily="50" charset="-127"/>
-              </a:rPr>
-              <a:t>. </a:t>
-            </a:r>
-          </a:p>
-          <a:p>
-            <a:pPr algn="r"/>
-            <a:r>
-              <a:rPr lang="ko-KR" altLang="en-US" sz="1200" dirty="0">
-                <a:ln>
-                  <a:solidFill>
-                    <a:schemeClr val="tx1">
-                      <a:alpha val="0"/>
-                    </a:schemeClr>
-                  </a:solidFill>
-                </a:ln>
-                <a:latin typeface="나눔바른고딕" panose="020B0603020101020101" pitchFamily="50" charset="-127"/>
-                <a:ea typeface="나눔바른고딕" panose="020B0603020101020101" pitchFamily="50" charset="-127"/>
-              </a:rPr>
-              <a:t>핫자에서 가끔 확인 가능한 </a:t>
-            </a:r>
-            <a:r>
-              <a:rPr lang="ko-KR" altLang="en-US" sz="1200" dirty="0" smtClean="0">
-                <a:ln>
-                  <a:solidFill>
-                    <a:schemeClr val="tx1">
-                      <a:alpha val="0"/>
-                    </a:schemeClr>
-                  </a:solidFill>
-                </a:ln>
-                <a:latin typeface="나눔바른고딕" panose="020B0603020101020101" pitchFamily="50" charset="-127"/>
-                <a:ea typeface="나눔바른고딕" panose="020B0603020101020101" pitchFamily="50" charset="-127"/>
-              </a:rPr>
-              <a:t>부분으로</a:t>
-            </a:r>
-            <a:r>
-              <a:rPr lang="en-US" altLang="ko-KR" sz="1200" dirty="0" smtClean="0">
-                <a:ln>
-                  <a:solidFill>
-                    <a:schemeClr val="tx1">
-                      <a:alpha val="0"/>
-                    </a:schemeClr>
-                  </a:solidFill>
-                </a:ln>
-                <a:latin typeface="나눔바른고딕" panose="020B0603020101020101" pitchFamily="50" charset="-127"/>
-                <a:ea typeface="나눔바른고딕" panose="020B0603020101020101" pitchFamily="50" charset="-127"/>
-              </a:rPr>
-              <a:t>, </a:t>
-            </a:r>
-            <a:endParaRPr lang="en-US" altLang="ko-KR" sz="1200" dirty="0">
-              <a:ln>
-                <a:solidFill>
-                  <a:schemeClr val="tx1">
-                    <a:alpha val="0"/>
-                  </a:schemeClr>
-                </a:solidFill>
-              </a:ln>
-              <a:latin typeface="나눔바른고딕" panose="020B0603020101020101" pitchFamily="50" charset="-127"/>
-              <a:ea typeface="나눔바른고딕" panose="020B0603020101020101" pitchFamily="50" charset="-127"/>
-            </a:endParaRPr>
-          </a:p>
-          <a:p>
-            <a:pPr algn="r"/>
-            <a:r>
-              <a:rPr lang="ko-KR" altLang="en-US" sz="1200" b="1" dirty="0">
-                <a:ln>
-                  <a:solidFill>
-                    <a:schemeClr val="tx1">
-                      <a:alpha val="0"/>
-                    </a:schemeClr>
-                  </a:solidFill>
-                </a:ln>
-                <a:latin typeface="나눔바른고딕" panose="020B0603020101020101" pitchFamily="50" charset="-127"/>
-                <a:ea typeface="나눔바른고딕" panose="020B0603020101020101" pitchFamily="50" charset="-127"/>
-              </a:rPr>
-              <a:t>프라이빗노트에 관심이 있는 잠재고객들이 읽는 콘텐츠</a:t>
-            </a:r>
-            <a:r>
-              <a:rPr lang="ko-KR" altLang="en-US" sz="1200" dirty="0">
-                <a:ln>
-                  <a:solidFill>
-                    <a:schemeClr val="tx1">
-                      <a:alpha val="0"/>
-                    </a:schemeClr>
-                  </a:solidFill>
-                </a:ln>
-                <a:latin typeface="나눔바른고딕" panose="020B0603020101020101" pitchFamily="50" charset="-127"/>
-                <a:ea typeface="나눔바른고딕" panose="020B0603020101020101" pitchFamily="50" charset="-127"/>
-              </a:rPr>
-              <a:t>이니 </a:t>
-            </a:r>
-            <a:endParaRPr lang="en-US" altLang="ko-KR" sz="1200" dirty="0" smtClean="0">
-              <a:ln>
-                <a:solidFill>
-                  <a:schemeClr val="tx1">
-                    <a:alpha val="0"/>
-                  </a:schemeClr>
-                </a:solidFill>
-              </a:ln>
-              <a:latin typeface="나눔바른고딕" panose="020B0603020101020101" pitchFamily="50" charset="-127"/>
-              <a:ea typeface="나눔바른고딕" panose="020B0603020101020101" pitchFamily="50" charset="-127"/>
-            </a:endParaRPr>
-          </a:p>
-          <a:p>
-            <a:pPr algn="r"/>
-            <a:r>
-              <a:rPr lang="ko-KR" altLang="en-US" sz="1200" dirty="0" smtClean="0">
-                <a:ln>
-                  <a:solidFill>
-                    <a:schemeClr val="tx1">
-                      <a:alpha val="0"/>
-                    </a:schemeClr>
-                  </a:solidFill>
-                </a:ln>
-                <a:latin typeface="나눔바른고딕" panose="020B0603020101020101" pitchFamily="50" charset="-127"/>
-                <a:ea typeface="나눔바른고딕" panose="020B0603020101020101" pitchFamily="50" charset="-127"/>
-              </a:rPr>
-              <a:t>향후 </a:t>
-            </a:r>
-            <a:r>
-              <a:rPr lang="ko-KR" altLang="en-US" sz="1200" dirty="0">
-                <a:ln>
-                  <a:solidFill>
-                    <a:schemeClr val="tx1">
-                      <a:alpha val="0"/>
-                    </a:schemeClr>
-                  </a:solidFill>
-                </a:ln>
-                <a:latin typeface="나눔바른고딕" panose="020B0603020101020101" pitchFamily="50" charset="-127"/>
-                <a:ea typeface="나눔바른고딕" panose="020B0603020101020101" pitchFamily="50" charset="-127"/>
-              </a:rPr>
-              <a:t>포스팅 등에 좋은 </a:t>
-            </a:r>
-            <a:r>
-              <a:rPr lang="ko-KR" altLang="en-US" sz="1200" dirty="0" err="1">
-                <a:ln>
-                  <a:solidFill>
-                    <a:schemeClr val="tx1">
-                      <a:alpha val="0"/>
-                    </a:schemeClr>
-                  </a:solidFill>
-                </a:ln>
-                <a:latin typeface="나눔바른고딕" panose="020B0603020101020101" pitchFamily="50" charset="-127"/>
-                <a:ea typeface="나눔바른고딕" panose="020B0603020101020101" pitchFamily="50" charset="-127"/>
-              </a:rPr>
-              <a:t>인사이트일</a:t>
-            </a:r>
-            <a:r>
-              <a:rPr lang="ko-KR" altLang="en-US" sz="1200" dirty="0">
-                <a:ln>
-                  <a:solidFill>
-                    <a:schemeClr val="tx1">
-                      <a:alpha val="0"/>
-                    </a:schemeClr>
-                  </a:solidFill>
-                </a:ln>
-                <a:latin typeface="나눔바른고딕" panose="020B0603020101020101" pitchFamily="50" charset="-127"/>
-                <a:ea typeface="나눔바른고딕" panose="020B0603020101020101" pitchFamily="50" charset="-127"/>
-              </a:rPr>
-              <a:t> 것 같아 </a:t>
-            </a:r>
-            <a:r>
-              <a:rPr lang="ko-KR" altLang="en-US" sz="1200" dirty="0" smtClean="0">
-                <a:ln>
-                  <a:solidFill>
-                    <a:schemeClr val="tx1">
-                      <a:alpha val="0"/>
-                    </a:schemeClr>
-                  </a:solidFill>
-                </a:ln>
-                <a:latin typeface="나눔바른고딕" panose="020B0603020101020101" pitchFamily="50" charset="-127"/>
-                <a:ea typeface="나눔바른고딕" panose="020B0603020101020101" pitchFamily="50" charset="-127"/>
-              </a:rPr>
-              <a:t>공유 드립니다</a:t>
-            </a:r>
-            <a:r>
-              <a:rPr lang="en-US" altLang="ko-KR" sz="1200" dirty="0">
-                <a:ln>
-                  <a:solidFill>
-                    <a:schemeClr val="tx1">
-                      <a:alpha val="0"/>
-                    </a:schemeClr>
-                  </a:solidFill>
-                </a:ln>
-                <a:latin typeface="나눔바른고딕" panose="020B0603020101020101" pitchFamily="50" charset="-127"/>
-                <a:ea typeface="나눔바른고딕" panose="020B0603020101020101" pitchFamily="50" charset="-127"/>
-              </a:rPr>
-              <a:t>.</a:t>
-            </a:r>
-          </a:p>
-        </p:txBody>
-      </p:sp>
-      <p:sp>
-        <p:nvSpPr>
-          <p:cNvPr id="13" name="직사각형 12"/>
-          <p:cNvSpPr/>
-          <p:nvPr/>
-        </p:nvSpPr>
-        <p:spPr>
-          <a:xfrm>
-            <a:off x="5111065" y="659729"/>
-            <a:ext cx="3409577" cy="253916"/>
-          </a:xfrm>
-          <a:prstGeom prst="rect">
-            <a:avLst/>
-          </a:prstGeom>
-        </p:spPr>
-        <p:txBody>
-          <a:bodyPr wrap="square">
-            <a:spAutoFit/>
-          </a:bodyPr>
-          <a:lstStyle/>
-          <a:p>
-            <a:r>
-              <a:rPr lang="ko-KR" altLang="en-US" sz="1050" dirty="0" smtClean="0">
-                <a:hlinkClick r:id="rId2"/>
-              </a:rPr>
-              <a:t>송인생디자인 블로그 </a:t>
-            </a:r>
-            <a:r>
-              <a:rPr lang="en-US" altLang="ko-KR" sz="1050" dirty="0" smtClean="0">
-                <a:hlinkClick r:id="rId2"/>
-              </a:rPr>
-              <a:t>– </a:t>
-            </a:r>
-            <a:r>
-              <a:rPr lang="ko-KR" altLang="en-US" sz="1050" dirty="0" smtClean="0">
-                <a:hlinkClick r:id="rId2"/>
-              </a:rPr>
-              <a:t>영재고과학고 학생들이 </a:t>
-            </a:r>
-            <a:r>
-              <a:rPr lang="ko-KR" altLang="en-US" sz="1050" dirty="0" err="1" smtClean="0">
-                <a:hlinkClick r:id="rId2"/>
-              </a:rPr>
-              <a:t>읽은책</a:t>
-            </a:r>
-            <a:endParaRPr lang="ko-KR" altLang="en-US" sz="1050" dirty="0"/>
-          </a:p>
-        </p:txBody>
-      </p:sp>
-      <p:sp>
-        <p:nvSpPr>
-          <p:cNvPr id="15" name="직사각형 14"/>
-          <p:cNvSpPr/>
-          <p:nvPr/>
-        </p:nvSpPr>
-        <p:spPr>
-          <a:xfrm>
-            <a:off x="184456" y="652035"/>
-            <a:ext cx="2117887" cy="261610"/>
-          </a:xfrm>
-          <a:prstGeom prst="rect">
-            <a:avLst/>
-          </a:prstGeom>
-        </p:spPr>
-        <p:txBody>
-          <a:bodyPr wrap="none">
-            <a:spAutoFit/>
-          </a:bodyPr>
-          <a:lstStyle/>
-          <a:p>
-            <a:r>
-              <a:rPr lang="ko-KR" altLang="en-US" sz="1100" dirty="0" err="1" smtClean="0"/>
-              <a:t>클라임수학과학학원카페</a:t>
-            </a:r>
-            <a:r>
-              <a:rPr lang="en-US" altLang="ko-KR" sz="1100" dirty="0" smtClean="0"/>
-              <a:t> </a:t>
-            </a:r>
-            <a:r>
-              <a:rPr lang="en-US" altLang="ko-KR" sz="1100" dirty="0" smtClean="0">
-                <a:hlinkClick r:id="rId3"/>
-              </a:rPr>
-              <a:t>(Click)</a:t>
-            </a:r>
-            <a:endParaRPr lang="ko-KR" altLang="en-US" sz="1100" dirty="0"/>
-          </a:p>
-        </p:txBody>
-      </p:sp>
-      <p:pic>
-        <p:nvPicPr>
-          <p:cNvPr id="3" name="그림 2"/>
-          <p:cNvPicPr>
-            <a:picLocks noChangeAspect="1"/>
-          </p:cNvPicPr>
-          <p:nvPr/>
-        </p:nvPicPr>
-        <p:blipFill>
-          <a:blip r:embed="rId4"/>
-          <a:stretch>
-            <a:fillRect/>
-          </a:stretch>
-        </p:blipFill>
-        <p:spPr>
-          <a:xfrm>
-            <a:off x="184456" y="993507"/>
-            <a:ext cx="4564565" cy="4108535"/>
-          </a:xfrm>
-          <a:prstGeom prst="rect">
-            <a:avLst/>
-          </a:prstGeom>
-        </p:spPr>
-      </p:pic>
-      <p:pic>
-        <p:nvPicPr>
-          <p:cNvPr id="7" name="그림 6"/>
-          <p:cNvPicPr>
-            <a:picLocks noChangeAspect="1"/>
-          </p:cNvPicPr>
-          <p:nvPr/>
-        </p:nvPicPr>
-        <p:blipFill>
-          <a:blip r:embed="rId5"/>
-          <a:stretch>
-            <a:fillRect/>
-          </a:stretch>
-        </p:blipFill>
-        <p:spPr>
-          <a:xfrm>
-            <a:off x="4281443" y="1407829"/>
-            <a:ext cx="4621437" cy="3347170"/>
-          </a:xfrm>
-          <a:prstGeom prst="rect">
-            <a:avLst/>
-          </a:prstGeom>
-        </p:spPr>
-      </p:pic>
-    </p:spTree>
-    <p:extLst>
-      <p:ext uri="{BB962C8B-B14F-4D97-AF65-F5344CB8AC3E}">
-        <p14:creationId xmlns:p14="http://schemas.microsoft.com/office/powerpoint/2010/main" val="4090808612"/>
-      </p:ext>
-    </p:extLst>
-  </p:cSld>
-  <p:clrMapOvr>
-    <a:masterClrMapping/>
-  </p:clrMapOvr>
-  <p:timing>
-    <p:tnLst>
-      <p:par>
-        <p:cTn id="1" dur="indefinite" restart="never" nodeType="tmRoot"/>
-      </p:par>
-    </p:tnLst>
-  </p:timing>
-</p:sld>
-</file>
-
-<file path=ppt/slides/slide2.xml><?xml version="1.0" encoding="utf-8"?>
-<p:sld xmlns:a="http://schemas.openxmlformats.org/drawingml/2006/main" xmlns:r="http://schemas.openxmlformats.org/officeDocument/2006/relationships" xmlns:p="http://schemas.openxmlformats.org/presentationml/2006/main">
-  <p:cSld>
-    <p:spTree>
-      <p:nvGrpSpPr>
-        <p:cNvPr id="1" name=""/>
-        <p:cNvGrpSpPr/>
-        <p:nvPr/>
-      </p:nvGrpSpPr>
-      <p:grpSpPr>
-        <a:xfrm>
-          <a:off x="0" y="0"/>
-          <a:ext cx="0" cy="0"/>
-          <a:chOff x="0" y="0"/>
-          <a:chExt cx="0" cy="0"/>
-        </a:xfrm>
-      </p:grpSpPr>
-      <p:sp>
-        <p:nvSpPr>
-          <p:cNvPr id="3" name="직사각형 2"/>
-          <p:cNvSpPr/>
-          <p:nvPr/>
-        </p:nvSpPr>
-        <p:spPr>
-          <a:xfrm>
-            <a:off x="136868" y="98606"/>
-            <a:ext cx="4572000" cy="253916"/>
-          </a:xfrm>
-          <a:prstGeom prst="rect">
-            <a:avLst/>
-          </a:prstGeom>
-        </p:spPr>
-        <p:txBody>
-          <a:bodyPr>
-            <a:spAutoFit/>
-          </a:bodyPr>
-          <a:lstStyle/>
-          <a:p>
-            <a:r>
-              <a:rPr lang="ko-KR" altLang="en-US" sz="1050" b="1" dirty="0" smtClean="0">
-                <a:ln>
-                  <a:solidFill>
-                    <a:schemeClr val="tx1">
-                      <a:alpha val="0"/>
-                    </a:schemeClr>
-                  </a:solidFill>
-                </a:ln>
-                <a:latin typeface="나눔바른고딕" panose="020B0603020101020101" pitchFamily="50" charset="-127"/>
-                <a:ea typeface="나눔바른고딕" panose="020B0603020101020101" pitchFamily="50" charset="-127"/>
-              </a:rPr>
-              <a:t>치킨 이벤트</a:t>
-            </a:r>
-            <a:endParaRPr lang="ko-KR" altLang="en-US" sz="1050" b="1" dirty="0">
-              <a:ln>
-                <a:solidFill>
-                  <a:schemeClr val="tx1">
-                    <a:alpha val="0"/>
-                  </a:schemeClr>
-                </a:solidFill>
-              </a:ln>
-              <a:latin typeface="나눔바른고딕" panose="020B0603020101020101" pitchFamily="50" charset="-127"/>
-              <a:ea typeface="나눔바른고딕" panose="020B0603020101020101" pitchFamily="50" charset="-127"/>
-            </a:endParaRPr>
-          </a:p>
-        </p:txBody>
-      </p:sp>
-      <p:cxnSp>
-        <p:nvCxnSpPr>
-          <p:cNvPr id="4" name="직선 연결선 3"/>
-          <p:cNvCxnSpPr/>
-          <p:nvPr/>
-        </p:nvCxnSpPr>
-        <p:spPr>
-          <a:xfrm>
-            <a:off x="136868" y="401870"/>
-            <a:ext cx="8867351" cy="0"/>
-          </a:xfrm>
-          <a:prstGeom prst="line">
-            <a:avLst/>
-          </a:prstGeom>
-          <a:ln>
-            <a:solidFill>
-              <a:schemeClr val="tx1"/>
-            </a:solidFill>
-          </a:ln>
-        </p:spPr>
-        <p:style>
-          <a:lnRef idx="1">
-            <a:schemeClr val="accent1"/>
-          </a:lnRef>
-          <a:fillRef idx="0">
-            <a:schemeClr val="accent1"/>
-          </a:fillRef>
-          <a:effectRef idx="0">
-            <a:schemeClr val="accent1"/>
-          </a:effectRef>
-          <a:fontRef idx="minor">
-            <a:schemeClr val="tx1"/>
-          </a:fontRef>
-        </p:style>
-      </p:cxnSp>
-      <p:sp>
-        <p:nvSpPr>
-          <p:cNvPr id="5" name="직사각형 4"/>
-          <p:cNvSpPr/>
-          <p:nvPr/>
-        </p:nvSpPr>
-        <p:spPr>
-          <a:xfrm>
-            <a:off x="209921" y="563138"/>
-            <a:ext cx="5809626" cy="261610"/>
-          </a:xfrm>
-          <a:prstGeom prst="rect">
-            <a:avLst/>
-          </a:prstGeom>
-          <a:noFill/>
-          <a:ln>
-            <a:noFill/>
-          </a:ln>
-        </p:spPr>
-        <p:txBody>
-          <a:bodyPr wrap="square">
-            <a:spAutoFit/>
-          </a:bodyPr>
-          <a:lstStyle/>
-          <a:p>
-            <a:r>
-              <a:rPr lang="en-US" altLang="ko-KR" sz="1100" dirty="0" smtClean="0">
-                <a:ln>
-                  <a:solidFill>
-                    <a:schemeClr val="tx1">
-                      <a:alpha val="0"/>
-                    </a:schemeClr>
-                  </a:solidFill>
-                </a:ln>
-                <a:latin typeface="나눔바른고딕" panose="020B0603020101020101" pitchFamily="50" charset="-127"/>
-                <a:ea typeface="나눔바른고딕" panose="020B0603020101020101" pitchFamily="50" charset="-127"/>
-              </a:rPr>
-              <a:t>1</a:t>
-            </a:r>
-            <a:r>
-              <a:rPr lang="ko-KR" altLang="en-US" sz="1100" dirty="0" smtClean="0">
-                <a:ln>
-                  <a:solidFill>
-                    <a:schemeClr val="tx1">
-                      <a:alpha val="0"/>
-                    </a:schemeClr>
-                  </a:solidFill>
-                </a:ln>
-                <a:latin typeface="나눔바른고딕" panose="020B0603020101020101" pitchFamily="50" charset="-127"/>
-                <a:ea typeface="나눔바른고딕" panose="020B0603020101020101" pitchFamily="50" charset="-127"/>
-              </a:rPr>
-              <a:t>월 </a:t>
-            </a:r>
-            <a:r>
-              <a:rPr lang="en-US" altLang="ko-KR" sz="1100" dirty="0" smtClean="0">
-                <a:ln>
-                  <a:solidFill>
-                    <a:schemeClr val="tx1">
-                      <a:alpha val="0"/>
-                    </a:schemeClr>
-                  </a:solidFill>
-                </a:ln>
-                <a:latin typeface="나눔바른고딕" panose="020B0603020101020101" pitchFamily="50" charset="-127"/>
-                <a:ea typeface="나눔바른고딕" panose="020B0603020101020101" pitchFamily="50" charset="-127"/>
-              </a:rPr>
-              <a:t>3</a:t>
-            </a:r>
-            <a:r>
-              <a:rPr lang="ko-KR" altLang="en-US" sz="1100" dirty="0" smtClean="0">
-                <a:ln>
-                  <a:solidFill>
-                    <a:schemeClr val="tx1">
-                      <a:alpha val="0"/>
-                    </a:schemeClr>
-                  </a:solidFill>
-                </a:ln>
-                <a:latin typeface="나눔바른고딕" panose="020B0603020101020101" pitchFamily="50" charset="-127"/>
-                <a:ea typeface="나눔바른고딕" panose="020B0603020101020101" pitchFamily="50" charset="-127"/>
-              </a:rPr>
-              <a:t>일자 이벤트 </a:t>
-            </a:r>
-            <a:r>
-              <a:rPr lang="ko-KR" altLang="en-US" sz="1100" dirty="0" err="1" smtClean="0">
-                <a:ln>
-                  <a:solidFill>
-                    <a:schemeClr val="tx1">
-                      <a:alpha val="0"/>
-                    </a:schemeClr>
-                  </a:solidFill>
-                </a:ln>
-                <a:latin typeface="나눔바른고딕" panose="020B0603020101020101" pitchFamily="50" charset="-127"/>
-                <a:ea typeface="나눔바른고딕" panose="020B0603020101020101" pitchFamily="50" charset="-127"/>
-              </a:rPr>
-              <a:t>기프티콘</a:t>
-            </a:r>
-            <a:r>
-              <a:rPr lang="ko-KR" altLang="en-US" sz="1100" dirty="0" smtClean="0">
-                <a:ln>
-                  <a:solidFill>
-                    <a:schemeClr val="tx1">
-                      <a:alpha val="0"/>
-                    </a:schemeClr>
-                  </a:solidFill>
-                </a:ln>
-                <a:latin typeface="나눔바른고딕" panose="020B0603020101020101" pitchFamily="50" charset="-127"/>
-                <a:ea typeface="나눔바른고딕" panose="020B0603020101020101" pitchFamily="50" charset="-127"/>
-              </a:rPr>
-              <a:t> 발송 완료 </a:t>
-            </a:r>
-            <a:endParaRPr lang="en-US" altLang="ko-KR" sz="1100" dirty="0">
-              <a:ln>
-                <a:solidFill>
-                  <a:schemeClr val="tx1">
-                    <a:alpha val="0"/>
-                  </a:schemeClr>
-                </a:solidFill>
-              </a:ln>
-              <a:latin typeface="나눔바른고딕" panose="020B0603020101020101" pitchFamily="50" charset="-127"/>
-              <a:ea typeface="나눔바른고딕" panose="020B0603020101020101" pitchFamily="50" charset="-127"/>
-            </a:endParaRPr>
-          </a:p>
-        </p:txBody>
-      </p:sp>
-      <p:pic>
-        <p:nvPicPr>
-          <p:cNvPr id="7" name="그림 6"/>
-          <p:cNvPicPr>
-            <a:picLocks noChangeAspect="1"/>
-          </p:cNvPicPr>
-          <p:nvPr/>
-        </p:nvPicPr>
-        <p:blipFill rotWithShape="1">
-          <a:blip r:embed="rId2"/>
-          <a:srcRect t="50154"/>
-          <a:stretch/>
-        </p:blipFill>
-        <p:spPr>
-          <a:xfrm>
-            <a:off x="374556" y="1045882"/>
-            <a:ext cx="2392549" cy="1992311"/>
-          </a:xfrm>
-          <a:prstGeom prst="rect">
-            <a:avLst/>
-          </a:prstGeom>
-        </p:spPr>
-      </p:pic>
-      <p:pic>
-        <p:nvPicPr>
-          <p:cNvPr id="9" name="그림 8"/>
-          <p:cNvPicPr>
-            <a:picLocks noChangeAspect="1"/>
-          </p:cNvPicPr>
-          <p:nvPr/>
-        </p:nvPicPr>
-        <p:blipFill>
-          <a:blip r:embed="rId3"/>
-          <a:stretch>
-            <a:fillRect/>
-          </a:stretch>
-        </p:blipFill>
-        <p:spPr>
-          <a:xfrm>
-            <a:off x="374556" y="3259327"/>
-            <a:ext cx="2412699" cy="525929"/>
-          </a:xfrm>
-          <a:prstGeom prst="rect">
-            <a:avLst/>
-          </a:prstGeom>
-        </p:spPr>
-      </p:pic>
-    </p:spTree>
-    <p:extLst>
-      <p:ext uri="{BB962C8B-B14F-4D97-AF65-F5344CB8AC3E}">
-        <p14:creationId xmlns:p14="http://schemas.microsoft.com/office/powerpoint/2010/main" val="721783549"/>
-      </p:ext>
-    </p:extLst>
-  </p:cSld>
-  <p:clrMapOvr>
-    <a:masterClrMapping/>
-  </p:clrMapOvr>
-</p:sld>
-</file>
-
-<file path=ppt/slides/slide3.xml><?xml version="1.0" encoding="utf-8"?>
-<p:sld xmlns:a="http://schemas.openxmlformats.org/drawingml/2006/main" xmlns:r="http://schemas.openxmlformats.org/officeDocument/2006/relationships" xmlns:p="http://schemas.openxmlformats.org/presentationml/2006/main">
-  <p:cSld>
-    <p:spTree>
-      <p:nvGrpSpPr>
-        <p:cNvPr id="1" name=""/>
-        <p:cNvGrpSpPr/>
-        <p:nvPr/>
-      </p:nvGrpSpPr>
-      <p:grpSpPr>
-        <a:xfrm>
-          <a:off x="0" y="0"/>
-          <a:ext cx="0" cy="0"/>
-          <a:chOff x="0" y="0"/>
-          <a:chExt cx="0" cy="0"/>
-        </a:xfrm>
-      </p:grpSpPr>
-      <p:sp>
-        <p:nvSpPr>
-          <p:cNvPr id="3" name="직사각형 2"/>
-          <p:cNvSpPr/>
-          <p:nvPr/>
-        </p:nvSpPr>
-        <p:spPr>
-          <a:xfrm>
-            <a:off x="136868" y="98606"/>
-            <a:ext cx="4572000" cy="253916"/>
-          </a:xfrm>
-          <a:prstGeom prst="rect">
-            <a:avLst/>
-          </a:prstGeom>
-        </p:spPr>
-        <p:txBody>
-          <a:bodyPr>
-            <a:spAutoFit/>
-          </a:bodyPr>
-          <a:lstStyle/>
-          <a:p>
-            <a:r>
-              <a:rPr lang="ko-KR" altLang="en-US" sz="1050" b="1" dirty="0" smtClean="0">
-                <a:ln>
-                  <a:solidFill>
-                    <a:schemeClr val="tx1">
-                      <a:alpha val="0"/>
-                    </a:schemeClr>
-                  </a:solidFill>
-                </a:ln>
-                <a:latin typeface="나눔바른고딕" panose="020B0603020101020101" pitchFamily="50" charset="-127"/>
-                <a:ea typeface="나눔바른고딕" panose="020B0603020101020101" pitchFamily="50" charset="-127"/>
-              </a:rPr>
-              <a:t>치킨 이벤트</a:t>
-            </a:r>
-            <a:endParaRPr lang="ko-KR" altLang="en-US" sz="1050" b="1" dirty="0">
-              <a:ln>
-                <a:solidFill>
-                  <a:schemeClr val="tx1">
-                    <a:alpha val="0"/>
-                  </a:schemeClr>
-                </a:solidFill>
-              </a:ln>
-              <a:latin typeface="나눔바른고딕" panose="020B0603020101020101" pitchFamily="50" charset="-127"/>
-              <a:ea typeface="나눔바른고딕" panose="020B0603020101020101" pitchFamily="50" charset="-127"/>
-            </a:endParaRPr>
-          </a:p>
-        </p:txBody>
-      </p:sp>
-      <p:cxnSp>
-        <p:nvCxnSpPr>
-          <p:cNvPr id="4" name="직선 연결선 3"/>
-          <p:cNvCxnSpPr/>
-          <p:nvPr/>
-        </p:nvCxnSpPr>
-        <p:spPr>
-          <a:xfrm>
-            <a:off x="136868" y="401870"/>
-            <a:ext cx="8867351" cy="0"/>
-          </a:xfrm>
-          <a:prstGeom prst="line">
-            <a:avLst/>
-          </a:prstGeom>
-          <a:ln>
-            <a:solidFill>
-              <a:schemeClr val="tx1"/>
-            </a:solidFill>
-          </a:ln>
-        </p:spPr>
-        <p:style>
-          <a:lnRef idx="1">
-            <a:schemeClr val="accent1"/>
-          </a:lnRef>
-          <a:fillRef idx="0">
-            <a:schemeClr val="accent1"/>
-          </a:fillRef>
-          <a:effectRef idx="0">
-            <a:schemeClr val="accent1"/>
-          </a:effectRef>
-          <a:fontRef idx="minor">
-            <a:schemeClr val="tx1"/>
-          </a:fontRef>
-        </p:style>
-      </p:cxnSp>
-      <p:sp>
-        <p:nvSpPr>
-          <p:cNvPr id="5" name="직사각형 4"/>
-          <p:cNvSpPr/>
-          <p:nvPr/>
-        </p:nvSpPr>
-        <p:spPr>
-          <a:xfrm>
-            <a:off x="209921" y="563138"/>
-            <a:ext cx="5809626" cy="430887"/>
-          </a:xfrm>
-          <a:prstGeom prst="rect">
-            <a:avLst/>
-          </a:prstGeom>
-          <a:noFill/>
-          <a:ln>
-            <a:noFill/>
-          </a:ln>
-        </p:spPr>
-        <p:txBody>
-          <a:bodyPr wrap="square">
-            <a:spAutoFit/>
-          </a:bodyPr>
-          <a:lstStyle/>
-          <a:p>
-            <a:r>
-              <a:rPr lang="ko-KR" altLang="en-US" sz="1100" dirty="0" smtClean="0">
-                <a:ln>
-                  <a:solidFill>
-                    <a:schemeClr val="tx1">
-                      <a:alpha val="0"/>
-                    </a:schemeClr>
-                  </a:solidFill>
-                </a:ln>
-                <a:latin typeface="나눔바른고딕" panose="020B0603020101020101" pitchFamily="50" charset="-127"/>
-                <a:ea typeface="나눔바른고딕" panose="020B0603020101020101" pitchFamily="50" charset="-127"/>
-              </a:rPr>
-              <a:t>체험권이벤트가 진행되고 있기 때문에 치킨이벤트라는 명칭을 피하는 쪽이 좋을 것 같습니다</a:t>
-            </a:r>
-            <a:r>
-              <a:rPr lang="en-US" altLang="ko-KR" sz="1100" dirty="0" smtClean="0">
-                <a:ln>
-                  <a:solidFill>
-                    <a:schemeClr val="tx1">
-                      <a:alpha val="0"/>
-                    </a:schemeClr>
-                  </a:solidFill>
-                </a:ln>
-                <a:latin typeface="나눔바른고딕" panose="020B0603020101020101" pitchFamily="50" charset="-127"/>
-                <a:ea typeface="나눔바른고딕" panose="020B0603020101020101" pitchFamily="50" charset="-127"/>
-              </a:rPr>
-              <a:t>. </a:t>
-            </a:r>
-          </a:p>
-          <a:p>
-            <a:r>
-              <a:rPr lang="ko-KR" altLang="en-US" sz="1100" dirty="0" smtClean="0">
-                <a:ln>
-                  <a:solidFill>
-                    <a:schemeClr val="tx1">
-                      <a:alpha val="0"/>
-                    </a:schemeClr>
-                  </a:solidFill>
-                </a:ln>
-                <a:latin typeface="나눔바른고딕" panose="020B0603020101020101" pitchFamily="50" charset="-127"/>
-                <a:ea typeface="나눔바른고딕" panose="020B0603020101020101" pitchFamily="50" charset="-127"/>
-              </a:rPr>
-              <a:t>어떻게 쓸지 </a:t>
-            </a:r>
-            <a:r>
-              <a:rPr lang="ko-KR" altLang="en-US" sz="1100" dirty="0" err="1" smtClean="0">
-                <a:ln>
-                  <a:solidFill>
-                    <a:schemeClr val="tx1">
-                      <a:alpha val="0"/>
-                    </a:schemeClr>
-                  </a:solidFill>
-                </a:ln>
-                <a:latin typeface="나눔바른고딕" panose="020B0603020101020101" pitchFamily="50" charset="-127"/>
-                <a:ea typeface="나눔바른고딕" panose="020B0603020101020101" pitchFamily="50" charset="-127"/>
-              </a:rPr>
-              <a:t>모르겠네욥</a:t>
-            </a:r>
-            <a:r>
-              <a:rPr lang="en-US" altLang="ko-KR" sz="1100" dirty="0" smtClean="0">
-                <a:ln>
-                  <a:solidFill>
-                    <a:schemeClr val="tx1">
-                      <a:alpha val="0"/>
-                    </a:schemeClr>
-                  </a:solidFill>
-                </a:ln>
-                <a:latin typeface="나눔바른고딕" panose="020B0603020101020101" pitchFamily="50" charset="-127"/>
-                <a:ea typeface="나눔바른고딕" panose="020B0603020101020101" pitchFamily="50" charset="-127"/>
-              </a:rPr>
-              <a:t>…</a:t>
-            </a:r>
-            <a:endParaRPr lang="en-US" altLang="ko-KR" sz="1100" dirty="0">
-              <a:ln>
-                <a:solidFill>
-                  <a:schemeClr val="tx1">
-                    <a:alpha val="0"/>
-                  </a:schemeClr>
-                </a:solidFill>
-              </a:ln>
-              <a:latin typeface="나눔바른고딕" panose="020B0603020101020101" pitchFamily="50" charset="-127"/>
-              <a:ea typeface="나눔바른고딕" panose="020B0603020101020101" pitchFamily="50" charset="-127"/>
-            </a:endParaRPr>
-          </a:p>
-        </p:txBody>
-      </p:sp>
-    </p:spTree>
-    <p:extLst>
-      <p:ext uri="{BB962C8B-B14F-4D97-AF65-F5344CB8AC3E}">
-        <p14:creationId xmlns:p14="http://schemas.microsoft.com/office/powerpoint/2010/main" val="1399579610"/>
-      </p:ext>
-    </p:extLst>
-  </p:cSld>
-  <p:clrMapOvr>
-    <a:masterClrMapping/>
-  </p:clrMapOvr>
-</p:sld>
-</file>
-
-<file path=ppt/slides/slide4.xml><?xml version="1.0" encoding="utf-8"?>
-<p:sld xmlns:a="http://schemas.openxmlformats.org/drawingml/2006/main" xmlns:r="http://schemas.openxmlformats.org/officeDocument/2006/relationships" xmlns:p="http://schemas.openxmlformats.org/presentationml/2006/main">
-  <p:cSld>
-    <p:spTree>
-      <p:nvGrpSpPr>
-        <p:cNvPr id="1" name=""/>
-        <p:cNvGrpSpPr/>
-        <p:nvPr/>
-      </p:nvGrpSpPr>
-      <p:grpSpPr>
-        <a:xfrm>
-          <a:off x="0" y="0"/>
-          <a:ext cx="0" cy="0"/>
-          <a:chOff x="0" y="0"/>
-          <a:chExt cx="0" cy="0"/>
-        </a:xfrm>
-      </p:grpSpPr>
-      <p:sp>
-        <p:nvSpPr>
-          <p:cNvPr id="3" name="직사각형 2"/>
-          <p:cNvSpPr/>
-          <p:nvPr/>
-        </p:nvSpPr>
-        <p:spPr>
-          <a:xfrm>
-            <a:off x="136868" y="98606"/>
-            <a:ext cx="4572000" cy="253916"/>
-          </a:xfrm>
-          <a:prstGeom prst="rect">
-            <a:avLst/>
-          </a:prstGeom>
-        </p:spPr>
-        <p:txBody>
-          <a:bodyPr>
-            <a:spAutoFit/>
-          </a:bodyPr>
-          <a:lstStyle/>
-          <a:p>
-            <a:r>
-              <a:rPr lang="ko-KR" altLang="en-US" sz="1050" b="1" dirty="0" smtClean="0">
-                <a:ln>
-                  <a:solidFill>
-                    <a:schemeClr val="tx1">
-                      <a:alpha val="0"/>
-                    </a:schemeClr>
-                  </a:solidFill>
-                </a:ln>
-                <a:solidFill>
-                  <a:srgbClr val="C00000"/>
-                </a:solidFill>
-                <a:latin typeface="나눔바른고딕" panose="020B0603020101020101" pitchFamily="50" charset="-127"/>
-                <a:ea typeface="나눔바른고딕" panose="020B0603020101020101" pitchFamily="50" charset="-127"/>
-              </a:rPr>
-              <a:t>추가 예정</a:t>
-            </a:r>
-            <a:r>
-              <a:rPr lang="en-US" altLang="ko-KR" sz="1050" b="1" dirty="0" smtClean="0">
-                <a:ln>
-                  <a:solidFill>
-                    <a:schemeClr val="tx1">
-                      <a:alpha val="0"/>
-                    </a:schemeClr>
-                  </a:solidFill>
-                </a:ln>
-                <a:solidFill>
-                  <a:srgbClr val="C00000"/>
-                </a:solidFill>
-                <a:latin typeface="나눔바른고딕" panose="020B0603020101020101" pitchFamily="50" charset="-127"/>
-                <a:ea typeface="나눔바른고딕" panose="020B0603020101020101" pitchFamily="50" charset="-127"/>
-              </a:rPr>
-              <a:t>) </a:t>
-            </a:r>
-            <a:r>
-              <a:rPr lang="ko-KR" altLang="en-US" sz="1050" b="1" dirty="0" smtClean="0">
-                <a:ln>
-                  <a:solidFill>
-                    <a:schemeClr val="tx1">
-                      <a:alpha val="0"/>
-                    </a:schemeClr>
-                  </a:solidFill>
-                </a:ln>
-                <a:solidFill>
-                  <a:srgbClr val="C00000"/>
-                </a:solidFill>
-                <a:latin typeface="나눔바른고딕" panose="020B0603020101020101" pitchFamily="50" charset="-127"/>
-                <a:ea typeface="나눔바른고딕" panose="020B0603020101020101" pitchFamily="50" charset="-127"/>
-              </a:rPr>
-              <a:t> </a:t>
-            </a:r>
-            <a:r>
-              <a:rPr lang="ko-KR" altLang="en-US" sz="1050" b="1" dirty="0" err="1" smtClean="0">
-                <a:ln>
-                  <a:solidFill>
-                    <a:schemeClr val="tx1">
-                      <a:alpha val="0"/>
-                    </a:schemeClr>
-                  </a:solidFill>
-                </a:ln>
-                <a:latin typeface="나눔바른고딕" panose="020B0603020101020101" pitchFamily="50" charset="-127"/>
-                <a:ea typeface="나눔바른고딕" panose="020B0603020101020101" pitchFamily="50" charset="-127"/>
-              </a:rPr>
-              <a:t>채널톡</a:t>
-            </a:r>
-            <a:r>
-              <a:rPr lang="ko-KR" altLang="en-US" sz="1050" b="1" dirty="0" smtClean="0">
-                <a:ln>
-                  <a:solidFill>
-                    <a:schemeClr val="tx1">
-                      <a:alpha val="0"/>
-                    </a:schemeClr>
-                  </a:solidFill>
-                </a:ln>
-                <a:latin typeface="나눔바른고딕" panose="020B0603020101020101" pitchFamily="50" charset="-127"/>
-                <a:ea typeface="나눔바른고딕" panose="020B0603020101020101" pitchFamily="50" charset="-127"/>
-              </a:rPr>
-              <a:t> 마케팅 </a:t>
-            </a:r>
-            <a:r>
-              <a:rPr lang="en-US" altLang="ko-KR" sz="1050" b="1" dirty="0" smtClean="0">
-                <a:ln>
-                  <a:solidFill>
-                    <a:schemeClr val="tx1">
-                      <a:alpha val="0"/>
-                    </a:schemeClr>
-                  </a:solidFill>
-                </a:ln>
-                <a:latin typeface="나눔바른고딕" panose="020B0603020101020101" pitchFamily="50" charset="-127"/>
-                <a:ea typeface="나눔바른고딕" panose="020B0603020101020101" pitchFamily="50" charset="-127"/>
-              </a:rPr>
-              <a:t>: </a:t>
-            </a:r>
-            <a:r>
-              <a:rPr lang="ko-KR" altLang="en-US" sz="1050" b="1" dirty="0" err="1" smtClean="0">
-                <a:ln>
-                  <a:solidFill>
-                    <a:schemeClr val="tx1">
-                      <a:alpha val="0"/>
-                    </a:schemeClr>
-                  </a:solidFill>
-                </a:ln>
-                <a:latin typeface="나눔바른고딕" panose="020B0603020101020101" pitchFamily="50" charset="-127"/>
-                <a:ea typeface="나눔바른고딕" panose="020B0603020101020101" pitchFamily="50" charset="-127"/>
-              </a:rPr>
-              <a:t>비공개미션</a:t>
-            </a:r>
-            <a:endParaRPr lang="ko-KR" altLang="en-US" sz="1050" b="1" dirty="0">
-              <a:ln>
-                <a:solidFill>
-                  <a:schemeClr val="tx1">
-                    <a:alpha val="0"/>
-                  </a:schemeClr>
-                </a:solidFill>
-              </a:ln>
-              <a:latin typeface="나눔바른고딕" panose="020B0603020101020101" pitchFamily="50" charset="-127"/>
-              <a:ea typeface="나눔바른고딕" panose="020B0603020101020101" pitchFamily="50" charset="-127"/>
-            </a:endParaRPr>
-          </a:p>
-        </p:txBody>
-      </p:sp>
-      <p:cxnSp>
-        <p:nvCxnSpPr>
-          <p:cNvPr id="4" name="직선 연결선 3"/>
-          <p:cNvCxnSpPr/>
-          <p:nvPr/>
-        </p:nvCxnSpPr>
-        <p:spPr>
-          <a:xfrm>
-            <a:off x="136868" y="401870"/>
-            <a:ext cx="8867351" cy="0"/>
-          </a:xfrm>
-          <a:prstGeom prst="line">
-            <a:avLst/>
-          </a:prstGeom>
-          <a:ln>
-            <a:solidFill>
-              <a:schemeClr val="tx1"/>
-            </a:solidFill>
-          </a:ln>
-        </p:spPr>
-        <p:style>
-          <a:lnRef idx="1">
-            <a:schemeClr val="accent1"/>
-          </a:lnRef>
-          <a:fillRef idx="0">
-            <a:schemeClr val="accent1"/>
-          </a:fillRef>
-          <a:effectRef idx="0">
-            <a:schemeClr val="accent1"/>
-          </a:effectRef>
-          <a:fontRef idx="minor">
-            <a:schemeClr val="tx1"/>
-          </a:fontRef>
-        </p:style>
-      </p:cxnSp>
-      <p:sp>
-        <p:nvSpPr>
-          <p:cNvPr id="5" name="직사각형 4"/>
-          <p:cNvSpPr/>
-          <p:nvPr/>
-        </p:nvSpPr>
-        <p:spPr>
-          <a:xfrm>
-            <a:off x="643132" y="4763545"/>
-            <a:ext cx="3026624" cy="261610"/>
-          </a:xfrm>
-          <a:prstGeom prst="rect">
-            <a:avLst/>
-          </a:prstGeom>
-          <a:solidFill>
-            <a:schemeClr val="bg2"/>
-          </a:solidFill>
-          <a:ln>
-            <a:solidFill>
-              <a:srgbClr val="0070C0"/>
-            </a:solidFill>
-          </a:ln>
-        </p:spPr>
-        <p:txBody>
-          <a:bodyPr wrap="square">
-            <a:spAutoFit/>
-          </a:bodyPr>
-          <a:lstStyle/>
-          <a:p>
-            <a:pPr algn="ctr"/>
-            <a:r>
-              <a:rPr lang="ko-KR" altLang="en-US" sz="1100" dirty="0">
-                <a:ln>
-                  <a:solidFill>
-                    <a:schemeClr val="tx1">
-                      <a:alpha val="0"/>
-                    </a:schemeClr>
-                  </a:solidFill>
-                </a:ln>
-                <a:latin typeface="나눔바른고딕" panose="020B0603020101020101" pitchFamily="50" charset="-127"/>
-                <a:ea typeface="나눔바른고딕" panose="020B0603020101020101" pitchFamily="50" charset="-127"/>
-              </a:rPr>
-              <a:t>목표 </a:t>
-            </a:r>
-            <a:r>
-              <a:rPr lang="en-US" altLang="ko-KR" sz="1100" dirty="0">
-                <a:ln>
-                  <a:solidFill>
-                    <a:schemeClr val="tx1">
-                      <a:alpha val="0"/>
-                    </a:schemeClr>
-                  </a:solidFill>
-                </a:ln>
-                <a:latin typeface="나눔바른고딕" panose="020B0603020101020101" pitchFamily="50" charset="-127"/>
-                <a:ea typeface="나눔바른고딕" panose="020B0603020101020101" pitchFamily="50" charset="-127"/>
-              </a:rPr>
-              <a:t>: </a:t>
-            </a:r>
-            <a:r>
-              <a:rPr lang="en-US" altLang="ko-KR" sz="1100" dirty="0" smtClean="0">
-                <a:ln>
-                  <a:solidFill>
-                    <a:schemeClr val="tx1">
-                      <a:alpha val="0"/>
-                    </a:schemeClr>
-                  </a:solidFill>
-                </a:ln>
-                <a:latin typeface="나눔바른고딕" panose="020B0603020101020101" pitchFamily="50" charset="-127"/>
-                <a:ea typeface="나눔바른고딕" panose="020B0603020101020101" pitchFamily="50" charset="-127"/>
-              </a:rPr>
-              <a:t>‘</a:t>
-            </a:r>
-            <a:r>
-              <a:rPr lang="ko-KR" altLang="en-US" sz="1100" dirty="0" smtClean="0">
-                <a:ln>
-                  <a:solidFill>
-                    <a:schemeClr val="tx1">
-                      <a:alpha val="0"/>
-                    </a:schemeClr>
-                  </a:solidFill>
-                </a:ln>
-                <a:latin typeface="나눔바른고딕" panose="020B0603020101020101" pitchFamily="50" charset="-127"/>
-                <a:ea typeface="나눔바른고딕" panose="020B0603020101020101" pitchFamily="50" charset="-127"/>
-              </a:rPr>
-              <a:t>제대로</a:t>
-            </a:r>
-            <a:r>
-              <a:rPr lang="en-US" altLang="ko-KR" sz="1100" dirty="0" smtClean="0">
-                <a:ln>
-                  <a:solidFill>
-                    <a:schemeClr val="tx1">
-                      <a:alpha val="0"/>
-                    </a:schemeClr>
-                  </a:solidFill>
-                </a:ln>
-                <a:latin typeface="나눔바른고딕" panose="020B0603020101020101" pitchFamily="50" charset="-127"/>
-                <a:ea typeface="나눔바른고딕" panose="020B0603020101020101" pitchFamily="50" charset="-127"/>
-              </a:rPr>
-              <a:t>’ </a:t>
-            </a:r>
-            <a:r>
-              <a:rPr lang="ko-KR" altLang="en-US" sz="1100" dirty="0" smtClean="0">
-                <a:ln>
-                  <a:solidFill>
-                    <a:schemeClr val="tx1">
-                      <a:alpha val="0"/>
-                    </a:schemeClr>
-                  </a:solidFill>
-                </a:ln>
-                <a:latin typeface="나눔바른고딕" panose="020B0603020101020101" pitchFamily="50" charset="-127"/>
-                <a:ea typeface="나눔바른고딕" panose="020B0603020101020101" pitchFamily="50" charset="-127"/>
-              </a:rPr>
-              <a:t>체험 유도</a:t>
-            </a:r>
-            <a:r>
-              <a:rPr lang="en-US" altLang="ko-KR" sz="1100" dirty="0" smtClean="0">
-                <a:ln>
-                  <a:solidFill>
-                    <a:schemeClr val="tx1">
-                      <a:alpha val="0"/>
-                    </a:schemeClr>
-                  </a:solidFill>
-                </a:ln>
-                <a:latin typeface="나눔바른고딕" panose="020B0603020101020101" pitchFamily="50" charset="-127"/>
-                <a:ea typeface="나눔바른고딕" panose="020B0603020101020101" pitchFamily="50" charset="-127"/>
-              </a:rPr>
-              <a:t>(</a:t>
-            </a:r>
-            <a:r>
-              <a:rPr lang="ko-KR" altLang="en-US" sz="1100" dirty="0" err="1" smtClean="0">
-                <a:ln>
-                  <a:solidFill>
-                    <a:schemeClr val="tx1">
-                      <a:alpha val="0"/>
-                    </a:schemeClr>
-                  </a:solidFill>
-                </a:ln>
-                <a:latin typeface="나눔바른고딕" panose="020B0603020101020101" pitchFamily="50" charset="-127"/>
-                <a:ea typeface="나눔바른고딕" panose="020B0603020101020101" pitchFamily="50" charset="-127"/>
-              </a:rPr>
-              <a:t>코칭앱</a:t>
-            </a:r>
-            <a:r>
-              <a:rPr lang="ko-KR" altLang="en-US" sz="1100" dirty="0" smtClean="0">
-                <a:ln>
-                  <a:solidFill>
-                    <a:schemeClr val="tx1">
-                      <a:alpha val="0"/>
-                    </a:schemeClr>
-                  </a:solidFill>
-                </a:ln>
-                <a:latin typeface="나눔바른고딕" panose="020B0603020101020101" pitchFamily="50" charset="-127"/>
-                <a:ea typeface="나눔바른고딕" panose="020B0603020101020101" pitchFamily="50" charset="-127"/>
-              </a:rPr>
-              <a:t> </a:t>
-            </a:r>
-            <a:r>
-              <a:rPr lang="en-US" altLang="ko-KR" sz="1100" dirty="0" smtClean="0">
-                <a:ln>
-                  <a:solidFill>
-                    <a:schemeClr val="tx1">
-                      <a:alpha val="0"/>
-                    </a:schemeClr>
-                  </a:solidFill>
-                </a:ln>
-                <a:latin typeface="나눔바른고딕" panose="020B0603020101020101" pitchFamily="50" charset="-127"/>
-                <a:ea typeface="나눔바른고딕" panose="020B0603020101020101" pitchFamily="50" charset="-127"/>
-              </a:rPr>
-              <a:t>30</a:t>
-            </a:r>
-            <a:r>
-              <a:rPr lang="ko-KR" altLang="en-US" sz="1100" dirty="0" smtClean="0">
-                <a:ln>
-                  <a:solidFill>
-                    <a:schemeClr val="tx1">
-                      <a:alpha val="0"/>
-                    </a:schemeClr>
-                  </a:solidFill>
-                </a:ln>
-                <a:latin typeface="나눔바른고딕" panose="020B0603020101020101" pitchFamily="50" charset="-127"/>
-                <a:ea typeface="나눔바른고딕" panose="020B0603020101020101" pitchFamily="50" charset="-127"/>
-              </a:rPr>
-              <a:t>문제 정답</a:t>
-            </a:r>
-            <a:r>
-              <a:rPr lang="en-US" altLang="ko-KR" sz="1100" dirty="0" smtClean="0">
-                <a:ln>
-                  <a:solidFill>
-                    <a:schemeClr val="tx1">
-                      <a:alpha val="0"/>
-                    </a:schemeClr>
-                  </a:solidFill>
-                </a:ln>
-                <a:latin typeface="나눔바른고딕" panose="020B0603020101020101" pitchFamily="50" charset="-127"/>
-                <a:ea typeface="나눔바른고딕" panose="020B0603020101020101" pitchFamily="50" charset="-127"/>
-              </a:rPr>
-              <a:t>)</a:t>
-            </a:r>
-            <a:endParaRPr lang="en-US" altLang="ko-KR" sz="1100" dirty="0">
-              <a:ln>
-                <a:solidFill>
-                  <a:schemeClr val="tx1">
-                    <a:alpha val="0"/>
-                  </a:schemeClr>
-                </a:solidFill>
-              </a:ln>
-              <a:latin typeface="나눔바른고딕" panose="020B0603020101020101" pitchFamily="50" charset="-127"/>
-              <a:ea typeface="나눔바른고딕" panose="020B0603020101020101" pitchFamily="50" charset="-127"/>
-            </a:endParaRPr>
-          </a:p>
-        </p:txBody>
-      </p:sp>
-      <p:sp>
-        <p:nvSpPr>
-          <p:cNvPr id="8" name="직사각형 7"/>
-          <p:cNvSpPr/>
-          <p:nvPr/>
-        </p:nvSpPr>
-        <p:spPr>
-          <a:xfrm>
-            <a:off x="5565531" y="5930167"/>
-            <a:ext cx="3299514" cy="646331"/>
-          </a:xfrm>
-          <a:prstGeom prst="rect">
-            <a:avLst/>
-          </a:prstGeom>
-          <a:solidFill>
-            <a:schemeClr val="accent4">
-              <a:lumMod val="20000"/>
-              <a:lumOff val="80000"/>
-            </a:schemeClr>
-          </a:solidFill>
-          <a:ln w="25400">
-            <a:solidFill>
-              <a:srgbClr val="C00000"/>
-            </a:solidFill>
-          </a:ln>
-        </p:spPr>
-        <p:txBody>
-          <a:bodyPr wrap="square">
-            <a:spAutoFit/>
-          </a:bodyPr>
-          <a:lstStyle/>
-          <a:p>
-            <a:pPr algn="r"/>
-            <a:r>
-              <a:rPr lang="ko-KR" altLang="en-US" sz="1200" dirty="0" smtClean="0">
-                <a:ln>
-                  <a:solidFill>
-                    <a:schemeClr val="tx1">
-                      <a:alpha val="0"/>
-                    </a:schemeClr>
-                  </a:solidFill>
-                </a:ln>
-                <a:latin typeface="나눔바른고딕" panose="020B0603020101020101" pitchFamily="50" charset="-127"/>
-                <a:ea typeface="나눔바른고딕" panose="020B0603020101020101" pitchFamily="50" charset="-127"/>
-              </a:rPr>
-              <a:t>파라미터 추가 되는대로 내주 진행 예정</a:t>
-            </a:r>
-            <a:endParaRPr lang="en-US" altLang="ko-KR" sz="1200" dirty="0" smtClean="0">
-              <a:ln>
-                <a:solidFill>
-                  <a:schemeClr val="tx1">
-                    <a:alpha val="0"/>
-                  </a:schemeClr>
-                </a:solidFill>
-              </a:ln>
-              <a:latin typeface="나눔바른고딕" panose="020B0603020101020101" pitchFamily="50" charset="-127"/>
-              <a:ea typeface="나눔바른고딕" panose="020B0603020101020101" pitchFamily="50" charset="-127"/>
-            </a:endParaRPr>
-          </a:p>
-          <a:p>
-            <a:pPr algn="r"/>
-            <a:endParaRPr lang="en-US" altLang="ko-KR" sz="1200" dirty="0">
-              <a:ln>
-                <a:solidFill>
-                  <a:schemeClr val="tx1">
-                    <a:alpha val="0"/>
-                  </a:schemeClr>
-                </a:solidFill>
-              </a:ln>
-              <a:latin typeface="나눔바른고딕" panose="020B0603020101020101" pitchFamily="50" charset="-127"/>
-              <a:ea typeface="나눔바른고딕" panose="020B0603020101020101" pitchFamily="50" charset="-127"/>
-            </a:endParaRPr>
-          </a:p>
-          <a:p>
-            <a:pPr algn="r"/>
-            <a:r>
-              <a:rPr lang="ko-KR" altLang="en-US" sz="1200" b="1" dirty="0" smtClean="0">
-                <a:ln>
-                  <a:solidFill>
-                    <a:schemeClr val="tx1">
-                      <a:alpha val="0"/>
-                    </a:schemeClr>
-                  </a:solidFill>
-                </a:ln>
-                <a:latin typeface="나눔바른고딕" panose="020B0603020101020101" pitchFamily="50" charset="-127"/>
-                <a:ea typeface="나눔바른고딕" panose="020B0603020101020101" pitchFamily="50" charset="-127"/>
-              </a:rPr>
-              <a:t>제공 상품</a:t>
-            </a:r>
-            <a:r>
-              <a:rPr lang="ko-KR" altLang="en-US" sz="1200" dirty="0" smtClean="0">
-                <a:ln>
-                  <a:solidFill>
-                    <a:schemeClr val="tx1">
-                      <a:alpha val="0"/>
-                    </a:schemeClr>
-                  </a:solidFill>
-                </a:ln>
-                <a:latin typeface="나눔바른고딕" panose="020B0603020101020101" pitchFamily="50" charset="-127"/>
-                <a:ea typeface="나눔바른고딕" panose="020B0603020101020101" pitchFamily="50" charset="-127"/>
-              </a:rPr>
-              <a:t>은 논의 필요</a:t>
-            </a:r>
-            <a:endParaRPr lang="en-US" altLang="ko-KR" sz="1200" dirty="0">
-              <a:ln>
-                <a:solidFill>
-                  <a:schemeClr val="tx1">
-                    <a:alpha val="0"/>
-                  </a:schemeClr>
-                </a:solidFill>
-              </a:ln>
-              <a:latin typeface="나눔바른고딕" panose="020B0603020101020101" pitchFamily="50" charset="-127"/>
-              <a:ea typeface="나눔바른고딕" panose="020B0603020101020101" pitchFamily="50" charset="-127"/>
-            </a:endParaRPr>
-          </a:p>
-        </p:txBody>
-      </p:sp>
-      <p:pic>
-        <p:nvPicPr>
-          <p:cNvPr id="2" name="그림 1"/>
-          <p:cNvPicPr>
-            <a:picLocks noChangeAspect="1"/>
-          </p:cNvPicPr>
-          <p:nvPr/>
-        </p:nvPicPr>
-        <p:blipFill>
-          <a:blip r:embed="rId2"/>
-          <a:stretch>
-            <a:fillRect/>
-          </a:stretch>
-        </p:blipFill>
-        <p:spPr>
-          <a:xfrm>
-            <a:off x="136868" y="451219"/>
-            <a:ext cx="6910014" cy="3986765"/>
-          </a:xfrm>
-          <a:prstGeom prst="rect">
-            <a:avLst/>
-          </a:prstGeom>
-        </p:spPr>
-      </p:pic>
-    </p:spTree>
-    <p:extLst>
-      <p:ext uri="{BB962C8B-B14F-4D97-AF65-F5344CB8AC3E}">
-        <p14:creationId xmlns:p14="http://schemas.microsoft.com/office/powerpoint/2010/main" val="1762155302"/>
-      </p:ext>
-    </p:extLst>
-  </p:cSld>
-  <p:clrMapOvr>
-    <a:masterClrMapping/>
-  </p:clrMapOvr>
-  <p:timing>
-    <p:tnLst>
-      <p:par>
-        <p:cTn id="1" dur="indefinite" restart="never" nodeType="tmRoot"/>
-      </p:par>
-    </p:tnLst>
-  </p:timing>
-</p:sld>
-</file>
-
-<file path=ppt/slides/slide5.xml><?xml version="1.0" encoding="utf-8"?>
-<p:sld xmlns:a="http://schemas.openxmlformats.org/drawingml/2006/main" xmlns:r="http://schemas.openxmlformats.org/officeDocument/2006/relationships" xmlns:p="http://schemas.openxmlformats.org/presentationml/2006/main">
-  <p:cSld>
-    <p:spTree>
-      <p:nvGrpSpPr>
-        <p:cNvPr id="1" name=""/>
-        <p:cNvGrpSpPr/>
-        <p:nvPr/>
-      </p:nvGrpSpPr>
-      <p:grpSpPr>
-        <a:xfrm>
-          <a:off x="0" y="0"/>
-          <a:ext cx="0" cy="0"/>
-          <a:chOff x="0" y="0"/>
-          <a:chExt cx="0" cy="0"/>
-        </a:xfrm>
-      </p:grpSpPr>
-      <p:pic>
-        <p:nvPicPr>
-          <p:cNvPr id="2" name="그림 1"/>
-          <p:cNvPicPr>
-            <a:picLocks noChangeAspect="1"/>
-          </p:cNvPicPr>
-          <p:nvPr/>
-        </p:nvPicPr>
-        <p:blipFill>
-          <a:blip r:embed="rId2"/>
-          <a:stretch>
-            <a:fillRect/>
-          </a:stretch>
-        </p:blipFill>
-        <p:spPr>
-          <a:xfrm>
-            <a:off x="245039" y="1180687"/>
-            <a:ext cx="5929620" cy="2132450"/>
-          </a:xfrm>
-          <a:prstGeom prst="rect">
-            <a:avLst/>
-          </a:prstGeom>
-        </p:spPr>
-      </p:pic>
-      <p:sp>
-        <p:nvSpPr>
-          <p:cNvPr id="3" name="직사각형 2"/>
-          <p:cNvSpPr/>
-          <p:nvPr/>
-        </p:nvSpPr>
-        <p:spPr>
-          <a:xfrm>
-            <a:off x="136868" y="98606"/>
-            <a:ext cx="4572000" cy="253916"/>
-          </a:xfrm>
-          <a:prstGeom prst="rect">
-            <a:avLst/>
-          </a:prstGeom>
-        </p:spPr>
-        <p:txBody>
-          <a:bodyPr>
-            <a:spAutoFit/>
-          </a:bodyPr>
-          <a:lstStyle/>
-          <a:p>
-            <a:r>
-              <a:rPr lang="ko-KR" altLang="en-US" sz="1050" b="1" dirty="0" err="1" smtClean="0">
-                <a:ln>
-                  <a:solidFill>
-                    <a:schemeClr val="tx1">
-                      <a:alpha val="0"/>
-                    </a:schemeClr>
-                  </a:solidFill>
-                </a:ln>
-                <a:latin typeface="나눔바른고딕" panose="020B0603020101020101" pitchFamily="50" charset="-127"/>
-                <a:ea typeface="나눔바른고딕" panose="020B0603020101020101" pitchFamily="50" charset="-127"/>
-              </a:rPr>
-              <a:t>채널톡</a:t>
-            </a:r>
-            <a:r>
-              <a:rPr lang="ko-KR" altLang="en-US" sz="1050" b="1" dirty="0" smtClean="0">
-                <a:ln>
-                  <a:solidFill>
-                    <a:schemeClr val="tx1">
-                      <a:alpha val="0"/>
-                    </a:schemeClr>
-                  </a:solidFill>
-                </a:ln>
-                <a:latin typeface="나눔바른고딕" panose="020B0603020101020101" pitchFamily="50" charset="-127"/>
-                <a:ea typeface="나눔바른고딕" panose="020B0603020101020101" pitchFamily="50" charset="-127"/>
-              </a:rPr>
-              <a:t> 마케팅 성과 </a:t>
-            </a:r>
-            <a:r>
-              <a:rPr lang="en-US" altLang="ko-KR" sz="1050" b="1" dirty="0" smtClean="0">
-                <a:ln>
-                  <a:solidFill>
-                    <a:schemeClr val="tx1">
-                      <a:alpha val="0"/>
-                    </a:schemeClr>
-                  </a:solidFill>
-                </a:ln>
-                <a:latin typeface="나눔바른고딕" panose="020B0603020101020101" pitchFamily="50" charset="-127"/>
-                <a:ea typeface="나눔바른고딕" panose="020B0603020101020101" pitchFamily="50" charset="-127"/>
-              </a:rPr>
-              <a:t>: </a:t>
-            </a:r>
-            <a:r>
-              <a:rPr lang="ko-KR" altLang="en-US" sz="1050" b="1" dirty="0" smtClean="0">
-                <a:ln>
-                  <a:solidFill>
-                    <a:schemeClr val="tx1">
-                      <a:alpha val="0"/>
-                    </a:schemeClr>
-                  </a:solidFill>
-                </a:ln>
-                <a:latin typeface="나눔바른고딕" panose="020B0603020101020101" pitchFamily="50" charset="-127"/>
-                <a:ea typeface="나눔바른고딕" panose="020B0603020101020101" pitchFamily="50" charset="-127"/>
-              </a:rPr>
-              <a:t>수강신청 페이지에서 </a:t>
-            </a:r>
-            <a:r>
-              <a:rPr lang="ko-KR" altLang="en-US" sz="1050" b="1" dirty="0" err="1" smtClean="0">
-                <a:ln>
-                  <a:solidFill>
-                    <a:schemeClr val="tx1">
-                      <a:alpha val="0"/>
-                    </a:schemeClr>
-                  </a:solidFill>
-                </a:ln>
-                <a:latin typeface="나눔바른고딕" panose="020B0603020101020101" pitchFamily="50" charset="-127"/>
-                <a:ea typeface="나눔바른고딕" panose="020B0603020101020101" pitchFamily="50" charset="-127"/>
-              </a:rPr>
-              <a:t>체험유도</a:t>
-            </a:r>
-            <a:endParaRPr lang="ko-KR" altLang="en-US" sz="1050" b="1" dirty="0">
-              <a:ln>
-                <a:solidFill>
-                  <a:schemeClr val="tx1">
-                    <a:alpha val="0"/>
-                  </a:schemeClr>
-                </a:solidFill>
-              </a:ln>
-              <a:latin typeface="나눔바른고딕" panose="020B0603020101020101" pitchFamily="50" charset="-127"/>
-              <a:ea typeface="나눔바른고딕" panose="020B0603020101020101" pitchFamily="50" charset="-127"/>
-            </a:endParaRPr>
-          </a:p>
-        </p:txBody>
-      </p:sp>
-      <p:cxnSp>
-        <p:nvCxnSpPr>
-          <p:cNvPr id="4" name="직선 연결선 3"/>
-          <p:cNvCxnSpPr/>
-          <p:nvPr/>
-        </p:nvCxnSpPr>
-        <p:spPr>
-          <a:xfrm>
-            <a:off x="136868" y="401870"/>
-            <a:ext cx="8867351" cy="0"/>
-          </a:xfrm>
-          <a:prstGeom prst="line">
-            <a:avLst/>
-          </a:prstGeom>
-          <a:ln>
-            <a:solidFill>
-              <a:schemeClr val="tx1"/>
-            </a:solidFill>
-          </a:ln>
-        </p:spPr>
-        <p:style>
-          <a:lnRef idx="1">
-            <a:schemeClr val="accent1"/>
-          </a:lnRef>
-          <a:fillRef idx="0">
-            <a:schemeClr val="accent1"/>
-          </a:fillRef>
-          <a:effectRef idx="0">
-            <a:schemeClr val="accent1"/>
-          </a:effectRef>
-          <a:fontRef idx="minor">
-            <a:schemeClr val="tx1"/>
-          </a:fontRef>
-        </p:style>
-      </p:cxnSp>
-      <p:pic>
-        <p:nvPicPr>
-          <p:cNvPr id="5" name="그림 4"/>
-          <p:cNvPicPr>
-            <a:picLocks noChangeAspect="1"/>
-          </p:cNvPicPr>
-          <p:nvPr/>
-        </p:nvPicPr>
-        <p:blipFill>
-          <a:blip r:embed="rId3"/>
-          <a:stretch>
-            <a:fillRect/>
-          </a:stretch>
-        </p:blipFill>
-        <p:spPr>
-          <a:xfrm>
-            <a:off x="6867241" y="550606"/>
-            <a:ext cx="1922798" cy="3131574"/>
-          </a:xfrm>
-          <a:prstGeom prst="rect">
-            <a:avLst/>
-          </a:prstGeom>
-        </p:spPr>
-      </p:pic>
-      <p:sp>
-        <p:nvSpPr>
-          <p:cNvPr id="6" name="직사각형 5"/>
-          <p:cNvSpPr/>
-          <p:nvPr/>
-        </p:nvSpPr>
-        <p:spPr>
-          <a:xfrm>
-            <a:off x="6929115" y="3992241"/>
-            <a:ext cx="1871023" cy="261610"/>
-          </a:xfrm>
-          <a:prstGeom prst="rect">
-            <a:avLst/>
-          </a:prstGeom>
-          <a:solidFill>
-            <a:schemeClr val="bg2"/>
-          </a:solidFill>
-          <a:ln>
-            <a:solidFill>
-              <a:srgbClr val="0070C0"/>
-            </a:solidFill>
-          </a:ln>
-        </p:spPr>
-        <p:txBody>
-          <a:bodyPr wrap="square">
-            <a:spAutoFit/>
-          </a:bodyPr>
-          <a:lstStyle/>
-          <a:p>
-            <a:pPr algn="r"/>
-            <a:r>
-              <a:rPr lang="ko-KR" altLang="en-US" sz="1100" dirty="0" smtClean="0">
-                <a:ln>
-                  <a:solidFill>
-                    <a:schemeClr val="tx1">
-                      <a:alpha val="0"/>
-                    </a:schemeClr>
-                  </a:solidFill>
-                </a:ln>
-                <a:latin typeface="나눔바른고딕" panose="020B0603020101020101" pitchFamily="50" charset="-127"/>
-                <a:ea typeface="나눔바른고딕" panose="020B0603020101020101" pitchFamily="50" charset="-127"/>
-              </a:rPr>
-              <a:t>목표 </a:t>
-            </a:r>
-            <a:r>
-              <a:rPr lang="en-US" altLang="ko-KR" sz="1100" dirty="0" smtClean="0">
-                <a:ln>
-                  <a:solidFill>
-                    <a:schemeClr val="tx1">
-                      <a:alpha val="0"/>
-                    </a:schemeClr>
-                  </a:solidFill>
-                </a:ln>
-                <a:latin typeface="나눔바른고딕" panose="020B0603020101020101" pitchFamily="50" charset="-127"/>
-                <a:ea typeface="나눔바른고딕" panose="020B0603020101020101" pitchFamily="50" charset="-127"/>
-              </a:rPr>
-              <a:t>: </a:t>
-            </a:r>
-            <a:r>
-              <a:rPr lang="ko-KR" altLang="en-US" sz="1100" dirty="0" err="1" smtClean="0">
-                <a:ln>
-                  <a:solidFill>
-                    <a:schemeClr val="tx1">
-                      <a:alpha val="0"/>
-                    </a:schemeClr>
-                  </a:solidFill>
-                </a:ln>
-                <a:latin typeface="나눔바른고딕" panose="020B0603020101020101" pitchFamily="50" charset="-127"/>
-                <a:ea typeface="나눔바른고딕" panose="020B0603020101020101" pitchFamily="50" charset="-127"/>
-              </a:rPr>
-              <a:t>체험신청</a:t>
-            </a:r>
-            <a:r>
-              <a:rPr lang="en-US" altLang="ko-KR" sz="1100" dirty="0" smtClean="0">
-                <a:ln>
-                  <a:solidFill>
-                    <a:schemeClr val="tx1">
-                      <a:alpha val="0"/>
-                    </a:schemeClr>
-                  </a:solidFill>
-                </a:ln>
-                <a:latin typeface="나눔바른고딕" panose="020B0603020101020101" pitchFamily="50" charset="-127"/>
-                <a:ea typeface="나눔바른고딕" panose="020B0603020101020101" pitchFamily="50" charset="-127"/>
-              </a:rPr>
-              <a:t>(</a:t>
-            </a:r>
-            <a:r>
-              <a:rPr lang="ko-KR" altLang="en-US" sz="1100" dirty="0" smtClean="0">
-                <a:ln>
-                  <a:solidFill>
-                    <a:schemeClr val="tx1">
-                      <a:alpha val="0"/>
-                    </a:schemeClr>
-                  </a:solidFill>
-                </a:ln>
-                <a:latin typeface="나눔바른고딕" panose="020B0603020101020101" pitchFamily="50" charset="-127"/>
-                <a:ea typeface="나눔바른고딕" panose="020B0603020101020101" pitchFamily="50" charset="-127"/>
-              </a:rPr>
-              <a:t>완료</a:t>
-            </a:r>
-            <a:r>
-              <a:rPr lang="en-US" altLang="ko-KR" sz="1100" dirty="0" smtClean="0">
-                <a:ln>
-                  <a:solidFill>
-                    <a:schemeClr val="tx1">
-                      <a:alpha val="0"/>
-                    </a:schemeClr>
-                  </a:solidFill>
-                </a:ln>
-                <a:latin typeface="나눔바른고딕" panose="020B0603020101020101" pitchFamily="50" charset="-127"/>
-                <a:ea typeface="나눔바른고딕" panose="020B0603020101020101" pitchFamily="50" charset="-127"/>
-              </a:rPr>
-              <a:t>) </a:t>
-            </a:r>
-          </a:p>
-        </p:txBody>
-      </p:sp>
-      <p:sp>
-        <p:nvSpPr>
-          <p:cNvPr id="7" name="직사각형 6"/>
-          <p:cNvSpPr/>
-          <p:nvPr/>
-        </p:nvSpPr>
-        <p:spPr>
-          <a:xfrm>
-            <a:off x="4854011" y="6001292"/>
-            <a:ext cx="4150208" cy="646331"/>
-          </a:xfrm>
-          <a:prstGeom prst="rect">
-            <a:avLst/>
-          </a:prstGeom>
-          <a:solidFill>
-            <a:schemeClr val="accent4">
-              <a:lumMod val="20000"/>
-              <a:lumOff val="80000"/>
-            </a:schemeClr>
-          </a:solidFill>
-          <a:ln w="25400">
-            <a:solidFill>
-              <a:srgbClr val="C00000"/>
-            </a:solidFill>
-          </a:ln>
-        </p:spPr>
-        <p:txBody>
-          <a:bodyPr wrap="square">
-            <a:spAutoFit/>
-          </a:bodyPr>
-          <a:lstStyle/>
-          <a:p>
-            <a:pPr algn="r"/>
-            <a:r>
-              <a:rPr lang="ko-KR" altLang="en-US" sz="1200" dirty="0" smtClean="0">
-                <a:ln>
-                  <a:solidFill>
-                    <a:schemeClr val="tx1">
-                      <a:alpha val="0"/>
-                    </a:schemeClr>
-                  </a:solidFill>
-                </a:ln>
-                <a:latin typeface="나눔바른고딕" panose="020B0603020101020101" pitchFamily="50" charset="-127"/>
-                <a:ea typeface="나눔바른고딕" panose="020B0603020101020101" pitchFamily="50" charset="-127"/>
-              </a:rPr>
-              <a:t>수강신청 페이지에 </a:t>
-            </a:r>
-            <a:r>
-              <a:rPr lang="en-US" altLang="ko-KR" sz="1200" dirty="0" smtClean="0">
-                <a:ln>
-                  <a:solidFill>
-                    <a:schemeClr val="tx1">
-                      <a:alpha val="0"/>
-                    </a:schemeClr>
-                  </a:solidFill>
-                </a:ln>
-                <a:latin typeface="나눔바른고딕" panose="020B0603020101020101" pitchFamily="50" charset="-127"/>
-                <a:ea typeface="나눔바른고딕" panose="020B0603020101020101" pitchFamily="50" charset="-127"/>
-              </a:rPr>
-              <a:t>1</a:t>
-            </a:r>
-            <a:r>
-              <a:rPr lang="ko-KR" altLang="en-US" sz="1200" dirty="0" smtClean="0">
-                <a:ln>
-                  <a:solidFill>
-                    <a:schemeClr val="tx1">
-                      <a:alpha val="0"/>
-                    </a:schemeClr>
-                  </a:solidFill>
-                </a:ln>
-                <a:latin typeface="나눔바른고딕" panose="020B0603020101020101" pitchFamily="50" charset="-127"/>
-                <a:ea typeface="나눔바른고딕" panose="020B0603020101020101" pitchFamily="50" charset="-127"/>
-              </a:rPr>
-              <a:t>분 이상 머무는 고객 대상으로 나간 </a:t>
-            </a:r>
-            <a:r>
-              <a:rPr lang="ko-KR" altLang="en-US" sz="1200" dirty="0" err="1" smtClean="0">
-                <a:ln>
-                  <a:solidFill>
-                    <a:schemeClr val="tx1">
-                      <a:alpha val="0"/>
-                    </a:schemeClr>
-                  </a:solidFill>
-                </a:ln>
-                <a:latin typeface="나눔바른고딕" panose="020B0603020101020101" pitchFamily="50" charset="-127"/>
-                <a:ea typeface="나눔바른고딕" panose="020B0603020101020101" pitchFamily="50" charset="-127"/>
-              </a:rPr>
-              <a:t>푸시알림</a:t>
-            </a:r>
-            <a:endParaRPr lang="en-US" altLang="ko-KR" sz="1200" dirty="0" smtClean="0">
-              <a:ln>
-                <a:solidFill>
-                  <a:schemeClr val="tx1">
-                    <a:alpha val="0"/>
-                  </a:schemeClr>
-                </a:solidFill>
-              </a:ln>
-              <a:latin typeface="나눔바른고딕" panose="020B0603020101020101" pitchFamily="50" charset="-127"/>
-              <a:ea typeface="나눔바른고딕" panose="020B0603020101020101" pitchFamily="50" charset="-127"/>
-            </a:endParaRPr>
-          </a:p>
-          <a:p>
-            <a:pPr algn="r"/>
-            <a:endParaRPr lang="en-US" altLang="ko-KR" sz="1200" dirty="0">
-              <a:ln>
-                <a:solidFill>
-                  <a:schemeClr val="tx1">
-                    <a:alpha val="0"/>
-                  </a:schemeClr>
-                </a:solidFill>
-              </a:ln>
-              <a:latin typeface="나눔바른고딕" panose="020B0603020101020101" pitchFamily="50" charset="-127"/>
-              <a:ea typeface="나눔바른고딕" panose="020B0603020101020101" pitchFamily="50" charset="-127"/>
-            </a:endParaRPr>
-          </a:p>
-          <a:p>
-            <a:pPr algn="r"/>
-            <a:r>
-              <a:rPr lang="ko-KR" altLang="en-US" sz="1200" b="1" dirty="0" smtClean="0">
-                <a:ln>
-                  <a:solidFill>
-                    <a:schemeClr val="tx1">
-                      <a:alpha val="0"/>
-                    </a:schemeClr>
-                  </a:solidFill>
-                </a:ln>
-                <a:latin typeface="나눔바른고딕" panose="020B0603020101020101" pitchFamily="50" charset="-127"/>
-                <a:ea typeface="나눔바른고딕" panose="020B0603020101020101" pitchFamily="50" charset="-127"/>
-              </a:rPr>
-              <a:t>체험신청완료 </a:t>
-            </a:r>
-            <a:r>
-              <a:rPr lang="ko-KR" altLang="en-US" sz="1200" b="1" dirty="0" err="1" smtClean="0">
-                <a:ln>
-                  <a:solidFill>
-                    <a:schemeClr val="tx1">
-                      <a:alpha val="0"/>
-                    </a:schemeClr>
-                  </a:solidFill>
-                </a:ln>
-                <a:latin typeface="나눔바른고딕" panose="020B0603020101020101" pitchFamily="50" charset="-127"/>
-                <a:ea typeface="나눔바른고딕" panose="020B0603020101020101" pitchFamily="50" charset="-127"/>
-              </a:rPr>
-              <a:t>목표달성율</a:t>
-            </a:r>
-            <a:r>
-              <a:rPr lang="ko-KR" altLang="en-US" sz="1200" b="1" dirty="0" smtClean="0">
-                <a:ln>
-                  <a:solidFill>
-                    <a:schemeClr val="tx1">
-                      <a:alpha val="0"/>
-                    </a:schemeClr>
-                  </a:solidFill>
-                </a:ln>
-                <a:latin typeface="나눔바른고딕" panose="020B0603020101020101" pitchFamily="50" charset="-127"/>
-                <a:ea typeface="나눔바른고딕" panose="020B0603020101020101" pitchFamily="50" charset="-127"/>
-              </a:rPr>
-              <a:t> </a:t>
-            </a:r>
-            <a:r>
-              <a:rPr lang="en-US" altLang="ko-KR" sz="1200" b="1" dirty="0" smtClean="0">
-                <a:ln>
-                  <a:solidFill>
-                    <a:schemeClr val="tx1">
-                      <a:alpha val="0"/>
-                    </a:schemeClr>
-                  </a:solidFill>
-                </a:ln>
-                <a:latin typeface="나눔바른고딕" panose="020B0603020101020101" pitchFamily="50" charset="-127"/>
-                <a:ea typeface="나눔바른고딕" panose="020B0603020101020101" pitchFamily="50" charset="-127"/>
-              </a:rPr>
-              <a:t>10.5%</a:t>
-            </a:r>
-          </a:p>
-        </p:txBody>
-      </p:sp>
-      <p:sp>
-        <p:nvSpPr>
-          <p:cNvPr id="8" name="직사각형 7"/>
-          <p:cNvSpPr/>
-          <p:nvPr/>
-        </p:nvSpPr>
-        <p:spPr>
-          <a:xfrm>
-            <a:off x="355200" y="563138"/>
-            <a:ext cx="6301974" cy="430887"/>
-          </a:xfrm>
-          <a:prstGeom prst="rect">
-            <a:avLst/>
-          </a:prstGeom>
-          <a:noFill/>
-          <a:ln>
-            <a:noFill/>
-          </a:ln>
-        </p:spPr>
-        <p:txBody>
-          <a:bodyPr wrap="square">
-            <a:spAutoFit/>
-          </a:bodyPr>
-          <a:lstStyle/>
-          <a:p>
-            <a:r>
-              <a:rPr lang="ko-KR" altLang="en-US" sz="1100" dirty="0" smtClean="0">
-                <a:ln>
-                  <a:solidFill>
-                    <a:schemeClr val="tx1">
-                      <a:alpha val="0"/>
-                    </a:schemeClr>
-                  </a:solidFill>
-                </a:ln>
-                <a:latin typeface="나눔바른고딕" panose="020B0603020101020101" pitchFamily="50" charset="-127"/>
-                <a:ea typeface="나눔바른고딕" panose="020B0603020101020101" pitchFamily="50" charset="-127"/>
-              </a:rPr>
-              <a:t>수강신청탭에서 고민하는 고객 대상으로 보내지는 </a:t>
-            </a:r>
-            <a:r>
-              <a:rPr lang="ko-KR" altLang="en-US" sz="1100" dirty="0" err="1" smtClean="0">
-                <a:ln>
-                  <a:solidFill>
-                    <a:schemeClr val="tx1">
-                      <a:alpha val="0"/>
-                    </a:schemeClr>
-                  </a:solidFill>
-                </a:ln>
-                <a:latin typeface="나눔바른고딕" panose="020B0603020101020101" pitchFamily="50" charset="-127"/>
-                <a:ea typeface="나눔바른고딕" panose="020B0603020101020101" pitchFamily="50" charset="-127"/>
-              </a:rPr>
-              <a:t>푸시알림입니다</a:t>
-            </a:r>
-            <a:r>
-              <a:rPr lang="en-US" altLang="ko-KR" sz="1100" dirty="0" smtClean="0">
-                <a:ln>
-                  <a:solidFill>
-                    <a:schemeClr val="tx1">
-                      <a:alpha val="0"/>
-                    </a:schemeClr>
-                  </a:solidFill>
-                </a:ln>
-                <a:latin typeface="나눔바른고딕" panose="020B0603020101020101" pitchFamily="50" charset="-127"/>
-                <a:ea typeface="나눔바른고딕" panose="020B0603020101020101" pitchFamily="50" charset="-127"/>
-              </a:rPr>
-              <a:t>.</a:t>
-            </a:r>
-          </a:p>
-          <a:p>
-            <a:endParaRPr lang="en-US" altLang="ko-KR" sz="1100" dirty="0">
-              <a:ln>
-                <a:solidFill>
-                  <a:schemeClr val="tx1">
-                    <a:alpha val="0"/>
-                  </a:schemeClr>
-                </a:solidFill>
-              </a:ln>
-              <a:latin typeface="나눔바른고딕" panose="020B0603020101020101" pitchFamily="50" charset="-127"/>
-              <a:ea typeface="나눔바른고딕" panose="020B0603020101020101" pitchFamily="50" charset="-127"/>
-            </a:endParaRPr>
-          </a:p>
-        </p:txBody>
-      </p:sp>
-    </p:spTree>
-    <p:extLst>
-      <p:ext uri="{BB962C8B-B14F-4D97-AF65-F5344CB8AC3E}">
-        <p14:creationId xmlns:p14="http://schemas.microsoft.com/office/powerpoint/2010/main" val="2692374072"/>
-      </p:ext>
-    </p:extLst>
-  </p:cSld>
-  <p:clrMapOvr>
-    <a:masterClrMapping/>
-  </p:clrMapOvr>
-</p:sld>
-</file>
-
-<file path=ppt/slides/slide6.xml><?xml version="1.0" encoding="utf-8"?>
-<p:sld xmlns:a="http://schemas.openxmlformats.org/drawingml/2006/main" xmlns:r="http://schemas.openxmlformats.org/officeDocument/2006/relationships" xmlns:p="http://schemas.openxmlformats.org/presentationml/2006/main">
-  <p:cSld>
-    <p:spTree>
-      <p:nvGrpSpPr>
-        <p:cNvPr id="1" name=""/>
-        <p:cNvGrpSpPr/>
-        <p:nvPr/>
-      </p:nvGrpSpPr>
-      <p:grpSpPr>
-        <a:xfrm>
-          <a:off x="0" y="0"/>
-          <a:ext cx="0" cy="0"/>
-          <a:chOff x="0" y="0"/>
-          <a:chExt cx="0" cy="0"/>
-        </a:xfrm>
-      </p:grpSpPr>
-      <p:pic>
-        <p:nvPicPr>
-          <p:cNvPr id="3" name="그림 2"/>
-          <p:cNvPicPr>
-            <a:picLocks noChangeAspect="1"/>
-          </p:cNvPicPr>
-          <p:nvPr/>
-        </p:nvPicPr>
-        <p:blipFill>
-          <a:blip r:embed="rId2">
-            <a:extLst>
-              <a:ext uri="{28A0092B-C50C-407E-A947-70E740481C1C}">
-                <a14:useLocalDpi xmlns:a14="http://schemas.microsoft.com/office/drawing/2010/main" val="0"/>
-              </a:ext>
-            </a:extLst>
-          </a:blip>
-          <a:stretch>
-            <a:fillRect/>
-          </a:stretch>
-        </p:blipFill>
-        <p:spPr>
-          <a:xfrm>
-            <a:off x="1714624" y="1004048"/>
-            <a:ext cx="5437618" cy="5501340"/>
-          </a:xfrm>
-          <a:prstGeom prst="rect">
-            <a:avLst/>
-          </a:prstGeom>
-        </p:spPr>
-      </p:pic>
-    </p:spTree>
-    <p:extLst>
-      <p:ext uri="{BB962C8B-B14F-4D97-AF65-F5344CB8AC3E}">
-        <p14:creationId xmlns:p14="http://schemas.microsoft.com/office/powerpoint/2010/main" val="759925444"/>
-      </p:ext>
-    </p:extLst>
-  </p:cSld>
-  <p:clrMapOvr>
-    <a:masterClrMapping/>
-  </p:clrMapOvr>
-</p:sld>
-</file>
-
-<file path=ppt/slides/slide7.xml><?xml version="1.0" encoding="utf-8"?>
-<p:sld xmlns:a="http://schemas.openxmlformats.org/drawingml/2006/main" xmlns:r="http://schemas.openxmlformats.org/officeDocument/2006/relationships" xmlns:p="http://schemas.openxmlformats.org/presentationml/2006/main">
-  <p:cSld>
-    <p:spTree>
-      <p:nvGrpSpPr>
-        <p:cNvPr id="1" name=""/>
-        <p:cNvGrpSpPr/>
-        <p:nvPr/>
-      </p:nvGrpSpPr>
-      <p:grpSpPr>
-        <a:xfrm>
-          <a:off x="0" y="0"/>
-          <a:ext cx="0" cy="0"/>
-          <a:chOff x="0" y="0"/>
-          <a:chExt cx="0" cy="0"/>
-        </a:xfrm>
-      </p:grpSpPr>
-      <p:pic>
-        <p:nvPicPr>
-          <p:cNvPr id="2" name="그림 1"/>
-          <p:cNvPicPr>
-            <a:picLocks noChangeAspect="1"/>
-          </p:cNvPicPr>
-          <p:nvPr/>
-        </p:nvPicPr>
-        <p:blipFill>
-          <a:blip r:embed="rId2"/>
-          <a:stretch>
-            <a:fillRect/>
-          </a:stretch>
-        </p:blipFill>
-        <p:spPr>
-          <a:xfrm>
-            <a:off x="471253" y="3327821"/>
-            <a:ext cx="2801033" cy="2768336"/>
-          </a:xfrm>
-          <a:prstGeom prst="rect">
-            <a:avLst/>
-          </a:prstGeom>
-        </p:spPr>
-      </p:pic>
-      <p:pic>
-        <p:nvPicPr>
-          <p:cNvPr id="11" name="그림 10"/>
-          <p:cNvPicPr>
-            <a:picLocks noChangeAspect="1"/>
-          </p:cNvPicPr>
-          <p:nvPr/>
-        </p:nvPicPr>
-        <p:blipFill>
-          <a:blip r:embed="rId3"/>
-          <a:stretch>
-            <a:fillRect/>
-          </a:stretch>
-        </p:blipFill>
-        <p:spPr>
-          <a:xfrm>
-            <a:off x="3187511" y="3490810"/>
-            <a:ext cx="2261034" cy="2664991"/>
-          </a:xfrm>
-          <a:prstGeom prst="rect">
-            <a:avLst/>
-          </a:prstGeom>
-        </p:spPr>
-      </p:pic>
-      <p:sp>
-        <p:nvSpPr>
-          <p:cNvPr id="10" name="직사각형 9"/>
-          <p:cNvSpPr/>
-          <p:nvPr/>
-        </p:nvSpPr>
-        <p:spPr>
-          <a:xfrm>
-            <a:off x="363881" y="3068831"/>
-            <a:ext cx="5144569" cy="3203668"/>
-          </a:xfrm>
-          <a:prstGeom prst="rect">
-            <a:avLst/>
-          </a:prstGeom>
-          <a:noFill/>
-          <a:ln>
-            <a:solidFill>
-              <a:schemeClr val="bg1">
-                <a:lumMod val="75000"/>
-              </a:schemeClr>
-            </a:solidFill>
-          </a:ln>
-        </p:spPr>
-        <p:style>
-          <a:lnRef idx="2">
-            <a:schemeClr val="accent1">
-              <a:shade val="50000"/>
-            </a:schemeClr>
-          </a:lnRef>
-          <a:fillRef idx="1">
-            <a:schemeClr val="accent1"/>
-          </a:fillRef>
-          <a:effectRef idx="0">
-            <a:schemeClr val="accent1"/>
-          </a:effectRef>
-          <a:fontRef idx="minor">
-            <a:schemeClr val="lt1"/>
-          </a:fontRef>
-        </p:style>
-        <p:txBody>
-          <a:bodyPr rtlCol="0" anchor="ctr"/>
-          <a:lstStyle/>
-          <a:p>
-            <a:pPr algn="ctr"/>
-            <a:endParaRPr lang="ko-KR" altLang="en-US"/>
-          </a:p>
-        </p:txBody>
-      </p:sp>
-      <p:sp>
-        <p:nvSpPr>
-          <p:cNvPr id="3" name="직사각형 2"/>
-          <p:cNvSpPr/>
-          <p:nvPr/>
-        </p:nvSpPr>
-        <p:spPr>
-          <a:xfrm>
-            <a:off x="136868" y="98606"/>
-            <a:ext cx="4572000" cy="253916"/>
-          </a:xfrm>
-          <a:prstGeom prst="rect">
-            <a:avLst/>
-          </a:prstGeom>
-        </p:spPr>
-        <p:txBody>
-          <a:bodyPr>
-            <a:spAutoFit/>
-          </a:bodyPr>
-          <a:lstStyle/>
-          <a:p>
-            <a:r>
-              <a:rPr lang="ko-KR" altLang="en-US" sz="1050" b="1" dirty="0" err="1" smtClean="0">
-                <a:ln>
-                  <a:solidFill>
-                    <a:schemeClr val="tx1">
-                      <a:alpha val="0"/>
-                    </a:schemeClr>
-                  </a:solidFill>
-                </a:ln>
-                <a:latin typeface="나눔바른고딕" panose="020B0603020101020101" pitchFamily="50" charset="-127"/>
-                <a:ea typeface="나눔바른고딕" panose="020B0603020101020101" pitchFamily="50" charset="-127"/>
-              </a:rPr>
-              <a:t>채널톡</a:t>
-            </a:r>
-            <a:r>
-              <a:rPr lang="ko-KR" altLang="en-US" sz="1050" b="1" dirty="0" smtClean="0">
-                <a:ln>
-                  <a:solidFill>
-                    <a:schemeClr val="tx1">
-                      <a:alpha val="0"/>
-                    </a:schemeClr>
-                  </a:solidFill>
-                </a:ln>
-                <a:latin typeface="나눔바른고딕" panose="020B0603020101020101" pitchFamily="50" charset="-127"/>
-                <a:ea typeface="나눔바른고딕" panose="020B0603020101020101" pitchFamily="50" charset="-127"/>
-              </a:rPr>
-              <a:t> 마케팅 성과 </a:t>
-            </a:r>
-            <a:r>
-              <a:rPr lang="en-US" altLang="ko-KR" sz="1050" b="1" dirty="0" smtClean="0">
-                <a:ln>
-                  <a:solidFill>
-                    <a:schemeClr val="tx1">
-                      <a:alpha val="0"/>
-                    </a:schemeClr>
-                  </a:solidFill>
-                </a:ln>
-                <a:latin typeface="나눔바른고딕" panose="020B0603020101020101" pitchFamily="50" charset="-127"/>
-                <a:ea typeface="나눔바른고딕" panose="020B0603020101020101" pitchFamily="50" charset="-127"/>
-              </a:rPr>
-              <a:t>: </a:t>
-            </a:r>
-            <a:r>
-              <a:rPr lang="ko-KR" altLang="en-US" sz="1050" b="1" dirty="0" smtClean="0">
-                <a:ln>
-                  <a:solidFill>
-                    <a:schemeClr val="tx1">
-                      <a:alpha val="0"/>
-                    </a:schemeClr>
-                  </a:solidFill>
-                </a:ln>
-                <a:latin typeface="나눔바른고딕" panose="020B0603020101020101" pitchFamily="50" charset="-127"/>
-                <a:ea typeface="나눔바른고딕" panose="020B0603020101020101" pitchFamily="50" charset="-127"/>
-              </a:rPr>
-              <a:t>회원가입 후 체험 유도 </a:t>
-            </a:r>
-            <a:endParaRPr lang="ko-KR" altLang="en-US" sz="1050" b="1" dirty="0">
-              <a:ln>
-                <a:solidFill>
-                  <a:schemeClr val="tx1">
-                    <a:alpha val="0"/>
-                  </a:schemeClr>
-                </a:solidFill>
-              </a:ln>
-              <a:latin typeface="나눔바른고딕" panose="020B0603020101020101" pitchFamily="50" charset="-127"/>
-              <a:ea typeface="나눔바른고딕" panose="020B0603020101020101" pitchFamily="50" charset="-127"/>
-            </a:endParaRPr>
-          </a:p>
-        </p:txBody>
-      </p:sp>
-      <p:cxnSp>
-        <p:nvCxnSpPr>
-          <p:cNvPr id="4" name="직선 연결선 3"/>
-          <p:cNvCxnSpPr/>
-          <p:nvPr/>
-        </p:nvCxnSpPr>
-        <p:spPr>
-          <a:xfrm>
-            <a:off x="136868" y="401870"/>
-            <a:ext cx="8867351" cy="0"/>
-          </a:xfrm>
-          <a:prstGeom prst="line">
-            <a:avLst/>
-          </a:prstGeom>
-          <a:ln>
-            <a:solidFill>
-              <a:schemeClr val="tx1"/>
-            </a:solidFill>
-          </a:ln>
-        </p:spPr>
-        <p:style>
-          <a:lnRef idx="1">
-            <a:schemeClr val="accent1"/>
-          </a:lnRef>
-          <a:fillRef idx="0">
-            <a:schemeClr val="accent1"/>
-          </a:fillRef>
-          <a:effectRef idx="0">
-            <a:schemeClr val="accent1"/>
-          </a:effectRef>
-          <a:fontRef idx="minor">
-            <a:schemeClr val="tx1"/>
-          </a:fontRef>
-        </p:style>
-      </p:cxnSp>
-      <p:sp>
-        <p:nvSpPr>
-          <p:cNvPr id="6" name="직사각형 5"/>
-          <p:cNvSpPr/>
-          <p:nvPr/>
-        </p:nvSpPr>
-        <p:spPr>
-          <a:xfrm>
-            <a:off x="6970826" y="3804285"/>
-            <a:ext cx="1871023" cy="261610"/>
-          </a:xfrm>
-          <a:prstGeom prst="rect">
-            <a:avLst/>
-          </a:prstGeom>
-          <a:solidFill>
-            <a:schemeClr val="bg2"/>
-          </a:solidFill>
-          <a:ln>
-            <a:solidFill>
-              <a:srgbClr val="0070C0"/>
-            </a:solidFill>
-          </a:ln>
-        </p:spPr>
-        <p:txBody>
-          <a:bodyPr wrap="square">
-            <a:spAutoFit/>
-          </a:bodyPr>
-          <a:lstStyle/>
-          <a:p>
-            <a:pPr algn="r"/>
-            <a:r>
-              <a:rPr lang="ko-KR" altLang="en-US" sz="1100" dirty="0">
-                <a:ln>
-                  <a:solidFill>
-                    <a:schemeClr val="tx1">
-                      <a:alpha val="0"/>
-                    </a:schemeClr>
-                  </a:solidFill>
-                </a:ln>
-                <a:latin typeface="나눔바른고딕" panose="020B0603020101020101" pitchFamily="50" charset="-127"/>
-                <a:ea typeface="나눔바른고딕" panose="020B0603020101020101" pitchFamily="50" charset="-127"/>
-              </a:rPr>
-              <a:t>목표 </a:t>
-            </a:r>
-            <a:r>
-              <a:rPr lang="en-US" altLang="ko-KR" sz="1100" dirty="0">
-                <a:ln>
-                  <a:solidFill>
-                    <a:schemeClr val="tx1">
-                      <a:alpha val="0"/>
-                    </a:schemeClr>
-                  </a:solidFill>
-                </a:ln>
-                <a:latin typeface="나눔바른고딕" panose="020B0603020101020101" pitchFamily="50" charset="-127"/>
-                <a:ea typeface="나눔바른고딕" panose="020B0603020101020101" pitchFamily="50" charset="-127"/>
-              </a:rPr>
-              <a:t>: </a:t>
-            </a:r>
-            <a:r>
-              <a:rPr lang="ko-KR" altLang="en-US" sz="1100" dirty="0" err="1">
-                <a:ln>
-                  <a:solidFill>
-                    <a:schemeClr val="tx1">
-                      <a:alpha val="0"/>
-                    </a:schemeClr>
-                  </a:solidFill>
-                </a:ln>
-                <a:latin typeface="나눔바른고딕" panose="020B0603020101020101" pitchFamily="50" charset="-127"/>
-                <a:ea typeface="나눔바른고딕" panose="020B0603020101020101" pitchFamily="50" charset="-127"/>
-              </a:rPr>
-              <a:t>체험신청</a:t>
-            </a:r>
-            <a:r>
-              <a:rPr lang="en-US" altLang="ko-KR" sz="1100" dirty="0">
-                <a:ln>
-                  <a:solidFill>
-                    <a:schemeClr val="tx1">
-                      <a:alpha val="0"/>
-                    </a:schemeClr>
-                  </a:solidFill>
-                </a:ln>
-                <a:latin typeface="나눔바른고딕" panose="020B0603020101020101" pitchFamily="50" charset="-127"/>
-                <a:ea typeface="나눔바른고딕" panose="020B0603020101020101" pitchFamily="50" charset="-127"/>
-              </a:rPr>
-              <a:t>(</a:t>
-            </a:r>
-            <a:r>
-              <a:rPr lang="ko-KR" altLang="en-US" sz="1100" dirty="0">
-                <a:ln>
-                  <a:solidFill>
-                    <a:schemeClr val="tx1">
-                      <a:alpha val="0"/>
-                    </a:schemeClr>
-                  </a:solidFill>
-                </a:ln>
-                <a:latin typeface="나눔바른고딕" panose="020B0603020101020101" pitchFamily="50" charset="-127"/>
-                <a:ea typeface="나눔바른고딕" panose="020B0603020101020101" pitchFamily="50" charset="-127"/>
-              </a:rPr>
-              <a:t>완료</a:t>
-            </a:r>
-            <a:r>
-              <a:rPr lang="en-US" altLang="ko-KR" sz="1100" dirty="0">
-                <a:ln>
-                  <a:solidFill>
-                    <a:schemeClr val="tx1">
-                      <a:alpha val="0"/>
-                    </a:schemeClr>
-                  </a:solidFill>
-                </a:ln>
-                <a:latin typeface="나눔바른고딕" panose="020B0603020101020101" pitchFamily="50" charset="-127"/>
-                <a:ea typeface="나눔바른고딕" panose="020B0603020101020101" pitchFamily="50" charset="-127"/>
-              </a:rPr>
-              <a:t>) </a:t>
-            </a:r>
-          </a:p>
-        </p:txBody>
-      </p:sp>
-      <p:pic>
-        <p:nvPicPr>
-          <p:cNvPr id="7" name="그림 6"/>
-          <p:cNvPicPr>
-            <a:picLocks noChangeAspect="1"/>
-          </p:cNvPicPr>
-          <p:nvPr/>
-        </p:nvPicPr>
-        <p:blipFill>
-          <a:blip r:embed="rId4"/>
-          <a:stretch>
-            <a:fillRect/>
-          </a:stretch>
-        </p:blipFill>
-        <p:spPr>
-          <a:xfrm>
-            <a:off x="355200" y="610751"/>
-            <a:ext cx="5917782" cy="2182088"/>
-          </a:xfrm>
-          <a:prstGeom prst="rect">
-            <a:avLst/>
-          </a:prstGeom>
-        </p:spPr>
-      </p:pic>
-      <p:pic>
-        <p:nvPicPr>
-          <p:cNvPr id="8" name="그림 7"/>
-          <p:cNvPicPr>
-            <a:picLocks noChangeAspect="1"/>
-          </p:cNvPicPr>
-          <p:nvPr/>
-        </p:nvPicPr>
-        <p:blipFill>
-          <a:blip r:embed="rId5"/>
-          <a:stretch>
-            <a:fillRect/>
-          </a:stretch>
-        </p:blipFill>
-        <p:spPr>
-          <a:xfrm>
-            <a:off x="6430297" y="527100"/>
-            <a:ext cx="2573922" cy="2627545"/>
-          </a:xfrm>
-          <a:prstGeom prst="rect">
-            <a:avLst/>
-          </a:prstGeom>
-        </p:spPr>
-      </p:pic>
-      <p:sp>
-        <p:nvSpPr>
-          <p:cNvPr id="9" name="직사각형 8"/>
-          <p:cNvSpPr/>
-          <p:nvPr/>
-        </p:nvSpPr>
-        <p:spPr>
-          <a:xfrm>
-            <a:off x="5819685" y="6052567"/>
-            <a:ext cx="3222803" cy="646331"/>
-          </a:xfrm>
-          <a:prstGeom prst="rect">
-            <a:avLst/>
-          </a:prstGeom>
-          <a:solidFill>
-            <a:schemeClr val="accent4">
-              <a:lumMod val="20000"/>
-              <a:lumOff val="80000"/>
-            </a:schemeClr>
-          </a:solidFill>
-          <a:ln w="25400">
-            <a:solidFill>
-              <a:srgbClr val="C00000"/>
-            </a:solidFill>
-          </a:ln>
-        </p:spPr>
-        <p:txBody>
-          <a:bodyPr wrap="square">
-            <a:spAutoFit/>
-          </a:bodyPr>
-          <a:lstStyle/>
-          <a:p>
-            <a:pPr algn="r"/>
-            <a:r>
-              <a:rPr lang="ko-KR" altLang="en-US" sz="1200" dirty="0" smtClean="0">
-                <a:ln>
-                  <a:solidFill>
-                    <a:schemeClr val="tx1">
-                      <a:alpha val="0"/>
-                    </a:schemeClr>
-                  </a:solidFill>
-                </a:ln>
-                <a:latin typeface="나눔바른고딕" panose="020B0603020101020101" pitchFamily="50" charset="-127"/>
-                <a:ea typeface="나눔바른고딕" panose="020B0603020101020101" pitchFamily="50" charset="-127"/>
-              </a:rPr>
-              <a:t>회원가입을 완료한 고객 대상으로 나간 </a:t>
-            </a:r>
-            <a:r>
-              <a:rPr lang="ko-KR" altLang="en-US" sz="1200" dirty="0" err="1" smtClean="0">
-                <a:ln>
-                  <a:solidFill>
-                    <a:schemeClr val="tx1">
-                      <a:alpha val="0"/>
-                    </a:schemeClr>
-                  </a:solidFill>
-                </a:ln>
-                <a:latin typeface="나눔바른고딕" panose="020B0603020101020101" pitchFamily="50" charset="-127"/>
-                <a:ea typeface="나눔바른고딕" panose="020B0603020101020101" pitchFamily="50" charset="-127"/>
-              </a:rPr>
-              <a:t>푸시알림</a:t>
-            </a:r>
-            <a:endParaRPr lang="en-US" altLang="ko-KR" sz="1200" dirty="0" smtClean="0">
-              <a:ln>
-                <a:solidFill>
-                  <a:schemeClr val="tx1">
-                    <a:alpha val="0"/>
-                  </a:schemeClr>
-                </a:solidFill>
-              </a:ln>
-              <a:latin typeface="나눔바른고딕" panose="020B0603020101020101" pitchFamily="50" charset="-127"/>
-              <a:ea typeface="나눔바른고딕" panose="020B0603020101020101" pitchFamily="50" charset="-127"/>
-            </a:endParaRPr>
-          </a:p>
-          <a:p>
-            <a:pPr algn="r"/>
-            <a:endParaRPr lang="en-US" altLang="ko-KR" sz="1200" dirty="0">
-              <a:ln>
-                <a:solidFill>
-                  <a:schemeClr val="tx1">
-                    <a:alpha val="0"/>
-                  </a:schemeClr>
-                </a:solidFill>
-              </a:ln>
-              <a:latin typeface="나눔바른고딕" panose="020B0603020101020101" pitchFamily="50" charset="-127"/>
-              <a:ea typeface="나눔바른고딕" panose="020B0603020101020101" pitchFamily="50" charset="-127"/>
-            </a:endParaRPr>
-          </a:p>
-          <a:p>
-            <a:pPr algn="r"/>
-            <a:r>
-              <a:rPr lang="ko-KR" altLang="en-US" sz="1200" b="1" dirty="0" smtClean="0">
-                <a:ln>
-                  <a:solidFill>
-                    <a:schemeClr val="tx1">
-                      <a:alpha val="0"/>
-                    </a:schemeClr>
-                  </a:solidFill>
-                </a:ln>
-                <a:latin typeface="나눔바른고딕" panose="020B0603020101020101" pitchFamily="50" charset="-127"/>
-                <a:ea typeface="나눔바른고딕" panose="020B0603020101020101" pitchFamily="50" charset="-127"/>
-              </a:rPr>
-              <a:t>체험신청완료 </a:t>
-            </a:r>
-            <a:r>
-              <a:rPr lang="ko-KR" altLang="en-US" sz="1200" b="1" dirty="0" err="1" smtClean="0">
-                <a:ln>
-                  <a:solidFill>
-                    <a:schemeClr val="tx1">
-                      <a:alpha val="0"/>
-                    </a:schemeClr>
-                  </a:solidFill>
-                </a:ln>
-                <a:latin typeface="나눔바른고딕" panose="020B0603020101020101" pitchFamily="50" charset="-127"/>
-                <a:ea typeface="나눔바른고딕" panose="020B0603020101020101" pitchFamily="50" charset="-127"/>
-              </a:rPr>
-              <a:t>목표달성율</a:t>
-            </a:r>
-            <a:r>
-              <a:rPr lang="ko-KR" altLang="en-US" sz="1200" b="1" dirty="0" smtClean="0">
-                <a:ln>
-                  <a:solidFill>
-                    <a:schemeClr val="tx1">
-                      <a:alpha val="0"/>
-                    </a:schemeClr>
-                  </a:solidFill>
-                </a:ln>
-                <a:latin typeface="나눔바른고딕" panose="020B0603020101020101" pitchFamily="50" charset="-127"/>
-                <a:ea typeface="나눔바른고딕" panose="020B0603020101020101" pitchFamily="50" charset="-127"/>
-              </a:rPr>
-              <a:t> </a:t>
-            </a:r>
-            <a:r>
-              <a:rPr lang="en-US" altLang="ko-KR" sz="1200" b="1" dirty="0" smtClean="0">
-                <a:ln>
-                  <a:solidFill>
-                    <a:schemeClr val="tx1">
-                      <a:alpha val="0"/>
-                    </a:schemeClr>
-                  </a:solidFill>
-                </a:ln>
-                <a:latin typeface="나눔바른고딕" panose="020B0603020101020101" pitchFamily="50" charset="-127"/>
-                <a:ea typeface="나눔바른고딕" panose="020B0603020101020101" pitchFamily="50" charset="-127"/>
-              </a:rPr>
-              <a:t>12.5%</a:t>
-            </a:r>
-          </a:p>
-        </p:txBody>
-      </p:sp>
-      <p:sp>
-        <p:nvSpPr>
-          <p:cNvPr id="5" name="모서리가 둥근 직사각형 4"/>
-          <p:cNvSpPr/>
-          <p:nvPr/>
-        </p:nvSpPr>
-        <p:spPr>
-          <a:xfrm>
-            <a:off x="1978592" y="2934714"/>
-            <a:ext cx="1644825" cy="228119"/>
-          </a:xfrm>
-          <a:prstGeom prst="roundRect">
-            <a:avLst>
-              <a:gd name="adj" fmla="val 50000"/>
-            </a:avLst>
-          </a:prstGeom>
-          <a:solidFill>
-            <a:schemeClr val="bg1">
-              <a:lumMod val="85000"/>
-            </a:schemeClr>
-          </a:solidFill>
-          <a:ln>
-            <a:noFill/>
-          </a:ln>
-        </p:spPr>
-        <p:style>
-          <a:lnRef idx="2">
-            <a:schemeClr val="accent1">
-              <a:shade val="50000"/>
-            </a:schemeClr>
-          </a:lnRef>
-          <a:fillRef idx="1">
-            <a:schemeClr val="accent1"/>
-          </a:fillRef>
-          <a:effectRef idx="0">
-            <a:schemeClr val="accent1"/>
-          </a:effectRef>
-          <a:fontRef idx="minor">
-            <a:schemeClr val="lt1"/>
-          </a:fontRef>
-        </p:style>
-        <p:txBody>
-          <a:bodyPr rtlCol="0" anchor="ctr"/>
-          <a:lstStyle/>
-          <a:p>
-            <a:pPr algn="ctr"/>
-            <a:r>
-              <a:rPr lang="ko-KR" altLang="en-US" sz="1100" dirty="0" err="1" smtClean="0">
-                <a:ln>
-                  <a:solidFill>
-                    <a:schemeClr val="tx1">
-                      <a:alpha val="0"/>
-                    </a:schemeClr>
-                  </a:solidFill>
-                </a:ln>
-                <a:solidFill>
-                  <a:schemeClr val="tx1"/>
-                </a:solidFill>
-                <a:latin typeface="나눔바른고딕" panose="020B0603020101020101" pitchFamily="50" charset="-127"/>
-                <a:ea typeface="나눔바른고딕" panose="020B0603020101020101" pitchFamily="50" charset="-127"/>
-              </a:rPr>
-              <a:t>체험권</a:t>
-            </a:r>
-            <a:r>
-              <a:rPr lang="ko-KR" altLang="en-US" sz="1100" dirty="0" smtClean="0">
-                <a:ln>
-                  <a:solidFill>
-                    <a:schemeClr val="tx1">
-                      <a:alpha val="0"/>
-                    </a:schemeClr>
-                  </a:solidFill>
-                </a:ln>
-                <a:solidFill>
-                  <a:schemeClr val="tx1"/>
-                </a:solidFill>
-                <a:latin typeface="나눔바른고딕" panose="020B0603020101020101" pitchFamily="50" charset="-127"/>
-                <a:ea typeface="나눔바른고딕" panose="020B0603020101020101" pitchFamily="50" charset="-127"/>
-              </a:rPr>
-              <a:t> 유도 과정</a:t>
-            </a:r>
-            <a:endParaRPr lang="ko-KR" altLang="en-US" sz="1100" dirty="0">
-              <a:ln>
-                <a:solidFill>
-                  <a:schemeClr val="tx1">
-                    <a:alpha val="0"/>
-                  </a:schemeClr>
-                </a:solidFill>
-              </a:ln>
-              <a:solidFill>
-                <a:schemeClr val="tx1"/>
-              </a:solidFill>
-              <a:latin typeface="나눔바른고딕" panose="020B0603020101020101" pitchFamily="50" charset="-127"/>
-              <a:ea typeface="나눔바른고딕" panose="020B0603020101020101" pitchFamily="50" charset="-127"/>
-            </a:endParaRPr>
-          </a:p>
-        </p:txBody>
-      </p:sp>
-    </p:spTree>
-    <p:extLst>
-      <p:ext uri="{BB962C8B-B14F-4D97-AF65-F5344CB8AC3E}">
-        <p14:creationId xmlns:p14="http://schemas.microsoft.com/office/powerpoint/2010/main" val="149642991"/>
-      </p:ext>
-    </p:extLst>
-  </p:cSld>
-  <p:clrMapOvr>
-    <a:masterClrMapping/>
-  </p:clrMapOvr>
-</p:sld>
-</file>
-
-<file path=ppt/slides/slide8.xml><?xml version="1.0" encoding="utf-8"?>
-<p:sld xmlns:a="http://schemas.openxmlformats.org/drawingml/2006/main" xmlns:r="http://schemas.openxmlformats.org/officeDocument/2006/relationships" xmlns:p="http://schemas.openxmlformats.org/presentationml/2006/main">
-  <p:cSld>
-    <p:spTree>
-      <p:nvGrpSpPr>
-        <p:cNvPr id="1" name=""/>
-        <p:cNvGrpSpPr/>
-        <p:nvPr/>
-      </p:nvGrpSpPr>
-      <p:grpSpPr>
-        <a:xfrm>
-          <a:off x="0" y="0"/>
-          <a:ext cx="0" cy="0"/>
-          <a:chOff x="0" y="0"/>
-          <a:chExt cx="0" cy="0"/>
-        </a:xfrm>
-      </p:grpSpPr>
-      <p:pic>
-        <p:nvPicPr>
-          <p:cNvPr id="2" name="그림 1"/>
-          <p:cNvPicPr>
-            <a:picLocks noChangeAspect="1"/>
-          </p:cNvPicPr>
-          <p:nvPr/>
-        </p:nvPicPr>
-        <p:blipFill>
-          <a:blip r:embed="rId2"/>
-          <a:stretch>
-            <a:fillRect/>
-          </a:stretch>
-        </p:blipFill>
-        <p:spPr>
-          <a:xfrm>
-            <a:off x="477479" y="1370263"/>
-            <a:ext cx="3534703" cy="1884201"/>
-          </a:xfrm>
-          <a:prstGeom prst="rect">
-            <a:avLst/>
-          </a:prstGeom>
-        </p:spPr>
-      </p:pic>
-      <p:pic>
-        <p:nvPicPr>
-          <p:cNvPr id="3" name="그림 2"/>
-          <p:cNvPicPr>
-            <a:picLocks noChangeAspect="1"/>
-          </p:cNvPicPr>
-          <p:nvPr/>
-        </p:nvPicPr>
-        <p:blipFill>
-          <a:blip r:embed="rId3"/>
-          <a:stretch>
-            <a:fillRect/>
-          </a:stretch>
-        </p:blipFill>
-        <p:spPr>
-          <a:xfrm>
-            <a:off x="4280911" y="2063745"/>
-            <a:ext cx="1453318" cy="1197709"/>
-          </a:xfrm>
-          <a:prstGeom prst="rect">
-            <a:avLst/>
-          </a:prstGeom>
-        </p:spPr>
-      </p:pic>
-      <p:sp>
-        <p:nvSpPr>
-          <p:cNvPr id="4" name="직사각형 3"/>
-          <p:cNvSpPr/>
-          <p:nvPr/>
-        </p:nvSpPr>
-        <p:spPr>
-          <a:xfrm>
-            <a:off x="136868" y="98606"/>
-            <a:ext cx="4572000" cy="253916"/>
-          </a:xfrm>
-          <a:prstGeom prst="rect">
-            <a:avLst/>
-          </a:prstGeom>
-        </p:spPr>
-        <p:txBody>
-          <a:bodyPr>
-            <a:spAutoFit/>
-          </a:bodyPr>
-          <a:lstStyle/>
-          <a:p>
-            <a:r>
-              <a:rPr lang="ko-KR" altLang="en-US" sz="1050" b="1" dirty="0" smtClean="0">
-                <a:ln>
-                  <a:solidFill>
-                    <a:schemeClr val="tx1">
-                      <a:alpha val="0"/>
-                    </a:schemeClr>
-                  </a:solidFill>
-                </a:ln>
-                <a:solidFill>
-                  <a:srgbClr val="C00000"/>
-                </a:solidFill>
-                <a:latin typeface="나눔바른고딕" panose="020B0603020101020101" pitchFamily="50" charset="-127"/>
-                <a:ea typeface="나눔바른고딕" panose="020B0603020101020101" pitchFamily="50" charset="-127"/>
-              </a:rPr>
-              <a:t>추가 예정</a:t>
-            </a:r>
-            <a:r>
-              <a:rPr lang="en-US" altLang="ko-KR" sz="1050" b="1" dirty="0" smtClean="0">
-                <a:ln>
-                  <a:solidFill>
-                    <a:schemeClr val="tx1">
-                      <a:alpha val="0"/>
-                    </a:schemeClr>
-                  </a:solidFill>
-                </a:ln>
-                <a:solidFill>
-                  <a:srgbClr val="C00000"/>
-                </a:solidFill>
-                <a:latin typeface="나눔바른고딕" panose="020B0603020101020101" pitchFamily="50" charset="-127"/>
-                <a:ea typeface="나눔바른고딕" panose="020B0603020101020101" pitchFamily="50" charset="-127"/>
-              </a:rPr>
-              <a:t>) </a:t>
-            </a:r>
-            <a:r>
-              <a:rPr lang="ko-KR" altLang="en-US" sz="1050" b="1" dirty="0" smtClean="0">
-                <a:ln>
-                  <a:solidFill>
-                    <a:schemeClr val="tx1">
-                      <a:alpha val="0"/>
-                    </a:schemeClr>
-                  </a:solidFill>
-                </a:ln>
-                <a:solidFill>
-                  <a:srgbClr val="C00000"/>
-                </a:solidFill>
-                <a:latin typeface="나눔바른고딕" panose="020B0603020101020101" pitchFamily="50" charset="-127"/>
-                <a:ea typeface="나눔바른고딕" panose="020B0603020101020101" pitchFamily="50" charset="-127"/>
-              </a:rPr>
-              <a:t> </a:t>
-            </a:r>
-            <a:r>
-              <a:rPr lang="ko-KR" altLang="en-US" sz="1050" b="1" dirty="0" err="1" smtClean="0">
-                <a:ln>
-                  <a:solidFill>
-                    <a:schemeClr val="tx1">
-                      <a:alpha val="0"/>
-                    </a:schemeClr>
-                  </a:solidFill>
-                </a:ln>
-                <a:latin typeface="나눔바른고딕" panose="020B0603020101020101" pitchFamily="50" charset="-127"/>
-                <a:ea typeface="나눔바른고딕" panose="020B0603020101020101" pitchFamily="50" charset="-127"/>
-              </a:rPr>
-              <a:t>채널톡</a:t>
-            </a:r>
-            <a:r>
-              <a:rPr lang="ko-KR" altLang="en-US" sz="1050" b="1" dirty="0" smtClean="0">
-                <a:ln>
-                  <a:solidFill>
-                    <a:schemeClr val="tx1">
-                      <a:alpha val="0"/>
-                    </a:schemeClr>
-                  </a:solidFill>
-                </a:ln>
-                <a:latin typeface="나눔바른고딕" panose="020B0603020101020101" pitchFamily="50" charset="-127"/>
-                <a:ea typeface="나눔바른고딕" panose="020B0603020101020101" pitchFamily="50" charset="-127"/>
-              </a:rPr>
-              <a:t> 마케팅 </a:t>
-            </a:r>
-            <a:r>
-              <a:rPr lang="en-US" altLang="ko-KR" sz="1050" b="1" dirty="0" smtClean="0">
-                <a:ln>
-                  <a:solidFill>
-                    <a:schemeClr val="tx1">
-                      <a:alpha val="0"/>
-                    </a:schemeClr>
-                  </a:solidFill>
-                </a:ln>
-                <a:latin typeface="나눔바른고딕" panose="020B0603020101020101" pitchFamily="50" charset="-127"/>
-                <a:ea typeface="나눔바른고딕" panose="020B0603020101020101" pitchFamily="50" charset="-127"/>
-              </a:rPr>
-              <a:t>: </a:t>
-            </a:r>
-            <a:r>
-              <a:rPr lang="ko-KR" altLang="en-US" sz="1050" b="1" dirty="0" err="1" smtClean="0">
-                <a:ln>
-                  <a:solidFill>
-                    <a:schemeClr val="tx1">
-                      <a:alpha val="0"/>
-                    </a:schemeClr>
-                  </a:solidFill>
-                </a:ln>
-                <a:latin typeface="나눔바른고딕" panose="020B0603020101020101" pitchFamily="50" charset="-127"/>
-                <a:ea typeface="나눔바른고딕" panose="020B0603020101020101" pitchFamily="50" charset="-127"/>
-              </a:rPr>
-              <a:t>체험권</a:t>
-            </a:r>
-            <a:r>
-              <a:rPr lang="ko-KR" altLang="en-US" sz="1050" b="1" dirty="0" smtClean="0">
-                <a:ln>
-                  <a:solidFill>
-                    <a:schemeClr val="tx1">
-                      <a:alpha val="0"/>
-                    </a:schemeClr>
-                  </a:solidFill>
-                </a:ln>
-                <a:latin typeface="나눔바른고딕" panose="020B0603020101020101" pitchFamily="50" charset="-127"/>
-                <a:ea typeface="나눔바른고딕" panose="020B0603020101020101" pitchFamily="50" charset="-127"/>
-              </a:rPr>
-              <a:t> 신청 학생 대상 </a:t>
-            </a:r>
-            <a:r>
-              <a:rPr lang="ko-KR" altLang="en-US" sz="1050" b="1" dirty="0" err="1" smtClean="0">
-                <a:ln>
-                  <a:solidFill>
-                    <a:schemeClr val="tx1">
-                      <a:alpha val="0"/>
-                    </a:schemeClr>
-                  </a:solidFill>
-                </a:ln>
-                <a:latin typeface="나눔바른고딕" panose="020B0603020101020101" pitchFamily="50" charset="-127"/>
-                <a:ea typeface="나눔바른고딕" panose="020B0603020101020101" pitchFamily="50" charset="-127"/>
-              </a:rPr>
-              <a:t>푸시알림</a:t>
-            </a:r>
-            <a:endParaRPr lang="ko-KR" altLang="en-US" sz="1050" b="1" dirty="0">
-              <a:ln>
-                <a:solidFill>
-                  <a:schemeClr val="tx1">
-                    <a:alpha val="0"/>
-                  </a:schemeClr>
-                </a:solidFill>
-              </a:ln>
-              <a:latin typeface="나눔바른고딕" panose="020B0603020101020101" pitchFamily="50" charset="-127"/>
-              <a:ea typeface="나눔바른고딕" panose="020B0603020101020101" pitchFamily="50" charset="-127"/>
-            </a:endParaRPr>
-          </a:p>
-        </p:txBody>
-      </p:sp>
-      <p:cxnSp>
-        <p:nvCxnSpPr>
-          <p:cNvPr id="5" name="직선 연결선 4"/>
-          <p:cNvCxnSpPr/>
-          <p:nvPr/>
-        </p:nvCxnSpPr>
-        <p:spPr>
-          <a:xfrm>
-            <a:off x="136868" y="401870"/>
-            <a:ext cx="8867351" cy="0"/>
-          </a:xfrm>
-          <a:prstGeom prst="line">
-            <a:avLst/>
-          </a:prstGeom>
-          <a:ln>
-            <a:solidFill>
-              <a:schemeClr val="tx1"/>
-            </a:solidFill>
-          </a:ln>
-        </p:spPr>
-        <p:style>
-          <a:lnRef idx="1">
-            <a:schemeClr val="accent1"/>
-          </a:lnRef>
-          <a:fillRef idx="0">
-            <a:schemeClr val="accent1"/>
-          </a:fillRef>
-          <a:effectRef idx="0">
-            <a:schemeClr val="accent1"/>
-          </a:effectRef>
-          <a:fontRef idx="minor">
-            <a:schemeClr val="tx1"/>
-          </a:fontRef>
-        </p:style>
-      </p:cxnSp>
-      <p:sp>
-        <p:nvSpPr>
           <p:cNvPr id="6" name="직사각형 5"/>
           <p:cNvSpPr/>
           <p:nvPr/>
@@ -8214,7 +3963,7 @@
 </p:sld>
 </file>
 
-<file path=ppt/slides/slide9.xml><?xml version="1.0" encoding="utf-8"?>
+<file path=ppt/slides/slide11.xml><?xml version="1.0" encoding="utf-8"?>
 <p:sld xmlns:a="http://schemas.openxmlformats.org/drawingml/2006/main" xmlns:r="http://schemas.openxmlformats.org/officeDocument/2006/relationships" xmlns:p="http://schemas.openxmlformats.org/presentationml/2006/main">
   <p:cSld>
     <p:spTree>
@@ -10151,6 +5900,4424 @@
     <p:extLst>
       <p:ext uri="{BB962C8B-B14F-4D97-AF65-F5344CB8AC3E}">
         <p14:creationId xmlns:p14="http://schemas.microsoft.com/office/powerpoint/2010/main" val="2206825092"/>
+      </p:ext>
+    </p:extLst>
+  </p:cSld>
+  <p:clrMapOvr>
+    <a:masterClrMapping/>
+  </p:clrMapOvr>
+</p:sld>
+</file>
+
+<file path=ppt/slides/slide12.xml><?xml version="1.0" encoding="utf-8"?>
+<p:sld xmlns:a="http://schemas.openxmlformats.org/drawingml/2006/main" xmlns:r="http://schemas.openxmlformats.org/officeDocument/2006/relationships" xmlns:p="http://schemas.openxmlformats.org/presentationml/2006/main">
+  <p:cSld>
+    <p:spTree>
+      <p:nvGrpSpPr>
+        <p:cNvPr id="1" name=""/>
+        <p:cNvGrpSpPr/>
+        <p:nvPr/>
+      </p:nvGrpSpPr>
+      <p:grpSpPr>
+        <a:xfrm>
+          <a:off x="0" y="0"/>
+          <a:ext cx="0" cy="0"/>
+          <a:chOff x="0" y="0"/>
+          <a:chExt cx="0" cy="0"/>
+        </a:xfrm>
+      </p:grpSpPr>
+      <p:pic>
+        <p:nvPicPr>
+          <p:cNvPr id="2" name="그림 1"/>
+          <p:cNvPicPr>
+            <a:picLocks noChangeAspect="1"/>
+          </p:cNvPicPr>
+          <p:nvPr/>
+        </p:nvPicPr>
+        <p:blipFill>
+          <a:blip r:embed="rId2"/>
+          <a:stretch>
+            <a:fillRect/>
+          </a:stretch>
+        </p:blipFill>
+        <p:spPr>
+          <a:xfrm>
+            <a:off x="584850" y="1396413"/>
+            <a:ext cx="2499698" cy="2529368"/>
+          </a:xfrm>
+          <a:prstGeom prst="rect">
+            <a:avLst/>
+          </a:prstGeom>
+        </p:spPr>
+      </p:pic>
+      <p:sp>
+        <p:nvSpPr>
+          <p:cNvPr id="3" name="직사각형 2"/>
+          <p:cNvSpPr/>
+          <p:nvPr/>
+        </p:nvSpPr>
+        <p:spPr>
+          <a:xfrm>
+            <a:off x="136868" y="98606"/>
+            <a:ext cx="4572000" cy="253916"/>
+          </a:xfrm>
+          <a:prstGeom prst="rect">
+            <a:avLst/>
+          </a:prstGeom>
+        </p:spPr>
+        <p:txBody>
+          <a:bodyPr>
+            <a:spAutoFit/>
+          </a:bodyPr>
+          <a:lstStyle/>
+          <a:p>
+            <a:r>
+              <a:rPr lang="ko-KR" altLang="en-US" sz="1050" b="1" dirty="0" smtClean="0">
+                <a:ln>
+                  <a:solidFill>
+                    <a:schemeClr val="tx1">
+                      <a:alpha val="0"/>
+                    </a:schemeClr>
+                  </a:solidFill>
+                </a:ln>
+                <a:solidFill>
+                  <a:srgbClr val="C00000"/>
+                </a:solidFill>
+                <a:latin typeface="나눔바른고딕" panose="020B0603020101020101" pitchFamily="50" charset="-127"/>
+                <a:ea typeface="나눔바른고딕" panose="020B0603020101020101" pitchFamily="50" charset="-127"/>
+              </a:rPr>
+              <a:t>추가 예정</a:t>
+            </a:r>
+            <a:r>
+              <a:rPr lang="en-US" altLang="ko-KR" sz="1050" b="1" dirty="0" smtClean="0">
+                <a:ln>
+                  <a:solidFill>
+                    <a:schemeClr val="tx1">
+                      <a:alpha val="0"/>
+                    </a:schemeClr>
+                  </a:solidFill>
+                </a:ln>
+                <a:solidFill>
+                  <a:srgbClr val="C00000"/>
+                </a:solidFill>
+                <a:latin typeface="나눔바른고딕" panose="020B0603020101020101" pitchFamily="50" charset="-127"/>
+                <a:ea typeface="나눔바른고딕" panose="020B0603020101020101" pitchFamily="50" charset="-127"/>
+              </a:rPr>
+              <a:t>) </a:t>
+            </a:r>
+            <a:r>
+              <a:rPr lang="ko-KR" altLang="en-US" sz="1050" b="1" dirty="0" smtClean="0">
+                <a:ln>
+                  <a:solidFill>
+                    <a:schemeClr val="tx1">
+                      <a:alpha val="0"/>
+                    </a:schemeClr>
+                  </a:solidFill>
+                </a:ln>
+                <a:solidFill>
+                  <a:srgbClr val="C00000"/>
+                </a:solidFill>
+                <a:latin typeface="나눔바른고딕" panose="020B0603020101020101" pitchFamily="50" charset="-127"/>
+                <a:ea typeface="나눔바른고딕" panose="020B0603020101020101" pitchFamily="50" charset="-127"/>
+              </a:rPr>
+              <a:t> </a:t>
+            </a:r>
+            <a:r>
+              <a:rPr lang="ko-KR" altLang="en-US" sz="1050" b="1" dirty="0" err="1" smtClean="0">
+                <a:ln>
+                  <a:solidFill>
+                    <a:schemeClr val="tx1">
+                      <a:alpha val="0"/>
+                    </a:schemeClr>
+                  </a:solidFill>
+                </a:ln>
+                <a:latin typeface="나눔바른고딕" panose="020B0603020101020101" pitchFamily="50" charset="-127"/>
+                <a:ea typeface="나눔바른고딕" panose="020B0603020101020101" pitchFamily="50" charset="-127"/>
+              </a:rPr>
+              <a:t>채널톡</a:t>
+            </a:r>
+            <a:r>
+              <a:rPr lang="ko-KR" altLang="en-US" sz="1050" b="1" dirty="0" smtClean="0">
+                <a:ln>
+                  <a:solidFill>
+                    <a:schemeClr val="tx1">
+                      <a:alpha val="0"/>
+                    </a:schemeClr>
+                  </a:solidFill>
+                </a:ln>
+                <a:latin typeface="나눔바른고딕" panose="020B0603020101020101" pitchFamily="50" charset="-127"/>
+                <a:ea typeface="나눔바른고딕" panose="020B0603020101020101" pitchFamily="50" charset="-127"/>
+              </a:rPr>
+              <a:t> 마케팅 </a:t>
+            </a:r>
+            <a:r>
+              <a:rPr lang="en-US" altLang="ko-KR" sz="1050" b="1" dirty="0" smtClean="0">
+                <a:ln>
+                  <a:solidFill>
+                    <a:schemeClr val="tx1">
+                      <a:alpha val="0"/>
+                    </a:schemeClr>
+                  </a:solidFill>
+                </a:ln>
+                <a:latin typeface="나눔바른고딕" panose="020B0603020101020101" pitchFamily="50" charset="-127"/>
+                <a:ea typeface="나눔바른고딕" panose="020B0603020101020101" pitchFamily="50" charset="-127"/>
+              </a:rPr>
+              <a:t>: </a:t>
+            </a:r>
+            <a:r>
+              <a:rPr lang="ko-KR" altLang="en-US" sz="1050" b="1" dirty="0" err="1" smtClean="0">
+                <a:ln>
+                  <a:solidFill>
+                    <a:schemeClr val="tx1">
+                      <a:alpha val="0"/>
+                    </a:schemeClr>
+                  </a:solidFill>
+                </a:ln>
+                <a:latin typeface="나눔바른고딕" panose="020B0603020101020101" pitchFamily="50" charset="-127"/>
+                <a:ea typeface="나눔바른고딕" panose="020B0603020101020101" pitchFamily="50" charset="-127"/>
+              </a:rPr>
+              <a:t>비수강생</a:t>
+            </a:r>
+            <a:r>
+              <a:rPr lang="ko-KR" altLang="en-US" sz="1050" b="1" dirty="0" smtClean="0">
+                <a:ln>
+                  <a:solidFill>
+                    <a:schemeClr val="tx1">
+                      <a:alpha val="0"/>
+                    </a:schemeClr>
+                  </a:solidFill>
+                </a:ln>
+                <a:latin typeface="나눔바른고딕" panose="020B0603020101020101" pitchFamily="50" charset="-127"/>
+                <a:ea typeface="나눔바른고딕" panose="020B0603020101020101" pitchFamily="50" charset="-127"/>
+              </a:rPr>
+              <a:t> 대상 </a:t>
+            </a:r>
+            <a:r>
+              <a:rPr lang="ko-KR" altLang="en-US" sz="1050" b="1" dirty="0" err="1" smtClean="0">
+                <a:ln>
+                  <a:solidFill>
+                    <a:schemeClr val="tx1">
+                      <a:alpha val="0"/>
+                    </a:schemeClr>
+                  </a:solidFill>
+                </a:ln>
+                <a:latin typeface="나눔바른고딕" panose="020B0603020101020101" pitchFamily="50" charset="-127"/>
+                <a:ea typeface="나눔바른고딕" panose="020B0603020101020101" pitchFamily="50" charset="-127"/>
+              </a:rPr>
+              <a:t>푸시알림</a:t>
+            </a:r>
+            <a:endParaRPr lang="ko-KR" altLang="en-US" sz="1050" b="1" dirty="0">
+              <a:ln>
+                <a:solidFill>
+                  <a:schemeClr val="tx1">
+                    <a:alpha val="0"/>
+                  </a:schemeClr>
+                </a:solidFill>
+              </a:ln>
+              <a:latin typeface="나눔바른고딕" panose="020B0603020101020101" pitchFamily="50" charset="-127"/>
+              <a:ea typeface="나눔바른고딕" panose="020B0603020101020101" pitchFamily="50" charset="-127"/>
+            </a:endParaRPr>
+          </a:p>
+        </p:txBody>
+      </p:sp>
+      <p:cxnSp>
+        <p:nvCxnSpPr>
+          <p:cNvPr id="4" name="직선 연결선 3"/>
+          <p:cNvCxnSpPr/>
+          <p:nvPr/>
+        </p:nvCxnSpPr>
+        <p:spPr>
+          <a:xfrm>
+            <a:off x="136868" y="401870"/>
+            <a:ext cx="8867351" cy="0"/>
+          </a:xfrm>
+          <a:prstGeom prst="line">
+            <a:avLst/>
+          </a:prstGeom>
+          <a:ln>
+            <a:solidFill>
+              <a:schemeClr val="tx1"/>
+            </a:solidFill>
+          </a:ln>
+        </p:spPr>
+        <p:style>
+          <a:lnRef idx="1">
+            <a:schemeClr val="accent1"/>
+          </a:lnRef>
+          <a:fillRef idx="0">
+            <a:schemeClr val="accent1"/>
+          </a:fillRef>
+          <a:effectRef idx="0">
+            <a:schemeClr val="accent1"/>
+          </a:effectRef>
+          <a:fontRef idx="minor">
+            <a:schemeClr val="tx1"/>
+          </a:fontRef>
+        </p:style>
+      </p:cxnSp>
+      <p:sp>
+        <p:nvSpPr>
+          <p:cNvPr id="5" name="직사각형 4"/>
+          <p:cNvSpPr/>
+          <p:nvPr/>
+        </p:nvSpPr>
+        <p:spPr>
+          <a:xfrm>
+            <a:off x="551845" y="5073332"/>
+            <a:ext cx="1871023" cy="261610"/>
+          </a:xfrm>
+          <a:prstGeom prst="rect">
+            <a:avLst/>
+          </a:prstGeom>
+          <a:solidFill>
+            <a:schemeClr val="bg2"/>
+          </a:solidFill>
+          <a:ln>
+            <a:solidFill>
+              <a:srgbClr val="0070C0"/>
+            </a:solidFill>
+          </a:ln>
+        </p:spPr>
+        <p:txBody>
+          <a:bodyPr wrap="square">
+            <a:spAutoFit/>
+          </a:bodyPr>
+          <a:lstStyle/>
+          <a:p>
+            <a:pPr algn="ctr"/>
+            <a:r>
+              <a:rPr lang="ko-KR" altLang="en-US" sz="1100" dirty="0">
+                <a:ln>
+                  <a:solidFill>
+                    <a:schemeClr val="tx1">
+                      <a:alpha val="0"/>
+                    </a:schemeClr>
+                  </a:solidFill>
+                </a:ln>
+                <a:latin typeface="나눔바른고딕" panose="020B0603020101020101" pitchFamily="50" charset="-127"/>
+                <a:ea typeface="나눔바른고딕" panose="020B0603020101020101" pitchFamily="50" charset="-127"/>
+              </a:rPr>
+              <a:t>목표 </a:t>
+            </a:r>
+            <a:r>
+              <a:rPr lang="en-US" altLang="ko-KR" sz="1100" dirty="0">
+                <a:ln>
+                  <a:solidFill>
+                    <a:schemeClr val="tx1">
+                      <a:alpha val="0"/>
+                    </a:schemeClr>
+                  </a:solidFill>
+                </a:ln>
+                <a:latin typeface="나눔바른고딕" panose="020B0603020101020101" pitchFamily="50" charset="-127"/>
+                <a:ea typeface="나눔바른고딕" panose="020B0603020101020101" pitchFamily="50" charset="-127"/>
+              </a:rPr>
+              <a:t>: </a:t>
+            </a:r>
+            <a:r>
+              <a:rPr lang="ko-KR" altLang="en-US" sz="1100" dirty="0" err="1">
+                <a:ln>
+                  <a:solidFill>
+                    <a:schemeClr val="tx1">
+                      <a:alpha val="0"/>
+                    </a:schemeClr>
+                  </a:solidFill>
+                </a:ln>
+                <a:latin typeface="나눔바른고딕" panose="020B0603020101020101" pitchFamily="50" charset="-127"/>
+                <a:ea typeface="나눔바른고딕" panose="020B0603020101020101" pitchFamily="50" charset="-127"/>
+              </a:rPr>
+              <a:t>체험신청</a:t>
+            </a:r>
+            <a:r>
+              <a:rPr lang="en-US" altLang="ko-KR" sz="1100" dirty="0">
+                <a:ln>
+                  <a:solidFill>
+                    <a:schemeClr val="tx1">
+                      <a:alpha val="0"/>
+                    </a:schemeClr>
+                  </a:solidFill>
+                </a:ln>
+                <a:latin typeface="나눔바른고딕" panose="020B0603020101020101" pitchFamily="50" charset="-127"/>
+                <a:ea typeface="나눔바른고딕" panose="020B0603020101020101" pitchFamily="50" charset="-127"/>
+              </a:rPr>
+              <a:t>(</a:t>
+            </a:r>
+            <a:r>
+              <a:rPr lang="ko-KR" altLang="en-US" sz="1100" dirty="0">
+                <a:ln>
+                  <a:solidFill>
+                    <a:schemeClr val="tx1">
+                      <a:alpha val="0"/>
+                    </a:schemeClr>
+                  </a:solidFill>
+                </a:ln>
+                <a:latin typeface="나눔바른고딕" panose="020B0603020101020101" pitchFamily="50" charset="-127"/>
+                <a:ea typeface="나눔바른고딕" panose="020B0603020101020101" pitchFamily="50" charset="-127"/>
+              </a:rPr>
+              <a:t>완료</a:t>
+            </a:r>
+            <a:r>
+              <a:rPr lang="en-US" altLang="ko-KR" sz="1100" dirty="0">
+                <a:ln>
+                  <a:solidFill>
+                    <a:schemeClr val="tx1">
+                      <a:alpha val="0"/>
+                    </a:schemeClr>
+                  </a:solidFill>
+                </a:ln>
+                <a:latin typeface="나눔바른고딕" panose="020B0603020101020101" pitchFamily="50" charset="-127"/>
+                <a:ea typeface="나눔바른고딕" panose="020B0603020101020101" pitchFamily="50" charset="-127"/>
+              </a:rPr>
+              <a:t>) </a:t>
+            </a:r>
+          </a:p>
+        </p:txBody>
+      </p:sp>
+      <p:sp>
+        <p:nvSpPr>
+          <p:cNvPr id="6" name="직사각형 5"/>
+          <p:cNvSpPr/>
+          <p:nvPr/>
+        </p:nvSpPr>
+        <p:spPr>
+          <a:xfrm>
+            <a:off x="551845" y="4066559"/>
+            <a:ext cx="5809626" cy="430887"/>
+          </a:xfrm>
+          <a:prstGeom prst="rect">
+            <a:avLst/>
+          </a:prstGeom>
+          <a:noFill/>
+          <a:ln>
+            <a:noFill/>
+          </a:ln>
+        </p:spPr>
+        <p:txBody>
+          <a:bodyPr wrap="square">
+            <a:spAutoFit/>
+          </a:bodyPr>
+          <a:lstStyle/>
+          <a:p>
+            <a:r>
+              <a:rPr lang="ko-KR" altLang="en-US" sz="1100" b="1" dirty="0" smtClean="0">
+                <a:ln>
+                  <a:solidFill>
+                    <a:schemeClr val="tx1">
+                      <a:alpha val="0"/>
+                    </a:schemeClr>
+                  </a:solidFill>
+                </a:ln>
+                <a:latin typeface="나눔바른고딕" panose="020B0603020101020101" pitchFamily="50" charset="-127"/>
+                <a:ea typeface="나눔바른고딕" panose="020B0603020101020101" pitchFamily="50" charset="-127"/>
+              </a:rPr>
+              <a:t>수강생</a:t>
+            </a:r>
+            <a:r>
+              <a:rPr lang="en-US" altLang="ko-KR" sz="1100" b="1" dirty="0" err="1">
+                <a:ln>
+                  <a:solidFill>
+                    <a:schemeClr val="tx1">
+                      <a:alpha val="0"/>
+                    </a:schemeClr>
+                  </a:solidFill>
+                </a:ln>
+                <a:latin typeface="나눔바른고딕" panose="020B0603020101020101" pitchFamily="50" charset="-127"/>
+                <a:ea typeface="나눔바른고딕" panose="020B0603020101020101" pitchFamily="50" charset="-127"/>
+              </a:rPr>
+              <a:t>url</a:t>
+            </a:r>
+            <a:r>
+              <a:rPr lang="ko-KR" altLang="en-US" sz="1100" b="1" dirty="0">
+                <a:ln>
+                  <a:solidFill>
+                    <a:schemeClr val="tx1">
+                      <a:alpha val="0"/>
+                    </a:schemeClr>
+                  </a:solidFill>
+                </a:ln>
+                <a:latin typeface="나눔바른고딕" panose="020B0603020101020101" pitchFamily="50" charset="-127"/>
+                <a:ea typeface="나눔바른고딕" panose="020B0603020101020101" pitchFamily="50" charset="-127"/>
+              </a:rPr>
+              <a:t>인 </a:t>
+            </a:r>
+            <a:r>
+              <a:rPr lang="en-US" altLang="ko-KR" sz="1100" b="1" dirty="0">
+                <a:ln>
+                  <a:solidFill>
+                    <a:schemeClr val="tx1">
+                      <a:alpha val="0"/>
+                    </a:schemeClr>
+                  </a:solidFill>
+                </a:ln>
+                <a:latin typeface="나눔바른고딕" panose="020B0603020101020101" pitchFamily="50" charset="-127"/>
+                <a:ea typeface="나눔바른고딕" panose="020B0603020101020101" pitchFamily="50" charset="-127"/>
+              </a:rPr>
+              <a:t>/</a:t>
+            </a:r>
+            <a:r>
+              <a:rPr lang="en-US" altLang="ko-KR" sz="1100" b="1" dirty="0" err="1">
+                <a:ln>
+                  <a:solidFill>
+                    <a:schemeClr val="tx1">
+                      <a:alpha val="0"/>
+                    </a:schemeClr>
+                  </a:solidFill>
+                </a:ln>
+                <a:latin typeface="나눔바른고딕" panose="020B0603020101020101" pitchFamily="50" charset="-127"/>
+                <a:ea typeface="나눔바른고딕" panose="020B0603020101020101" pitchFamily="50" charset="-127"/>
+              </a:rPr>
+              <a:t>main_studying</a:t>
+            </a:r>
+            <a:r>
+              <a:rPr lang="en-US" altLang="ko-KR" sz="1100" b="1" dirty="0">
+                <a:ln>
+                  <a:solidFill>
+                    <a:schemeClr val="tx1">
+                      <a:alpha val="0"/>
+                    </a:schemeClr>
+                  </a:solidFill>
+                </a:ln>
+                <a:latin typeface="나눔바른고딕" panose="020B0603020101020101" pitchFamily="50" charset="-127"/>
+                <a:ea typeface="나눔바른고딕" panose="020B0603020101020101" pitchFamily="50" charset="-127"/>
+              </a:rPr>
+              <a:t>  </a:t>
+            </a:r>
+            <a:r>
+              <a:rPr lang="ko-KR" altLang="en-US" sz="1100" b="1" dirty="0">
+                <a:ln>
+                  <a:solidFill>
+                    <a:schemeClr val="tx1">
+                      <a:alpha val="0"/>
+                    </a:schemeClr>
+                  </a:solidFill>
+                </a:ln>
+                <a:latin typeface="나눔바른고딕" panose="020B0603020101020101" pitchFamily="50" charset="-127"/>
+                <a:ea typeface="나눔바른고딕" panose="020B0603020101020101" pitchFamily="50" charset="-127"/>
+              </a:rPr>
+              <a:t>페이지를 방문하지 않은 대상</a:t>
+            </a:r>
+            <a:r>
+              <a:rPr lang="en-US" altLang="ko-KR" sz="1100" b="1" dirty="0">
+                <a:ln>
+                  <a:solidFill>
+                    <a:schemeClr val="tx1">
+                      <a:alpha val="0"/>
+                    </a:schemeClr>
+                  </a:solidFill>
+                </a:ln>
+                <a:latin typeface="나눔바른고딕" panose="020B0603020101020101" pitchFamily="50" charset="-127"/>
+                <a:ea typeface="나눔바른고딕" panose="020B0603020101020101" pitchFamily="50" charset="-127"/>
+              </a:rPr>
+              <a:t>(</a:t>
+            </a:r>
+            <a:r>
+              <a:rPr lang="ko-KR" altLang="en-US" sz="1100" b="1" dirty="0" err="1">
+                <a:ln>
+                  <a:solidFill>
+                    <a:schemeClr val="tx1">
+                      <a:alpha val="0"/>
+                    </a:schemeClr>
+                  </a:solidFill>
+                </a:ln>
+                <a:latin typeface="나눔바른고딕" panose="020B0603020101020101" pitchFamily="50" charset="-127"/>
+                <a:ea typeface="나눔바른고딕" panose="020B0603020101020101" pitchFamily="50" charset="-127"/>
+              </a:rPr>
+              <a:t>비수강생</a:t>
+            </a:r>
+            <a:r>
+              <a:rPr lang="en-US" altLang="ko-KR" sz="1100" b="1" dirty="0" smtClean="0">
+                <a:ln>
+                  <a:solidFill>
+                    <a:schemeClr val="tx1">
+                      <a:alpha val="0"/>
+                    </a:schemeClr>
+                  </a:solidFill>
+                </a:ln>
+                <a:latin typeface="나눔바른고딕" panose="020B0603020101020101" pitchFamily="50" charset="-127"/>
+                <a:ea typeface="나눔바른고딕" panose="020B0603020101020101" pitchFamily="50" charset="-127"/>
+              </a:rPr>
+              <a:t>),</a:t>
+            </a:r>
+          </a:p>
+          <a:p>
+            <a:r>
+              <a:rPr lang="en-US" altLang="ko-KR" sz="1100" b="1" dirty="0" smtClean="0">
+                <a:ln>
+                  <a:solidFill>
+                    <a:schemeClr val="tx1">
+                      <a:alpha val="0"/>
+                    </a:schemeClr>
+                  </a:solidFill>
+                </a:ln>
+                <a:latin typeface="나눔바른고딕" panose="020B0603020101020101" pitchFamily="50" charset="-127"/>
+                <a:ea typeface="나눔바른고딕" panose="020B0603020101020101" pitchFamily="50" charset="-127"/>
+              </a:rPr>
+              <a:t>2</a:t>
+            </a:r>
+            <a:r>
+              <a:rPr lang="ko-KR" altLang="en-US" sz="1100" b="1" dirty="0">
+                <a:ln>
+                  <a:solidFill>
+                    <a:schemeClr val="tx1">
+                      <a:alpha val="0"/>
+                    </a:schemeClr>
+                  </a:solidFill>
+                </a:ln>
+                <a:latin typeface="나눔바른고딕" panose="020B0603020101020101" pitchFamily="50" charset="-127"/>
+                <a:ea typeface="나눔바른고딕" panose="020B0603020101020101" pitchFamily="50" charset="-127"/>
+              </a:rPr>
+              <a:t>분 동안 대기 후 발송</a:t>
+            </a:r>
+            <a:endParaRPr lang="en-US" altLang="ko-KR" sz="1100" b="1" dirty="0">
+              <a:ln>
+                <a:solidFill>
+                  <a:schemeClr val="tx1">
+                    <a:alpha val="0"/>
+                  </a:schemeClr>
+                </a:solidFill>
+              </a:ln>
+              <a:latin typeface="나눔바른고딕" panose="020B0603020101020101" pitchFamily="50" charset="-127"/>
+              <a:ea typeface="나눔바른고딕" panose="020B0603020101020101" pitchFamily="50" charset="-127"/>
+            </a:endParaRPr>
+          </a:p>
+        </p:txBody>
+      </p:sp>
+      <p:sp>
+        <p:nvSpPr>
+          <p:cNvPr id="7" name="직사각형 6"/>
+          <p:cNvSpPr/>
+          <p:nvPr/>
+        </p:nvSpPr>
+        <p:spPr>
+          <a:xfrm>
+            <a:off x="209921" y="563138"/>
+            <a:ext cx="5809626" cy="430887"/>
+          </a:xfrm>
+          <a:prstGeom prst="rect">
+            <a:avLst/>
+          </a:prstGeom>
+          <a:noFill/>
+          <a:ln>
+            <a:noFill/>
+          </a:ln>
+        </p:spPr>
+        <p:txBody>
+          <a:bodyPr wrap="square">
+            <a:spAutoFit/>
+          </a:bodyPr>
+          <a:lstStyle/>
+          <a:p>
+            <a:r>
+              <a:rPr lang="ko-KR" altLang="en-US" sz="1100" b="1" dirty="0" smtClean="0">
+                <a:ln>
+                  <a:solidFill>
+                    <a:schemeClr val="tx1">
+                      <a:alpha val="0"/>
+                    </a:schemeClr>
+                  </a:solidFill>
+                </a:ln>
+                <a:latin typeface="나눔바른고딕" panose="020B0603020101020101" pitchFamily="50" charset="-127"/>
+                <a:ea typeface="나눔바른고딕" panose="020B0603020101020101" pitchFamily="50" charset="-127"/>
+              </a:rPr>
+              <a:t>수강생과 </a:t>
+            </a:r>
+            <a:r>
+              <a:rPr lang="ko-KR" altLang="en-US" sz="1100" b="1" dirty="0" err="1" smtClean="0">
+                <a:ln>
+                  <a:solidFill>
+                    <a:schemeClr val="tx1">
+                      <a:alpha val="0"/>
+                    </a:schemeClr>
+                  </a:solidFill>
+                </a:ln>
+                <a:latin typeface="나눔바른고딕" panose="020B0603020101020101" pitchFamily="50" charset="-127"/>
+                <a:ea typeface="나눔바른고딕" panose="020B0603020101020101" pitchFamily="50" charset="-127"/>
+              </a:rPr>
+              <a:t>비수강생을</a:t>
+            </a:r>
+            <a:r>
+              <a:rPr lang="ko-KR" altLang="en-US" sz="1100" b="1" dirty="0" smtClean="0">
+                <a:ln>
+                  <a:solidFill>
+                    <a:schemeClr val="tx1">
+                      <a:alpha val="0"/>
+                    </a:schemeClr>
+                  </a:solidFill>
+                </a:ln>
+                <a:latin typeface="나눔바른고딕" panose="020B0603020101020101" pitchFamily="50" charset="-127"/>
+                <a:ea typeface="나눔바른고딕" panose="020B0603020101020101" pitchFamily="50" charset="-127"/>
+              </a:rPr>
+              <a:t> </a:t>
+            </a:r>
+            <a:r>
+              <a:rPr lang="en-US" altLang="ko-KR" sz="1100" b="1" dirty="0" smtClean="0">
+                <a:ln>
+                  <a:solidFill>
+                    <a:schemeClr val="tx1">
+                      <a:alpha val="0"/>
+                    </a:schemeClr>
+                  </a:solidFill>
+                </a:ln>
+                <a:latin typeface="나눔바른고딕" panose="020B0603020101020101" pitchFamily="50" charset="-127"/>
+                <a:ea typeface="나눔바른고딕" panose="020B0603020101020101" pitchFamily="50" charset="-127"/>
+              </a:rPr>
+              <a:t>/main </a:t>
+            </a:r>
+            <a:r>
+              <a:rPr lang="ko-KR" altLang="en-US" sz="1100" b="1" dirty="0" smtClean="0">
+                <a:ln>
+                  <a:solidFill>
+                    <a:schemeClr val="tx1">
+                      <a:alpha val="0"/>
+                    </a:schemeClr>
+                  </a:solidFill>
+                </a:ln>
+                <a:latin typeface="나눔바른고딕" panose="020B0603020101020101" pitchFamily="50" charset="-127"/>
+                <a:ea typeface="나눔바른고딕" panose="020B0603020101020101" pitchFamily="50" charset="-127"/>
+              </a:rPr>
+              <a:t>과 </a:t>
+            </a:r>
+            <a:r>
+              <a:rPr lang="en-US" altLang="ko-KR" sz="1100" b="1" dirty="0" smtClean="0">
+                <a:ln>
+                  <a:solidFill>
+                    <a:schemeClr val="tx1">
+                      <a:alpha val="0"/>
+                    </a:schemeClr>
+                  </a:solidFill>
+                </a:ln>
+                <a:latin typeface="나눔바른고딕" panose="020B0603020101020101" pitchFamily="50" charset="-127"/>
+                <a:ea typeface="나눔바른고딕" panose="020B0603020101020101" pitchFamily="50" charset="-127"/>
+              </a:rPr>
+              <a:t>/</a:t>
+            </a:r>
+            <a:r>
+              <a:rPr lang="en-US" altLang="ko-KR" sz="1100" b="1" dirty="0" err="1" smtClean="0">
+                <a:ln>
+                  <a:solidFill>
+                    <a:schemeClr val="tx1">
+                      <a:alpha val="0"/>
+                    </a:schemeClr>
+                  </a:solidFill>
+                </a:ln>
+                <a:latin typeface="나눔바른고딕" panose="020B0603020101020101" pitchFamily="50" charset="-127"/>
+                <a:ea typeface="나눔바른고딕" panose="020B0603020101020101" pitchFamily="50" charset="-127"/>
+              </a:rPr>
+              <a:t>main_studying</a:t>
+            </a:r>
+            <a:r>
+              <a:rPr lang="ko-KR" altLang="en-US" sz="1100" b="1" dirty="0" smtClean="0">
+                <a:ln>
+                  <a:solidFill>
+                    <a:schemeClr val="tx1">
+                      <a:alpha val="0"/>
+                    </a:schemeClr>
+                  </a:solidFill>
+                </a:ln>
+                <a:latin typeface="나눔바른고딕" panose="020B0603020101020101" pitchFamily="50" charset="-127"/>
+                <a:ea typeface="나눔바른고딕" panose="020B0603020101020101" pitchFamily="50" charset="-127"/>
+              </a:rPr>
+              <a:t>으로 분리</a:t>
+            </a:r>
+            <a:r>
+              <a:rPr lang="ko-KR" altLang="en-US" sz="1100" dirty="0" smtClean="0">
+                <a:ln>
+                  <a:solidFill>
+                    <a:schemeClr val="tx1">
+                      <a:alpha val="0"/>
+                    </a:schemeClr>
+                  </a:solidFill>
+                </a:ln>
+                <a:latin typeface="나눔바른고딕" panose="020B0603020101020101" pitchFamily="50" charset="-127"/>
+                <a:ea typeface="나눔바른고딕" panose="020B0603020101020101" pitchFamily="50" charset="-127"/>
+              </a:rPr>
+              <a:t>할 수 있게 되었습니다</a:t>
+            </a:r>
+            <a:r>
+              <a:rPr lang="en-US" altLang="ko-KR" sz="1100" dirty="0" smtClean="0">
+                <a:ln>
+                  <a:solidFill>
+                    <a:schemeClr val="tx1">
+                      <a:alpha val="0"/>
+                    </a:schemeClr>
+                  </a:solidFill>
+                </a:ln>
+                <a:latin typeface="나눔바른고딕" panose="020B0603020101020101" pitchFamily="50" charset="-127"/>
+                <a:ea typeface="나눔바른고딕" panose="020B0603020101020101" pitchFamily="50" charset="-127"/>
+              </a:rPr>
+              <a:t>.</a:t>
+            </a:r>
+          </a:p>
+          <a:p>
+            <a:r>
+              <a:rPr lang="ko-KR" altLang="en-US" sz="1100" dirty="0" smtClean="0">
+                <a:ln>
+                  <a:solidFill>
+                    <a:schemeClr val="tx1">
+                      <a:alpha val="0"/>
+                    </a:schemeClr>
+                  </a:solidFill>
+                </a:ln>
+                <a:latin typeface="나눔바른고딕" panose="020B0603020101020101" pitchFamily="50" charset="-127"/>
+                <a:ea typeface="나눔바른고딕" panose="020B0603020101020101" pitchFamily="50" charset="-127"/>
+              </a:rPr>
+              <a:t>이에 따라 </a:t>
+            </a:r>
+            <a:r>
+              <a:rPr lang="ko-KR" altLang="en-US" sz="1100" dirty="0" err="1" smtClean="0">
+                <a:ln>
+                  <a:solidFill>
+                    <a:schemeClr val="tx1">
+                      <a:alpha val="0"/>
+                    </a:schemeClr>
+                  </a:solidFill>
+                </a:ln>
+                <a:latin typeface="나눔바른고딕" panose="020B0603020101020101" pitchFamily="50" charset="-127"/>
+                <a:ea typeface="나눔바른고딕" panose="020B0603020101020101" pitchFamily="50" charset="-127"/>
+              </a:rPr>
+              <a:t>비수강생을</a:t>
+            </a:r>
+            <a:r>
+              <a:rPr lang="ko-KR" altLang="en-US" sz="1100" dirty="0" smtClean="0">
+                <a:ln>
+                  <a:solidFill>
+                    <a:schemeClr val="tx1">
+                      <a:alpha val="0"/>
+                    </a:schemeClr>
+                  </a:solidFill>
+                </a:ln>
+                <a:latin typeface="나눔바른고딕" panose="020B0603020101020101" pitchFamily="50" charset="-127"/>
+                <a:ea typeface="나눔바른고딕" panose="020B0603020101020101" pitchFamily="50" charset="-127"/>
+              </a:rPr>
+              <a:t> 대상으로 </a:t>
+            </a:r>
+            <a:r>
+              <a:rPr lang="ko-KR" altLang="en-US" sz="1100" dirty="0" err="1" smtClean="0">
+                <a:ln>
+                  <a:solidFill>
+                    <a:schemeClr val="tx1">
+                      <a:alpha val="0"/>
+                    </a:schemeClr>
+                  </a:solidFill>
+                </a:ln>
+                <a:latin typeface="나눔바른고딕" panose="020B0603020101020101" pitchFamily="50" charset="-127"/>
+                <a:ea typeface="나눔바른고딕" panose="020B0603020101020101" pitchFamily="50" charset="-127"/>
+              </a:rPr>
+              <a:t>무료체험에</a:t>
+            </a:r>
+            <a:r>
+              <a:rPr lang="ko-KR" altLang="en-US" sz="1100" dirty="0" smtClean="0">
+                <a:ln>
+                  <a:solidFill>
+                    <a:schemeClr val="tx1">
+                      <a:alpha val="0"/>
+                    </a:schemeClr>
+                  </a:solidFill>
+                </a:ln>
+                <a:latin typeface="나눔바른고딕" panose="020B0603020101020101" pitchFamily="50" charset="-127"/>
+                <a:ea typeface="나눔바른고딕" panose="020B0603020101020101" pitchFamily="50" charset="-127"/>
+              </a:rPr>
+              <a:t> 대한 노티를 보내는 것이 가능해졌습니다</a:t>
+            </a:r>
+            <a:r>
+              <a:rPr lang="en-US" altLang="ko-KR" sz="1100" dirty="0" smtClean="0">
+                <a:ln>
+                  <a:solidFill>
+                    <a:schemeClr val="tx1">
+                      <a:alpha val="0"/>
+                    </a:schemeClr>
+                  </a:solidFill>
+                </a:ln>
+                <a:latin typeface="나눔바른고딕" panose="020B0603020101020101" pitchFamily="50" charset="-127"/>
+                <a:ea typeface="나눔바른고딕" panose="020B0603020101020101" pitchFamily="50" charset="-127"/>
+              </a:rPr>
+              <a:t>. </a:t>
+            </a:r>
+            <a:endParaRPr lang="en-US" altLang="ko-KR" sz="1100" dirty="0">
+              <a:ln>
+                <a:solidFill>
+                  <a:schemeClr val="tx1">
+                    <a:alpha val="0"/>
+                  </a:schemeClr>
+                </a:solidFill>
+              </a:ln>
+              <a:latin typeface="나눔바른고딕" panose="020B0603020101020101" pitchFamily="50" charset="-127"/>
+              <a:ea typeface="나눔바른고딕" panose="020B0603020101020101" pitchFamily="50" charset="-127"/>
+            </a:endParaRPr>
+          </a:p>
+        </p:txBody>
+      </p:sp>
+      <p:sp>
+        <p:nvSpPr>
+          <p:cNvPr id="8" name="직사각형 7"/>
+          <p:cNvSpPr/>
+          <p:nvPr/>
+        </p:nvSpPr>
+        <p:spPr>
+          <a:xfrm>
+            <a:off x="7622849" y="5930167"/>
+            <a:ext cx="1242196" cy="276999"/>
+          </a:xfrm>
+          <a:prstGeom prst="rect">
+            <a:avLst/>
+          </a:prstGeom>
+          <a:solidFill>
+            <a:schemeClr val="accent4">
+              <a:lumMod val="20000"/>
+              <a:lumOff val="80000"/>
+            </a:schemeClr>
+          </a:solidFill>
+          <a:ln w="25400">
+            <a:solidFill>
+              <a:srgbClr val="C00000"/>
+            </a:solidFill>
+          </a:ln>
+        </p:spPr>
+        <p:txBody>
+          <a:bodyPr wrap="square">
+            <a:spAutoFit/>
+          </a:bodyPr>
+          <a:lstStyle/>
+          <a:p>
+            <a:pPr algn="r"/>
+            <a:r>
+              <a:rPr lang="ko-KR" altLang="en-US" sz="1200" dirty="0" smtClean="0">
+                <a:ln>
+                  <a:solidFill>
+                    <a:schemeClr val="tx1">
+                      <a:alpha val="0"/>
+                    </a:schemeClr>
+                  </a:solidFill>
+                </a:ln>
+                <a:latin typeface="나눔바른고딕" panose="020B0603020101020101" pitchFamily="50" charset="-127"/>
+                <a:ea typeface="나눔바른고딕" panose="020B0603020101020101" pitchFamily="50" charset="-127"/>
+              </a:rPr>
+              <a:t>내주 진행 예정</a:t>
+            </a:r>
+            <a:endParaRPr lang="en-US" altLang="ko-KR" sz="1200" dirty="0">
+              <a:ln>
+                <a:solidFill>
+                  <a:schemeClr val="tx1">
+                    <a:alpha val="0"/>
+                  </a:schemeClr>
+                </a:solidFill>
+              </a:ln>
+              <a:latin typeface="나눔바른고딕" panose="020B0603020101020101" pitchFamily="50" charset="-127"/>
+              <a:ea typeface="나눔바른고딕" panose="020B0603020101020101" pitchFamily="50" charset="-127"/>
+            </a:endParaRPr>
+          </a:p>
+        </p:txBody>
+      </p:sp>
+    </p:spTree>
+    <p:extLst>
+      <p:ext uri="{BB962C8B-B14F-4D97-AF65-F5344CB8AC3E}">
+        <p14:creationId xmlns:p14="http://schemas.microsoft.com/office/powerpoint/2010/main" val="3760749587"/>
+      </p:ext>
+    </p:extLst>
+  </p:cSld>
+  <p:clrMapOvr>
+    <a:masterClrMapping/>
+  </p:clrMapOvr>
+  <p:timing>
+    <p:tnLst>
+      <p:par>
+        <p:cTn id="1" dur="indefinite" restart="never" nodeType="tmRoot"/>
+      </p:par>
+    </p:tnLst>
+  </p:timing>
+</p:sld>
+</file>
+
+<file path=ppt/slides/slide13.xml><?xml version="1.0" encoding="utf-8"?>
+<p:sld xmlns:a="http://schemas.openxmlformats.org/drawingml/2006/main" xmlns:r="http://schemas.openxmlformats.org/officeDocument/2006/relationships" xmlns:p="http://schemas.openxmlformats.org/presentationml/2006/main">
+  <p:cSld>
+    <p:spTree>
+      <p:nvGrpSpPr>
+        <p:cNvPr id="1" name=""/>
+        <p:cNvGrpSpPr/>
+        <p:nvPr/>
+      </p:nvGrpSpPr>
+      <p:grpSpPr>
+        <a:xfrm>
+          <a:off x="0" y="0"/>
+          <a:ext cx="0" cy="0"/>
+          <a:chOff x="0" y="0"/>
+          <a:chExt cx="0" cy="0"/>
+        </a:xfrm>
+      </p:grpSpPr>
+      <p:sp>
+        <p:nvSpPr>
+          <p:cNvPr id="2" name="직사각형 1"/>
+          <p:cNvSpPr/>
+          <p:nvPr/>
+        </p:nvSpPr>
+        <p:spPr>
+          <a:xfrm>
+            <a:off x="136868" y="98606"/>
+            <a:ext cx="4572000" cy="253916"/>
+          </a:xfrm>
+          <a:prstGeom prst="rect">
+            <a:avLst/>
+          </a:prstGeom>
+        </p:spPr>
+        <p:txBody>
+          <a:bodyPr>
+            <a:spAutoFit/>
+          </a:bodyPr>
+          <a:lstStyle/>
+          <a:p>
+            <a:r>
+              <a:rPr lang="en-US" altLang="ko-KR" sz="1050" b="1" dirty="0" smtClean="0">
+                <a:ln>
+                  <a:solidFill>
+                    <a:schemeClr val="tx1">
+                      <a:alpha val="0"/>
+                    </a:schemeClr>
+                  </a:solidFill>
+                </a:ln>
+                <a:latin typeface="나눔바른고딕" panose="020B0603020101020101" pitchFamily="50" charset="-127"/>
+                <a:ea typeface="나눔바른고딕" panose="020B0603020101020101" pitchFamily="50" charset="-127"/>
+              </a:rPr>
+              <a:t>1</a:t>
+            </a:r>
+            <a:r>
+              <a:rPr lang="ko-KR" altLang="en-US" sz="1050" b="1" dirty="0" smtClean="0">
+                <a:ln>
+                  <a:solidFill>
+                    <a:schemeClr val="tx1">
+                      <a:alpha val="0"/>
+                    </a:schemeClr>
+                  </a:solidFill>
+                </a:ln>
+                <a:latin typeface="나눔바른고딕" panose="020B0603020101020101" pitchFamily="50" charset="-127"/>
+                <a:ea typeface="나눔바른고딕" panose="020B0603020101020101" pitchFamily="50" charset="-127"/>
+              </a:rPr>
+              <a:t>월 </a:t>
+            </a:r>
+            <a:r>
+              <a:rPr lang="en-US" altLang="ko-KR" sz="1050" b="1" dirty="0" smtClean="0">
+                <a:ln>
+                  <a:solidFill>
+                    <a:schemeClr val="tx1">
+                      <a:alpha val="0"/>
+                    </a:schemeClr>
+                  </a:solidFill>
+                </a:ln>
+                <a:latin typeface="나눔바른고딕" panose="020B0603020101020101" pitchFamily="50" charset="-127"/>
+                <a:ea typeface="나눔바른고딕" panose="020B0603020101020101" pitchFamily="50" charset="-127"/>
+              </a:rPr>
+              <a:t>1</a:t>
+            </a:r>
+            <a:r>
+              <a:rPr lang="ko-KR" altLang="en-US" sz="1050" b="1" dirty="0" smtClean="0">
+                <a:ln>
+                  <a:solidFill>
+                    <a:schemeClr val="tx1">
+                      <a:alpha val="0"/>
+                    </a:schemeClr>
+                  </a:solidFill>
+                </a:ln>
+                <a:latin typeface="나눔바른고딕" panose="020B0603020101020101" pitchFamily="50" charset="-127"/>
+                <a:ea typeface="나눔바른고딕" panose="020B0603020101020101" pitchFamily="50" charset="-127"/>
+              </a:rPr>
+              <a:t>일 추가 체험 이벤트 진행</a:t>
+            </a:r>
+            <a:endParaRPr lang="ko-KR" altLang="en-US" sz="1050" b="1" dirty="0">
+              <a:ln>
+                <a:solidFill>
+                  <a:schemeClr val="tx1">
+                    <a:alpha val="0"/>
+                  </a:schemeClr>
+                </a:solidFill>
+              </a:ln>
+              <a:latin typeface="나눔바른고딕" panose="020B0603020101020101" pitchFamily="50" charset="-127"/>
+              <a:ea typeface="나눔바른고딕" panose="020B0603020101020101" pitchFamily="50" charset="-127"/>
+            </a:endParaRPr>
+          </a:p>
+        </p:txBody>
+      </p:sp>
+      <p:cxnSp>
+        <p:nvCxnSpPr>
+          <p:cNvPr id="3" name="직선 연결선 2"/>
+          <p:cNvCxnSpPr/>
+          <p:nvPr/>
+        </p:nvCxnSpPr>
+        <p:spPr>
+          <a:xfrm>
+            <a:off x="136868" y="401870"/>
+            <a:ext cx="8867351" cy="0"/>
+          </a:xfrm>
+          <a:prstGeom prst="line">
+            <a:avLst/>
+          </a:prstGeom>
+          <a:ln>
+            <a:solidFill>
+              <a:schemeClr val="tx1"/>
+            </a:solidFill>
+          </a:ln>
+        </p:spPr>
+        <p:style>
+          <a:lnRef idx="1">
+            <a:schemeClr val="accent1"/>
+          </a:lnRef>
+          <a:fillRef idx="0">
+            <a:schemeClr val="accent1"/>
+          </a:fillRef>
+          <a:effectRef idx="0">
+            <a:schemeClr val="accent1"/>
+          </a:effectRef>
+          <a:fontRef idx="minor">
+            <a:schemeClr val="tx1"/>
+          </a:fontRef>
+        </p:style>
+      </p:cxnSp>
+      <p:sp>
+        <p:nvSpPr>
+          <p:cNvPr id="7" name="직사각형 6"/>
+          <p:cNvSpPr/>
+          <p:nvPr/>
+        </p:nvSpPr>
+        <p:spPr>
+          <a:xfrm>
+            <a:off x="6648627" y="5859656"/>
+            <a:ext cx="2355591" cy="276999"/>
+          </a:xfrm>
+          <a:prstGeom prst="rect">
+            <a:avLst/>
+          </a:prstGeom>
+          <a:solidFill>
+            <a:schemeClr val="accent4">
+              <a:lumMod val="20000"/>
+              <a:lumOff val="80000"/>
+            </a:schemeClr>
+          </a:solidFill>
+          <a:ln w="25400">
+            <a:solidFill>
+              <a:srgbClr val="C00000"/>
+            </a:solidFill>
+          </a:ln>
+        </p:spPr>
+        <p:txBody>
+          <a:bodyPr wrap="square">
+            <a:spAutoFit/>
+          </a:bodyPr>
+          <a:lstStyle/>
+          <a:p>
+            <a:pPr algn="r"/>
+            <a:r>
+              <a:rPr lang="en-US" altLang="ko-KR" sz="1200" dirty="0" smtClean="0">
+                <a:ln>
+                  <a:solidFill>
+                    <a:schemeClr val="tx1">
+                      <a:alpha val="0"/>
+                    </a:schemeClr>
+                  </a:solidFill>
+                </a:ln>
+                <a:latin typeface="나눔바른고딕" panose="020B0603020101020101" pitchFamily="50" charset="-127"/>
+                <a:ea typeface="나눔바른고딕" panose="020B0603020101020101" pitchFamily="50" charset="-127"/>
+              </a:rPr>
+              <a:t>1</a:t>
+            </a:r>
+            <a:r>
+              <a:rPr lang="ko-KR" altLang="en-US" sz="1200" dirty="0" smtClean="0">
+                <a:ln>
+                  <a:solidFill>
+                    <a:schemeClr val="tx1">
+                      <a:alpha val="0"/>
+                    </a:schemeClr>
+                  </a:solidFill>
+                </a:ln>
+                <a:latin typeface="나눔바른고딕" panose="020B0603020101020101" pitchFamily="50" charset="-127"/>
+                <a:ea typeface="나눔바른고딕" panose="020B0603020101020101" pitchFamily="50" charset="-127"/>
+              </a:rPr>
+              <a:t>월 </a:t>
+            </a:r>
+            <a:r>
+              <a:rPr lang="en-US" altLang="ko-KR" sz="1200" dirty="0" smtClean="0">
+                <a:ln>
+                  <a:solidFill>
+                    <a:schemeClr val="tx1">
+                      <a:alpha val="0"/>
+                    </a:schemeClr>
+                  </a:solidFill>
+                </a:ln>
+                <a:latin typeface="나눔바른고딕" panose="020B0603020101020101" pitchFamily="50" charset="-127"/>
+                <a:ea typeface="나눔바른고딕" panose="020B0603020101020101" pitchFamily="50" charset="-127"/>
+              </a:rPr>
+              <a:t>1</a:t>
+            </a:r>
+            <a:r>
+              <a:rPr lang="ko-KR" altLang="en-US" sz="1200" dirty="0" smtClean="0">
+                <a:ln>
+                  <a:solidFill>
+                    <a:schemeClr val="tx1">
+                      <a:alpha val="0"/>
+                    </a:schemeClr>
+                  </a:solidFill>
+                </a:ln>
+                <a:latin typeface="나눔바른고딕" panose="020B0603020101020101" pitchFamily="50" charset="-127"/>
+                <a:ea typeface="나눔바른고딕" panose="020B0603020101020101" pitchFamily="50" charset="-127"/>
+              </a:rPr>
+              <a:t>일부로 이벤트 진행 중 </a:t>
+            </a:r>
+            <a:endParaRPr lang="en-US" altLang="ko-KR" sz="1200" dirty="0">
+              <a:ln>
+                <a:solidFill>
+                  <a:schemeClr val="tx1">
+                    <a:alpha val="0"/>
+                  </a:schemeClr>
+                </a:solidFill>
+              </a:ln>
+              <a:latin typeface="나눔바른고딕" panose="020B0603020101020101" pitchFamily="50" charset="-127"/>
+              <a:ea typeface="나눔바른고딕" panose="020B0603020101020101" pitchFamily="50" charset="-127"/>
+            </a:endParaRPr>
+          </a:p>
+        </p:txBody>
+      </p:sp>
+      <p:pic>
+        <p:nvPicPr>
+          <p:cNvPr id="8" name="그림 7"/>
+          <p:cNvPicPr>
+            <a:picLocks noChangeAspect="1"/>
+          </p:cNvPicPr>
+          <p:nvPr/>
+        </p:nvPicPr>
+        <p:blipFill>
+          <a:blip r:embed="rId2"/>
+          <a:stretch>
+            <a:fillRect/>
+          </a:stretch>
+        </p:blipFill>
+        <p:spPr>
+          <a:xfrm>
+            <a:off x="355321" y="726391"/>
+            <a:ext cx="6174156" cy="1927879"/>
+          </a:xfrm>
+          <a:prstGeom prst="rect">
+            <a:avLst/>
+          </a:prstGeom>
+        </p:spPr>
+      </p:pic>
+    </p:spTree>
+    <p:extLst>
+      <p:ext uri="{BB962C8B-B14F-4D97-AF65-F5344CB8AC3E}">
+        <p14:creationId xmlns:p14="http://schemas.microsoft.com/office/powerpoint/2010/main" val="1659231763"/>
+      </p:ext>
+    </p:extLst>
+  </p:cSld>
+  <p:clrMapOvr>
+    <a:masterClrMapping/>
+  </p:clrMapOvr>
+</p:sld>
+</file>
+
+<file path=ppt/slides/slide14.xml><?xml version="1.0" encoding="utf-8"?>
+<p:sld xmlns:a="http://schemas.openxmlformats.org/drawingml/2006/main" xmlns:r="http://schemas.openxmlformats.org/officeDocument/2006/relationships" xmlns:p="http://schemas.openxmlformats.org/presentationml/2006/main">
+  <p:cSld>
+    <p:spTree>
+      <p:nvGrpSpPr>
+        <p:cNvPr id="1" name=""/>
+        <p:cNvGrpSpPr/>
+        <p:nvPr/>
+      </p:nvGrpSpPr>
+      <p:grpSpPr>
+        <a:xfrm>
+          <a:off x="0" y="0"/>
+          <a:ext cx="0" cy="0"/>
+          <a:chOff x="0" y="0"/>
+          <a:chExt cx="0" cy="0"/>
+        </a:xfrm>
+      </p:grpSpPr>
+      <p:sp>
+        <p:nvSpPr>
+          <p:cNvPr id="4" name="직사각형 3"/>
+          <p:cNvSpPr/>
+          <p:nvPr/>
+        </p:nvSpPr>
+        <p:spPr>
+          <a:xfrm>
+            <a:off x="136868" y="98606"/>
+            <a:ext cx="4572000" cy="253916"/>
+          </a:xfrm>
+          <a:prstGeom prst="rect">
+            <a:avLst/>
+          </a:prstGeom>
+        </p:spPr>
+        <p:txBody>
+          <a:bodyPr>
+            <a:spAutoFit/>
+          </a:bodyPr>
+          <a:lstStyle/>
+          <a:p>
+            <a:r>
+              <a:rPr lang="ko-KR" altLang="en-US" sz="1050" b="1" dirty="0" smtClean="0">
+                <a:ln>
+                  <a:solidFill>
+                    <a:schemeClr val="tx1">
+                      <a:alpha val="0"/>
+                    </a:schemeClr>
+                  </a:solidFill>
+                </a:ln>
+                <a:latin typeface="나눔바른고딕" panose="020B0603020101020101" pitchFamily="50" charset="-127"/>
+                <a:ea typeface="나눔바른고딕" panose="020B0603020101020101" pitchFamily="50" charset="-127"/>
+              </a:rPr>
+              <a:t>기타</a:t>
+            </a:r>
+            <a:r>
+              <a:rPr lang="en-US" altLang="ko-KR" sz="1050" b="1" dirty="0" smtClean="0">
+                <a:ln>
+                  <a:solidFill>
+                    <a:schemeClr val="tx1">
+                      <a:alpha val="0"/>
+                    </a:schemeClr>
+                  </a:solidFill>
+                </a:ln>
+                <a:latin typeface="나눔바른고딕" panose="020B0603020101020101" pitchFamily="50" charset="-127"/>
+                <a:ea typeface="나눔바른고딕" panose="020B0603020101020101" pitchFamily="50" charset="-127"/>
+              </a:rPr>
+              <a:t>) </a:t>
+            </a:r>
+            <a:r>
+              <a:rPr lang="en-US" altLang="ko-KR" sz="1050" b="1" dirty="0" err="1" smtClean="0">
+                <a:ln>
+                  <a:solidFill>
+                    <a:schemeClr val="tx1">
+                      <a:alpha val="0"/>
+                    </a:schemeClr>
+                  </a:solidFill>
+                </a:ln>
+                <a:latin typeface="나눔바른고딕" panose="020B0603020101020101" pitchFamily="50" charset="-127"/>
+                <a:ea typeface="나눔바른고딕" panose="020B0603020101020101" pitchFamily="50" charset="-127"/>
+              </a:rPr>
+              <a:t>Hotjar</a:t>
+            </a:r>
+            <a:r>
+              <a:rPr lang="en-US" altLang="ko-KR" sz="1050" b="1" dirty="0" smtClean="0">
+                <a:ln>
+                  <a:solidFill>
+                    <a:schemeClr val="tx1">
+                      <a:alpha val="0"/>
+                    </a:schemeClr>
+                  </a:solidFill>
+                </a:ln>
+                <a:latin typeface="나눔바른고딕" panose="020B0603020101020101" pitchFamily="50" charset="-127"/>
+                <a:ea typeface="나눔바른고딕" panose="020B0603020101020101" pitchFamily="50" charset="-127"/>
+              </a:rPr>
+              <a:t> – </a:t>
+            </a:r>
+            <a:r>
+              <a:rPr lang="ko-KR" altLang="en-US" sz="1050" b="1" dirty="0" smtClean="0">
+                <a:ln>
+                  <a:solidFill>
+                    <a:schemeClr val="tx1">
+                      <a:alpha val="0"/>
+                    </a:schemeClr>
+                  </a:solidFill>
+                </a:ln>
+                <a:latin typeface="나눔바른고딕" panose="020B0603020101020101" pitchFamily="50" charset="-127"/>
+                <a:ea typeface="나눔바른고딕" panose="020B0603020101020101" pitchFamily="50" charset="-127"/>
+              </a:rPr>
+              <a:t>파워링크 </a:t>
+            </a:r>
+            <a:r>
+              <a:rPr lang="ko-KR" altLang="en-US" sz="1050" b="1" dirty="0" err="1" smtClean="0">
+                <a:ln>
+                  <a:solidFill>
+                    <a:schemeClr val="tx1">
+                      <a:alpha val="0"/>
+                    </a:schemeClr>
+                  </a:solidFill>
+                </a:ln>
+                <a:latin typeface="나눔바른고딕" panose="020B0603020101020101" pitchFamily="50" charset="-127"/>
+                <a:ea typeface="나눔바른고딕" panose="020B0603020101020101" pitchFamily="50" charset="-127"/>
+              </a:rPr>
+              <a:t>리퍼러</a:t>
+            </a:r>
+            <a:r>
+              <a:rPr lang="ko-KR" altLang="en-US" sz="1050" b="1" dirty="0" smtClean="0">
+                <a:ln>
+                  <a:solidFill>
+                    <a:schemeClr val="tx1">
+                      <a:alpha val="0"/>
+                    </a:schemeClr>
+                  </a:solidFill>
+                </a:ln>
+                <a:latin typeface="나눔바른고딕" panose="020B0603020101020101" pitchFamily="50" charset="-127"/>
+                <a:ea typeface="나눔바른고딕" panose="020B0603020101020101" pitchFamily="50" charset="-127"/>
+              </a:rPr>
+              <a:t> </a:t>
+            </a:r>
+            <a:r>
+              <a:rPr lang="ko-KR" altLang="en-US" sz="1050" b="1" dirty="0" err="1" smtClean="0">
+                <a:ln>
+                  <a:solidFill>
+                    <a:schemeClr val="tx1">
+                      <a:alpha val="0"/>
+                    </a:schemeClr>
+                  </a:solidFill>
+                </a:ln>
+                <a:latin typeface="나눔바른고딕" panose="020B0603020101020101" pitchFamily="50" charset="-127"/>
+                <a:ea typeface="나눔바른고딕" panose="020B0603020101020101" pitchFamily="50" charset="-127"/>
+              </a:rPr>
+              <a:t>인사이트</a:t>
+            </a:r>
+            <a:r>
+              <a:rPr lang="ko-KR" altLang="en-US" sz="1050" b="1" dirty="0" smtClean="0">
+                <a:ln>
+                  <a:solidFill>
+                    <a:schemeClr val="tx1">
+                      <a:alpha val="0"/>
+                    </a:schemeClr>
+                  </a:solidFill>
+                </a:ln>
+                <a:latin typeface="나눔바른고딕" panose="020B0603020101020101" pitchFamily="50" charset="-127"/>
+                <a:ea typeface="나눔바른고딕" panose="020B0603020101020101" pitchFamily="50" charset="-127"/>
+              </a:rPr>
+              <a:t> </a:t>
+            </a:r>
+            <a:endParaRPr lang="ko-KR" altLang="en-US" sz="1050" b="1" dirty="0">
+              <a:ln>
+                <a:solidFill>
+                  <a:schemeClr val="tx1">
+                    <a:alpha val="0"/>
+                  </a:schemeClr>
+                </a:solidFill>
+              </a:ln>
+              <a:latin typeface="나눔바른고딕" panose="020B0603020101020101" pitchFamily="50" charset="-127"/>
+              <a:ea typeface="나눔바른고딕" panose="020B0603020101020101" pitchFamily="50" charset="-127"/>
+            </a:endParaRPr>
+          </a:p>
+        </p:txBody>
+      </p:sp>
+      <p:cxnSp>
+        <p:nvCxnSpPr>
+          <p:cNvPr id="5" name="직선 연결선 4"/>
+          <p:cNvCxnSpPr/>
+          <p:nvPr/>
+        </p:nvCxnSpPr>
+        <p:spPr>
+          <a:xfrm>
+            <a:off x="136868" y="401870"/>
+            <a:ext cx="8867351" cy="0"/>
+          </a:xfrm>
+          <a:prstGeom prst="line">
+            <a:avLst/>
+          </a:prstGeom>
+          <a:ln>
+            <a:solidFill>
+              <a:schemeClr val="tx1"/>
+            </a:solidFill>
+          </a:ln>
+        </p:spPr>
+        <p:style>
+          <a:lnRef idx="1">
+            <a:schemeClr val="accent1"/>
+          </a:lnRef>
+          <a:fillRef idx="0">
+            <a:schemeClr val="accent1"/>
+          </a:fillRef>
+          <a:effectRef idx="0">
+            <a:schemeClr val="accent1"/>
+          </a:effectRef>
+          <a:fontRef idx="minor">
+            <a:schemeClr val="tx1"/>
+          </a:fontRef>
+        </p:style>
+      </p:cxnSp>
+      <p:sp>
+        <p:nvSpPr>
+          <p:cNvPr id="14" name="직사각형 13"/>
+          <p:cNvSpPr/>
+          <p:nvPr/>
+        </p:nvSpPr>
+        <p:spPr>
+          <a:xfrm>
+            <a:off x="4281443" y="5859656"/>
+            <a:ext cx="4722776" cy="830997"/>
+          </a:xfrm>
+          <a:prstGeom prst="rect">
+            <a:avLst/>
+          </a:prstGeom>
+          <a:solidFill>
+            <a:schemeClr val="accent4">
+              <a:lumMod val="20000"/>
+              <a:lumOff val="80000"/>
+            </a:schemeClr>
+          </a:solidFill>
+          <a:ln w="25400">
+            <a:solidFill>
+              <a:srgbClr val="C00000"/>
+            </a:solidFill>
+          </a:ln>
+        </p:spPr>
+        <p:txBody>
+          <a:bodyPr wrap="square">
+            <a:spAutoFit/>
+          </a:bodyPr>
+          <a:lstStyle/>
+          <a:p>
+            <a:pPr algn="r"/>
+            <a:r>
+              <a:rPr lang="ko-KR" altLang="en-US" sz="1200" dirty="0" smtClean="0">
+                <a:ln>
+                  <a:solidFill>
+                    <a:schemeClr val="tx1">
+                      <a:alpha val="0"/>
+                    </a:schemeClr>
+                  </a:solidFill>
+                </a:ln>
+                <a:latin typeface="나눔바른고딕" panose="020B0603020101020101" pitchFamily="50" charset="-127"/>
+                <a:ea typeface="나눔바른고딕" panose="020B0603020101020101" pitchFamily="50" charset="-127"/>
+              </a:rPr>
+              <a:t>파워링크를 </a:t>
+            </a:r>
+            <a:r>
+              <a:rPr lang="ko-KR" altLang="en-US" sz="1200" dirty="0">
+                <a:ln>
+                  <a:solidFill>
+                    <a:schemeClr val="tx1">
+                      <a:alpha val="0"/>
+                    </a:schemeClr>
+                  </a:solidFill>
+                </a:ln>
+                <a:latin typeface="나눔바른고딕" panose="020B0603020101020101" pitchFamily="50" charset="-127"/>
+                <a:ea typeface="나눔바른고딕" panose="020B0603020101020101" pitchFamily="50" charset="-127"/>
+              </a:rPr>
+              <a:t>통해 사이트에 </a:t>
+            </a:r>
+            <a:r>
+              <a:rPr lang="ko-KR" altLang="en-US" sz="1200" dirty="0" smtClean="0">
+                <a:ln>
+                  <a:solidFill>
+                    <a:schemeClr val="tx1">
+                      <a:alpha val="0"/>
+                    </a:schemeClr>
+                  </a:solidFill>
+                </a:ln>
+                <a:latin typeface="나눔바른고딕" panose="020B0603020101020101" pitchFamily="50" charset="-127"/>
+                <a:ea typeface="나눔바른고딕" panose="020B0603020101020101" pitchFamily="50" charset="-127"/>
+              </a:rPr>
+              <a:t>유입되기 </a:t>
+            </a:r>
+            <a:r>
+              <a:rPr lang="ko-KR" altLang="en-US" sz="1200" dirty="0">
+                <a:ln>
+                  <a:solidFill>
+                    <a:schemeClr val="tx1">
+                      <a:alpha val="0"/>
+                    </a:schemeClr>
+                  </a:solidFill>
+                </a:ln>
+                <a:latin typeface="나눔바른고딕" panose="020B0603020101020101" pitchFamily="50" charset="-127"/>
+                <a:ea typeface="나눔바른고딕" panose="020B0603020101020101" pitchFamily="50" charset="-127"/>
+              </a:rPr>
+              <a:t>전 블로그와 카페 경로입니다</a:t>
+            </a:r>
+            <a:r>
+              <a:rPr lang="en-US" altLang="ko-KR" sz="1200" dirty="0">
+                <a:ln>
+                  <a:solidFill>
+                    <a:schemeClr val="tx1">
+                      <a:alpha val="0"/>
+                    </a:schemeClr>
+                  </a:solidFill>
+                </a:ln>
+                <a:latin typeface="나눔바른고딕" panose="020B0603020101020101" pitchFamily="50" charset="-127"/>
+                <a:ea typeface="나눔바른고딕" panose="020B0603020101020101" pitchFamily="50" charset="-127"/>
+              </a:rPr>
+              <a:t>. </a:t>
+            </a:r>
+          </a:p>
+          <a:p>
+            <a:pPr algn="r"/>
+            <a:r>
+              <a:rPr lang="ko-KR" altLang="en-US" sz="1200" dirty="0">
+                <a:ln>
+                  <a:solidFill>
+                    <a:schemeClr val="tx1">
+                      <a:alpha val="0"/>
+                    </a:schemeClr>
+                  </a:solidFill>
+                </a:ln>
+                <a:latin typeface="나눔바른고딕" panose="020B0603020101020101" pitchFamily="50" charset="-127"/>
+                <a:ea typeface="나눔바른고딕" panose="020B0603020101020101" pitchFamily="50" charset="-127"/>
+              </a:rPr>
+              <a:t>핫자에서 가끔 확인 가능한 </a:t>
+            </a:r>
+            <a:r>
+              <a:rPr lang="ko-KR" altLang="en-US" sz="1200" dirty="0" smtClean="0">
+                <a:ln>
+                  <a:solidFill>
+                    <a:schemeClr val="tx1">
+                      <a:alpha val="0"/>
+                    </a:schemeClr>
+                  </a:solidFill>
+                </a:ln>
+                <a:latin typeface="나눔바른고딕" panose="020B0603020101020101" pitchFamily="50" charset="-127"/>
+                <a:ea typeface="나눔바른고딕" panose="020B0603020101020101" pitchFamily="50" charset="-127"/>
+              </a:rPr>
+              <a:t>부분으로</a:t>
+            </a:r>
+            <a:r>
+              <a:rPr lang="en-US" altLang="ko-KR" sz="1200" dirty="0" smtClean="0">
+                <a:ln>
+                  <a:solidFill>
+                    <a:schemeClr val="tx1">
+                      <a:alpha val="0"/>
+                    </a:schemeClr>
+                  </a:solidFill>
+                </a:ln>
+                <a:latin typeface="나눔바른고딕" panose="020B0603020101020101" pitchFamily="50" charset="-127"/>
+                <a:ea typeface="나눔바른고딕" panose="020B0603020101020101" pitchFamily="50" charset="-127"/>
+              </a:rPr>
+              <a:t>, </a:t>
+            </a:r>
+            <a:endParaRPr lang="en-US" altLang="ko-KR" sz="1200" dirty="0">
+              <a:ln>
+                <a:solidFill>
+                  <a:schemeClr val="tx1">
+                    <a:alpha val="0"/>
+                  </a:schemeClr>
+                </a:solidFill>
+              </a:ln>
+              <a:latin typeface="나눔바른고딕" panose="020B0603020101020101" pitchFamily="50" charset="-127"/>
+              <a:ea typeface="나눔바른고딕" panose="020B0603020101020101" pitchFamily="50" charset="-127"/>
+            </a:endParaRPr>
+          </a:p>
+          <a:p>
+            <a:pPr algn="r"/>
+            <a:r>
+              <a:rPr lang="ko-KR" altLang="en-US" sz="1200" b="1" dirty="0">
+                <a:ln>
+                  <a:solidFill>
+                    <a:schemeClr val="tx1">
+                      <a:alpha val="0"/>
+                    </a:schemeClr>
+                  </a:solidFill>
+                </a:ln>
+                <a:latin typeface="나눔바른고딕" panose="020B0603020101020101" pitchFamily="50" charset="-127"/>
+                <a:ea typeface="나눔바른고딕" panose="020B0603020101020101" pitchFamily="50" charset="-127"/>
+              </a:rPr>
+              <a:t>프라이빗노트에 관심이 있는 잠재고객들이 읽는 콘텐츠</a:t>
+            </a:r>
+            <a:r>
+              <a:rPr lang="ko-KR" altLang="en-US" sz="1200" dirty="0">
+                <a:ln>
+                  <a:solidFill>
+                    <a:schemeClr val="tx1">
+                      <a:alpha val="0"/>
+                    </a:schemeClr>
+                  </a:solidFill>
+                </a:ln>
+                <a:latin typeface="나눔바른고딕" panose="020B0603020101020101" pitchFamily="50" charset="-127"/>
+                <a:ea typeface="나눔바른고딕" panose="020B0603020101020101" pitchFamily="50" charset="-127"/>
+              </a:rPr>
+              <a:t>이니 </a:t>
+            </a:r>
+            <a:endParaRPr lang="en-US" altLang="ko-KR" sz="1200" dirty="0" smtClean="0">
+              <a:ln>
+                <a:solidFill>
+                  <a:schemeClr val="tx1">
+                    <a:alpha val="0"/>
+                  </a:schemeClr>
+                </a:solidFill>
+              </a:ln>
+              <a:latin typeface="나눔바른고딕" panose="020B0603020101020101" pitchFamily="50" charset="-127"/>
+              <a:ea typeface="나눔바른고딕" panose="020B0603020101020101" pitchFamily="50" charset="-127"/>
+            </a:endParaRPr>
+          </a:p>
+          <a:p>
+            <a:pPr algn="r"/>
+            <a:r>
+              <a:rPr lang="ko-KR" altLang="en-US" sz="1200" dirty="0" smtClean="0">
+                <a:ln>
+                  <a:solidFill>
+                    <a:schemeClr val="tx1">
+                      <a:alpha val="0"/>
+                    </a:schemeClr>
+                  </a:solidFill>
+                </a:ln>
+                <a:latin typeface="나눔바른고딕" panose="020B0603020101020101" pitchFamily="50" charset="-127"/>
+                <a:ea typeface="나눔바른고딕" panose="020B0603020101020101" pitchFamily="50" charset="-127"/>
+              </a:rPr>
+              <a:t>향후 </a:t>
+            </a:r>
+            <a:r>
+              <a:rPr lang="ko-KR" altLang="en-US" sz="1200" dirty="0">
+                <a:ln>
+                  <a:solidFill>
+                    <a:schemeClr val="tx1">
+                      <a:alpha val="0"/>
+                    </a:schemeClr>
+                  </a:solidFill>
+                </a:ln>
+                <a:latin typeface="나눔바른고딕" panose="020B0603020101020101" pitchFamily="50" charset="-127"/>
+                <a:ea typeface="나눔바른고딕" panose="020B0603020101020101" pitchFamily="50" charset="-127"/>
+              </a:rPr>
+              <a:t>포스팅 등에 좋은 </a:t>
+            </a:r>
+            <a:r>
+              <a:rPr lang="ko-KR" altLang="en-US" sz="1200" dirty="0" err="1">
+                <a:ln>
+                  <a:solidFill>
+                    <a:schemeClr val="tx1">
+                      <a:alpha val="0"/>
+                    </a:schemeClr>
+                  </a:solidFill>
+                </a:ln>
+                <a:latin typeface="나눔바른고딕" panose="020B0603020101020101" pitchFamily="50" charset="-127"/>
+                <a:ea typeface="나눔바른고딕" panose="020B0603020101020101" pitchFamily="50" charset="-127"/>
+              </a:rPr>
+              <a:t>인사이트일</a:t>
+            </a:r>
+            <a:r>
+              <a:rPr lang="ko-KR" altLang="en-US" sz="1200" dirty="0">
+                <a:ln>
+                  <a:solidFill>
+                    <a:schemeClr val="tx1">
+                      <a:alpha val="0"/>
+                    </a:schemeClr>
+                  </a:solidFill>
+                </a:ln>
+                <a:latin typeface="나눔바른고딕" panose="020B0603020101020101" pitchFamily="50" charset="-127"/>
+                <a:ea typeface="나눔바른고딕" panose="020B0603020101020101" pitchFamily="50" charset="-127"/>
+              </a:rPr>
+              <a:t> 것 같아 </a:t>
+            </a:r>
+            <a:r>
+              <a:rPr lang="ko-KR" altLang="en-US" sz="1200" dirty="0" smtClean="0">
+                <a:ln>
+                  <a:solidFill>
+                    <a:schemeClr val="tx1">
+                      <a:alpha val="0"/>
+                    </a:schemeClr>
+                  </a:solidFill>
+                </a:ln>
+                <a:latin typeface="나눔바른고딕" panose="020B0603020101020101" pitchFamily="50" charset="-127"/>
+                <a:ea typeface="나눔바른고딕" panose="020B0603020101020101" pitchFamily="50" charset="-127"/>
+              </a:rPr>
+              <a:t>공유 드립니다</a:t>
+            </a:r>
+            <a:r>
+              <a:rPr lang="en-US" altLang="ko-KR" sz="1200" dirty="0">
+                <a:ln>
+                  <a:solidFill>
+                    <a:schemeClr val="tx1">
+                      <a:alpha val="0"/>
+                    </a:schemeClr>
+                  </a:solidFill>
+                </a:ln>
+                <a:latin typeface="나눔바른고딕" panose="020B0603020101020101" pitchFamily="50" charset="-127"/>
+                <a:ea typeface="나눔바른고딕" panose="020B0603020101020101" pitchFamily="50" charset="-127"/>
+              </a:rPr>
+              <a:t>.</a:t>
+            </a:r>
+          </a:p>
+        </p:txBody>
+      </p:sp>
+      <p:sp>
+        <p:nvSpPr>
+          <p:cNvPr id="13" name="직사각형 12"/>
+          <p:cNvSpPr/>
+          <p:nvPr/>
+        </p:nvSpPr>
+        <p:spPr>
+          <a:xfrm>
+            <a:off x="5111065" y="659729"/>
+            <a:ext cx="3409577" cy="253916"/>
+          </a:xfrm>
+          <a:prstGeom prst="rect">
+            <a:avLst/>
+          </a:prstGeom>
+        </p:spPr>
+        <p:txBody>
+          <a:bodyPr wrap="square">
+            <a:spAutoFit/>
+          </a:bodyPr>
+          <a:lstStyle/>
+          <a:p>
+            <a:r>
+              <a:rPr lang="ko-KR" altLang="en-US" sz="1050" dirty="0" smtClean="0">
+                <a:hlinkClick r:id="rId2"/>
+              </a:rPr>
+              <a:t>송인생디자인 블로그 </a:t>
+            </a:r>
+            <a:r>
+              <a:rPr lang="en-US" altLang="ko-KR" sz="1050" dirty="0" smtClean="0">
+                <a:hlinkClick r:id="rId2"/>
+              </a:rPr>
+              <a:t>– </a:t>
+            </a:r>
+            <a:r>
+              <a:rPr lang="ko-KR" altLang="en-US" sz="1050" dirty="0" smtClean="0">
+                <a:hlinkClick r:id="rId2"/>
+              </a:rPr>
+              <a:t>영재고과학고 학생들이 </a:t>
+            </a:r>
+            <a:r>
+              <a:rPr lang="ko-KR" altLang="en-US" sz="1050" dirty="0" err="1" smtClean="0">
+                <a:hlinkClick r:id="rId2"/>
+              </a:rPr>
+              <a:t>읽은책</a:t>
+            </a:r>
+            <a:endParaRPr lang="ko-KR" altLang="en-US" sz="1050" dirty="0"/>
+          </a:p>
+        </p:txBody>
+      </p:sp>
+      <p:sp>
+        <p:nvSpPr>
+          <p:cNvPr id="15" name="직사각형 14"/>
+          <p:cNvSpPr/>
+          <p:nvPr/>
+        </p:nvSpPr>
+        <p:spPr>
+          <a:xfrm>
+            <a:off x="184456" y="652035"/>
+            <a:ext cx="2117887" cy="261610"/>
+          </a:xfrm>
+          <a:prstGeom prst="rect">
+            <a:avLst/>
+          </a:prstGeom>
+        </p:spPr>
+        <p:txBody>
+          <a:bodyPr wrap="none">
+            <a:spAutoFit/>
+          </a:bodyPr>
+          <a:lstStyle/>
+          <a:p>
+            <a:r>
+              <a:rPr lang="ko-KR" altLang="en-US" sz="1100" dirty="0" err="1" smtClean="0"/>
+              <a:t>클라임수학과학학원카페</a:t>
+            </a:r>
+            <a:r>
+              <a:rPr lang="en-US" altLang="ko-KR" sz="1100" dirty="0" smtClean="0"/>
+              <a:t> </a:t>
+            </a:r>
+            <a:r>
+              <a:rPr lang="en-US" altLang="ko-KR" sz="1100" dirty="0" smtClean="0">
+                <a:hlinkClick r:id="rId3"/>
+              </a:rPr>
+              <a:t>(Click)</a:t>
+            </a:r>
+            <a:endParaRPr lang="ko-KR" altLang="en-US" sz="1100" dirty="0"/>
+          </a:p>
+        </p:txBody>
+      </p:sp>
+      <p:pic>
+        <p:nvPicPr>
+          <p:cNvPr id="3" name="그림 2"/>
+          <p:cNvPicPr>
+            <a:picLocks noChangeAspect="1"/>
+          </p:cNvPicPr>
+          <p:nvPr/>
+        </p:nvPicPr>
+        <p:blipFill>
+          <a:blip r:embed="rId4"/>
+          <a:stretch>
+            <a:fillRect/>
+          </a:stretch>
+        </p:blipFill>
+        <p:spPr>
+          <a:xfrm>
+            <a:off x="184456" y="993507"/>
+            <a:ext cx="4564565" cy="4108535"/>
+          </a:xfrm>
+          <a:prstGeom prst="rect">
+            <a:avLst/>
+          </a:prstGeom>
+        </p:spPr>
+      </p:pic>
+      <p:pic>
+        <p:nvPicPr>
+          <p:cNvPr id="7" name="그림 6"/>
+          <p:cNvPicPr>
+            <a:picLocks noChangeAspect="1"/>
+          </p:cNvPicPr>
+          <p:nvPr/>
+        </p:nvPicPr>
+        <p:blipFill>
+          <a:blip r:embed="rId5"/>
+          <a:stretch>
+            <a:fillRect/>
+          </a:stretch>
+        </p:blipFill>
+        <p:spPr>
+          <a:xfrm>
+            <a:off x="4281443" y="1407829"/>
+            <a:ext cx="4621437" cy="3347170"/>
+          </a:xfrm>
+          <a:prstGeom prst="rect">
+            <a:avLst/>
+          </a:prstGeom>
+        </p:spPr>
+      </p:pic>
+    </p:spTree>
+    <p:extLst>
+      <p:ext uri="{BB962C8B-B14F-4D97-AF65-F5344CB8AC3E}">
+        <p14:creationId xmlns:p14="http://schemas.microsoft.com/office/powerpoint/2010/main" val="4090808612"/>
+      </p:ext>
+    </p:extLst>
+  </p:cSld>
+  <p:clrMapOvr>
+    <a:masterClrMapping/>
+  </p:clrMapOvr>
+  <p:timing>
+    <p:tnLst>
+      <p:par>
+        <p:cTn id="1" dur="indefinite" restart="never" nodeType="tmRoot"/>
+      </p:par>
+    </p:tnLst>
+  </p:timing>
+</p:sld>
+</file>
+
+<file path=ppt/slides/slide2.xml><?xml version="1.0" encoding="utf-8"?>
+<p:sld xmlns:a="http://schemas.openxmlformats.org/drawingml/2006/main" xmlns:r="http://schemas.openxmlformats.org/officeDocument/2006/relationships" xmlns:p="http://schemas.openxmlformats.org/presentationml/2006/main">
+  <p:cSld>
+    <p:spTree>
+      <p:nvGrpSpPr>
+        <p:cNvPr id="1" name=""/>
+        <p:cNvGrpSpPr/>
+        <p:nvPr/>
+      </p:nvGrpSpPr>
+      <p:grpSpPr>
+        <a:xfrm>
+          <a:off x="0" y="0"/>
+          <a:ext cx="0" cy="0"/>
+          <a:chOff x="0" y="0"/>
+          <a:chExt cx="0" cy="0"/>
+        </a:xfrm>
+      </p:grpSpPr>
+      <p:sp>
+        <p:nvSpPr>
+          <p:cNvPr id="3" name="직사각형 2"/>
+          <p:cNvSpPr/>
+          <p:nvPr/>
+        </p:nvSpPr>
+        <p:spPr>
+          <a:xfrm>
+            <a:off x="136868" y="98606"/>
+            <a:ext cx="4572000" cy="253916"/>
+          </a:xfrm>
+          <a:prstGeom prst="rect">
+            <a:avLst/>
+          </a:prstGeom>
+        </p:spPr>
+        <p:txBody>
+          <a:bodyPr>
+            <a:spAutoFit/>
+          </a:bodyPr>
+          <a:lstStyle/>
+          <a:p>
+            <a:r>
+              <a:rPr lang="ko-KR" altLang="en-US" sz="1050" b="1" dirty="0" smtClean="0">
+                <a:ln>
+                  <a:solidFill>
+                    <a:schemeClr val="tx1">
+                      <a:alpha val="0"/>
+                    </a:schemeClr>
+                  </a:solidFill>
+                </a:ln>
+                <a:latin typeface="나눔바른고딕" panose="020B0603020101020101" pitchFamily="50" charset="-127"/>
+                <a:ea typeface="나눔바른고딕" panose="020B0603020101020101" pitchFamily="50" charset="-127"/>
+              </a:rPr>
+              <a:t>치킨 이벤트</a:t>
+            </a:r>
+            <a:endParaRPr lang="ko-KR" altLang="en-US" sz="1050" b="1" dirty="0">
+              <a:ln>
+                <a:solidFill>
+                  <a:schemeClr val="tx1">
+                    <a:alpha val="0"/>
+                  </a:schemeClr>
+                </a:solidFill>
+              </a:ln>
+              <a:latin typeface="나눔바른고딕" panose="020B0603020101020101" pitchFamily="50" charset="-127"/>
+              <a:ea typeface="나눔바른고딕" panose="020B0603020101020101" pitchFamily="50" charset="-127"/>
+            </a:endParaRPr>
+          </a:p>
+        </p:txBody>
+      </p:sp>
+      <p:cxnSp>
+        <p:nvCxnSpPr>
+          <p:cNvPr id="4" name="직선 연결선 3"/>
+          <p:cNvCxnSpPr/>
+          <p:nvPr/>
+        </p:nvCxnSpPr>
+        <p:spPr>
+          <a:xfrm>
+            <a:off x="136868" y="401870"/>
+            <a:ext cx="8867351" cy="0"/>
+          </a:xfrm>
+          <a:prstGeom prst="line">
+            <a:avLst/>
+          </a:prstGeom>
+          <a:ln>
+            <a:solidFill>
+              <a:schemeClr val="tx1"/>
+            </a:solidFill>
+          </a:ln>
+        </p:spPr>
+        <p:style>
+          <a:lnRef idx="1">
+            <a:schemeClr val="accent1"/>
+          </a:lnRef>
+          <a:fillRef idx="0">
+            <a:schemeClr val="accent1"/>
+          </a:fillRef>
+          <a:effectRef idx="0">
+            <a:schemeClr val="accent1"/>
+          </a:effectRef>
+          <a:fontRef idx="minor">
+            <a:schemeClr val="tx1"/>
+          </a:fontRef>
+        </p:style>
+      </p:cxnSp>
+      <p:sp>
+        <p:nvSpPr>
+          <p:cNvPr id="5" name="직사각형 4"/>
+          <p:cNvSpPr/>
+          <p:nvPr/>
+        </p:nvSpPr>
+        <p:spPr>
+          <a:xfrm>
+            <a:off x="209921" y="563138"/>
+            <a:ext cx="5809626" cy="261610"/>
+          </a:xfrm>
+          <a:prstGeom prst="rect">
+            <a:avLst/>
+          </a:prstGeom>
+          <a:noFill/>
+          <a:ln>
+            <a:noFill/>
+          </a:ln>
+        </p:spPr>
+        <p:txBody>
+          <a:bodyPr wrap="square">
+            <a:spAutoFit/>
+          </a:bodyPr>
+          <a:lstStyle/>
+          <a:p>
+            <a:r>
+              <a:rPr lang="en-US" altLang="ko-KR" sz="1100" dirty="0" smtClean="0">
+                <a:ln>
+                  <a:solidFill>
+                    <a:schemeClr val="tx1">
+                      <a:alpha val="0"/>
+                    </a:schemeClr>
+                  </a:solidFill>
+                </a:ln>
+                <a:latin typeface="나눔바른고딕" panose="020B0603020101020101" pitchFamily="50" charset="-127"/>
+                <a:ea typeface="나눔바른고딕" panose="020B0603020101020101" pitchFamily="50" charset="-127"/>
+              </a:rPr>
+              <a:t>1</a:t>
+            </a:r>
+            <a:r>
+              <a:rPr lang="ko-KR" altLang="en-US" sz="1100" dirty="0" smtClean="0">
+                <a:ln>
+                  <a:solidFill>
+                    <a:schemeClr val="tx1">
+                      <a:alpha val="0"/>
+                    </a:schemeClr>
+                  </a:solidFill>
+                </a:ln>
+                <a:latin typeface="나눔바른고딕" panose="020B0603020101020101" pitchFamily="50" charset="-127"/>
+                <a:ea typeface="나눔바른고딕" panose="020B0603020101020101" pitchFamily="50" charset="-127"/>
+              </a:rPr>
+              <a:t>월 </a:t>
+            </a:r>
+            <a:r>
+              <a:rPr lang="en-US" altLang="ko-KR" sz="1100" dirty="0" smtClean="0">
+                <a:ln>
+                  <a:solidFill>
+                    <a:schemeClr val="tx1">
+                      <a:alpha val="0"/>
+                    </a:schemeClr>
+                  </a:solidFill>
+                </a:ln>
+                <a:latin typeface="나눔바른고딕" panose="020B0603020101020101" pitchFamily="50" charset="-127"/>
+                <a:ea typeface="나눔바른고딕" panose="020B0603020101020101" pitchFamily="50" charset="-127"/>
+              </a:rPr>
+              <a:t>3</a:t>
+            </a:r>
+            <a:r>
+              <a:rPr lang="ko-KR" altLang="en-US" sz="1100" dirty="0" smtClean="0">
+                <a:ln>
+                  <a:solidFill>
+                    <a:schemeClr val="tx1">
+                      <a:alpha val="0"/>
+                    </a:schemeClr>
+                  </a:solidFill>
+                </a:ln>
+                <a:latin typeface="나눔바른고딕" panose="020B0603020101020101" pitchFamily="50" charset="-127"/>
+                <a:ea typeface="나눔바른고딕" panose="020B0603020101020101" pitchFamily="50" charset="-127"/>
+              </a:rPr>
+              <a:t>일자 이벤트 </a:t>
+            </a:r>
+            <a:r>
+              <a:rPr lang="ko-KR" altLang="en-US" sz="1100" dirty="0" err="1" smtClean="0">
+                <a:ln>
+                  <a:solidFill>
+                    <a:schemeClr val="tx1">
+                      <a:alpha val="0"/>
+                    </a:schemeClr>
+                  </a:solidFill>
+                </a:ln>
+                <a:latin typeface="나눔바른고딕" panose="020B0603020101020101" pitchFamily="50" charset="-127"/>
+                <a:ea typeface="나눔바른고딕" panose="020B0603020101020101" pitchFamily="50" charset="-127"/>
+              </a:rPr>
+              <a:t>기프티콘</a:t>
+            </a:r>
+            <a:r>
+              <a:rPr lang="ko-KR" altLang="en-US" sz="1100" dirty="0" smtClean="0">
+                <a:ln>
+                  <a:solidFill>
+                    <a:schemeClr val="tx1">
+                      <a:alpha val="0"/>
+                    </a:schemeClr>
+                  </a:solidFill>
+                </a:ln>
+                <a:latin typeface="나눔바른고딕" panose="020B0603020101020101" pitchFamily="50" charset="-127"/>
+                <a:ea typeface="나눔바른고딕" panose="020B0603020101020101" pitchFamily="50" charset="-127"/>
+              </a:rPr>
+              <a:t> 발송 완료 </a:t>
+            </a:r>
+            <a:endParaRPr lang="en-US" altLang="ko-KR" sz="1100" dirty="0">
+              <a:ln>
+                <a:solidFill>
+                  <a:schemeClr val="tx1">
+                    <a:alpha val="0"/>
+                  </a:schemeClr>
+                </a:solidFill>
+              </a:ln>
+              <a:latin typeface="나눔바른고딕" panose="020B0603020101020101" pitchFamily="50" charset="-127"/>
+              <a:ea typeface="나눔바른고딕" panose="020B0603020101020101" pitchFamily="50" charset="-127"/>
+            </a:endParaRPr>
+          </a:p>
+        </p:txBody>
+      </p:sp>
+      <p:pic>
+        <p:nvPicPr>
+          <p:cNvPr id="7" name="그림 6"/>
+          <p:cNvPicPr>
+            <a:picLocks noChangeAspect="1"/>
+          </p:cNvPicPr>
+          <p:nvPr/>
+        </p:nvPicPr>
+        <p:blipFill rotWithShape="1">
+          <a:blip r:embed="rId2"/>
+          <a:srcRect t="50154"/>
+          <a:stretch/>
+        </p:blipFill>
+        <p:spPr>
+          <a:xfrm>
+            <a:off x="374556" y="1045882"/>
+            <a:ext cx="2392549" cy="1992311"/>
+          </a:xfrm>
+          <a:prstGeom prst="rect">
+            <a:avLst/>
+          </a:prstGeom>
+        </p:spPr>
+      </p:pic>
+      <p:pic>
+        <p:nvPicPr>
+          <p:cNvPr id="9" name="그림 8"/>
+          <p:cNvPicPr>
+            <a:picLocks noChangeAspect="1"/>
+          </p:cNvPicPr>
+          <p:nvPr/>
+        </p:nvPicPr>
+        <p:blipFill>
+          <a:blip r:embed="rId3"/>
+          <a:stretch>
+            <a:fillRect/>
+          </a:stretch>
+        </p:blipFill>
+        <p:spPr>
+          <a:xfrm>
+            <a:off x="374556" y="3259327"/>
+            <a:ext cx="2412699" cy="525929"/>
+          </a:xfrm>
+          <a:prstGeom prst="rect">
+            <a:avLst/>
+          </a:prstGeom>
+        </p:spPr>
+      </p:pic>
+    </p:spTree>
+    <p:extLst>
+      <p:ext uri="{BB962C8B-B14F-4D97-AF65-F5344CB8AC3E}">
+        <p14:creationId xmlns:p14="http://schemas.microsoft.com/office/powerpoint/2010/main" val="721783549"/>
+      </p:ext>
+    </p:extLst>
+  </p:cSld>
+  <p:clrMapOvr>
+    <a:masterClrMapping/>
+  </p:clrMapOvr>
+</p:sld>
+</file>
+
+<file path=ppt/slides/slide3.xml><?xml version="1.0" encoding="utf-8"?>
+<p:sld xmlns:a="http://schemas.openxmlformats.org/drawingml/2006/main" xmlns:r="http://schemas.openxmlformats.org/officeDocument/2006/relationships" xmlns:p="http://schemas.openxmlformats.org/presentationml/2006/main">
+  <p:cSld>
+    <p:spTree>
+      <p:nvGrpSpPr>
+        <p:cNvPr id="1" name=""/>
+        <p:cNvGrpSpPr/>
+        <p:nvPr/>
+      </p:nvGrpSpPr>
+      <p:grpSpPr>
+        <a:xfrm>
+          <a:off x="0" y="0"/>
+          <a:ext cx="0" cy="0"/>
+          <a:chOff x="0" y="0"/>
+          <a:chExt cx="0" cy="0"/>
+        </a:xfrm>
+      </p:grpSpPr>
+      <p:sp>
+        <p:nvSpPr>
+          <p:cNvPr id="3" name="직사각형 2"/>
+          <p:cNvSpPr/>
+          <p:nvPr/>
+        </p:nvSpPr>
+        <p:spPr>
+          <a:xfrm>
+            <a:off x="136868" y="98606"/>
+            <a:ext cx="4572000" cy="253916"/>
+          </a:xfrm>
+          <a:prstGeom prst="rect">
+            <a:avLst/>
+          </a:prstGeom>
+        </p:spPr>
+        <p:txBody>
+          <a:bodyPr>
+            <a:spAutoFit/>
+          </a:bodyPr>
+          <a:lstStyle/>
+          <a:p>
+            <a:r>
+              <a:rPr lang="ko-KR" altLang="en-US" sz="1050" b="1" dirty="0" smtClean="0">
+                <a:ln>
+                  <a:solidFill>
+                    <a:schemeClr val="tx1">
+                      <a:alpha val="0"/>
+                    </a:schemeClr>
+                  </a:solidFill>
+                </a:ln>
+                <a:latin typeface="나눔바른고딕" panose="020B0603020101020101" pitchFamily="50" charset="-127"/>
+                <a:ea typeface="나눔바른고딕" panose="020B0603020101020101" pitchFamily="50" charset="-127"/>
+              </a:rPr>
+              <a:t>치킨 이벤트</a:t>
+            </a:r>
+            <a:endParaRPr lang="ko-KR" altLang="en-US" sz="1050" b="1" dirty="0">
+              <a:ln>
+                <a:solidFill>
+                  <a:schemeClr val="tx1">
+                    <a:alpha val="0"/>
+                  </a:schemeClr>
+                </a:solidFill>
+              </a:ln>
+              <a:latin typeface="나눔바른고딕" panose="020B0603020101020101" pitchFamily="50" charset="-127"/>
+              <a:ea typeface="나눔바른고딕" panose="020B0603020101020101" pitchFamily="50" charset="-127"/>
+            </a:endParaRPr>
+          </a:p>
+        </p:txBody>
+      </p:sp>
+      <p:cxnSp>
+        <p:nvCxnSpPr>
+          <p:cNvPr id="4" name="직선 연결선 3"/>
+          <p:cNvCxnSpPr/>
+          <p:nvPr/>
+        </p:nvCxnSpPr>
+        <p:spPr>
+          <a:xfrm>
+            <a:off x="136868" y="401870"/>
+            <a:ext cx="8867351" cy="0"/>
+          </a:xfrm>
+          <a:prstGeom prst="line">
+            <a:avLst/>
+          </a:prstGeom>
+          <a:ln>
+            <a:solidFill>
+              <a:schemeClr val="tx1"/>
+            </a:solidFill>
+          </a:ln>
+        </p:spPr>
+        <p:style>
+          <a:lnRef idx="1">
+            <a:schemeClr val="accent1"/>
+          </a:lnRef>
+          <a:fillRef idx="0">
+            <a:schemeClr val="accent1"/>
+          </a:fillRef>
+          <a:effectRef idx="0">
+            <a:schemeClr val="accent1"/>
+          </a:effectRef>
+          <a:fontRef idx="minor">
+            <a:schemeClr val="tx1"/>
+          </a:fontRef>
+        </p:style>
+      </p:cxnSp>
+      <p:sp>
+        <p:nvSpPr>
+          <p:cNvPr id="5" name="직사각형 4"/>
+          <p:cNvSpPr/>
+          <p:nvPr/>
+        </p:nvSpPr>
+        <p:spPr>
+          <a:xfrm>
+            <a:off x="209921" y="563138"/>
+            <a:ext cx="5809626" cy="430887"/>
+          </a:xfrm>
+          <a:prstGeom prst="rect">
+            <a:avLst/>
+          </a:prstGeom>
+          <a:noFill/>
+          <a:ln>
+            <a:noFill/>
+          </a:ln>
+        </p:spPr>
+        <p:txBody>
+          <a:bodyPr wrap="square">
+            <a:spAutoFit/>
+          </a:bodyPr>
+          <a:lstStyle/>
+          <a:p>
+            <a:r>
+              <a:rPr lang="ko-KR" altLang="en-US" sz="1100" dirty="0" smtClean="0">
+                <a:ln>
+                  <a:solidFill>
+                    <a:schemeClr val="tx1">
+                      <a:alpha val="0"/>
+                    </a:schemeClr>
+                  </a:solidFill>
+                </a:ln>
+                <a:latin typeface="나눔바른고딕" panose="020B0603020101020101" pitchFamily="50" charset="-127"/>
+                <a:ea typeface="나눔바른고딕" panose="020B0603020101020101" pitchFamily="50" charset="-127"/>
+              </a:rPr>
+              <a:t>체험권이벤트가 진행되고 있기 때문에 치킨이벤트라는 명칭을 피하는 쪽이 좋을 것 같습니다</a:t>
+            </a:r>
+            <a:r>
+              <a:rPr lang="en-US" altLang="ko-KR" sz="1100" dirty="0" smtClean="0">
+                <a:ln>
+                  <a:solidFill>
+                    <a:schemeClr val="tx1">
+                      <a:alpha val="0"/>
+                    </a:schemeClr>
+                  </a:solidFill>
+                </a:ln>
+                <a:latin typeface="나눔바른고딕" panose="020B0603020101020101" pitchFamily="50" charset="-127"/>
+                <a:ea typeface="나눔바른고딕" panose="020B0603020101020101" pitchFamily="50" charset="-127"/>
+              </a:rPr>
+              <a:t>. </a:t>
+            </a:r>
+          </a:p>
+          <a:p>
+            <a:r>
+              <a:rPr lang="ko-KR" altLang="en-US" sz="1100" dirty="0" smtClean="0">
+                <a:ln>
+                  <a:solidFill>
+                    <a:schemeClr val="tx1">
+                      <a:alpha val="0"/>
+                    </a:schemeClr>
+                  </a:solidFill>
+                </a:ln>
+                <a:latin typeface="나눔바른고딕" panose="020B0603020101020101" pitchFamily="50" charset="-127"/>
+                <a:ea typeface="나눔바른고딕" panose="020B0603020101020101" pitchFamily="50" charset="-127"/>
+              </a:rPr>
+              <a:t>어떻게 쓸지 </a:t>
+            </a:r>
+            <a:r>
+              <a:rPr lang="ko-KR" altLang="en-US" sz="1100" dirty="0" err="1" smtClean="0">
+                <a:ln>
+                  <a:solidFill>
+                    <a:schemeClr val="tx1">
+                      <a:alpha val="0"/>
+                    </a:schemeClr>
+                  </a:solidFill>
+                </a:ln>
+                <a:latin typeface="나눔바른고딕" panose="020B0603020101020101" pitchFamily="50" charset="-127"/>
+                <a:ea typeface="나눔바른고딕" panose="020B0603020101020101" pitchFamily="50" charset="-127"/>
+              </a:rPr>
+              <a:t>모르겠네욥</a:t>
+            </a:r>
+            <a:r>
+              <a:rPr lang="en-US" altLang="ko-KR" sz="1100" dirty="0" smtClean="0">
+                <a:ln>
+                  <a:solidFill>
+                    <a:schemeClr val="tx1">
+                      <a:alpha val="0"/>
+                    </a:schemeClr>
+                  </a:solidFill>
+                </a:ln>
+                <a:latin typeface="나눔바른고딕" panose="020B0603020101020101" pitchFamily="50" charset="-127"/>
+                <a:ea typeface="나눔바른고딕" panose="020B0603020101020101" pitchFamily="50" charset="-127"/>
+              </a:rPr>
+              <a:t>…</a:t>
+            </a:r>
+            <a:endParaRPr lang="en-US" altLang="ko-KR" sz="1100" dirty="0">
+              <a:ln>
+                <a:solidFill>
+                  <a:schemeClr val="tx1">
+                    <a:alpha val="0"/>
+                  </a:schemeClr>
+                </a:solidFill>
+              </a:ln>
+              <a:latin typeface="나눔바른고딕" panose="020B0603020101020101" pitchFamily="50" charset="-127"/>
+              <a:ea typeface="나눔바른고딕" panose="020B0603020101020101" pitchFamily="50" charset="-127"/>
+            </a:endParaRPr>
+          </a:p>
+        </p:txBody>
+      </p:sp>
+    </p:spTree>
+    <p:extLst>
+      <p:ext uri="{BB962C8B-B14F-4D97-AF65-F5344CB8AC3E}">
+        <p14:creationId xmlns:p14="http://schemas.microsoft.com/office/powerpoint/2010/main" val="1399579610"/>
+      </p:ext>
+    </p:extLst>
+  </p:cSld>
+  <p:clrMapOvr>
+    <a:masterClrMapping/>
+  </p:clrMapOvr>
+</p:sld>
+</file>
+
+<file path=ppt/slides/slide4.xml><?xml version="1.0" encoding="utf-8"?>
+<p:sld xmlns:a="http://schemas.openxmlformats.org/drawingml/2006/main" xmlns:r="http://schemas.openxmlformats.org/officeDocument/2006/relationships" xmlns:p="http://schemas.openxmlformats.org/presentationml/2006/main">
+  <p:cSld>
+    <p:spTree>
+      <p:nvGrpSpPr>
+        <p:cNvPr id="1" name=""/>
+        <p:cNvGrpSpPr/>
+        <p:nvPr/>
+      </p:nvGrpSpPr>
+      <p:grpSpPr>
+        <a:xfrm>
+          <a:off x="0" y="0"/>
+          <a:ext cx="0" cy="0"/>
+          <a:chOff x="0" y="0"/>
+          <a:chExt cx="0" cy="0"/>
+        </a:xfrm>
+      </p:grpSpPr>
+      <p:sp>
+        <p:nvSpPr>
+          <p:cNvPr id="3" name="직사각형 2"/>
+          <p:cNvSpPr/>
+          <p:nvPr/>
+        </p:nvSpPr>
+        <p:spPr>
+          <a:xfrm>
+            <a:off x="136868" y="98606"/>
+            <a:ext cx="4572000" cy="253916"/>
+          </a:xfrm>
+          <a:prstGeom prst="rect">
+            <a:avLst/>
+          </a:prstGeom>
+        </p:spPr>
+        <p:txBody>
+          <a:bodyPr>
+            <a:spAutoFit/>
+          </a:bodyPr>
+          <a:lstStyle/>
+          <a:p>
+            <a:r>
+              <a:rPr lang="ko-KR" altLang="en-US" sz="1050" b="1" dirty="0" smtClean="0">
+                <a:ln>
+                  <a:solidFill>
+                    <a:schemeClr val="tx1">
+                      <a:alpha val="0"/>
+                    </a:schemeClr>
+                  </a:solidFill>
+                </a:ln>
+                <a:solidFill>
+                  <a:srgbClr val="C00000"/>
+                </a:solidFill>
+                <a:latin typeface="나눔바른고딕" panose="020B0603020101020101" pitchFamily="50" charset="-127"/>
+                <a:ea typeface="나눔바른고딕" panose="020B0603020101020101" pitchFamily="50" charset="-127"/>
+              </a:rPr>
+              <a:t>추가 예정</a:t>
+            </a:r>
+            <a:r>
+              <a:rPr lang="en-US" altLang="ko-KR" sz="1050" b="1" dirty="0" smtClean="0">
+                <a:ln>
+                  <a:solidFill>
+                    <a:schemeClr val="tx1">
+                      <a:alpha val="0"/>
+                    </a:schemeClr>
+                  </a:solidFill>
+                </a:ln>
+                <a:solidFill>
+                  <a:srgbClr val="C00000"/>
+                </a:solidFill>
+                <a:latin typeface="나눔바른고딕" panose="020B0603020101020101" pitchFamily="50" charset="-127"/>
+                <a:ea typeface="나눔바른고딕" panose="020B0603020101020101" pitchFamily="50" charset="-127"/>
+              </a:rPr>
+              <a:t>) </a:t>
+            </a:r>
+            <a:r>
+              <a:rPr lang="ko-KR" altLang="en-US" sz="1050" b="1" dirty="0" smtClean="0">
+                <a:ln>
+                  <a:solidFill>
+                    <a:schemeClr val="tx1">
+                      <a:alpha val="0"/>
+                    </a:schemeClr>
+                  </a:solidFill>
+                </a:ln>
+                <a:solidFill>
+                  <a:srgbClr val="C00000"/>
+                </a:solidFill>
+                <a:latin typeface="나눔바른고딕" panose="020B0603020101020101" pitchFamily="50" charset="-127"/>
+                <a:ea typeface="나눔바른고딕" panose="020B0603020101020101" pitchFamily="50" charset="-127"/>
+              </a:rPr>
+              <a:t> </a:t>
+            </a:r>
+            <a:r>
+              <a:rPr lang="ko-KR" altLang="en-US" sz="1050" b="1" dirty="0" err="1" smtClean="0">
+                <a:ln>
+                  <a:solidFill>
+                    <a:schemeClr val="tx1">
+                      <a:alpha val="0"/>
+                    </a:schemeClr>
+                  </a:solidFill>
+                </a:ln>
+                <a:latin typeface="나눔바른고딕" panose="020B0603020101020101" pitchFamily="50" charset="-127"/>
+                <a:ea typeface="나눔바른고딕" panose="020B0603020101020101" pitchFamily="50" charset="-127"/>
+              </a:rPr>
+              <a:t>채널톡</a:t>
+            </a:r>
+            <a:r>
+              <a:rPr lang="ko-KR" altLang="en-US" sz="1050" b="1" dirty="0" smtClean="0">
+                <a:ln>
+                  <a:solidFill>
+                    <a:schemeClr val="tx1">
+                      <a:alpha val="0"/>
+                    </a:schemeClr>
+                  </a:solidFill>
+                </a:ln>
+                <a:latin typeface="나눔바른고딕" panose="020B0603020101020101" pitchFamily="50" charset="-127"/>
+                <a:ea typeface="나눔바른고딕" panose="020B0603020101020101" pitchFamily="50" charset="-127"/>
+              </a:rPr>
+              <a:t> 마케팅 </a:t>
+            </a:r>
+            <a:r>
+              <a:rPr lang="en-US" altLang="ko-KR" sz="1050" b="1" dirty="0" smtClean="0">
+                <a:ln>
+                  <a:solidFill>
+                    <a:schemeClr val="tx1">
+                      <a:alpha val="0"/>
+                    </a:schemeClr>
+                  </a:solidFill>
+                </a:ln>
+                <a:latin typeface="나눔바른고딕" panose="020B0603020101020101" pitchFamily="50" charset="-127"/>
+                <a:ea typeface="나눔바른고딕" panose="020B0603020101020101" pitchFamily="50" charset="-127"/>
+              </a:rPr>
+              <a:t>: </a:t>
+            </a:r>
+            <a:r>
+              <a:rPr lang="ko-KR" altLang="en-US" sz="1050" b="1" dirty="0" err="1" smtClean="0">
+                <a:ln>
+                  <a:solidFill>
+                    <a:schemeClr val="tx1">
+                      <a:alpha val="0"/>
+                    </a:schemeClr>
+                  </a:solidFill>
+                </a:ln>
+                <a:latin typeface="나눔바른고딕" panose="020B0603020101020101" pitchFamily="50" charset="-127"/>
+                <a:ea typeface="나눔바른고딕" panose="020B0603020101020101" pitchFamily="50" charset="-127"/>
+              </a:rPr>
+              <a:t>비공개미션</a:t>
+            </a:r>
+            <a:endParaRPr lang="ko-KR" altLang="en-US" sz="1050" b="1" dirty="0">
+              <a:ln>
+                <a:solidFill>
+                  <a:schemeClr val="tx1">
+                    <a:alpha val="0"/>
+                  </a:schemeClr>
+                </a:solidFill>
+              </a:ln>
+              <a:latin typeface="나눔바른고딕" panose="020B0603020101020101" pitchFamily="50" charset="-127"/>
+              <a:ea typeface="나눔바른고딕" panose="020B0603020101020101" pitchFamily="50" charset="-127"/>
+            </a:endParaRPr>
+          </a:p>
+        </p:txBody>
+      </p:sp>
+      <p:cxnSp>
+        <p:nvCxnSpPr>
+          <p:cNvPr id="4" name="직선 연결선 3"/>
+          <p:cNvCxnSpPr/>
+          <p:nvPr/>
+        </p:nvCxnSpPr>
+        <p:spPr>
+          <a:xfrm>
+            <a:off x="136868" y="401870"/>
+            <a:ext cx="8867351" cy="0"/>
+          </a:xfrm>
+          <a:prstGeom prst="line">
+            <a:avLst/>
+          </a:prstGeom>
+          <a:ln>
+            <a:solidFill>
+              <a:schemeClr val="tx1"/>
+            </a:solidFill>
+          </a:ln>
+        </p:spPr>
+        <p:style>
+          <a:lnRef idx="1">
+            <a:schemeClr val="accent1"/>
+          </a:lnRef>
+          <a:fillRef idx="0">
+            <a:schemeClr val="accent1"/>
+          </a:fillRef>
+          <a:effectRef idx="0">
+            <a:schemeClr val="accent1"/>
+          </a:effectRef>
+          <a:fontRef idx="minor">
+            <a:schemeClr val="tx1"/>
+          </a:fontRef>
+        </p:style>
+      </p:cxnSp>
+      <p:sp>
+        <p:nvSpPr>
+          <p:cNvPr id="5" name="직사각형 4"/>
+          <p:cNvSpPr/>
+          <p:nvPr/>
+        </p:nvSpPr>
+        <p:spPr>
+          <a:xfrm>
+            <a:off x="643132" y="4763545"/>
+            <a:ext cx="3026624" cy="261610"/>
+          </a:xfrm>
+          <a:prstGeom prst="rect">
+            <a:avLst/>
+          </a:prstGeom>
+          <a:solidFill>
+            <a:schemeClr val="bg2"/>
+          </a:solidFill>
+          <a:ln>
+            <a:solidFill>
+              <a:srgbClr val="0070C0"/>
+            </a:solidFill>
+          </a:ln>
+        </p:spPr>
+        <p:txBody>
+          <a:bodyPr wrap="square">
+            <a:spAutoFit/>
+          </a:bodyPr>
+          <a:lstStyle/>
+          <a:p>
+            <a:pPr algn="ctr"/>
+            <a:r>
+              <a:rPr lang="ko-KR" altLang="en-US" sz="1100" dirty="0">
+                <a:ln>
+                  <a:solidFill>
+                    <a:schemeClr val="tx1">
+                      <a:alpha val="0"/>
+                    </a:schemeClr>
+                  </a:solidFill>
+                </a:ln>
+                <a:latin typeface="나눔바른고딕" panose="020B0603020101020101" pitchFamily="50" charset="-127"/>
+                <a:ea typeface="나눔바른고딕" panose="020B0603020101020101" pitchFamily="50" charset="-127"/>
+              </a:rPr>
+              <a:t>목표 </a:t>
+            </a:r>
+            <a:r>
+              <a:rPr lang="en-US" altLang="ko-KR" sz="1100" dirty="0">
+                <a:ln>
+                  <a:solidFill>
+                    <a:schemeClr val="tx1">
+                      <a:alpha val="0"/>
+                    </a:schemeClr>
+                  </a:solidFill>
+                </a:ln>
+                <a:latin typeface="나눔바른고딕" panose="020B0603020101020101" pitchFamily="50" charset="-127"/>
+                <a:ea typeface="나눔바른고딕" panose="020B0603020101020101" pitchFamily="50" charset="-127"/>
+              </a:rPr>
+              <a:t>: </a:t>
+            </a:r>
+            <a:r>
+              <a:rPr lang="en-US" altLang="ko-KR" sz="1100" dirty="0" smtClean="0">
+                <a:ln>
+                  <a:solidFill>
+                    <a:schemeClr val="tx1">
+                      <a:alpha val="0"/>
+                    </a:schemeClr>
+                  </a:solidFill>
+                </a:ln>
+                <a:latin typeface="나눔바른고딕" panose="020B0603020101020101" pitchFamily="50" charset="-127"/>
+                <a:ea typeface="나눔바른고딕" panose="020B0603020101020101" pitchFamily="50" charset="-127"/>
+              </a:rPr>
+              <a:t>‘</a:t>
+            </a:r>
+            <a:r>
+              <a:rPr lang="ko-KR" altLang="en-US" sz="1100" dirty="0" smtClean="0">
+                <a:ln>
+                  <a:solidFill>
+                    <a:schemeClr val="tx1">
+                      <a:alpha val="0"/>
+                    </a:schemeClr>
+                  </a:solidFill>
+                </a:ln>
+                <a:latin typeface="나눔바른고딕" panose="020B0603020101020101" pitchFamily="50" charset="-127"/>
+                <a:ea typeface="나눔바른고딕" panose="020B0603020101020101" pitchFamily="50" charset="-127"/>
+              </a:rPr>
+              <a:t>제대로</a:t>
+            </a:r>
+            <a:r>
+              <a:rPr lang="en-US" altLang="ko-KR" sz="1100" dirty="0" smtClean="0">
+                <a:ln>
+                  <a:solidFill>
+                    <a:schemeClr val="tx1">
+                      <a:alpha val="0"/>
+                    </a:schemeClr>
+                  </a:solidFill>
+                </a:ln>
+                <a:latin typeface="나눔바른고딕" panose="020B0603020101020101" pitchFamily="50" charset="-127"/>
+                <a:ea typeface="나눔바른고딕" panose="020B0603020101020101" pitchFamily="50" charset="-127"/>
+              </a:rPr>
+              <a:t>’ </a:t>
+            </a:r>
+            <a:r>
+              <a:rPr lang="ko-KR" altLang="en-US" sz="1100" dirty="0" smtClean="0">
+                <a:ln>
+                  <a:solidFill>
+                    <a:schemeClr val="tx1">
+                      <a:alpha val="0"/>
+                    </a:schemeClr>
+                  </a:solidFill>
+                </a:ln>
+                <a:latin typeface="나눔바른고딕" panose="020B0603020101020101" pitchFamily="50" charset="-127"/>
+                <a:ea typeface="나눔바른고딕" panose="020B0603020101020101" pitchFamily="50" charset="-127"/>
+              </a:rPr>
+              <a:t>체험 유도</a:t>
+            </a:r>
+            <a:r>
+              <a:rPr lang="en-US" altLang="ko-KR" sz="1100" dirty="0" smtClean="0">
+                <a:ln>
+                  <a:solidFill>
+                    <a:schemeClr val="tx1">
+                      <a:alpha val="0"/>
+                    </a:schemeClr>
+                  </a:solidFill>
+                </a:ln>
+                <a:latin typeface="나눔바른고딕" panose="020B0603020101020101" pitchFamily="50" charset="-127"/>
+                <a:ea typeface="나눔바른고딕" panose="020B0603020101020101" pitchFamily="50" charset="-127"/>
+              </a:rPr>
+              <a:t>(</a:t>
+            </a:r>
+            <a:r>
+              <a:rPr lang="ko-KR" altLang="en-US" sz="1100" dirty="0" err="1" smtClean="0">
+                <a:ln>
+                  <a:solidFill>
+                    <a:schemeClr val="tx1">
+                      <a:alpha val="0"/>
+                    </a:schemeClr>
+                  </a:solidFill>
+                </a:ln>
+                <a:latin typeface="나눔바른고딕" panose="020B0603020101020101" pitchFamily="50" charset="-127"/>
+                <a:ea typeface="나눔바른고딕" panose="020B0603020101020101" pitchFamily="50" charset="-127"/>
+              </a:rPr>
+              <a:t>코칭앱</a:t>
+            </a:r>
+            <a:r>
+              <a:rPr lang="ko-KR" altLang="en-US" sz="1100" dirty="0" smtClean="0">
+                <a:ln>
+                  <a:solidFill>
+                    <a:schemeClr val="tx1">
+                      <a:alpha val="0"/>
+                    </a:schemeClr>
+                  </a:solidFill>
+                </a:ln>
+                <a:latin typeface="나눔바른고딕" panose="020B0603020101020101" pitchFamily="50" charset="-127"/>
+                <a:ea typeface="나눔바른고딕" panose="020B0603020101020101" pitchFamily="50" charset="-127"/>
+              </a:rPr>
+              <a:t> </a:t>
+            </a:r>
+            <a:r>
+              <a:rPr lang="en-US" altLang="ko-KR" sz="1100" dirty="0" smtClean="0">
+                <a:ln>
+                  <a:solidFill>
+                    <a:schemeClr val="tx1">
+                      <a:alpha val="0"/>
+                    </a:schemeClr>
+                  </a:solidFill>
+                </a:ln>
+                <a:latin typeface="나눔바른고딕" panose="020B0603020101020101" pitchFamily="50" charset="-127"/>
+                <a:ea typeface="나눔바른고딕" panose="020B0603020101020101" pitchFamily="50" charset="-127"/>
+              </a:rPr>
+              <a:t>30</a:t>
+            </a:r>
+            <a:r>
+              <a:rPr lang="ko-KR" altLang="en-US" sz="1100" dirty="0" smtClean="0">
+                <a:ln>
+                  <a:solidFill>
+                    <a:schemeClr val="tx1">
+                      <a:alpha val="0"/>
+                    </a:schemeClr>
+                  </a:solidFill>
+                </a:ln>
+                <a:latin typeface="나눔바른고딕" panose="020B0603020101020101" pitchFamily="50" charset="-127"/>
+                <a:ea typeface="나눔바른고딕" panose="020B0603020101020101" pitchFamily="50" charset="-127"/>
+              </a:rPr>
+              <a:t>문제 정답</a:t>
+            </a:r>
+            <a:r>
+              <a:rPr lang="en-US" altLang="ko-KR" sz="1100" dirty="0" smtClean="0">
+                <a:ln>
+                  <a:solidFill>
+                    <a:schemeClr val="tx1">
+                      <a:alpha val="0"/>
+                    </a:schemeClr>
+                  </a:solidFill>
+                </a:ln>
+                <a:latin typeface="나눔바른고딕" panose="020B0603020101020101" pitchFamily="50" charset="-127"/>
+                <a:ea typeface="나눔바른고딕" panose="020B0603020101020101" pitchFamily="50" charset="-127"/>
+              </a:rPr>
+              <a:t>)</a:t>
+            </a:r>
+            <a:endParaRPr lang="en-US" altLang="ko-KR" sz="1100" dirty="0">
+              <a:ln>
+                <a:solidFill>
+                  <a:schemeClr val="tx1">
+                    <a:alpha val="0"/>
+                  </a:schemeClr>
+                </a:solidFill>
+              </a:ln>
+              <a:latin typeface="나눔바른고딕" panose="020B0603020101020101" pitchFamily="50" charset="-127"/>
+              <a:ea typeface="나눔바른고딕" panose="020B0603020101020101" pitchFamily="50" charset="-127"/>
+            </a:endParaRPr>
+          </a:p>
+        </p:txBody>
+      </p:sp>
+      <p:sp>
+        <p:nvSpPr>
+          <p:cNvPr id="8" name="직사각형 7"/>
+          <p:cNvSpPr/>
+          <p:nvPr/>
+        </p:nvSpPr>
+        <p:spPr>
+          <a:xfrm>
+            <a:off x="5565531" y="5930167"/>
+            <a:ext cx="3299514" cy="646331"/>
+          </a:xfrm>
+          <a:prstGeom prst="rect">
+            <a:avLst/>
+          </a:prstGeom>
+          <a:solidFill>
+            <a:schemeClr val="accent4">
+              <a:lumMod val="20000"/>
+              <a:lumOff val="80000"/>
+            </a:schemeClr>
+          </a:solidFill>
+          <a:ln w="25400">
+            <a:solidFill>
+              <a:srgbClr val="C00000"/>
+            </a:solidFill>
+          </a:ln>
+        </p:spPr>
+        <p:txBody>
+          <a:bodyPr wrap="square">
+            <a:spAutoFit/>
+          </a:bodyPr>
+          <a:lstStyle/>
+          <a:p>
+            <a:pPr algn="r"/>
+            <a:r>
+              <a:rPr lang="ko-KR" altLang="en-US" sz="1200" dirty="0" smtClean="0">
+                <a:ln>
+                  <a:solidFill>
+                    <a:schemeClr val="tx1">
+                      <a:alpha val="0"/>
+                    </a:schemeClr>
+                  </a:solidFill>
+                </a:ln>
+                <a:latin typeface="나눔바른고딕" panose="020B0603020101020101" pitchFamily="50" charset="-127"/>
+                <a:ea typeface="나눔바른고딕" panose="020B0603020101020101" pitchFamily="50" charset="-127"/>
+              </a:rPr>
+              <a:t>파라미터 추가 되는대로 내주 진행 예정</a:t>
+            </a:r>
+            <a:endParaRPr lang="en-US" altLang="ko-KR" sz="1200" dirty="0" smtClean="0">
+              <a:ln>
+                <a:solidFill>
+                  <a:schemeClr val="tx1">
+                    <a:alpha val="0"/>
+                  </a:schemeClr>
+                </a:solidFill>
+              </a:ln>
+              <a:latin typeface="나눔바른고딕" panose="020B0603020101020101" pitchFamily="50" charset="-127"/>
+              <a:ea typeface="나눔바른고딕" panose="020B0603020101020101" pitchFamily="50" charset="-127"/>
+            </a:endParaRPr>
+          </a:p>
+          <a:p>
+            <a:pPr algn="r"/>
+            <a:endParaRPr lang="en-US" altLang="ko-KR" sz="1200" dirty="0">
+              <a:ln>
+                <a:solidFill>
+                  <a:schemeClr val="tx1">
+                    <a:alpha val="0"/>
+                  </a:schemeClr>
+                </a:solidFill>
+              </a:ln>
+              <a:latin typeface="나눔바른고딕" panose="020B0603020101020101" pitchFamily="50" charset="-127"/>
+              <a:ea typeface="나눔바른고딕" panose="020B0603020101020101" pitchFamily="50" charset="-127"/>
+            </a:endParaRPr>
+          </a:p>
+          <a:p>
+            <a:pPr algn="r"/>
+            <a:r>
+              <a:rPr lang="ko-KR" altLang="en-US" sz="1200" b="1" dirty="0" smtClean="0">
+                <a:ln>
+                  <a:solidFill>
+                    <a:schemeClr val="tx1">
+                      <a:alpha val="0"/>
+                    </a:schemeClr>
+                  </a:solidFill>
+                </a:ln>
+                <a:latin typeface="나눔바른고딕" panose="020B0603020101020101" pitchFamily="50" charset="-127"/>
+                <a:ea typeface="나눔바른고딕" panose="020B0603020101020101" pitchFamily="50" charset="-127"/>
+              </a:rPr>
+              <a:t>제공 상품</a:t>
+            </a:r>
+            <a:r>
+              <a:rPr lang="ko-KR" altLang="en-US" sz="1200" dirty="0" smtClean="0">
+                <a:ln>
+                  <a:solidFill>
+                    <a:schemeClr val="tx1">
+                      <a:alpha val="0"/>
+                    </a:schemeClr>
+                  </a:solidFill>
+                </a:ln>
+                <a:latin typeface="나눔바른고딕" panose="020B0603020101020101" pitchFamily="50" charset="-127"/>
+                <a:ea typeface="나눔바른고딕" panose="020B0603020101020101" pitchFamily="50" charset="-127"/>
+              </a:rPr>
+              <a:t>은 논의 필요</a:t>
+            </a:r>
+            <a:endParaRPr lang="en-US" altLang="ko-KR" sz="1200" dirty="0">
+              <a:ln>
+                <a:solidFill>
+                  <a:schemeClr val="tx1">
+                    <a:alpha val="0"/>
+                  </a:schemeClr>
+                </a:solidFill>
+              </a:ln>
+              <a:latin typeface="나눔바른고딕" panose="020B0603020101020101" pitchFamily="50" charset="-127"/>
+              <a:ea typeface="나눔바른고딕" panose="020B0603020101020101" pitchFamily="50" charset="-127"/>
+            </a:endParaRPr>
+          </a:p>
+        </p:txBody>
+      </p:sp>
+      <p:pic>
+        <p:nvPicPr>
+          <p:cNvPr id="2" name="그림 1"/>
+          <p:cNvPicPr>
+            <a:picLocks noChangeAspect="1"/>
+          </p:cNvPicPr>
+          <p:nvPr/>
+        </p:nvPicPr>
+        <p:blipFill>
+          <a:blip r:embed="rId2"/>
+          <a:stretch>
+            <a:fillRect/>
+          </a:stretch>
+        </p:blipFill>
+        <p:spPr>
+          <a:xfrm>
+            <a:off x="136868" y="451219"/>
+            <a:ext cx="6910014" cy="3986765"/>
+          </a:xfrm>
+          <a:prstGeom prst="rect">
+            <a:avLst/>
+          </a:prstGeom>
+        </p:spPr>
+      </p:pic>
+    </p:spTree>
+    <p:extLst>
+      <p:ext uri="{BB962C8B-B14F-4D97-AF65-F5344CB8AC3E}">
+        <p14:creationId xmlns:p14="http://schemas.microsoft.com/office/powerpoint/2010/main" val="1762155302"/>
+      </p:ext>
+    </p:extLst>
+  </p:cSld>
+  <p:clrMapOvr>
+    <a:masterClrMapping/>
+  </p:clrMapOvr>
+  <p:timing>
+    <p:tnLst>
+      <p:par>
+        <p:cTn id="1" dur="indefinite" restart="never" nodeType="tmRoot"/>
+      </p:par>
+    </p:tnLst>
+  </p:timing>
+</p:sld>
+</file>
+
+<file path=ppt/slides/slide5.xml><?xml version="1.0" encoding="utf-8"?>
+<p:sld xmlns:a="http://schemas.openxmlformats.org/drawingml/2006/main" xmlns:r="http://schemas.openxmlformats.org/officeDocument/2006/relationships" xmlns:p="http://schemas.openxmlformats.org/presentationml/2006/main">
+  <p:cSld>
+    <p:spTree>
+      <p:nvGrpSpPr>
+        <p:cNvPr id="1" name=""/>
+        <p:cNvGrpSpPr/>
+        <p:nvPr/>
+      </p:nvGrpSpPr>
+      <p:grpSpPr>
+        <a:xfrm>
+          <a:off x="0" y="0"/>
+          <a:ext cx="0" cy="0"/>
+          <a:chOff x="0" y="0"/>
+          <a:chExt cx="0" cy="0"/>
+        </a:xfrm>
+      </p:grpSpPr>
+      <p:pic>
+        <p:nvPicPr>
+          <p:cNvPr id="2" name="그림 1"/>
+          <p:cNvPicPr>
+            <a:picLocks noChangeAspect="1"/>
+          </p:cNvPicPr>
+          <p:nvPr/>
+        </p:nvPicPr>
+        <p:blipFill>
+          <a:blip r:embed="rId2"/>
+          <a:stretch>
+            <a:fillRect/>
+          </a:stretch>
+        </p:blipFill>
+        <p:spPr>
+          <a:xfrm>
+            <a:off x="534371" y="2501495"/>
+            <a:ext cx="6763357" cy="2000826"/>
+          </a:xfrm>
+          <a:prstGeom prst="rect">
+            <a:avLst/>
+          </a:prstGeom>
+        </p:spPr>
+      </p:pic>
+      <p:sp>
+        <p:nvSpPr>
+          <p:cNvPr id="3" name="직사각형 2"/>
+          <p:cNvSpPr/>
+          <p:nvPr/>
+        </p:nvSpPr>
+        <p:spPr>
+          <a:xfrm>
+            <a:off x="209921" y="563138"/>
+            <a:ext cx="5809626" cy="261610"/>
+          </a:xfrm>
+          <a:prstGeom prst="rect">
+            <a:avLst/>
+          </a:prstGeom>
+          <a:noFill/>
+          <a:ln>
+            <a:noFill/>
+          </a:ln>
+        </p:spPr>
+        <p:txBody>
+          <a:bodyPr wrap="square">
+            <a:spAutoFit/>
+          </a:bodyPr>
+          <a:lstStyle/>
+          <a:p>
+            <a:r>
+              <a:rPr lang="ko-KR" altLang="en-US" sz="1100" dirty="0" smtClean="0">
+                <a:ln>
+                  <a:solidFill>
+                    <a:schemeClr val="tx1">
+                      <a:alpha val="0"/>
+                    </a:schemeClr>
+                  </a:solidFill>
+                </a:ln>
+                <a:latin typeface="나눔바른고딕" panose="020B0603020101020101" pitchFamily="50" charset="-127"/>
+                <a:ea typeface="나눔바른고딕" panose="020B0603020101020101" pitchFamily="50" charset="-127"/>
+              </a:rPr>
+              <a:t>수상 후기</a:t>
+            </a:r>
+            <a:r>
+              <a:rPr lang="en-US" altLang="ko-KR" sz="1100" dirty="0" smtClean="0">
+                <a:ln>
+                  <a:solidFill>
+                    <a:schemeClr val="tx1">
+                      <a:alpha val="0"/>
+                    </a:schemeClr>
+                  </a:solidFill>
+                </a:ln>
+                <a:latin typeface="나눔바른고딕" panose="020B0603020101020101" pitchFamily="50" charset="-127"/>
+                <a:ea typeface="나눔바른고딕" panose="020B0603020101020101" pitchFamily="50" charset="-127"/>
+              </a:rPr>
+              <a:t>, </a:t>
+            </a:r>
+            <a:r>
+              <a:rPr lang="ko-KR" altLang="en-US" sz="1100" dirty="0" smtClean="0">
+                <a:ln>
+                  <a:solidFill>
+                    <a:schemeClr val="tx1">
+                      <a:alpha val="0"/>
+                    </a:schemeClr>
+                  </a:solidFill>
+                </a:ln>
+                <a:latin typeface="나눔바른고딕" panose="020B0603020101020101" pitchFamily="50" charset="-127"/>
+                <a:ea typeface="나눔바른고딕" panose="020B0603020101020101" pitchFamily="50" charset="-127"/>
+              </a:rPr>
+              <a:t>합격 후기에 아이들 얼굴이 들어가면 안되는지</a:t>
+            </a:r>
+            <a:endParaRPr lang="en-US" altLang="ko-KR" sz="1100" dirty="0">
+              <a:ln>
+                <a:solidFill>
+                  <a:schemeClr val="tx1">
+                    <a:alpha val="0"/>
+                  </a:schemeClr>
+                </a:solidFill>
+              </a:ln>
+              <a:latin typeface="나눔바른고딕" panose="020B0603020101020101" pitchFamily="50" charset="-127"/>
+              <a:ea typeface="나눔바른고딕" panose="020B0603020101020101" pitchFamily="50" charset="-127"/>
+            </a:endParaRPr>
+          </a:p>
+        </p:txBody>
+      </p:sp>
+    </p:spTree>
+    <p:extLst>
+      <p:ext uri="{BB962C8B-B14F-4D97-AF65-F5344CB8AC3E}">
+        <p14:creationId xmlns:p14="http://schemas.microsoft.com/office/powerpoint/2010/main" val="1681229001"/>
+      </p:ext>
+    </p:extLst>
+  </p:cSld>
+  <p:clrMapOvr>
+    <a:masterClrMapping/>
+  </p:clrMapOvr>
+</p:sld>
+</file>
+
+<file path=ppt/slides/slide6.xml><?xml version="1.0" encoding="utf-8"?>
+<p:sld xmlns:a="http://schemas.openxmlformats.org/drawingml/2006/main" xmlns:r="http://schemas.openxmlformats.org/officeDocument/2006/relationships" xmlns:p="http://schemas.openxmlformats.org/presentationml/2006/main">
+  <p:cSld>
+    <p:spTree>
+      <p:nvGrpSpPr>
+        <p:cNvPr id="1" name=""/>
+        <p:cNvGrpSpPr/>
+        <p:nvPr/>
+      </p:nvGrpSpPr>
+      <p:grpSpPr>
+        <a:xfrm>
+          <a:off x="0" y="0"/>
+          <a:ext cx="0" cy="0"/>
+          <a:chOff x="0" y="0"/>
+          <a:chExt cx="0" cy="0"/>
+        </a:xfrm>
+      </p:grpSpPr>
+    </p:spTree>
+    <p:extLst>
+      <p:ext uri="{BB962C8B-B14F-4D97-AF65-F5344CB8AC3E}">
+        <p14:creationId xmlns:p14="http://schemas.microsoft.com/office/powerpoint/2010/main" val="1460784836"/>
+      </p:ext>
+    </p:extLst>
+  </p:cSld>
+  <p:clrMapOvr>
+    <a:masterClrMapping/>
+  </p:clrMapOvr>
+</p:sld>
+</file>
+
+<file path=ppt/slides/slide7.xml><?xml version="1.0" encoding="utf-8"?>
+<p:sld xmlns:a="http://schemas.openxmlformats.org/drawingml/2006/main" xmlns:r="http://schemas.openxmlformats.org/officeDocument/2006/relationships" xmlns:p="http://schemas.openxmlformats.org/presentationml/2006/main">
+  <p:cSld>
+    <p:spTree>
+      <p:nvGrpSpPr>
+        <p:cNvPr id="1" name=""/>
+        <p:cNvGrpSpPr/>
+        <p:nvPr/>
+      </p:nvGrpSpPr>
+      <p:grpSpPr>
+        <a:xfrm>
+          <a:off x="0" y="0"/>
+          <a:ext cx="0" cy="0"/>
+          <a:chOff x="0" y="0"/>
+          <a:chExt cx="0" cy="0"/>
+        </a:xfrm>
+      </p:grpSpPr>
+      <p:pic>
+        <p:nvPicPr>
+          <p:cNvPr id="2" name="그림 1"/>
+          <p:cNvPicPr>
+            <a:picLocks noChangeAspect="1"/>
+          </p:cNvPicPr>
+          <p:nvPr/>
+        </p:nvPicPr>
+        <p:blipFill>
+          <a:blip r:embed="rId2"/>
+          <a:stretch>
+            <a:fillRect/>
+          </a:stretch>
+        </p:blipFill>
+        <p:spPr>
+          <a:xfrm>
+            <a:off x="245039" y="1180687"/>
+            <a:ext cx="5929620" cy="2132450"/>
+          </a:xfrm>
+          <a:prstGeom prst="rect">
+            <a:avLst/>
+          </a:prstGeom>
+        </p:spPr>
+      </p:pic>
+      <p:sp>
+        <p:nvSpPr>
+          <p:cNvPr id="3" name="직사각형 2"/>
+          <p:cNvSpPr/>
+          <p:nvPr/>
+        </p:nvSpPr>
+        <p:spPr>
+          <a:xfrm>
+            <a:off x="136868" y="98606"/>
+            <a:ext cx="4572000" cy="253916"/>
+          </a:xfrm>
+          <a:prstGeom prst="rect">
+            <a:avLst/>
+          </a:prstGeom>
+        </p:spPr>
+        <p:txBody>
+          <a:bodyPr>
+            <a:spAutoFit/>
+          </a:bodyPr>
+          <a:lstStyle/>
+          <a:p>
+            <a:r>
+              <a:rPr lang="ko-KR" altLang="en-US" sz="1050" b="1" dirty="0" err="1" smtClean="0">
+                <a:ln>
+                  <a:solidFill>
+                    <a:schemeClr val="tx1">
+                      <a:alpha val="0"/>
+                    </a:schemeClr>
+                  </a:solidFill>
+                </a:ln>
+                <a:latin typeface="나눔바른고딕" panose="020B0603020101020101" pitchFamily="50" charset="-127"/>
+                <a:ea typeface="나눔바른고딕" panose="020B0603020101020101" pitchFamily="50" charset="-127"/>
+              </a:rPr>
+              <a:t>채널톡</a:t>
+            </a:r>
+            <a:r>
+              <a:rPr lang="ko-KR" altLang="en-US" sz="1050" b="1" dirty="0" smtClean="0">
+                <a:ln>
+                  <a:solidFill>
+                    <a:schemeClr val="tx1">
+                      <a:alpha val="0"/>
+                    </a:schemeClr>
+                  </a:solidFill>
+                </a:ln>
+                <a:latin typeface="나눔바른고딕" panose="020B0603020101020101" pitchFamily="50" charset="-127"/>
+                <a:ea typeface="나눔바른고딕" panose="020B0603020101020101" pitchFamily="50" charset="-127"/>
+              </a:rPr>
+              <a:t> 마케팅 성과 </a:t>
+            </a:r>
+            <a:r>
+              <a:rPr lang="en-US" altLang="ko-KR" sz="1050" b="1" dirty="0" smtClean="0">
+                <a:ln>
+                  <a:solidFill>
+                    <a:schemeClr val="tx1">
+                      <a:alpha val="0"/>
+                    </a:schemeClr>
+                  </a:solidFill>
+                </a:ln>
+                <a:latin typeface="나눔바른고딕" panose="020B0603020101020101" pitchFamily="50" charset="-127"/>
+                <a:ea typeface="나눔바른고딕" panose="020B0603020101020101" pitchFamily="50" charset="-127"/>
+              </a:rPr>
+              <a:t>: </a:t>
+            </a:r>
+            <a:r>
+              <a:rPr lang="ko-KR" altLang="en-US" sz="1050" b="1" dirty="0" smtClean="0">
+                <a:ln>
+                  <a:solidFill>
+                    <a:schemeClr val="tx1">
+                      <a:alpha val="0"/>
+                    </a:schemeClr>
+                  </a:solidFill>
+                </a:ln>
+                <a:latin typeface="나눔바른고딕" panose="020B0603020101020101" pitchFamily="50" charset="-127"/>
+                <a:ea typeface="나눔바른고딕" panose="020B0603020101020101" pitchFamily="50" charset="-127"/>
+              </a:rPr>
+              <a:t>수강신청 페이지에서 </a:t>
+            </a:r>
+            <a:r>
+              <a:rPr lang="ko-KR" altLang="en-US" sz="1050" b="1" dirty="0" err="1" smtClean="0">
+                <a:ln>
+                  <a:solidFill>
+                    <a:schemeClr val="tx1">
+                      <a:alpha val="0"/>
+                    </a:schemeClr>
+                  </a:solidFill>
+                </a:ln>
+                <a:latin typeface="나눔바른고딕" panose="020B0603020101020101" pitchFamily="50" charset="-127"/>
+                <a:ea typeface="나눔바른고딕" panose="020B0603020101020101" pitchFamily="50" charset="-127"/>
+              </a:rPr>
+              <a:t>체험유도</a:t>
+            </a:r>
+            <a:endParaRPr lang="ko-KR" altLang="en-US" sz="1050" b="1" dirty="0">
+              <a:ln>
+                <a:solidFill>
+                  <a:schemeClr val="tx1">
+                    <a:alpha val="0"/>
+                  </a:schemeClr>
+                </a:solidFill>
+              </a:ln>
+              <a:latin typeface="나눔바른고딕" panose="020B0603020101020101" pitchFamily="50" charset="-127"/>
+              <a:ea typeface="나눔바른고딕" panose="020B0603020101020101" pitchFamily="50" charset="-127"/>
+            </a:endParaRPr>
+          </a:p>
+        </p:txBody>
+      </p:sp>
+      <p:cxnSp>
+        <p:nvCxnSpPr>
+          <p:cNvPr id="4" name="직선 연결선 3"/>
+          <p:cNvCxnSpPr/>
+          <p:nvPr/>
+        </p:nvCxnSpPr>
+        <p:spPr>
+          <a:xfrm>
+            <a:off x="136868" y="401870"/>
+            <a:ext cx="8867351" cy="0"/>
+          </a:xfrm>
+          <a:prstGeom prst="line">
+            <a:avLst/>
+          </a:prstGeom>
+          <a:ln>
+            <a:solidFill>
+              <a:schemeClr val="tx1"/>
+            </a:solidFill>
+          </a:ln>
+        </p:spPr>
+        <p:style>
+          <a:lnRef idx="1">
+            <a:schemeClr val="accent1"/>
+          </a:lnRef>
+          <a:fillRef idx="0">
+            <a:schemeClr val="accent1"/>
+          </a:fillRef>
+          <a:effectRef idx="0">
+            <a:schemeClr val="accent1"/>
+          </a:effectRef>
+          <a:fontRef idx="minor">
+            <a:schemeClr val="tx1"/>
+          </a:fontRef>
+        </p:style>
+      </p:cxnSp>
+      <p:pic>
+        <p:nvPicPr>
+          <p:cNvPr id="5" name="그림 4"/>
+          <p:cNvPicPr>
+            <a:picLocks noChangeAspect="1"/>
+          </p:cNvPicPr>
+          <p:nvPr/>
+        </p:nvPicPr>
+        <p:blipFill>
+          <a:blip r:embed="rId3"/>
+          <a:stretch>
+            <a:fillRect/>
+          </a:stretch>
+        </p:blipFill>
+        <p:spPr>
+          <a:xfrm>
+            <a:off x="6867241" y="550606"/>
+            <a:ext cx="1922798" cy="3131574"/>
+          </a:xfrm>
+          <a:prstGeom prst="rect">
+            <a:avLst/>
+          </a:prstGeom>
+        </p:spPr>
+      </p:pic>
+      <p:sp>
+        <p:nvSpPr>
+          <p:cNvPr id="6" name="직사각형 5"/>
+          <p:cNvSpPr/>
+          <p:nvPr/>
+        </p:nvSpPr>
+        <p:spPr>
+          <a:xfrm>
+            <a:off x="6929115" y="3992241"/>
+            <a:ext cx="1871023" cy="261610"/>
+          </a:xfrm>
+          <a:prstGeom prst="rect">
+            <a:avLst/>
+          </a:prstGeom>
+          <a:solidFill>
+            <a:schemeClr val="bg2"/>
+          </a:solidFill>
+          <a:ln>
+            <a:solidFill>
+              <a:srgbClr val="0070C0"/>
+            </a:solidFill>
+          </a:ln>
+        </p:spPr>
+        <p:txBody>
+          <a:bodyPr wrap="square">
+            <a:spAutoFit/>
+          </a:bodyPr>
+          <a:lstStyle/>
+          <a:p>
+            <a:pPr algn="r"/>
+            <a:r>
+              <a:rPr lang="ko-KR" altLang="en-US" sz="1100" dirty="0" smtClean="0">
+                <a:ln>
+                  <a:solidFill>
+                    <a:schemeClr val="tx1">
+                      <a:alpha val="0"/>
+                    </a:schemeClr>
+                  </a:solidFill>
+                </a:ln>
+                <a:latin typeface="나눔바른고딕" panose="020B0603020101020101" pitchFamily="50" charset="-127"/>
+                <a:ea typeface="나눔바른고딕" panose="020B0603020101020101" pitchFamily="50" charset="-127"/>
+              </a:rPr>
+              <a:t>목표 </a:t>
+            </a:r>
+            <a:r>
+              <a:rPr lang="en-US" altLang="ko-KR" sz="1100" dirty="0" smtClean="0">
+                <a:ln>
+                  <a:solidFill>
+                    <a:schemeClr val="tx1">
+                      <a:alpha val="0"/>
+                    </a:schemeClr>
+                  </a:solidFill>
+                </a:ln>
+                <a:latin typeface="나눔바른고딕" panose="020B0603020101020101" pitchFamily="50" charset="-127"/>
+                <a:ea typeface="나눔바른고딕" panose="020B0603020101020101" pitchFamily="50" charset="-127"/>
+              </a:rPr>
+              <a:t>: </a:t>
+            </a:r>
+            <a:r>
+              <a:rPr lang="ko-KR" altLang="en-US" sz="1100" dirty="0" err="1" smtClean="0">
+                <a:ln>
+                  <a:solidFill>
+                    <a:schemeClr val="tx1">
+                      <a:alpha val="0"/>
+                    </a:schemeClr>
+                  </a:solidFill>
+                </a:ln>
+                <a:latin typeface="나눔바른고딕" panose="020B0603020101020101" pitchFamily="50" charset="-127"/>
+                <a:ea typeface="나눔바른고딕" panose="020B0603020101020101" pitchFamily="50" charset="-127"/>
+              </a:rPr>
+              <a:t>체험신청</a:t>
+            </a:r>
+            <a:r>
+              <a:rPr lang="en-US" altLang="ko-KR" sz="1100" dirty="0" smtClean="0">
+                <a:ln>
+                  <a:solidFill>
+                    <a:schemeClr val="tx1">
+                      <a:alpha val="0"/>
+                    </a:schemeClr>
+                  </a:solidFill>
+                </a:ln>
+                <a:latin typeface="나눔바른고딕" panose="020B0603020101020101" pitchFamily="50" charset="-127"/>
+                <a:ea typeface="나눔바른고딕" panose="020B0603020101020101" pitchFamily="50" charset="-127"/>
+              </a:rPr>
+              <a:t>(</a:t>
+            </a:r>
+            <a:r>
+              <a:rPr lang="ko-KR" altLang="en-US" sz="1100" dirty="0" smtClean="0">
+                <a:ln>
+                  <a:solidFill>
+                    <a:schemeClr val="tx1">
+                      <a:alpha val="0"/>
+                    </a:schemeClr>
+                  </a:solidFill>
+                </a:ln>
+                <a:latin typeface="나눔바른고딕" panose="020B0603020101020101" pitchFamily="50" charset="-127"/>
+                <a:ea typeface="나눔바른고딕" panose="020B0603020101020101" pitchFamily="50" charset="-127"/>
+              </a:rPr>
+              <a:t>완료</a:t>
+            </a:r>
+            <a:r>
+              <a:rPr lang="en-US" altLang="ko-KR" sz="1100" dirty="0" smtClean="0">
+                <a:ln>
+                  <a:solidFill>
+                    <a:schemeClr val="tx1">
+                      <a:alpha val="0"/>
+                    </a:schemeClr>
+                  </a:solidFill>
+                </a:ln>
+                <a:latin typeface="나눔바른고딕" panose="020B0603020101020101" pitchFamily="50" charset="-127"/>
+                <a:ea typeface="나눔바른고딕" panose="020B0603020101020101" pitchFamily="50" charset="-127"/>
+              </a:rPr>
+              <a:t>) </a:t>
+            </a:r>
+          </a:p>
+        </p:txBody>
+      </p:sp>
+      <p:sp>
+        <p:nvSpPr>
+          <p:cNvPr id="7" name="직사각형 6"/>
+          <p:cNvSpPr/>
+          <p:nvPr/>
+        </p:nvSpPr>
+        <p:spPr>
+          <a:xfrm>
+            <a:off x="4854011" y="6001292"/>
+            <a:ext cx="4150208" cy="646331"/>
+          </a:xfrm>
+          <a:prstGeom prst="rect">
+            <a:avLst/>
+          </a:prstGeom>
+          <a:solidFill>
+            <a:schemeClr val="accent4">
+              <a:lumMod val="20000"/>
+              <a:lumOff val="80000"/>
+            </a:schemeClr>
+          </a:solidFill>
+          <a:ln w="25400">
+            <a:solidFill>
+              <a:srgbClr val="C00000"/>
+            </a:solidFill>
+          </a:ln>
+        </p:spPr>
+        <p:txBody>
+          <a:bodyPr wrap="square">
+            <a:spAutoFit/>
+          </a:bodyPr>
+          <a:lstStyle/>
+          <a:p>
+            <a:pPr algn="r"/>
+            <a:r>
+              <a:rPr lang="ko-KR" altLang="en-US" sz="1200" dirty="0" smtClean="0">
+                <a:ln>
+                  <a:solidFill>
+                    <a:schemeClr val="tx1">
+                      <a:alpha val="0"/>
+                    </a:schemeClr>
+                  </a:solidFill>
+                </a:ln>
+                <a:latin typeface="나눔바른고딕" panose="020B0603020101020101" pitchFamily="50" charset="-127"/>
+                <a:ea typeface="나눔바른고딕" panose="020B0603020101020101" pitchFamily="50" charset="-127"/>
+              </a:rPr>
+              <a:t>수강신청 페이지에 </a:t>
+            </a:r>
+            <a:r>
+              <a:rPr lang="en-US" altLang="ko-KR" sz="1200" dirty="0" smtClean="0">
+                <a:ln>
+                  <a:solidFill>
+                    <a:schemeClr val="tx1">
+                      <a:alpha val="0"/>
+                    </a:schemeClr>
+                  </a:solidFill>
+                </a:ln>
+                <a:latin typeface="나눔바른고딕" panose="020B0603020101020101" pitchFamily="50" charset="-127"/>
+                <a:ea typeface="나눔바른고딕" panose="020B0603020101020101" pitchFamily="50" charset="-127"/>
+              </a:rPr>
+              <a:t>1</a:t>
+            </a:r>
+            <a:r>
+              <a:rPr lang="ko-KR" altLang="en-US" sz="1200" dirty="0" smtClean="0">
+                <a:ln>
+                  <a:solidFill>
+                    <a:schemeClr val="tx1">
+                      <a:alpha val="0"/>
+                    </a:schemeClr>
+                  </a:solidFill>
+                </a:ln>
+                <a:latin typeface="나눔바른고딕" panose="020B0603020101020101" pitchFamily="50" charset="-127"/>
+                <a:ea typeface="나눔바른고딕" panose="020B0603020101020101" pitchFamily="50" charset="-127"/>
+              </a:rPr>
+              <a:t>분 이상 머무는 고객 대상으로 나간 </a:t>
+            </a:r>
+            <a:r>
+              <a:rPr lang="ko-KR" altLang="en-US" sz="1200" dirty="0" err="1" smtClean="0">
+                <a:ln>
+                  <a:solidFill>
+                    <a:schemeClr val="tx1">
+                      <a:alpha val="0"/>
+                    </a:schemeClr>
+                  </a:solidFill>
+                </a:ln>
+                <a:latin typeface="나눔바른고딕" panose="020B0603020101020101" pitchFamily="50" charset="-127"/>
+                <a:ea typeface="나눔바른고딕" panose="020B0603020101020101" pitchFamily="50" charset="-127"/>
+              </a:rPr>
+              <a:t>푸시알림</a:t>
+            </a:r>
+            <a:endParaRPr lang="en-US" altLang="ko-KR" sz="1200" dirty="0" smtClean="0">
+              <a:ln>
+                <a:solidFill>
+                  <a:schemeClr val="tx1">
+                    <a:alpha val="0"/>
+                  </a:schemeClr>
+                </a:solidFill>
+              </a:ln>
+              <a:latin typeface="나눔바른고딕" panose="020B0603020101020101" pitchFamily="50" charset="-127"/>
+              <a:ea typeface="나눔바른고딕" panose="020B0603020101020101" pitchFamily="50" charset="-127"/>
+            </a:endParaRPr>
+          </a:p>
+          <a:p>
+            <a:pPr algn="r"/>
+            <a:endParaRPr lang="en-US" altLang="ko-KR" sz="1200" dirty="0">
+              <a:ln>
+                <a:solidFill>
+                  <a:schemeClr val="tx1">
+                    <a:alpha val="0"/>
+                  </a:schemeClr>
+                </a:solidFill>
+              </a:ln>
+              <a:latin typeface="나눔바른고딕" panose="020B0603020101020101" pitchFamily="50" charset="-127"/>
+              <a:ea typeface="나눔바른고딕" panose="020B0603020101020101" pitchFamily="50" charset="-127"/>
+            </a:endParaRPr>
+          </a:p>
+          <a:p>
+            <a:pPr algn="r"/>
+            <a:r>
+              <a:rPr lang="ko-KR" altLang="en-US" sz="1200" b="1" dirty="0" smtClean="0">
+                <a:ln>
+                  <a:solidFill>
+                    <a:schemeClr val="tx1">
+                      <a:alpha val="0"/>
+                    </a:schemeClr>
+                  </a:solidFill>
+                </a:ln>
+                <a:latin typeface="나눔바른고딕" panose="020B0603020101020101" pitchFamily="50" charset="-127"/>
+                <a:ea typeface="나눔바른고딕" panose="020B0603020101020101" pitchFamily="50" charset="-127"/>
+              </a:rPr>
+              <a:t>체험신청완료 </a:t>
+            </a:r>
+            <a:r>
+              <a:rPr lang="ko-KR" altLang="en-US" sz="1200" b="1" dirty="0" err="1" smtClean="0">
+                <a:ln>
+                  <a:solidFill>
+                    <a:schemeClr val="tx1">
+                      <a:alpha val="0"/>
+                    </a:schemeClr>
+                  </a:solidFill>
+                </a:ln>
+                <a:latin typeface="나눔바른고딕" panose="020B0603020101020101" pitchFamily="50" charset="-127"/>
+                <a:ea typeface="나눔바른고딕" panose="020B0603020101020101" pitchFamily="50" charset="-127"/>
+              </a:rPr>
+              <a:t>목표달성율</a:t>
+            </a:r>
+            <a:r>
+              <a:rPr lang="ko-KR" altLang="en-US" sz="1200" b="1" dirty="0" smtClean="0">
+                <a:ln>
+                  <a:solidFill>
+                    <a:schemeClr val="tx1">
+                      <a:alpha val="0"/>
+                    </a:schemeClr>
+                  </a:solidFill>
+                </a:ln>
+                <a:latin typeface="나눔바른고딕" panose="020B0603020101020101" pitchFamily="50" charset="-127"/>
+                <a:ea typeface="나눔바른고딕" panose="020B0603020101020101" pitchFamily="50" charset="-127"/>
+              </a:rPr>
+              <a:t> </a:t>
+            </a:r>
+            <a:r>
+              <a:rPr lang="en-US" altLang="ko-KR" sz="1200" b="1" dirty="0" smtClean="0">
+                <a:ln>
+                  <a:solidFill>
+                    <a:schemeClr val="tx1">
+                      <a:alpha val="0"/>
+                    </a:schemeClr>
+                  </a:solidFill>
+                </a:ln>
+                <a:latin typeface="나눔바른고딕" panose="020B0603020101020101" pitchFamily="50" charset="-127"/>
+                <a:ea typeface="나눔바른고딕" panose="020B0603020101020101" pitchFamily="50" charset="-127"/>
+              </a:rPr>
+              <a:t>10.5%</a:t>
+            </a:r>
+          </a:p>
+        </p:txBody>
+      </p:sp>
+      <p:sp>
+        <p:nvSpPr>
+          <p:cNvPr id="8" name="직사각형 7"/>
+          <p:cNvSpPr/>
+          <p:nvPr/>
+        </p:nvSpPr>
+        <p:spPr>
+          <a:xfrm>
+            <a:off x="355200" y="563138"/>
+            <a:ext cx="6301974" cy="430887"/>
+          </a:xfrm>
+          <a:prstGeom prst="rect">
+            <a:avLst/>
+          </a:prstGeom>
+          <a:noFill/>
+          <a:ln>
+            <a:noFill/>
+          </a:ln>
+        </p:spPr>
+        <p:txBody>
+          <a:bodyPr wrap="square">
+            <a:spAutoFit/>
+          </a:bodyPr>
+          <a:lstStyle/>
+          <a:p>
+            <a:r>
+              <a:rPr lang="ko-KR" altLang="en-US" sz="1100" dirty="0" smtClean="0">
+                <a:ln>
+                  <a:solidFill>
+                    <a:schemeClr val="tx1">
+                      <a:alpha val="0"/>
+                    </a:schemeClr>
+                  </a:solidFill>
+                </a:ln>
+                <a:latin typeface="나눔바른고딕" panose="020B0603020101020101" pitchFamily="50" charset="-127"/>
+                <a:ea typeface="나눔바른고딕" panose="020B0603020101020101" pitchFamily="50" charset="-127"/>
+              </a:rPr>
+              <a:t>수강신청탭에서 고민하는 고객 대상으로 보내지는 </a:t>
+            </a:r>
+            <a:r>
+              <a:rPr lang="ko-KR" altLang="en-US" sz="1100" dirty="0" err="1" smtClean="0">
+                <a:ln>
+                  <a:solidFill>
+                    <a:schemeClr val="tx1">
+                      <a:alpha val="0"/>
+                    </a:schemeClr>
+                  </a:solidFill>
+                </a:ln>
+                <a:latin typeface="나눔바른고딕" panose="020B0603020101020101" pitchFamily="50" charset="-127"/>
+                <a:ea typeface="나눔바른고딕" panose="020B0603020101020101" pitchFamily="50" charset="-127"/>
+              </a:rPr>
+              <a:t>푸시알림입니다</a:t>
+            </a:r>
+            <a:r>
+              <a:rPr lang="en-US" altLang="ko-KR" sz="1100" dirty="0" smtClean="0">
+                <a:ln>
+                  <a:solidFill>
+                    <a:schemeClr val="tx1">
+                      <a:alpha val="0"/>
+                    </a:schemeClr>
+                  </a:solidFill>
+                </a:ln>
+                <a:latin typeface="나눔바른고딕" panose="020B0603020101020101" pitchFamily="50" charset="-127"/>
+                <a:ea typeface="나눔바른고딕" panose="020B0603020101020101" pitchFamily="50" charset="-127"/>
+              </a:rPr>
+              <a:t>.</a:t>
+            </a:r>
+          </a:p>
+          <a:p>
+            <a:endParaRPr lang="en-US" altLang="ko-KR" sz="1100" dirty="0">
+              <a:ln>
+                <a:solidFill>
+                  <a:schemeClr val="tx1">
+                    <a:alpha val="0"/>
+                  </a:schemeClr>
+                </a:solidFill>
+              </a:ln>
+              <a:latin typeface="나눔바른고딕" panose="020B0603020101020101" pitchFamily="50" charset="-127"/>
+              <a:ea typeface="나눔바른고딕" panose="020B0603020101020101" pitchFamily="50" charset="-127"/>
+            </a:endParaRPr>
+          </a:p>
+        </p:txBody>
+      </p:sp>
+    </p:spTree>
+    <p:extLst>
+      <p:ext uri="{BB962C8B-B14F-4D97-AF65-F5344CB8AC3E}">
+        <p14:creationId xmlns:p14="http://schemas.microsoft.com/office/powerpoint/2010/main" val="2692374072"/>
+      </p:ext>
+    </p:extLst>
+  </p:cSld>
+  <p:clrMapOvr>
+    <a:masterClrMapping/>
+  </p:clrMapOvr>
+</p:sld>
+</file>
+
+<file path=ppt/slides/slide8.xml><?xml version="1.0" encoding="utf-8"?>
+<p:sld xmlns:a="http://schemas.openxmlformats.org/drawingml/2006/main" xmlns:r="http://schemas.openxmlformats.org/officeDocument/2006/relationships" xmlns:p="http://schemas.openxmlformats.org/presentationml/2006/main">
+  <p:cSld>
+    <p:spTree>
+      <p:nvGrpSpPr>
+        <p:cNvPr id="1" name=""/>
+        <p:cNvGrpSpPr/>
+        <p:nvPr/>
+      </p:nvGrpSpPr>
+      <p:grpSpPr>
+        <a:xfrm>
+          <a:off x="0" y="0"/>
+          <a:ext cx="0" cy="0"/>
+          <a:chOff x="0" y="0"/>
+          <a:chExt cx="0" cy="0"/>
+        </a:xfrm>
+      </p:grpSpPr>
+      <p:pic>
+        <p:nvPicPr>
+          <p:cNvPr id="3" name="그림 2"/>
+          <p:cNvPicPr>
+            <a:picLocks noChangeAspect="1"/>
+          </p:cNvPicPr>
+          <p:nvPr/>
+        </p:nvPicPr>
+        <p:blipFill>
+          <a:blip r:embed="rId2">
+            <a:extLst>
+              <a:ext uri="{28A0092B-C50C-407E-A947-70E740481C1C}">
+                <a14:useLocalDpi xmlns:a14="http://schemas.microsoft.com/office/drawing/2010/main" val="0"/>
+              </a:ext>
+            </a:extLst>
+          </a:blip>
+          <a:stretch>
+            <a:fillRect/>
+          </a:stretch>
+        </p:blipFill>
+        <p:spPr>
+          <a:xfrm>
+            <a:off x="1714624" y="1004048"/>
+            <a:ext cx="5437618" cy="5501340"/>
+          </a:xfrm>
+          <a:prstGeom prst="rect">
+            <a:avLst/>
+          </a:prstGeom>
+        </p:spPr>
+      </p:pic>
+    </p:spTree>
+    <p:extLst>
+      <p:ext uri="{BB962C8B-B14F-4D97-AF65-F5344CB8AC3E}">
+        <p14:creationId xmlns:p14="http://schemas.microsoft.com/office/powerpoint/2010/main" val="759925444"/>
+      </p:ext>
+    </p:extLst>
+  </p:cSld>
+  <p:clrMapOvr>
+    <a:masterClrMapping/>
+  </p:clrMapOvr>
+</p:sld>
+</file>
+
+<file path=ppt/slides/slide9.xml><?xml version="1.0" encoding="utf-8"?>
+<p:sld xmlns:a="http://schemas.openxmlformats.org/drawingml/2006/main" xmlns:r="http://schemas.openxmlformats.org/officeDocument/2006/relationships" xmlns:p="http://schemas.openxmlformats.org/presentationml/2006/main">
+  <p:cSld>
+    <p:spTree>
+      <p:nvGrpSpPr>
+        <p:cNvPr id="1" name=""/>
+        <p:cNvGrpSpPr/>
+        <p:nvPr/>
+      </p:nvGrpSpPr>
+      <p:grpSpPr>
+        <a:xfrm>
+          <a:off x="0" y="0"/>
+          <a:ext cx="0" cy="0"/>
+          <a:chOff x="0" y="0"/>
+          <a:chExt cx="0" cy="0"/>
+        </a:xfrm>
+      </p:grpSpPr>
+      <p:pic>
+        <p:nvPicPr>
+          <p:cNvPr id="2" name="그림 1"/>
+          <p:cNvPicPr>
+            <a:picLocks noChangeAspect="1"/>
+          </p:cNvPicPr>
+          <p:nvPr/>
+        </p:nvPicPr>
+        <p:blipFill>
+          <a:blip r:embed="rId2"/>
+          <a:stretch>
+            <a:fillRect/>
+          </a:stretch>
+        </p:blipFill>
+        <p:spPr>
+          <a:xfrm>
+            <a:off x="471253" y="3327821"/>
+            <a:ext cx="2801033" cy="2768336"/>
+          </a:xfrm>
+          <a:prstGeom prst="rect">
+            <a:avLst/>
+          </a:prstGeom>
+        </p:spPr>
+      </p:pic>
+      <p:pic>
+        <p:nvPicPr>
+          <p:cNvPr id="11" name="그림 10"/>
+          <p:cNvPicPr>
+            <a:picLocks noChangeAspect="1"/>
+          </p:cNvPicPr>
+          <p:nvPr/>
+        </p:nvPicPr>
+        <p:blipFill>
+          <a:blip r:embed="rId3"/>
+          <a:stretch>
+            <a:fillRect/>
+          </a:stretch>
+        </p:blipFill>
+        <p:spPr>
+          <a:xfrm>
+            <a:off x="3187511" y="3490810"/>
+            <a:ext cx="2261034" cy="2664991"/>
+          </a:xfrm>
+          <a:prstGeom prst="rect">
+            <a:avLst/>
+          </a:prstGeom>
+        </p:spPr>
+      </p:pic>
+      <p:sp>
+        <p:nvSpPr>
+          <p:cNvPr id="10" name="직사각형 9"/>
+          <p:cNvSpPr/>
+          <p:nvPr/>
+        </p:nvSpPr>
+        <p:spPr>
+          <a:xfrm>
+            <a:off x="363881" y="3068831"/>
+            <a:ext cx="5144569" cy="3203668"/>
+          </a:xfrm>
+          <a:prstGeom prst="rect">
+            <a:avLst/>
+          </a:prstGeom>
+          <a:noFill/>
+          <a:ln>
+            <a:solidFill>
+              <a:schemeClr val="bg1">
+                <a:lumMod val="75000"/>
+              </a:schemeClr>
+            </a:solidFill>
+          </a:ln>
+        </p:spPr>
+        <p:style>
+          <a:lnRef idx="2">
+            <a:schemeClr val="accent1">
+              <a:shade val="50000"/>
+            </a:schemeClr>
+          </a:lnRef>
+          <a:fillRef idx="1">
+            <a:schemeClr val="accent1"/>
+          </a:fillRef>
+          <a:effectRef idx="0">
+            <a:schemeClr val="accent1"/>
+          </a:effectRef>
+          <a:fontRef idx="minor">
+            <a:schemeClr val="lt1"/>
+          </a:fontRef>
+        </p:style>
+        <p:txBody>
+          <a:bodyPr rtlCol="0" anchor="ctr"/>
+          <a:lstStyle/>
+          <a:p>
+            <a:pPr algn="ctr"/>
+            <a:endParaRPr lang="ko-KR" altLang="en-US"/>
+          </a:p>
+        </p:txBody>
+      </p:sp>
+      <p:sp>
+        <p:nvSpPr>
+          <p:cNvPr id="3" name="직사각형 2"/>
+          <p:cNvSpPr/>
+          <p:nvPr/>
+        </p:nvSpPr>
+        <p:spPr>
+          <a:xfrm>
+            <a:off x="136868" y="98606"/>
+            <a:ext cx="4572000" cy="253916"/>
+          </a:xfrm>
+          <a:prstGeom prst="rect">
+            <a:avLst/>
+          </a:prstGeom>
+        </p:spPr>
+        <p:txBody>
+          <a:bodyPr>
+            <a:spAutoFit/>
+          </a:bodyPr>
+          <a:lstStyle/>
+          <a:p>
+            <a:r>
+              <a:rPr lang="ko-KR" altLang="en-US" sz="1050" b="1" dirty="0" err="1" smtClean="0">
+                <a:ln>
+                  <a:solidFill>
+                    <a:schemeClr val="tx1">
+                      <a:alpha val="0"/>
+                    </a:schemeClr>
+                  </a:solidFill>
+                </a:ln>
+                <a:latin typeface="나눔바른고딕" panose="020B0603020101020101" pitchFamily="50" charset="-127"/>
+                <a:ea typeface="나눔바른고딕" panose="020B0603020101020101" pitchFamily="50" charset="-127"/>
+              </a:rPr>
+              <a:t>채널톡</a:t>
+            </a:r>
+            <a:r>
+              <a:rPr lang="ko-KR" altLang="en-US" sz="1050" b="1" dirty="0" smtClean="0">
+                <a:ln>
+                  <a:solidFill>
+                    <a:schemeClr val="tx1">
+                      <a:alpha val="0"/>
+                    </a:schemeClr>
+                  </a:solidFill>
+                </a:ln>
+                <a:latin typeface="나눔바른고딕" panose="020B0603020101020101" pitchFamily="50" charset="-127"/>
+                <a:ea typeface="나눔바른고딕" panose="020B0603020101020101" pitchFamily="50" charset="-127"/>
+              </a:rPr>
+              <a:t> 마케팅 성과 </a:t>
+            </a:r>
+            <a:r>
+              <a:rPr lang="en-US" altLang="ko-KR" sz="1050" b="1" dirty="0" smtClean="0">
+                <a:ln>
+                  <a:solidFill>
+                    <a:schemeClr val="tx1">
+                      <a:alpha val="0"/>
+                    </a:schemeClr>
+                  </a:solidFill>
+                </a:ln>
+                <a:latin typeface="나눔바른고딕" panose="020B0603020101020101" pitchFamily="50" charset="-127"/>
+                <a:ea typeface="나눔바른고딕" panose="020B0603020101020101" pitchFamily="50" charset="-127"/>
+              </a:rPr>
+              <a:t>: </a:t>
+            </a:r>
+            <a:r>
+              <a:rPr lang="ko-KR" altLang="en-US" sz="1050" b="1" dirty="0" smtClean="0">
+                <a:ln>
+                  <a:solidFill>
+                    <a:schemeClr val="tx1">
+                      <a:alpha val="0"/>
+                    </a:schemeClr>
+                  </a:solidFill>
+                </a:ln>
+                <a:latin typeface="나눔바른고딕" panose="020B0603020101020101" pitchFamily="50" charset="-127"/>
+                <a:ea typeface="나눔바른고딕" panose="020B0603020101020101" pitchFamily="50" charset="-127"/>
+              </a:rPr>
+              <a:t>회원가입 후 체험 유도 </a:t>
+            </a:r>
+            <a:endParaRPr lang="ko-KR" altLang="en-US" sz="1050" b="1" dirty="0">
+              <a:ln>
+                <a:solidFill>
+                  <a:schemeClr val="tx1">
+                    <a:alpha val="0"/>
+                  </a:schemeClr>
+                </a:solidFill>
+              </a:ln>
+              <a:latin typeface="나눔바른고딕" panose="020B0603020101020101" pitchFamily="50" charset="-127"/>
+              <a:ea typeface="나눔바른고딕" panose="020B0603020101020101" pitchFamily="50" charset="-127"/>
+            </a:endParaRPr>
+          </a:p>
+        </p:txBody>
+      </p:sp>
+      <p:cxnSp>
+        <p:nvCxnSpPr>
+          <p:cNvPr id="4" name="직선 연결선 3"/>
+          <p:cNvCxnSpPr/>
+          <p:nvPr/>
+        </p:nvCxnSpPr>
+        <p:spPr>
+          <a:xfrm>
+            <a:off x="136868" y="401870"/>
+            <a:ext cx="8867351" cy="0"/>
+          </a:xfrm>
+          <a:prstGeom prst="line">
+            <a:avLst/>
+          </a:prstGeom>
+          <a:ln>
+            <a:solidFill>
+              <a:schemeClr val="tx1"/>
+            </a:solidFill>
+          </a:ln>
+        </p:spPr>
+        <p:style>
+          <a:lnRef idx="1">
+            <a:schemeClr val="accent1"/>
+          </a:lnRef>
+          <a:fillRef idx="0">
+            <a:schemeClr val="accent1"/>
+          </a:fillRef>
+          <a:effectRef idx="0">
+            <a:schemeClr val="accent1"/>
+          </a:effectRef>
+          <a:fontRef idx="minor">
+            <a:schemeClr val="tx1"/>
+          </a:fontRef>
+        </p:style>
+      </p:cxnSp>
+      <p:sp>
+        <p:nvSpPr>
+          <p:cNvPr id="6" name="직사각형 5"/>
+          <p:cNvSpPr/>
+          <p:nvPr/>
+        </p:nvSpPr>
+        <p:spPr>
+          <a:xfrm>
+            <a:off x="6970826" y="3804285"/>
+            <a:ext cx="1871023" cy="261610"/>
+          </a:xfrm>
+          <a:prstGeom prst="rect">
+            <a:avLst/>
+          </a:prstGeom>
+          <a:solidFill>
+            <a:schemeClr val="bg2"/>
+          </a:solidFill>
+          <a:ln>
+            <a:solidFill>
+              <a:srgbClr val="0070C0"/>
+            </a:solidFill>
+          </a:ln>
+        </p:spPr>
+        <p:txBody>
+          <a:bodyPr wrap="square">
+            <a:spAutoFit/>
+          </a:bodyPr>
+          <a:lstStyle/>
+          <a:p>
+            <a:pPr algn="r"/>
+            <a:r>
+              <a:rPr lang="ko-KR" altLang="en-US" sz="1100" dirty="0">
+                <a:ln>
+                  <a:solidFill>
+                    <a:schemeClr val="tx1">
+                      <a:alpha val="0"/>
+                    </a:schemeClr>
+                  </a:solidFill>
+                </a:ln>
+                <a:latin typeface="나눔바른고딕" panose="020B0603020101020101" pitchFamily="50" charset="-127"/>
+                <a:ea typeface="나눔바른고딕" panose="020B0603020101020101" pitchFamily="50" charset="-127"/>
+              </a:rPr>
+              <a:t>목표 </a:t>
+            </a:r>
+            <a:r>
+              <a:rPr lang="en-US" altLang="ko-KR" sz="1100" dirty="0">
+                <a:ln>
+                  <a:solidFill>
+                    <a:schemeClr val="tx1">
+                      <a:alpha val="0"/>
+                    </a:schemeClr>
+                  </a:solidFill>
+                </a:ln>
+                <a:latin typeface="나눔바른고딕" panose="020B0603020101020101" pitchFamily="50" charset="-127"/>
+                <a:ea typeface="나눔바른고딕" panose="020B0603020101020101" pitchFamily="50" charset="-127"/>
+              </a:rPr>
+              <a:t>: </a:t>
+            </a:r>
+            <a:r>
+              <a:rPr lang="ko-KR" altLang="en-US" sz="1100" dirty="0" err="1">
+                <a:ln>
+                  <a:solidFill>
+                    <a:schemeClr val="tx1">
+                      <a:alpha val="0"/>
+                    </a:schemeClr>
+                  </a:solidFill>
+                </a:ln>
+                <a:latin typeface="나눔바른고딕" panose="020B0603020101020101" pitchFamily="50" charset="-127"/>
+                <a:ea typeface="나눔바른고딕" panose="020B0603020101020101" pitchFamily="50" charset="-127"/>
+              </a:rPr>
+              <a:t>체험신청</a:t>
+            </a:r>
+            <a:r>
+              <a:rPr lang="en-US" altLang="ko-KR" sz="1100" dirty="0">
+                <a:ln>
+                  <a:solidFill>
+                    <a:schemeClr val="tx1">
+                      <a:alpha val="0"/>
+                    </a:schemeClr>
+                  </a:solidFill>
+                </a:ln>
+                <a:latin typeface="나눔바른고딕" panose="020B0603020101020101" pitchFamily="50" charset="-127"/>
+                <a:ea typeface="나눔바른고딕" panose="020B0603020101020101" pitchFamily="50" charset="-127"/>
+              </a:rPr>
+              <a:t>(</a:t>
+            </a:r>
+            <a:r>
+              <a:rPr lang="ko-KR" altLang="en-US" sz="1100" dirty="0">
+                <a:ln>
+                  <a:solidFill>
+                    <a:schemeClr val="tx1">
+                      <a:alpha val="0"/>
+                    </a:schemeClr>
+                  </a:solidFill>
+                </a:ln>
+                <a:latin typeface="나눔바른고딕" panose="020B0603020101020101" pitchFamily="50" charset="-127"/>
+                <a:ea typeface="나눔바른고딕" panose="020B0603020101020101" pitchFamily="50" charset="-127"/>
+              </a:rPr>
+              <a:t>완료</a:t>
+            </a:r>
+            <a:r>
+              <a:rPr lang="en-US" altLang="ko-KR" sz="1100" dirty="0">
+                <a:ln>
+                  <a:solidFill>
+                    <a:schemeClr val="tx1">
+                      <a:alpha val="0"/>
+                    </a:schemeClr>
+                  </a:solidFill>
+                </a:ln>
+                <a:latin typeface="나눔바른고딕" panose="020B0603020101020101" pitchFamily="50" charset="-127"/>
+                <a:ea typeface="나눔바른고딕" panose="020B0603020101020101" pitchFamily="50" charset="-127"/>
+              </a:rPr>
+              <a:t>) </a:t>
+            </a:r>
+          </a:p>
+        </p:txBody>
+      </p:sp>
+      <p:pic>
+        <p:nvPicPr>
+          <p:cNvPr id="7" name="그림 6"/>
+          <p:cNvPicPr>
+            <a:picLocks noChangeAspect="1"/>
+          </p:cNvPicPr>
+          <p:nvPr/>
+        </p:nvPicPr>
+        <p:blipFill>
+          <a:blip r:embed="rId4"/>
+          <a:stretch>
+            <a:fillRect/>
+          </a:stretch>
+        </p:blipFill>
+        <p:spPr>
+          <a:xfrm>
+            <a:off x="355200" y="610751"/>
+            <a:ext cx="5917782" cy="2182088"/>
+          </a:xfrm>
+          <a:prstGeom prst="rect">
+            <a:avLst/>
+          </a:prstGeom>
+        </p:spPr>
+      </p:pic>
+      <p:pic>
+        <p:nvPicPr>
+          <p:cNvPr id="8" name="그림 7"/>
+          <p:cNvPicPr>
+            <a:picLocks noChangeAspect="1"/>
+          </p:cNvPicPr>
+          <p:nvPr/>
+        </p:nvPicPr>
+        <p:blipFill>
+          <a:blip r:embed="rId5"/>
+          <a:stretch>
+            <a:fillRect/>
+          </a:stretch>
+        </p:blipFill>
+        <p:spPr>
+          <a:xfrm>
+            <a:off x="6430297" y="527100"/>
+            <a:ext cx="2573922" cy="2627545"/>
+          </a:xfrm>
+          <a:prstGeom prst="rect">
+            <a:avLst/>
+          </a:prstGeom>
+        </p:spPr>
+      </p:pic>
+      <p:sp>
+        <p:nvSpPr>
+          <p:cNvPr id="9" name="직사각형 8"/>
+          <p:cNvSpPr/>
+          <p:nvPr/>
+        </p:nvSpPr>
+        <p:spPr>
+          <a:xfrm>
+            <a:off x="5819685" y="6052567"/>
+            <a:ext cx="3222803" cy="646331"/>
+          </a:xfrm>
+          <a:prstGeom prst="rect">
+            <a:avLst/>
+          </a:prstGeom>
+          <a:solidFill>
+            <a:schemeClr val="accent4">
+              <a:lumMod val="20000"/>
+              <a:lumOff val="80000"/>
+            </a:schemeClr>
+          </a:solidFill>
+          <a:ln w="25400">
+            <a:solidFill>
+              <a:srgbClr val="C00000"/>
+            </a:solidFill>
+          </a:ln>
+        </p:spPr>
+        <p:txBody>
+          <a:bodyPr wrap="square">
+            <a:spAutoFit/>
+          </a:bodyPr>
+          <a:lstStyle/>
+          <a:p>
+            <a:pPr algn="r"/>
+            <a:r>
+              <a:rPr lang="ko-KR" altLang="en-US" sz="1200" dirty="0" smtClean="0">
+                <a:ln>
+                  <a:solidFill>
+                    <a:schemeClr val="tx1">
+                      <a:alpha val="0"/>
+                    </a:schemeClr>
+                  </a:solidFill>
+                </a:ln>
+                <a:latin typeface="나눔바른고딕" panose="020B0603020101020101" pitchFamily="50" charset="-127"/>
+                <a:ea typeface="나눔바른고딕" panose="020B0603020101020101" pitchFamily="50" charset="-127"/>
+              </a:rPr>
+              <a:t>회원가입을 완료한 고객 대상으로 나간 </a:t>
+            </a:r>
+            <a:r>
+              <a:rPr lang="ko-KR" altLang="en-US" sz="1200" dirty="0" err="1" smtClean="0">
+                <a:ln>
+                  <a:solidFill>
+                    <a:schemeClr val="tx1">
+                      <a:alpha val="0"/>
+                    </a:schemeClr>
+                  </a:solidFill>
+                </a:ln>
+                <a:latin typeface="나눔바른고딕" panose="020B0603020101020101" pitchFamily="50" charset="-127"/>
+                <a:ea typeface="나눔바른고딕" panose="020B0603020101020101" pitchFamily="50" charset="-127"/>
+              </a:rPr>
+              <a:t>푸시알림</a:t>
+            </a:r>
+            <a:endParaRPr lang="en-US" altLang="ko-KR" sz="1200" dirty="0" smtClean="0">
+              <a:ln>
+                <a:solidFill>
+                  <a:schemeClr val="tx1">
+                    <a:alpha val="0"/>
+                  </a:schemeClr>
+                </a:solidFill>
+              </a:ln>
+              <a:latin typeface="나눔바른고딕" panose="020B0603020101020101" pitchFamily="50" charset="-127"/>
+              <a:ea typeface="나눔바른고딕" panose="020B0603020101020101" pitchFamily="50" charset="-127"/>
+            </a:endParaRPr>
+          </a:p>
+          <a:p>
+            <a:pPr algn="r"/>
+            <a:endParaRPr lang="en-US" altLang="ko-KR" sz="1200" dirty="0">
+              <a:ln>
+                <a:solidFill>
+                  <a:schemeClr val="tx1">
+                    <a:alpha val="0"/>
+                  </a:schemeClr>
+                </a:solidFill>
+              </a:ln>
+              <a:latin typeface="나눔바른고딕" panose="020B0603020101020101" pitchFamily="50" charset="-127"/>
+              <a:ea typeface="나눔바른고딕" panose="020B0603020101020101" pitchFamily="50" charset="-127"/>
+            </a:endParaRPr>
+          </a:p>
+          <a:p>
+            <a:pPr algn="r"/>
+            <a:r>
+              <a:rPr lang="ko-KR" altLang="en-US" sz="1200" b="1" dirty="0" smtClean="0">
+                <a:ln>
+                  <a:solidFill>
+                    <a:schemeClr val="tx1">
+                      <a:alpha val="0"/>
+                    </a:schemeClr>
+                  </a:solidFill>
+                </a:ln>
+                <a:latin typeface="나눔바른고딕" panose="020B0603020101020101" pitchFamily="50" charset="-127"/>
+                <a:ea typeface="나눔바른고딕" panose="020B0603020101020101" pitchFamily="50" charset="-127"/>
+              </a:rPr>
+              <a:t>체험신청완료 </a:t>
+            </a:r>
+            <a:r>
+              <a:rPr lang="ko-KR" altLang="en-US" sz="1200" b="1" dirty="0" err="1" smtClean="0">
+                <a:ln>
+                  <a:solidFill>
+                    <a:schemeClr val="tx1">
+                      <a:alpha val="0"/>
+                    </a:schemeClr>
+                  </a:solidFill>
+                </a:ln>
+                <a:latin typeface="나눔바른고딕" panose="020B0603020101020101" pitchFamily="50" charset="-127"/>
+                <a:ea typeface="나눔바른고딕" panose="020B0603020101020101" pitchFamily="50" charset="-127"/>
+              </a:rPr>
+              <a:t>목표달성율</a:t>
+            </a:r>
+            <a:r>
+              <a:rPr lang="ko-KR" altLang="en-US" sz="1200" b="1" dirty="0" smtClean="0">
+                <a:ln>
+                  <a:solidFill>
+                    <a:schemeClr val="tx1">
+                      <a:alpha val="0"/>
+                    </a:schemeClr>
+                  </a:solidFill>
+                </a:ln>
+                <a:latin typeface="나눔바른고딕" panose="020B0603020101020101" pitchFamily="50" charset="-127"/>
+                <a:ea typeface="나눔바른고딕" panose="020B0603020101020101" pitchFamily="50" charset="-127"/>
+              </a:rPr>
+              <a:t> </a:t>
+            </a:r>
+            <a:r>
+              <a:rPr lang="en-US" altLang="ko-KR" sz="1200" b="1" dirty="0" smtClean="0">
+                <a:ln>
+                  <a:solidFill>
+                    <a:schemeClr val="tx1">
+                      <a:alpha val="0"/>
+                    </a:schemeClr>
+                  </a:solidFill>
+                </a:ln>
+                <a:latin typeface="나눔바른고딕" panose="020B0603020101020101" pitchFamily="50" charset="-127"/>
+                <a:ea typeface="나눔바른고딕" panose="020B0603020101020101" pitchFamily="50" charset="-127"/>
+              </a:rPr>
+              <a:t>12.5%</a:t>
+            </a:r>
+          </a:p>
+        </p:txBody>
+      </p:sp>
+      <p:sp>
+        <p:nvSpPr>
+          <p:cNvPr id="5" name="모서리가 둥근 직사각형 4"/>
+          <p:cNvSpPr/>
+          <p:nvPr/>
+        </p:nvSpPr>
+        <p:spPr>
+          <a:xfrm>
+            <a:off x="1978592" y="2934714"/>
+            <a:ext cx="1644825" cy="228119"/>
+          </a:xfrm>
+          <a:prstGeom prst="roundRect">
+            <a:avLst>
+              <a:gd name="adj" fmla="val 50000"/>
+            </a:avLst>
+          </a:prstGeom>
+          <a:solidFill>
+            <a:schemeClr val="bg1">
+              <a:lumMod val="85000"/>
+            </a:schemeClr>
+          </a:solidFill>
+          <a:ln>
+            <a:noFill/>
+          </a:ln>
+        </p:spPr>
+        <p:style>
+          <a:lnRef idx="2">
+            <a:schemeClr val="accent1">
+              <a:shade val="50000"/>
+            </a:schemeClr>
+          </a:lnRef>
+          <a:fillRef idx="1">
+            <a:schemeClr val="accent1"/>
+          </a:fillRef>
+          <a:effectRef idx="0">
+            <a:schemeClr val="accent1"/>
+          </a:effectRef>
+          <a:fontRef idx="minor">
+            <a:schemeClr val="lt1"/>
+          </a:fontRef>
+        </p:style>
+        <p:txBody>
+          <a:bodyPr rtlCol="0" anchor="ctr"/>
+          <a:lstStyle/>
+          <a:p>
+            <a:pPr algn="ctr"/>
+            <a:r>
+              <a:rPr lang="ko-KR" altLang="en-US" sz="1100" dirty="0" err="1" smtClean="0">
+                <a:ln>
+                  <a:solidFill>
+                    <a:schemeClr val="tx1">
+                      <a:alpha val="0"/>
+                    </a:schemeClr>
+                  </a:solidFill>
+                </a:ln>
+                <a:solidFill>
+                  <a:schemeClr val="tx1"/>
+                </a:solidFill>
+                <a:latin typeface="나눔바른고딕" panose="020B0603020101020101" pitchFamily="50" charset="-127"/>
+                <a:ea typeface="나눔바른고딕" panose="020B0603020101020101" pitchFamily="50" charset="-127"/>
+              </a:rPr>
+              <a:t>체험권</a:t>
+            </a:r>
+            <a:r>
+              <a:rPr lang="ko-KR" altLang="en-US" sz="1100" dirty="0" smtClean="0">
+                <a:ln>
+                  <a:solidFill>
+                    <a:schemeClr val="tx1">
+                      <a:alpha val="0"/>
+                    </a:schemeClr>
+                  </a:solidFill>
+                </a:ln>
+                <a:solidFill>
+                  <a:schemeClr val="tx1"/>
+                </a:solidFill>
+                <a:latin typeface="나눔바른고딕" panose="020B0603020101020101" pitchFamily="50" charset="-127"/>
+                <a:ea typeface="나눔바른고딕" panose="020B0603020101020101" pitchFamily="50" charset="-127"/>
+              </a:rPr>
+              <a:t> 유도 과정</a:t>
+            </a:r>
+            <a:endParaRPr lang="ko-KR" altLang="en-US" sz="1100" dirty="0">
+              <a:ln>
+                <a:solidFill>
+                  <a:schemeClr val="tx1">
+                    <a:alpha val="0"/>
+                  </a:schemeClr>
+                </a:solidFill>
+              </a:ln>
+              <a:solidFill>
+                <a:schemeClr val="tx1"/>
+              </a:solidFill>
+              <a:latin typeface="나눔바른고딕" panose="020B0603020101020101" pitchFamily="50" charset="-127"/>
+              <a:ea typeface="나눔바른고딕" panose="020B0603020101020101" pitchFamily="50" charset="-127"/>
+            </a:endParaRPr>
+          </a:p>
+        </p:txBody>
+      </p:sp>
+    </p:spTree>
+    <p:extLst>
+      <p:ext uri="{BB962C8B-B14F-4D97-AF65-F5344CB8AC3E}">
+        <p14:creationId xmlns:p14="http://schemas.microsoft.com/office/powerpoint/2010/main" val="149642991"/>
       </p:ext>
     </p:extLst>
   </p:cSld>

--- a/업무보고0108.pptx
+++ b/업무보고0108.pptx
@@ -3030,21 +3030,7 @@
                 <a:latin typeface="나눔바른고딕" panose="020B0603020101020101" pitchFamily="50" charset="-127"/>
                 <a:ea typeface="나눔바른고딕" panose="020B0603020101020101" pitchFamily="50" charset="-127"/>
               </a:rPr>
-              <a:t>월 </a:t>
-            </a:r>
-            <a:r>
-              <a:rPr lang="ko-KR" altLang="en-US" sz="3600" b="1" dirty="0" smtClean="0">
-                <a:ln>
-                  <a:solidFill>
-                    <a:schemeClr val="tx1">
-                      <a:alpha val="0"/>
-                    </a:schemeClr>
-                  </a:solidFill>
-                </a:ln>
-                <a:latin typeface="나눔바른고딕" panose="020B0603020101020101" pitchFamily="50" charset="-127"/>
-                <a:ea typeface="나눔바른고딕" panose="020B0603020101020101" pitchFamily="50" charset="-127"/>
-              </a:rPr>
-              <a:t>업무보고</a:t>
+              <a:t>월 업무보고</a:t>
             </a:r>
             <a:endParaRPr lang="en-US" altLang="ko-KR" sz="3600" b="1" dirty="0" smtClean="0">
               <a:ln>
@@ -3595,49 +3581,7 @@
                 <a:latin typeface="나눔바른고딕" panose="020B0603020101020101" pitchFamily="50" charset="-127"/>
                 <a:ea typeface="나눔바른고딕" panose="020B0603020101020101" pitchFamily="50" charset="-127"/>
               </a:rPr>
-              <a:t> </a:t>
-            </a:r>
-            <a:r>
-              <a:rPr lang="ko-KR" altLang="en-US" sz="1200" dirty="0" smtClean="0">
-                <a:ln>
-                  <a:solidFill>
-                    <a:schemeClr val="tx1">
-                      <a:alpha val="0"/>
-                    </a:schemeClr>
-                  </a:solidFill>
-                </a:ln>
-                <a:latin typeface="나눔바른고딕" panose="020B0603020101020101" pitchFamily="50" charset="-127"/>
-                <a:ea typeface="나눔바른고딕" panose="020B0603020101020101" pitchFamily="50" charset="-127"/>
-              </a:rPr>
-              <a:t>오류로 내주 </a:t>
-            </a:r>
-            <a:r>
-              <a:rPr lang="ko-KR" altLang="en-US" sz="1200" dirty="0" smtClean="0">
-                <a:ln>
-                  <a:solidFill>
-                    <a:schemeClr val="tx1">
-                      <a:alpha val="0"/>
-                    </a:schemeClr>
-                  </a:solidFill>
-                </a:ln>
-                <a:latin typeface="나눔바른고딕" panose="020B0603020101020101" pitchFamily="50" charset="-127"/>
-                <a:ea typeface="나눔바른고딕" panose="020B0603020101020101" pitchFamily="50" charset="-127"/>
-              </a:rPr>
-              <a:t>진행 </a:t>
-            </a:r>
-            <a:r>
-              <a:rPr lang="ko-KR" altLang="en-US" sz="1200" dirty="0" smtClean="0">
-                <a:ln>
-                  <a:solidFill>
-                    <a:schemeClr val="tx1">
-                      <a:alpha val="0"/>
-                    </a:schemeClr>
-                  </a:solidFill>
-                </a:ln>
-                <a:latin typeface="나눔바른고딕" panose="020B0603020101020101" pitchFamily="50" charset="-127"/>
-                <a:ea typeface="나눔바른고딕" panose="020B0603020101020101" pitchFamily="50" charset="-127"/>
-              </a:rPr>
-              <a:t>예정</a:t>
+              <a:t> 오류로 내주 진행 예정</a:t>
             </a:r>
             <a:endParaRPr lang="en-US" altLang="ko-KR" sz="1200" dirty="0" smtClean="0">
               <a:ln>
@@ -3789,21 +3733,7 @@
                 <a:latin typeface="나눔바른고딕" panose="020B0603020101020101" pitchFamily="50" charset="-127"/>
                 <a:ea typeface="나눔바른고딕" panose="020B0603020101020101" pitchFamily="50" charset="-127"/>
               </a:rPr>
-              <a:t>일 추가 체험 이벤트 </a:t>
-            </a:r>
-            <a:r>
-              <a:rPr lang="ko-KR" altLang="en-US" sz="1050" b="1" dirty="0" smtClean="0">
-                <a:ln>
-                  <a:solidFill>
-                    <a:schemeClr val="tx1">
-                      <a:alpha val="0"/>
-                    </a:schemeClr>
-                  </a:solidFill>
-                </a:ln>
-                <a:latin typeface="나눔바른고딕" panose="020B0603020101020101" pitchFamily="50" charset="-127"/>
-                <a:ea typeface="나눔바른고딕" panose="020B0603020101020101" pitchFamily="50" charset="-127"/>
-              </a:rPr>
-              <a:t>진행 현황</a:t>
+              <a:t>일 추가 체험 이벤트 진행 현황</a:t>
             </a:r>
             <a:endParaRPr lang="ko-KR" altLang="en-US" sz="1050" b="1" dirty="0">
               <a:ln>
@@ -3941,21 +3871,7 @@
                 <a:latin typeface="나눔바른고딕" panose="020B0603020101020101" pitchFamily="50" charset="-127"/>
                 <a:ea typeface="나눔바른고딕" panose="020B0603020101020101" pitchFamily="50" charset="-127"/>
               </a:rPr>
-              <a:t>일부로 이벤트 </a:t>
-            </a:r>
-            <a:r>
-              <a:rPr lang="ko-KR" altLang="en-US" sz="1200" dirty="0" smtClean="0">
-                <a:ln>
-                  <a:solidFill>
-                    <a:schemeClr val="tx1">
-                      <a:alpha val="0"/>
-                    </a:schemeClr>
-                  </a:solidFill>
-                </a:ln>
-                <a:latin typeface="나눔바른고딕" panose="020B0603020101020101" pitchFamily="50" charset="-127"/>
-                <a:ea typeface="나눔바른고딕" panose="020B0603020101020101" pitchFamily="50" charset="-127"/>
-              </a:rPr>
-              <a:t>진행</a:t>
+              <a:t>일부로 이벤트 진행</a:t>
             </a:r>
             <a:endParaRPr lang="en-US" altLang="ko-KR" sz="1200" dirty="0" smtClean="0">
               <a:ln>
@@ -4025,21 +3941,7 @@
                 <a:latin typeface="나눔바른고딕" panose="020B0603020101020101" pitchFamily="50" charset="-127"/>
                 <a:ea typeface="나눔바른고딕" panose="020B0603020101020101" pitchFamily="50" charset="-127"/>
               </a:rPr>
-              <a:t>일 정원 달성으로 마감</a:t>
-            </a:r>
-            <a:r>
-              <a:rPr lang="ko-KR" altLang="en-US" sz="1200" b="1" dirty="0" smtClean="0">
-                <a:ln>
-                  <a:solidFill>
-                    <a:schemeClr val="tx1">
-                      <a:alpha val="0"/>
-                    </a:schemeClr>
-                  </a:solidFill>
-                </a:ln>
-                <a:latin typeface="나눔바른고딕" panose="020B0603020101020101" pitchFamily="50" charset="-127"/>
-                <a:ea typeface="나눔바른고딕" panose="020B0603020101020101" pitchFamily="50" charset="-127"/>
-              </a:rPr>
-              <a:t> </a:t>
+              <a:t>일 정원 달성으로 마감 </a:t>
             </a:r>
             <a:endParaRPr lang="en-US" altLang="ko-KR" sz="1200" b="1" dirty="0" smtClean="0">
               <a:ln>
@@ -6774,6 +6676,123 @@
           </a:p>
         </p:txBody>
       </p:sp>
+      <p:sp>
+        <p:nvSpPr>
+          <p:cNvPr id="27" name="직사각형 26"/>
+          <p:cNvSpPr/>
+          <p:nvPr/>
+        </p:nvSpPr>
+        <p:spPr>
+          <a:xfrm>
+            <a:off x="6062996" y="5930167"/>
+            <a:ext cx="2802049" cy="461665"/>
+          </a:xfrm>
+          <a:prstGeom prst="rect">
+            <a:avLst/>
+          </a:prstGeom>
+          <a:solidFill>
+            <a:schemeClr val="accent4">
+              <a:lumMod val="20000"/>
+              <a:lumOff val="80000"/>
+            </a:schemeClr>
+          </a:solidFill>
+          <a:ln w="25400">
+            <a:solidFill>
+              <a:srgbClr val="C00000"/>
+            </a:solidFill>
+          </a:ln>
+        </p:spPr>
+        <p:txBody>
+          <a:bodyPr wrap="square">
+            <a:spAutoFit/>
+          </a:bodyPr>
+          <a:lstStyle/>
+          <a:p>
+            <a:pPr algn="r"/>
+            <a:r>
+              <a:rPr lang="ko-KR" altLang="en-US" sz="1200" b="1" dirty="0" smtClean="0">
+                <a:ln>
+                  <a:solidFill>
+                    <a:schemeClr val="tx1">
+                      <a:alpha val="0"/>
+                    </a:schemeClr>
+                  </a:solidFill>
+                </a:ln>
+                <a:latin typeface="나눔바른고딕" panose="020B0603020101020101" pitchFamily="50" charset="-127"/>
+                <a:ea typeface="나눔바른고딕" panose="020B0603020101020101" pitchFamily="50" charset="-127"/>
+              </a:rPr>
+              <a:t>모바일 </a:t>
+            </a:r>
+            <a:r>
+              <a:rPr lang="ko-KR" altLang="en-US" sz="1200" b="1" dirty="0" err="1" smtClean="0">
+                <a:ln>
+                  <a:solidFill>
+                    <a:schemeClr val="tx1">
+                      <a:alpha val="0"/>
+                    </a:schemeClr>
+                  </a:solidFill>
+                </a:ln>
+                <a:latin typeface="나눔바른고딕" panose="020B0603020101020101" pitchFamily="50" charset="-127"/>
+                <a:ea typeface="나눔바른고딕" panose="020B0603020101020101" pitchFamily="50" charset="-127"/>
+              </a:rPr>
+              <a:t>입찰가</a:t>
+            </a:r>
+            <a:r>
+              <a:rPr lang="ko-KR" altLang="en-US" sz="1200" b="1" dirty="0" smtClean="0">
+                <a:ln>
+                  <a:solidFill>
+                    <a:schemeClr val="tx1">
+                      <a:alpha val="0"/>
+                    </a:schemeClr>
+                  </a:solidFill>
+                </a:ln>
+                <a:latin typeface="나눔바른고딕" panose="020B0603020101020101" pitchFamily="50" charset="-127"/>
+                <a:ea typeface="나눔바른고딕" panose="020B0603020101020101" pitchFamily="50" charset="-127"/>
+              </a:rPr>
+              <a:t> 가중치 수정</a:t>
+            </a:r>
+            <a:endParaRPr lang="en-US" altLang="ko-KR" sz="1200" b="1" dirty="0" smtClean="0">
+              <a:ln>
+                <a:solidFill>
+                  <a:schemeClr val="tx1">
+                    <a:alpha val="0"/>
+                  </a:schemeClr>
+                </a:solidFill>
+              </a:ln>
+              <a:latin typeface="나눔바른고딕" panose="020B0603020101020101" pitchFamily="50" charset="-127"/>
+              <a:ea typeface="나눔바른고딕" panose="020B0603020101020101" pitchFamily="50" charset="-127"/>
+            </a:endParaRPr>
+          </a:p>
+          <a:p>
+            <a:pPr algn="r"/>
+            <a:r>
+              <a:rPr lang="ko-KR" altLang="en-US" sz="1200" b="1" dirty="0" smtClean="0">
+                <a:ln>
+                  <a:solidFill>
+                    <a:schemeClr val="tx1">
+                      <a:alpha val="0"/>
+                    </a:schemeClr>
+                  </a:solidFill>
+                </a:ln>
+                <a:latin typeface="나눔바른고딕" panose="020B0603020101020101" pitchFamily="50" charset="-127"/>
+                <a:ea typeface="나눔바른고딕" panose="020B0603020101020101" pitchFamily="50" charset="-127"/>
+              </a:rPr>
+              <a:t>키워드도 가중치 개별 수정</a:t>
+            </a:r>
+            <a:endParaRPr lang="en-US" altLang="ko-KR" sz="1200" dirty="0">
+              <a:ln>
+                <a:solidFill>
+                  <a:schemeClr val="tx1">
+                    <a:alpha val="0"/>
+                  </a:schemeClr>
+                </a:solidFill>
+              </a:ln>
+              <a:latin typeface="나눔바른고딕" panose="020B0603020101020101" pitchFamily="50" charset="-127"/>
+              <a:ea typeface="나눔바른고딕" panose="020B0603020101020101" pitchFamily="50" charset="-127"/>
+            </a:endParaRPr>
+          </a:p>
+        </p:txBody>
+      </p:sp>
     </p:spTree>
     <p:extLst>
       <p:ext uri="{BB962C8B-B14F-4D97-AF65-F5344CB8AC3E}">
@@ -7316,21 +7335,7 @@
                 <a:latin typeface="나눔바른고딕" panose="020B0603020101020101" pitchFamily="50" charset="-127"/>
                 <a:ea typeface="나눔바른고딕" panose="020B0603020101020101" pitchFamily="50" charset="-127"/>
               </a:rPr>
-              <a:t>치킨 </a:t>
-            </a:r>
-            <a:r>
-              <a:rPr lang="ko-KR" altLang="en-US" sz="1050" b="1" dirty="0" smtClean="0">
-                <a:ln>
-                  <a:solidFill>
-                    <a:schemeClr val="tx1">
-                      <a:alpha val="0"/>
-                    </a:schemeClr>
-                  </a:solidFill>
-                </a:ln>
-                <a:latin typeface="나눔바른고딕" panose="020B0603020101020101" pitchFamily="50" charset="-127"/>
-                <a:ea typeface="나눔바른고딕" panose="020B0603020101020101" pitchFamily="50" charset="-127"/>
-              </a:rPr>
-              <a:t>이벤트</a:t>
+              <a:t>치킨 이벤트</a:t>
             </a:r>
             <a:endParaRPr lang="ko-KR" altLang="en-US" sz="1050" b="1" dirty="0">
               <a:ln>
@@ -8471,35 +8476,7 @@
                 <a:latin typeface="나눔바른고딕" panose="020B0603020101020101" pitchFamily="50" charset="-127"/>
                 <a:ea typeface="나눔바른고딕" panose="020B0603020101020101" pitchFamily="50" charset="-127"/>
               </a:rPr>
-              <a:t> 사용 </a:t>
-            </a:r>
-            <a:r>
-              <a:rPr lang="ko-KR" altLang="en-US" sz="1200" b="1" dirty="0" smtClean="0">
-                <a:ln>
-                  <a:solidFill>
-                    <a:schemeClr val="tx1">
-                      <a:alpha val="0"/>
-                    </a:schemeClr>
-                  </a:solidFill>
-                </a:ln>
-                <a:latin typeface="나눔바른고딕" panose="020B0603020101020101" pitchFamily="50" charset="-127"/>
-                <a:ea typeface="나눔바른고딕" panose="020B0603020101020101" pitchFamily="50" charset="-127"/>
-              </a:rPr>
-              <a:t>증가</a:t>
-            </a:r>
-            <a:r>
-              <a:rPr lang="ko-KR" altLang="en-US" sz="1200" b="1" dirty="0" smtClean="0">
-                <a:ln>
-                  <a:solidFill>
-                    <a:schemeClr val="tx1">
-                      <a:alpha val="0"/>
-                    </a:schemeClr>
-                  </a:solidFill>
-                </a:ln>
-                <a:latin typeface="나눔바른고딕" panose="020B0603020101020101" pitchFamily="50" charset="-127"/>
-                <a:ea typeface="나눔바른고딕" panose="020B0603020101020101" pitchFamily="50" charset="-127"/>
-              </a:rPr>
-              <a:t>  </a:t>
+              <a:t> 사용 증가  </a:t>
             </a:r>
             <a:endParaRPr lang="en-US" altLang="ko-KR" sz="1200" b="1" dirty="0">
               <a:ln>
@@ -10438,21 +10415,7 @@
                 <a:latin typeface="나눔바른고딕" panose="020B0603020101020101" pitchFamily="50" charset="-127"/>
                 <a:ea typeface="나눔바른고딕" panose="020B0603020101020101" pitchFamily="50" charset="-127"/>
               </a:rPr>
-              <a:t> </a:t>
-            </a:r>
-            <a:r>
-              <a:rPr lang="ko-KR" altLang="en-US" sz="1050" b="1" dirty="0" smtClean="0">
-                <a:ln>
-                  <a:solidFill>
-                    <a:schemeClr val="tx1">
-                      <a:alpha val="0"/>
-                    </a:schemeClr>
-                  </a:solidFill>
-                </a:ln>
-                <a:latin typeface="나눔바른고딕" panose="020B0603020101020101" pitchFamily="50" charset="-127"/>
-                <a:ea typeface="나눔바른고딕" panose="020B0603020101020101" pitchFamily="50" charset="-127"/>
-              </a:rPr>
-              <a:t>마케팅 성과 </a:t>
+              <a:t> 마케팅 성과 </a:t>
             </a:r>
             <a:r>
               <a:rPr lang="en-US" altLang="ko-KR" sz="1050" b="1" dirty="0" smtClean="0">
@@ -10710,17 +10673,6 @@
               </a:rPr>
               <a:t>) </a:t>
             </a:r>
-            <a:endParaRPr lang="en-US" altLang="ko-KR" sz="1100" dirty="0" smtClean="0">
-              <a:ln>
-                <a:solidFill>
-                  <a:schemeClr val="tx1">
-                    <a:alpha val="0"/>
-                  </a:schemeClr>
-                </a:solidFill>
-              </a:ln>
-              <a:latin typeface="나눔바른고딕" panose="020B0603020101020101" pitchFamily="50" charset="-127"/>
-              <a:ea typeface="나눔바른고딕" panose="020B0603020101020101" pitchFamily="50" charset="-127"/>
-            </a:endParaRPr>
           </a:p>
           <a:p>
             <a:r>
